--- a/MCTV Limited.pptx
+++ b/MCTV Limited.pptx
@@ -163,10 +163,9 @@
           </a:lstStyle>
           <a:p>
             <a:r>
-              <a:rPr lang="en-US" smtClean="0"/>
+              <a:rPr lang="en-US"/>
               <a:t>Click to edit Master title style</a:t>
             </a:r>
-            <a:endParaRPr lang="en-US"/>
           </a:p>
         </p:txBody>
       </p:sp>
@@ -228,10 +227,9 @@
           </a:lstStyle>
           <a:p>
             <a:r>
-              <a:rPr lang="en-US" smtClean="0"/>
+              <a:rPr lang="en-US"/>
               <a:t>Click to edit Master subtitle style</a:t>
             </a:r>
-            <a:endParaRPr lang="en-US"/>
           </a:p>
         </p:txBody>
       </p:sp>
@@ -252,7 +250,7 @@
           <a:p>
             <a:fld id="{D42128AE-EDC0-49A1-B42D-4FCD81EA54AB}" type="datetimeFigureOut">
               <a:rPr lang="en-US" smtClean="0"/>
-              <a:t>3/8/2017</a:t>
+              <a:t>3/31/2017</a:t>
             </a:fld>
             <a:endParaRPr lang="en-US"/>
           </a:p>
@@ -346,10 +344,9 @@
           <a:lstStyle/>
           <a:p>
             <a:r>
-              <a:rPr lang="en-US" smtClean="0"/>
+              <a:rPr lang="en-US"/>
               <a:t>Click to edit Master title style</a:t>
             </a:r>
-            <a:endParaRPr lang="en-US"/>
           </a:p>
         </p:txBody>
       </p:sp>
@@ -370,38 +367,37 @@
           <a:p>
             <a:pPr lvl="0"/>
             <a:r>
-              <a:rPr lang="en-US" smtClean="0"/>
+              <a:rPr lang="en-US"/>
               <a:t>Edit Master text styles</a:t>
             </a:r>
           </a:p>
           <a:p>
             <a:pPr lvl="1"/>
             <a:r>
-              <a:rPr lang="en-US" smtClean="0"/>
+              <a:rPr lang="en-US"/>
               <a:t>Second level</a:t>
             </a:r>
           </a:p>
           <a:p>
             <a:pPr lvl="2"/>
             <a:r>
-              <a:rPr lang="en-US" smtClean="0"/>
+              <a:rPr lang="en-US"/>
               <a:t>Third level</a:t>
             </a:r>
           </a:p>
           <a:p>
             <a:pPr lvl="3"/>
             <a:r>
-              <a:rPr lang="en-US" smtClean="0"/>
+              <a:rPr lang="en-US"/>
               <a:t>Fourth level</a:t>
             </a:r>
           </a:p>
           <a:p>
             <a:pPr lvl="4"/>
             <a:r>
-              <a:rPr lang="en-US" smtClean="0"/>
+              <a:rPr lang="en-US"/>
               <a:t>Fifth level</a:t>
             </a:r>
-            <a:endParaRPr lang="en-US"/>
           </a:p>
         </p:txBody>
       </p:sp>
@@ -422,7 +418,7 @@
           <a:p>
             <a:fld id="{D42128AE-EDC0-49A1-B42D-4FCD81EA54AB}" type="datetimeFigureOut">
               <a:rPr lang="en-US" smtClean="0"/>
-              <a:t>3/8/2017</a:t>
+              <a:t>3/31/2017</a:t>
             </a:fld>
             <a:endParaRPr lang="en-US"/>
           </a:p>
@@ -521,10 +517,9 @@
           <a:lstStyle/>
           <a:p>
             <a:r>
-              <a:rPr lang="en-US" smtClean="0"/>
+              <a:rPr lang="en-US"/>
               <a:t>Click to edit Master title style</a:t>
             </a:r>
-            <a:endParaRPr lang="en-US"/>
           </a:p>
         </p:txBody>
       </p:sp>
@@ -550,38 +545,37 @@
           <a:p>
             <a:pPr lvl="0"/>
             <a:r>
-              <a:rPr lang="en-US" smtClean="0"/>
+              <a:rPr lang="en-US"/>
               <a:t>Edit Master text styles</a:t>
             </a:r>
           </a:p>
           <a:p>
             <a:pPr lvl="1"/>
             <a:r>
-              <a:rPr lang="en-US" smtClean="0"/>
+              <a:rPr lang="en-US"/>
               <a:t>Second level</a:t>
             </a:r>
           </a:p>
           <a:p>
             <a:pPr lvl="2"/>
             <a:r>
-              <a:rPr lang="en-US" smtClean="0"/>
+              <a:rPr lang="en-US"/>
               <a:t>Third level</a:t>
             </a:r>
           </a:p>
           <a:p>
             <a:pPr lvl="3"/>
             <a:r>
-              <a:rPr lang="en-US" smtClean="0"/>
+              <a:rPr lang="en-US"/>
               <a:t>Fourth level</a:t>
             </a:r>
           </a:p>
           <a:p>
             <a:pPr lvl="4"/>
             <a:r>
-              <a:rPr lang="en-US" smtClean="0"/>
+              <a:rPr lang="en-US"/>
               <a:t>Fifth level</a:t>
             </a:r>
-            <a:endParaRPr lang="en-US"/>
           </a:p>
         </p:txBody>
       </p:sp>
@@ -602,7 +596,7 @@
           <a:p>
             <a:fld id="{D42128AE-EDC0-49A1-B42D-4FCD81EA54AB}" type="datetimeFigureOut">
               <a:rPr lang="en-US" smtClean="0"/>
-              <a:t>3/8/2017</a:t>
+              <a:t>3/31/2017</a:t>
             </a:fld>
             <a:endParaRPr lang="en-US"/>
           </a:p>
@@ -696,10 +690,9 @@
           <a:lstStyle/>
           <a:p>
             <a:r>
-              <a:rPr lang="en-US" smtClean="0"/>
+              <a:rPr lang="en-US"/>
               <a:t>Click to edit Master title style</a:t>
             </a:r>
-            <a:endParaRPr lang="en-US"/>
           </a:p>
         </p:txBody>
       </p:sp>
@@ -720,38 +713,37 @@
           <a:p>
             <a:pPr lvl="0"/>
             <a:r>
-              <a:rPr lang="en-US" smtClean="0"/>
+              <a:rPr lang="en-US"/>
               <a:t>Edit Master text styles</a:t>
             </a:r>
           </a:p>
           <a:p>
             <a:pPr lvl="1"/>
             <a:r>
-              <a:rPr lang="en-US" smtClean="0"/>
+              <a:rPr lang="en-US"/>
               <a:t>Second level</a:t>
             </a:r>
           </a:p>
           <a:p>
             <a:pPr lvl="2"/>
             <a:r>
-              <a:rPr lang="en-US" smtClean="0"/>
+              <a:rPr lang="en-US"/>
               <a:t>Third level</a:t>
             </a:r>
           </a:p>
           <a:p>
             <a:pPr lvl="3"/>
             <a:r>
-              <a:rPr lang="en-US" smtClean="0"/>
+              <a:rPr lang="en-US"/>
               <a:t>Fourth level</a:t>
             </a:r>
           </a:p>
           <a:p>
             <a:pPr lvl="4"/>
             <a:r>
-              <a:rPr lang="en-US" smtClean="0"/>
+              <a:rPr lang="en-US"/>
               <a:t>Fifth level</a:t>
             </a:r>
-            <a:endParaRPr lang="en-US"/>
           </a:p>
         </p:txBody>
       </p:sp>
@@ -772,7 +764,7 @@
           <a:p>
             <a:fld id="{D42128AE-EDC0-49A1-B42D-4FCD81EA54AB}" type="datetimeFigureOut">
               <a:rPr lang="en-US" smtClean="0"/>
-              <a:t>3/8/2017</a:t>
+              <a:t>3/31/2017</a:t>
             </a:fld>
             <a:endParaRPr lang="en-US"/>
           </a:p>
@@ -875,10 +867,9 @@
           </a:lstStyle>
           <a:p>
             <a:r>
-              <a:rPr lang="en-US" smtClean="0"/>
+              <a:rPr lang="en-US"/>
               <a:t>Click to edit Master title style</a:t>
             </a:r>
-            <a:endParaRPr lang="en-US"/>
           </a:p>
         </p:txBody>
       </p:sp>
@@ -995,7 +986,7 @@
           <a:p>
             <a:pPr lvl="0"/>
             <a:r>
-              <a:rPr lang="en-US" smtClean="0"/>
+              <a:rPr lang="en-US"/>
               <a:t>Edit Master text styles</a:t>
             </a:r>
           </a:p>
@@ -1018,7 +1009,7 @@
           <a:p>
             <a:fld id="{D42128AE-EDC0-49A1-B42D-4FCD81EA54AB}" type="datetimeFigureOut">
               <a:rPr lang="en-US" smtClean="0"/>
-              <a:t>3/8/2017</a:t>
+              <a:t>3/31/2017</a:t>
             </a:fld>
             <a:endParaRPr lang="en-US"/>
           </a:p>
@@ -1112,10 +1103,9 @@
           <a:lstStyle/>
           <a:p>
             <a:r>
-              <a:rPr lang="en-US" smtClean="0"/>
+              <a:rPr lang="en-US"/>
               <a:t>Click to edit Master title style</a:t>
             </a:r>
-            <a:endParaRPr lang="en-US"/>
           </a:p>
         </p:txBody>
       </p:sp>
@@ -1141,38 +1131,37 @@
           <a:p>
             <a:pPr lvl="0"/>
             <a:r>
-              <a:rPr lang="en-US" smtClean="0"/>
+              <a:rPr lang="en-US"/>
               <a:t>Edit Master text styles</a:t>
             </a:r>
           </a:p>
           <a:p>
             <a:pPr lvl="1"/>
             <a:r>
-              <a:rPr lang="en-US" smtClean="0"/>
+              <a:rPr lang="en-US"/>
               <a:t>Second level</a:t>
             </a:r>
           </a:p>
           <a:p>
             <a:pPr lvl="2"/>
             <a:r>
-              <a:rPr lang="en-US" smtClean="0"/>
+              <a:rPr lang="en-US"/>
               <a:t>Third level</a:t>
             </a:r>
           </a:p>
           <a:p>
             <a:pPr lvl="3"/>
             <a:r>
-              <a:rPr lang="en-US" smtClean="0"/>
+              <a:rPr lang="en-US"/>
               <a:t>Fourth level</a:t>
             </a:r>
           </a:p>
           <a:p>
             <a:pPr lvl="4"/>
             <a:r>
-              <a:rPr lang="en-US" smtClean="0"/>
+              <a:rPr lang="en-US"/>
               <a:t>Fifth level</a:t>
             </a:r>
-            <a:endParaRPr lang="en-US"/>
           </a:p>
         </p:txBody>
       </p:sp>
@@ -1198,38 +1187,37 @@
           <a:p>
             <a:pPr lvl="0"/>
             <a:r>
-              <a:rPr lang="en-US" smtClean="0"/>
+              <a:rPr lang="en-US"/>
               <a:t>Edit Master text styles</a:t>
             </a:r>
           </a:p>
           <a:p>
             <a:pPr lvl="1"/>
             <a:r>
-              <a:rPr lang="en-US" smtClean="0"/>
+              <a:rPr lang="en-US"/>
               <a:t>Second level</a:t>
             </a:r>
           </a:p>
           <a:p>
             <a:pPr lvl="2"/>
             <a:r>
-              <a:rPr lang="en-US" smtClean="0"/>
+              <a:rPr lang="en-US"/>
               <a:t>Third level</a:t>
             </a:r>
           </a:p>
           <a:p>
             <a:pPr lvl="3"/>
             <a:r>
-              <a:rPr lang="en-US" smtClean="0"/>
+              <a:rPr lang="en-US"/>
               <a:t>Fourth level</a:t>
             </a:r>
           </a:p>
           <a:p>
             <a:pPr lvl="4"/>
             <a:r>
-              <a:rPr lang="en-US" smtClean="0"/>
+              <a:rPr lang="en-US"/>
               <a:t>Fifth level</a:t>
             </a:r>
-            <a:endParaRPr lang="en-US"/>
           </a:p>
         </p:txBody>
       </p:sp>
@@ -1250,7 +1238,7 @@
           <a:p>
             <a:fld id="{D42128AE-EDC0-49A1-B42D-4FCD81EA54AB}" type="datetimeFigureOut">
               <a:rPr lang="en-US" smtClean="0"/>
-              <a:t>3/8/2017</a:t>
+              <a:t>3/31/2017</a:t>
             </a:fld>
             <a:endParaRPr lang="en-US"/>
           </a:p>
@@ -1349,10 +1337,9 @@
           <a:lstStyle/>
           <a:p>
             <a:r>
-              <a:rPr lang="en-US" smtClean="0"/>
+              <a:rPr lang="en-US"/>
               <a:t>Click to edit Master title style</a:t>
             </a:r>
-            <a:endParaRPr lang="en-US"/>
           </a:p>
         </p:txBody>
       </p:sp>
@@ -1415,7 +1402,7 @@
           <a:p>
             <a:pPr lvl="0"/>
             <a:r>
-              <a:rPr lang="en-US" smtClean="0"/>
+              <a:rPr lang="en-US"/>
               <a:t>Edit Master text styles</a:t>
             </a:r>
           </a:p>
@@ -1443,38 +1430,37 @@
           <a:p>
             <a:pPr lvl="0"/>
             <a:r>
-              <a:rPr lang="en-US" smtClean="0"/>
+              <a:rPr lang="en-US"/>
               <a:t>Edit Master text styles</a:t>
             </a:r>
           </a:p>
           <a:p>
             <a:pPr lvl="1"/>
             <a:r>
-              <a:rPr lang="en-US" smtClean="0"/>
+              <a:rPr lang="en-US"/>
               <a:t>Second level</a:t>
             </a:r>
           </a:p>
           <a:p>
             <a:pPr lvl="2"/>
             <a:r>
-              <a:rPr lang="en-US" smtClean="0"/>
+              <a:rPr lang="en-US"/>
               <a:t>Third level</a:t>
             </a:r>
           </a:p>
           <a:p>
             <a:pPr lvl="3"/>
             <a:r>
-              <a:rPr lang="en-US" smtClean="0"/>
+              <a:rPr lang="en-US"/>
               <a:t>Fourth level</a:t>
             </a:r>
           </a:p>
           <a:p>
             <a:pPr lvl="4"/>
             <a:r>
-              <a:rPr lang="en-US" smtClean="0"/>
+              <a:rPr lang="en-US"/>
               <a:t>Fifth level</a:t>
             </a:r>
-            <a:endParaRPr lang="en-US"/>
           </a:p>
         </p:txBody>
       </p:sp>
@@ -1537,7 +1523,7 @@
           <a:p>
             <a:pPr lvl="0"/>
             <a:r>
-              <a:rPr lang="en-US" smtClean="0"/>
+              <a:rPr lang="en-US"/>
               <a:t>Edit Master text styles</a:t>
             </a:r>
           </a:p>
@@ -1565,38 +1551,37 @@
           <a:p>
             <a:pPr lvl="0"/>
             <a:r>
-              <a:rPr lang="en-US" smtClean="0"/>
+              <a:rPr lang="en-US"/>
               <a:t>Edit Master text styles</a:t>
             </a:r>
           </a:p>
           <a:p>
             <a:pPr lvl="1"/>
             <a:r>
-              <a:rPr lang="en-US" smtClean="0"/>
+              <a:rPr lang="en-US"/>
               <a:t>Second level</a:t>
             </a:r>
           </a:p>
           <a:p>
             <a:pPr lvl="2"/>
             <a:r>
-              <a:rPr lang="en-US" smtClean="0"/>
+              <a:rPr lang="en-US"/>
               <a:t>Third level</a:t>
             </a:r>
           </a:p>
           <a:p>
             <a:pPr lvl="3"/>
             <a:r>
-              <a:rPr lang="en-US" smtClean="0"/>
+              <a:rPr lang="en-US"/>
               <a:t>Fourth level</a:t>
             </a:r>
           </a:p>
           <a:p>
             <a:pPr lvl="4"/>
             <a:r>
-              <a:rPr lang="en-US" smtClean="0"/>
+              <a:rPr lang="en-US"/>
               <a:t>Fifth level</a:t>
             </a:r>
-            <a:endParaRPr lang="en-US"/>
           </a:p>
         </p:txBody>
       </p:sp>
@@ -1617,7 +1602,7 @@
           <a:p>
             <a:fld id="{D42128AE-EDC0-49A1-B42D-4FCD81EA54AB}" type="datetimeFigureOut">
               <a:rPr lang="en-US" smtClean="0"/>
-              <a:t>3/8/2017</a:t>
+              <a:t>3/31/2017</a:t>
             </a:fld>
             <a:endParaRPr lang="en-US"/>
           </a:p>
@@ -1711,10 +1696,9 @@
           <a:lstStyle/>
           <a:p>
             <a:r>
-              <a:rPr lang="en-US" smtClean="0"/>
+              <a:rPr lang="en-US"/>
               <a:t>Click to edit Master title style</a:t>
             </a:r>
-            <a:endParaRPr lang="en-US"/>
           </a:p>
         </p:txBody>
       </p:sp>
@@ -1735,7 +1719,7 @@
           <a:p>
             <a:fld id="{D42128AE-EDC0-49A1-B42D-4FCD81EA54AB}" type="datetimeFigureOut">
               <a:rPr lang="en-US" smtClean="0"/>
-              <a:t>3/8/2017</a:t>
+              <a:t>3/31/2017</a:t>
             </a:fld>
             <a:endParaRPr lang="en-US"/>
           </a:p>
@@ -1830,7 +1814,7 @@
           <a:p>
             <a:fld id="{D42128AE-EDC0-49A1-B42D-4FCD81EA54AB}" type="datetimeFigureOut">
               <a:rPr lang="en-US" smtClean="0"/>
-              <a:t>3/8/2017</a:t>
+              <a:t>3/31/2017</a:t>
             </a:fld>
             <a:endParaRPr lang="en-US"/>
           </a:p>
@@ -1933,10 +1917,9 @@
           </a:lstStyle>
           <a:p>
             <a:r>
-              <a:rPr lang="en-US" smtClean="0"/>
+              <a:rPr lang="en-US"/>
               <a:t>Click to edit Master title style</a:t>
             </a:r>
-            <a:endParaRPr lang="en-US"/>
           </a:p>
         </p:txBody>
       </p:sp>
@@ -1990,38 +1973,37 @@
           <a:p>
             <a:pPr lvl="0"/>
             <a:r>
-              <a:rPr lang="en-US" smtClean="0"/>
+              <a:rPr lang="en-US"/>
               <a:t>Edit Master text styles</a:t>
             </a:r>
           </a:p>
           <a:p>
             <a:pPr lvl="1"/>
             <a:r>
-              <a:rPr lang="en-US" smtClean="0"/>
+              <a:rPr lang="en-US"/>
               <a:t>Second level</a:t>
             </a:r>
           </a:p>
           <a:p>
             <a:pPr lvl="2"/>
             <a:r>
-              <a:rPr lang="en-US" smtClean="0"/>
+              <a:rPr lang="en-US"/>
               <a:t>Third level</a:t>
             </a:r>
           </a:p>
           <a:p>
             <a:pPr lvl="3"/>
             <a:r>
-              <a:rPr lang="en-US" smtClean="0"/>
+              <a:rPr lang="en-US"/>
               <a:t>Fourth level</a:t>
             </a:r>
           </a:p>
           <a:p>
             <a:pPr lvl="4"/>
             <a:r>
-              <a:rPr lang="en-US" smtClean="0"/>
+              <a:rPr lang="en-US"/>
               <a:t>Fifth level</a:t>
             </a:r>
-            <a:endParaRPr lang="en-US"/>
           </a:p>
         </p:txBody>
       </p:sp>
@@ -2084,7 +2066,7 @@
           <a:p>
             <a:pPr lvl="0"/>
             <a:r>
-              <a:rPr lang="en-US" smtClean="0"/>
+              <a:rPr lang="en-US"/>
               <a:t>Edit Master text styles</a:t>
             </a:r>
           </a:p>
@@ -2107,7 +2089,7 @@
           <a:p>
             <a:fld id="{D42128AE-EDC0-49A1-B42D-4FCD81EA54AB}" type="datetimeFigureOut">
               <a:rPr lang="en-US" smtClean="0"/>
-              <a:t>3/8/2017</a:t>
+              <a:t>3/31/2017</a:t>
             </a:fld>
             <a:endParaRPr lang="en-US"/>
           </a:p>
@@ -2210,10 +2192,9 @@
           </a:lstStyle>
           <a:p>
             <a:r>
-              <a:rPr lang="en-US" smtClean="0"/>
+              <a:rPr lang="en-US"/>
               <a:t>Click to edit Master title style</a:t>
             </a:r>
-            <a:endParaRPr lang="en-US"/>
           </a:p>
         </p:txBody>
       </p:sp>
@@ -2337,7 +2318,7 @@
           <a:p>
             <a:pPr lvl="0"/>
             <a:r>
-              <a:rPr lang="en-US" smtClean="0"/>
+              <a:rPr lang="en-US"/>
               <a:t>Edit Master text styles</a:t>
             </a:r>
           </a:p>
@@ -2360,7 +2341,7 @@
           <a:p>
             <a:fld id="{D42128AE-EDC0-49A1-B42D-4FCD81EA54AB}" type="datetimeFigureOut">
               <a:rPr lang="en-US" smtClean="0"/>
-              <a:t>3/8/2017</a:t>
+              <a:t>3/31/2017</a:t>
             </a:fld>
             <a:endParaRPr lang="en-US"/>
           </a:p>
@@ -2469,10 +2450,9 @@
           <a:lstStyle/>
           <a:p>
             <a:r>
-              <a:rPr lang="en-US" dirty="0" smtClean="0"/>
+              <a:rPr lang="en-US" dirty="0"/>
               <a:t>Click to edit Master title style</a:t>
             </a:r>
-            <a:endParaRPr lang="en-US" dirty="0"/>
           </a:p>
         </p:txBody>
       </p:sp>
@@ -2503,38 +2483,37 @@
           <a:p>
             <a:pPr lvl="0"/>
             <a:r>
-              <a:rPr lang="en-US" dirty="0" smtClean="0"/>
+              <a:rPr lang="en-US" dirty="0"/>
               <a:t>Edit Master text styles</a:t>
             </a:r>
           </a:p>
           <a:p>
             <a:pPr lvl="1"/>
             <a:r>
-              <a:rPr lang="en-US" dirty="0" smtClean="0"/>
+              <a:rPr lang="en-US" dirty="0"/>
               <a:t>Second level</a:t>
             </a:r>
           </a:p>
           <a:p>
             <a:pPr lvl="2"/>
             <a:r>
-              <a:rPr lang="en-US" dirty="0" smtClean="0"/>
+              <a:rPr lang="en-US" dirty="0"/>
               <a:t>Third level</a:t>
             </a:r>
           </a:p>
           <a:p>
             <a:pPr lvl="3"/>
             <a:r>
-              <a:rPr lang="en-US" dirty="0" smtClean="0"/>
+              <a:rPr lang="en-US" dirty="0"/>
               <a:t>Fourth level</a:t>
             </a:r>
           </a:p>
           <a:p>
             <a:pPr lvl="4"/>
             <a:r>
-              <a:rPr lang="en-US" dirty="0" smtClean="0"/>
+              <a:rPr lang="en-US" dirty="0"/>
               <a:t>Fifth level</a:t>
             </a:r>
-            <a:endParaRPr lang="en-US" dirty="0"/>
           </a:p>
         </p:txBody>
       </p:sp>
@@ -2573,7 +2552,7 @@
           <a:p>
             <a:fld id="{D42128AE-EDC0-49A1-B42D-4FCD81EA54AB}" type="datetimeFigureOut">
               <a:rPr lang="en-US" smtClean="0"/>
-              <a:t>3/8/2017</a:t>
+              <a:t>3/31/2017</a:t>
             </a:fld>
             <a:endParaRPr lang="en-US"/>
           </a:p>
@@ -3261,7 +3240,7 @@
           <a:lstStyle/>
           <a:p>
             <a:r>
-              <a:rPr lang="en-GB" dirty="0" smtClean="0"/>
+              <a:rPr lang="en-GB" dirty="0"/>
               <a:t>MCTV Limited</a:t>
             </a:r>
             <a:endParaRPr lang="en-US" dirty="0"/>
@@ -3289,8 +3268,8 @@
           <a:lstStyle/>
           <a:p>
             <a:r>
-              <a:rPr lang="en-GB" dirty="0" smtClean="0"/>
-              <a:t>Presented by: </a:t>
+              <a:rPr lang="en-GB" dirty="0"/>
+              <a:t>Presented by: Grigor Danut, Antonio Penna, Jack Gallaher and Dylan Gilroy.</a:t>
             </a:r>
             <a:endParaRPr lang="en-US" dirty="0"/>
           </a:p>
@@ -3320,22 +3299,22 @@
           <a:p>
             <a:pPr algn="ctr"/>
             <a:r>
-              <a:rPr lang="en-GB" dirty="0" smtClean="0"/>
+              <a:rPr lang="en-GB" dirty="0"/>
               <a:t>22</a:t>
             </a:r>
             <a:r>
-              <a:rPr lang="en-GB" baseline="30000" dirty="0" smtClean="0"/>
+              <a:rPr lang="en-GB" baseline="30000" dirty="0"/>
               <a:t>nd</a:t>
             </a:r>
             <a:r>
-              <a:rPr lang="en-GB" dirty="0" smtClean="0"/>
+              <a:rPr lang="en-GB" dirty="0"/>
               <a:t> April</a:t>
             </a:r>
           </a:p>
           <a:p>
             <a:pPr algn="ctr"/>
             <a:r>
-              <a:rPr lang="en-GB" dirty="0" smtClean="0"/>
+              <a:rPr lang="en-GB" dirty="0"/>
               <a:t> 2017</a:t>
             </a:r>
             <a:endParaRPr lang="en-US" dirty="0"/>
@@ -3388,7 +3367,7 @@
           <a:lstStyle/>
           <a:p>
             <a:r>
-              <a:rPr lang="en-GB" smtClean="0"/>
+              <a:rPr lang="en-GB"/>
               <a:t>Questions?</a:t>
             </a:r>
             <a:endParaRPr lang="en-US" dirty="0"/>
@@ -3405,15 +3384,92 @@
             <p:ph idx="1"/>
           </p:nvPr>
         </p:nvSpPr>
-        <p:spPr/>
-        <p:txBody>
-          <a:bodyPr/>
-          <a:lstStyle/>
-          <a:p>
-            <a:endParaRPr lang="en-US"/>
-          </a:p>
-        </p:txBody>
-      </p:sp>
+        <p:spPr>
+          <a:xfrm>
+            <a:off x="838200" y="1825625"/>
+            <a:ext cx="10515600" cy="4351338"/>
+          </a:xfrm>
+        </p:spPr>
+        <p:txBody>
+          <a:bodyPr/>
+          <a:lstStyle/>
+          <a:p>
+            <a:pPr algn="ctr"/>
+            <a:endParaRPr lang="en-US" dirty="0"/>
+          </a:p>
+          <a:p>
+            <a:pPr marL="0" indent="0" algn="ctr">
+              <a:buNone/>
+            </a:pPr>
+            <a:r>
+              <a:rPr lang="en-US" dirty="0"/>
+              <a:t>Thank you for listening </a:t>
+            </a:r>
+          </a:p>
+          <a:p>
+            <a:pPr marL="0" indent="0" algn="ctr">
+              <a:buNone/>
+            </a:pPr>
+            <a:r>
+              <a:rPr lang="en-US" dirty="0"/>
+              <a:t>Any Questions?</a:t>
+            </a:r>
+          </a:p>
+          <a:p>
+            <a:pPr marL="0" indent="0" algn="ctr">
+              <a:buNone/>
+            </a:pPr>
+            <a:endParaRPr lang="en-US" dirty="0"/>
+          </a:p>
+          <a:p>
+            <a:pPr marL="0" indent="0" algn="ctr">
+              <a:buNone/>
+            </a:pPr>
+            <a:endParaRPr lang="en-US" dirty="0"/>
+          </a:p>
+        </p:txBody>
+      </p:sp>
+      <p:pic>
+        <p:nvPicPr>
+          <p:cNvPr id="1026" name="Picture 2" descr="Image result for questions mark images"/>
+          <p:cNvPicPr>
+            <a:picLocks noChangeAspect="1" noChangeArrowheads="1"/>
+          </p:cNvPicPr>
+          <p:nvPr/>
+        </p:nvPicPr>
+        <p:blipFill>
+          <a:blip r:embed="rId2">
+            <a:extLst>
+              <a:ext uri="{28A0092B-C50C-407E-A947-70E740481C1C}">
+                <a14:useLocalDpi xmlns:a14="http://schemas.microsoft.com/office/drawing/2010/main" val="0"/>
+              </a:ext>
+            </a:extLst>
+          </a:blip>
+          <a:srcRect/>
+          <a:stretch>
+            <a:fillRect/>
+          </a:stretch>
+        </p:blipFill>
+        <p:spPr bwMode="auto">
+          <a:xfrm>
+            <a:off x="5028993" y="3642071"/>
+            <a:ext cx="1895475" cy="2409825"/>
+          </a:xfrm>
+          <a:prstGeom prst="rect">
+            <a:avLst/>
+          </a:prstGeom>
+          <a:noFill/>
+          <a:extLst>
+            <a:ext uri="{909E8E84-426E-40DD-AFC4-6F175D3DCCD1}">
+              <a14:hiddenFill xmlns:a14="http://schemas.microsoft.com/office/drawing/2010/main">
+                <a:solidFill>
+                  <a:srgbClr val="FFFFFF"/>
+                </a:solidFill>
+              </a14:hiddenFill>
+            </a:ext>
+          </a:extLst>
+        </p:spPr>
+      </p:pic>
     </p:spTree>
     <p:extLst>
       <p:ext uri="{BB962C8B-B14F-4D97-AF65-F5344CB8AC3E}">
@@ -3460,7 +3516,7 @@
           <a:lstStyle/>
           <a:p>
             <a:r>
-              <a:rPr lang="en-GB" dirty="0" smtClean="0"/>
+              <a:rPr lang="en-GB" dirty="0"/>
               <a:t>Agenda</a:t>
             </a:r>
             <a:endParaRPr lang="en-US" dirty="0"/>
@@ -3483,8 +3539,20 @@
           <a:lstStyle/>
           <a:p>
             <a:r>
-              <a:rPr lang="en-GB" dirty="0" smtClean="0"/>
-              <a:t>Introduction/Background</a:t>
+              <a:rPr lang="en-GB" dirty="0"/>
+              <a:t>The purpose of this presentation was to explore the development MCTV Limited. </a:t>
+            </a:r>
+          </a:p>
+          <a:p>
+            <a:r>
+              <a:rPr lang="en-GB" dirty="0"/>
+              <a:t>We as a group were given particular tasks in which we all had to take part in.</a:t>
+            </a:r>
+          </a:p>
+          <a:p>
+            <a:r>
+              <a:rPr lang="en-GB" dirty="0"/>
+              <a:t>We had to create a Database, UML charts and a website for the company. </a:t>
             </a:r>
           </a:p>
           <a:p>
@@ -3516,7 +3584,7 @@
           <a:p>
             <a:pPr algn="ctr"/>
             <a:r>
-              <a:rPr lang="en-GB" dirty="0" smtClean="0"/>
+              <a:rPr lang="en-GB" dirty="0"/>
               <a:t>Name of the presenter</a:t>
             </a:r>
             <a:endParaRPr lang="en-US" dirty="0"/>
@@ -3569,7 +3637,7 @@
           <a:lstStyle/>
           <a:p>
             <a:r>
-              <a:rPr lang="en-GB" dirty="0" smtClean="0"/>
+              <a:rPr lang="en-GB" dirty="0"/>
               <a:t>Introduction to Company</a:t>
             </a:r>
             <a:endParaRPr lang="en-US" dirty="0"/>
@@ -3592,14 +3660,51 @@
           <a:lstStyle/>
           <a:p>
             <a:r>
-              <a:rPr lang="en-GB" dirty="0" smtClean="0"/>
-              <a:t>Our top television brands are sourced from the best long established local manufacturers who use only the highest quality components. Sourcing locally means that we support the local job market and grow local industries. With our headquarter in Dublin, our company  has been doing like we’re doing it for TV </a:t>
-            </a:r>
-            <a:r>
-              <a:rPr lang="en-GB" dirty="0" smtClean="0"/>
-              <a:t>since 1955. </a:t>
+              <a:rPr lang="en-GB" dirty="0"/>
+              <a:t>With the headquarter in Dublin, company  has been manufacturing TV since 1955</a:t>
             </a:r>
             <a:endParaRPr lang="en-US" dirty="0"/>
+          </a:p>
+          <a:p>
+            <a:r>
+              <a:rPr lang="en-GB" dirty="0"/>
+              <a:t>MCTV use only the highest quality components</a:t>
+            </a:r>
+          </a:p>
+          <a:p>
+            <a:r>
+              <a:rPr lang="en-GB" dirty="0"/>
+              <a:t>Supporting the local job market and grow local industries</a:t>
+            </a:r>
+          </a:p>
+          <a:p>
+            <a:r>
+              <a:rPr lang="en-GB" dirty="0"/>
+              <a:t>  </a:t>
+            </a:r>
+          </a:p>
+          <a:p>
+            <a:r>
+              <a:rPr lang="en-GB" strike="sngStrike" dirty="0"/>
+              <a:t>Sourcing locally means that we </a:t>
+            </a:r>
+            <a:r>
+              <a:rPr lang="en-GB" dirty="0"/>
+              <a:t> </a:t>
+            </a:r>
+          </a:p>
+          <a:p>
+            <a:r>
+              <a:rPr lang="en-GB" dirty="0"/>
+              <a:t>MCTV </a:t>
+            </a:r>
+            <a:r>
+              <a:rPr lang="en-GB" strike="sngStrike" dirty="0"/>
+              <a:t>top television brands are sourced from the best long established local manufacturers who </a:t>
+            </a:r>
+          </a:p>
+          <a:p>
+            <a:endParaRPr lang="en-GB" dirty="0"/>
           </a:p>
         </p:txBody>
       </p:sp>
@@ -3676,7 +3781,7 @@
           <a:lstStyle/>
           <a:p>
             <a:r>
-              <a:rPr lang="en-GB" dirty="0" smtClean="0"/>
+              <a:rPr lang="en-GB" dirty="0"/>
               <a:t>Gantt Chart</a:t>
             </a:r>
             <a:endParaRPr lang="en-US" dirty="0"/>
@@ -3698,7 +3803,10 @@
           <a:bodyPr/>
           <a:lstStyle/>
           <a:p>
-            <a:endParaRPr lang="en-US"/>
+            <a:r>
+              <a:rPr lang="en-US"/>
+              <a:t>Gantt Chart</a:t>
+            </a:r>
           </a:p>
         </p:txBody>
       </p:sp>
@@ -3748,7 +3856,7 @@
           <a:lstStyle/>
           <a:p>
             <a:r>
-              <a:rPr lang="en-GB" dirty="0" smtClean="0"/>
+              <a:rPr lang="en-GB" dirty="0"/>
               <a:t>Individual Task</a:t>
             </a:r>
             <a:endParaRPr lang="en-US" dirty="0"/>
@@ -3820,7 +3928,7 @@
           <a:lstStyle/>
           <a:p>
             <a:r>
-              <a:rPr lang="en-GB" dirty="0" smtClean="0"/>
+              <a:rPr lang="en-GB" dirty="0"/>
               <a:t>Branding</a:t>
             </a:r>
             <a:endParaRPr lang="en-US" dirty="0"/>
@@ -3892,7 +4000,7 @@
           <a:lstStyle/>
           <a:p>
             <a:r>
-              <a:rPr lang="en-GB" dirty="0" smtClean="0"/>
+              <a:rPr lang="en-GB" dirty="0"/>
               <a:t>UML chart</a:t>
             </a:r>
             <a:endParaRPr lang="en-US" dirty="0"/>
@@ -3964,7 +4072,7 @@
           <a:lstStyle/>
           <a:p>
             <a:r>
-              <a:rPr lang="en-GB" dirty="0" smtClean="0"/>
+              <a:rPr lang="en-GB" dirty="0"/>
               <a:t>Website</a:t>
             </a:r>
             <a:endParaRPr lang="en-US" dirty="0"/>
@@ -4036,7 +4144,7 @@
           <a:lstStyle/>
           <a:p>
             <a:r>
-              <a:rPr lang="en-GB" dirty="0" smtClean="0"/>
+              <a:rPr lang="en-GB" dirty="0"/>
               <a:t>Conclusion</a:t>
             </a:r>
             <a:endParaRPr lang="en-US" dirty="0"/>
@@ -4058,7 +4166,7 @@
           <a:bodyPr/>
           <a:lstStyle/>
           <a:p>
-            <a:endParaRPr lang="en-US"/>
+            <a:endParaRPr lang="en-US" dirty="0"/>
           </a:p>
         </p:txBody>
       </p:sp>

--- a/MCTV Limited.pptx
+++ b/MCTV Limited.pptx
@@ -250,7 +250,7 @@
           <a:p>
             <a:fld id="{D42128AE-EDC0-49A1-B42D-4FCD81EA54AB}" type="datetimeFigureOut">
               <a:rPr lang="en-US" smtClean="0"/>
-              <a:t>3/31/2017</a:t>
+              <a:t>4/4/2017</a:t>
             </a:fld>
             <a:endParaRPr lang="en-US"/>
           </a:p>
@@ -418,7 +418,7 @@
           <a:p>
             <a:fld id="{D42128AE-EDC0-49A1-B42D-4FCD81EA54AB}" type="datetimeFigureOut">
               <a:rPr lang="en-US" smtClean="0"/>
-              <a:t>3/31/2017</a:t>
+              <a:t>4/4/2017</a:t>
             </a:fld>
             <a:endParaRPr lang="en-US"/>
           </a:p>
@@ -596,7 +596,7 @@
           <a:p>
             <a:fld id="{D42128AE-EDC0-49A1-B42D-4FCD81EA54AB}" type="datetimeFigureOut">
               <a:rPr lang="en-US" smtClean="0"/>
-              <a:t>3/31/2017</a:t>
+              <a:t>4/4/2017</a:t>
             </a:fld>
             <a:endParaRPr lang="en-US"/>
           </a:p>
@@ -764,7 +764,7 @@
           <a:p>
             <a:fld id="{D42128AE-EDC0-49A1-B42D-4FCD81EA54AB}" type="datetimeFigureOut">
               <a:rPr lang="en-US" smtClean="0"/>
-              <a:t>3/31/2017</a:t>
+              <a:t>4/4/2017</a:t>
             </a:fld>
             <a:endParaRPr lang="en-US"/>
           </a:p>
@@ -1009,7 +1009,7 @@
           <a:p>
             <a:fld id="{D42128AE-EDC0-49A1-B42D-4FCD81EA54AB}" type="datetimeFigureOut">
               <a:rPr lang="en-US" smtClean="0"/>
-              <a:t>3/31/2017</a:t>
+              <a:t>4/4/2017</a:t>
             </a:fld>
             <a:endParaRPr lang="en-US"/>
           </a:p>
@@ -1238,7 +1238,7 @@
           <a:p>
             <a:fld id="{D42128AE-EDC0-49A1-B42D-4FCD81EA54AB}" type="datetimeFigureOut">
               <a:rPr lang="en-US" smtClean="0"/>
-              <a:t>3/31/2017</a:t>
+              <a:t>4/4/2017</a:t>
             </a:fld>
             <a:endParaRPr lang="en-US"/>
           </a:p>
@@ -1602,7 +1602,7 @@
           <a:p>
             <a:fld id="{D42128AE-EDC0-49A1-B42D-4FCD81EA54AB}" type="datetimeFigureOut">
               <a:rPr lang="en-US" smtClean="0"/>
-              <a:t>3/31/2017</a:t>
+              <a:t>4/4/2017</a:t>
             </a:fld>
             <a:endParaRPr lang="en-US"/>
           </a:p>
@@ -1719,7 +1719,7 @@
           <a:p>
             <a:fld id="{D42128AE-EDC0-49A1-B42D-4FCD81EA54AB}" type="datetimeFigureOut">
               <a:rPr lang="en-US" smtClean="0"/>
-              <a:t>3/31/2017</a:t>
+              <a:t>4/4/2017</a:t>
             </a:fld>
             <a:endParaRPr lang="en-US"/>
           </a:p>
@@ -1814,7 +1814,7 @@
           <a:p>
             <a:fld id="{D42128AE-EDC0-49A1-B42D-4FCD81EA54AB}" type="datetimeFigureOut">
               <a:rPr lang="en-US" smtClean="0"/>
-              <a:t>3/31/2017</a:t>
+              <a:t>4/4/2017</a:t>
             </a:fld>
             <a:endParaRPr lang="en-US"/>
           </a:p>
@@ -2089,7 +2089,7 @@
           <a:p>
             <a:fld id="{D42128AE-EDC0-49A1-B42D-4FCD81EA54AB}" type="datetimeFigureOut">
               <a:rPr lang="en-US" smtClean="0"/>
-              <a:t>3/31/2017</a:t>
+              <a:t>4/4/2017</a:t>
             </a:fld>
             <a:endParaRPr lang="en-US"/>
           </a:p>
@@ -2341,7 +2341,7 @@
           <a:p>
             <a:fld id="{D42128AE-EDC0-49A1-B42D-4FCD81EA54AB}" type="datetimeFigureOut">
               <a:rPr lang="en-US" smtClean="0"/>
-              <a:t>3/31/2017</a:t>
+              <a:t>4/4/2017</a:t>
             </a:fld>
             <a:endParaRPr lang="en-US"/>
           </a:p>
@@ -2552,7 +2552,7 @@
           <a:p>
             <a:fld id="{D42128AE-EDC0-49A1-B42D-4FCD81EA54AB}" type="datetimeFigureOut">
               <a:rPr lang="en-US" smtClean="0"/>
-              <a:t>3/31/2017</a:t>
+              <a:t>4/4/2017</a:t>
             </a:fld>
             <a:endParaRPr lang="en-US"/>
           </a:p>
@@ -3551,8 +3551,8 @@
           </a:p>
           <a:p>
             <a:r>
-              <a:rPr lang="en-GB" dirty="0"/>
-              <a:t>We had to create a Database, UML charts and a website for the company. </a:t>
+              <a:rPr lang="en-US" dirty="0"/>
+              <a:t>During this presentation we will give a quick background MCTV Limited, showing our UML charts and the company website. </a:t>
             </a:r>
           </a:p>
           <a:p>
@@ -3803,10 +3803,7 @@
           <a:bodyPr/>
           <a:lstStyle/>
           <a:p>
-            <a:r>
-              <a:rPr lang="en-US"/>
-              <a:t>Gantt Chart</a:t>
-            </a:r>
+            <a:endParaRPr lang="en-US" dirty="0"/>
           </a:p>
         </p:txBody>
       </p:sp>
@@ -4166,7 +4163,10 @@
           <a:bodyPr/>
           <a:lstStyle/>
           <a:p>
-            <a:endParaRPr lang="en-US" dirty="0"/>
+            <a:r>
+              <a:rPr lang="en-US" dirty="0"/>
+              <a:t>MCTV Limited will continue to grow as a company in future and hopefully expand to become a bigger and better. </a:t>
+            </a:r>
           </a:p>
         </p:txBody>
       </p:sp>

--- a/MCTV Limited.pptx
+++ b/MCTV Limited.pptx
@@ -250,7 +250,7 @@
           <a:p>
             <a:fld id="{D42128AE-EDC0-49A1-B42D-4FCD81EA54AB}" type="datetimeFigureOut">
               <a:rPr lang="en-US" smtClean="0"/>
-              <a:t>4/4/2017</a:t>
+              <a:t>4/10/2017</a:t>
             </a:fld>
             <a:endParaRPr lang="en-US"/>
           </a:p>
@@ -418,7 +418,7 @@
           <a:p>
             <a:fld id="{D42128AE-EDC0-49A1-B42D-4FCD81EA54AB}" type="datetimeFigureOut">
               <a:rPr lang="en-US" smtClean="0"/>
-              <a:t>4/4/2017</a:t>
+              <a:t>4/10/2017</a:t>
             </a:fld>
             <a:endParaRPr lang="en-US"/>
           </a:p>
@@ -596,7 +596,7 @@
           <a:p>
             <a:fld id="{D42128AE-EDC0-49A1-B42D-4FCD81EA54AB}" type="datetimeFigureOut">
               <a:rPr lang="en-US" smtClean="0"/>
-              <a:t>4/4/2017</a:t>
+              <a:t>4/10/2017</a:t>
             </a:fld>
             <a:endParaRPr lang="en-US"/>
           </a:p>
@@ -764,7 +764,7 @@
           <a:p>
             <a:fld id="{D42128AE-EDC0-49A1-B42D-4FCD81EA54AB}" type="datetimeFigureOut">
               <a:rPr lang="en-US" smtClean="0"/>
-              <a:t>4/4/2017</a:t>
+              <a:t>4/10/2017</a:t>
             </a:fld>
             <a:endParaRPr lang="en-US"/>
           </a:p>
@@ -1009,7 +1009,7 @@
           <a:p>
             <a:fld id="{D42128AE-EDC0-49A1-B42D-4FCD81EA54AB}" type="datetimeFigureOut">
               <a:rPr lang="en-US" smtClean="0"/>
-              <a:t>4/4/2017</a:t>
+              <a:t>4/10/2017</a:t>
             </a:fld>
             <a:endParaRPr lang="en-US"/>
           </a:p>
@@ -1238,7 +1238,7 @@
           <a:p>
             <a:fld id="{D42128AE-EDC0-49A1-B42D-4FCD81EA54AB}" type="datetimeFigureOut">
               <a:rPr lang="en-US" smtClean="0"/>
-              <a:t>4/4/2017</a:t>
+              <a:t>4/10/2017</a:t>
             </a:fld>
             <a:endParaRPr lang="en-US"/>
           </a:p>
@@ -1602,7 +1602,7 @@
           <a:p>
             <a:fld id="{D42128AE-EDC0-49A1-B42D-4FCD81EA54AB}" type="datetimeFigureOut">
               <a:rPr lang="en-US" smtClean="0"/>
-              <a:t>4/4/2017</a:t>
+              <a:t>4/10/2017</a:t>
             </a:fld>
             <a:endParaRPr lang="en-US"/>
           </a:p>
@@ -1719,7 +1719,7 @@
           <a:p>
             <a:fld id="{D42128AE-EDC0-49A1-B42D-4FCD81EA54AB}" type="datetimeFigureOut">
               <a:rPr lang="en-US" smtClean="0"/>
-              <a:t>4/4/2017</a:t>
+              <a:t>4/10/2017</a:t>
             </a:fld>
             <a:endParaRPr lang="en-US"/>
           </a:p>
@@ -1814,7 +1814,7 @@
           <a:p>
             <a:fld id="{D42128AE-EDC0-49A1-B42D-4FCD81EA54AB}" type="datetimeFigureOut">
               <a:rPr lang="en-US" smtClean="0"/>
-              <a:t>4/4/2017</a:t>
+              <a:t>4/10/2017</a:t>
             </a:fld>
             <a:endParaRPr lang="en-US"/>
           </a:p>
@@ -2089,7 +2089,7 @@
           <a:p>
             <a:fld id="{D42128AE-EDC0-49A1-B42D-4FCD81EA54AB}" type="datetimeFigureOut">
               <a:rPr lang="en-US" smtClean="0"/>
-              <a:t>4/4/2017</a:t>
+              <a:t>4/10/2017</a:t>
             </a:fld>
             <a:endParaRPr lang="en-US"/>
           </a:p>
@@ -2341,7 +2341,7 @@
           <a:p>
             <a:fld id="{D42128AE-EDC0-49A1-B42D-4FCD81EA54AB}" type="datetimeFigureOut">
               <a:rPr lang="en-US" smtClean="0"/>
-              <a:t>4/4/2017</a:t>
+              <a:t>4/10/2017</a:t>
             </a:fld>
             <a:endParaRPr lang="en-US"/>
           </a:p>
@@ -2552,7 +2552,7 @@
           <a:p>
             <a:fld id="{D42128AE-EDC0-49A1-B42D-4FCD81EA54AB}" type="datetimeFigureOut">
               <a:rPr lang="en-US" smtClean="0"/>
-              <a:t>4/4/2017</a:t>
+              <a:t>4/10/2017</a:t>
             </a:fld>
             <a:endParaRPr lang="en-US"/>
           </a:p>
@@ -3470,6 +3470,35 @@
           </a:extLst>
         </p:spPr>
       </p:pic>
+      <p:sp>
+        <p:nvSpPr>
+          <p:cNvPr id="5" name="TextBox 4"/>
+          <p:cNvSpPr txBox="1"/>
+          <p:nvPr/>
+        </p:nvSpPr>
+        <p:spPr>
+          <a:xfrm>
+            <a:off x="10204173" y="658574"/>
+            <a:ext cx="1149626" cy="369332"/>
+          </a:xfrm>
+          <a:prstGeom prst="rect">
+            <a:avLst/>
+          </a:prstGeom>
+          <a:noFill/>
+        </p:spPr>
+        <p:txBody>
+          <a:bodyPr wrap="square" rtlCol="0">
+            <a:spAutoFit/>
+          </a:bodyPr>
+          <a:lstStyle/>
+          <a:p>
+            <a:r>
+              <a:rPr lang="en-GB" dirty="0"/>
+              <a:t>Everyone</a:t>
+            </a:r>
+          </a:p>
+        </p:txBody>
+      </p:sp>
     </p:spTree>
     <p:extLst>
       <p:ext uri="{BB962C8B-B14F-4D97-AF65-F5344CB8AC3E}">
@@ -3540,7 +3569,7 @@
           <a:p>
             <a:r>
               <a:rPr lang="en-GB" dirty="0"/>
-              <a:t>The purpose of this presentation was to explore the development MCTV Limited. </a:t>
+              <a:t>The purpose of this presentation was to explore the development of MCTV Limited. </a:t>
             </a:r>
           </a:p>
           <a:p>
@@ -3552,8 +3581,11 @@
           <a:p>
             <a:r>
               <a:rPr lang="en-US" dirty="0"/>
-              <a:t>During this presentation we will give a quick background MCTV Limited, showing our UML charts and the company website. </a:t>
-            </a:r>
+              <a:t>This presentation will feature a quick background MCTV Limited, the UML charts, Databases, the company Website and what holds for the future of MCTV Limited as the company grows.</a:t>
+            </a:r>
+          </a:p>
+          <a:p>
+            <a:endParaRPr lang="en-US" dirty="0"/>
           </a:p>
           <a:p>
             <a:endParaRPr lang="en-US" dirty="0"/>
@@ -3568,8 +3600,8 @@
         </p:nvSpPr>
         <p:spPr>
           <a:xfrm rot="1682298">
-            <a:off x="9483515" y="719476"/>
-            <a:ext cx="2318648" cy="369332"/>
+            <a:off x="10357345" y="719476"/>
+            <a:ext cx="570990" cy="369332"/>
           </a:xfrm>
           <a:prstGeom prst="rect">
             <a:avLst/>
@@ -3584,10 +3616,9 @@
           <a:p>
             <a:pPr algn="ctr"/>
             <a:r>
-              <a:rPr lang="en-GB" dirty="0"/>
-              <a:t>Name of the presenter</a:t>
-            </a:r>
-            <a:endParaRPr lang="en-US" dirty="0"/>
+              <a:rPr lang="en-US" dirty="0"/>
+              <a:t>Jack</a:t>
+            </a:r>
           </a:p>
         </p:txBody>
       </p:sp>
@@ -3661,7 +3692,7 @@
           <a:p>
             <a:r>
               <a:rPr lang="en-GB" dirty="0"/>
-              <a:t>With the headquarter in Dublin, company  has been manufacturing TV since 1955</a:t>
+              <a:t>With the headquarter in Dublin, company has been manufacturing TV since 1955</a:t>
             </a:r>
             <a:endParaRPr lang="en-US" dirty="0"/>
           </a:p>
@@ -3678,32 +3709,9 @@
             </a:r>
           </a:p>
           <a:p>
-            <a:r>
-              <a:rPr lang="en-GB" dirty="0"/>
-              <a:t>  </a:t>
-            </a:r>
-          </a:p>
-          <a:p>
-            <a:r>
-              <a:rPr lang="en-GB" strike="sngStrike" dirty="0"/>
-              <a:t>Sourcing locally means that we </a:t>
-            </a:r>
-            <a:r>
-              <a:rPr lang="en-GB" dirty="0"/>
-              <a:t> </a:t>
-            </a:r>
-          </a:p>
-          <a:p>
-            <a:r>
-              <a:rPr lang="en-GB" dirty="0"/>
-              <a:t>MCTV </a:t>
-            </a:r>
-            <a:r>
-              <a:rPr lang="en-GB" strike="sngStrike" dirty="0"/>
-              <a:t>top television brands are sourced from the best long established local manufacturers who </a:t>
-            </a:r>
-          </a:p>
-          <a:p>
+            <a:pPr marL="0" indent="0">
+              <a:buNone/>
+            </a:pPr>
             <a:endParaRPr lang="en-GB" dirty="0"/>
           </a:p>
         </p:txBody>
@@ -3716,8 +3724,8 @@
         </p:nvSpPr>
         <p:spPr>
           <a:xfrm rot="1682298">
-            <a:off x="10550469" y="719476"/>
-            <a:ext cx="184731" cy="369332"/>
+            <a:off x="10357341" y="719476"/>
+            <a:ext cx="570990" cy="369332"/>
           </a:xfrm>
           <a:prstGeom prst="rect">
             <a:avLst/>
@@ -3731,7 +3739,10 @@
           <a:lstStyle/>
           <a:p>
             <a:pPr algn="ctr"/>
-            <a:endParaRPr lang="en-US" dirty="0"/>
+            <a:r>
+              <a:rPr lang="en-US" dirty="0"/>
+              <a:t>Jack</a:t>
+            </a:r>
           </a:p>
         </p:txBody>
       </p:sp>
@@ -3807,6 +3818,35 @@
           </a:p>
         </p:txBody>
       </p:sp>
+      <p:sp>
+        <p:nvSpPr>
+          <p:cNvPr id="4" name="TextBox 3"/>
+          <p:cNvSpPr txBox="1"/>
+          <p:nvPr/>
+        </p:nvSpPr>
+        <p:spPr>
+          <a:xfrm>
+            <a:off x="10296939" y="658574"/>
+            <a:ext cx="874644" cy="369332"/>
+          </a:xfrm>
+          <a:prstGeom prst="rect">
+            <a:avLst/>
+          </a:prstGeom>
+          <a:noFill/>
+        </p:spPr>
+        <p:txBody>
+          <a:bodyPr wrap="square" rtlCol="0">
+            <a:spAutoFit/>
+          </a:bodyPr>
+          <a:lstStyle/>
+          <a:p>
+            <a:r>
+              <a:rPr lang="en-GB" dirty="0"/>
+              <a:t>Dylan</a:t>
+            </a:r>
+          </a:p>
+        </p:txBody>
+      </p:sp>
     </p:spTree>
     <p:extLst>
       <p:ext uri="{BB962C8B-B14F-4D97-AF65-F5344CB8AC3E}">
@@ -3875,7 +3915,63 @@
           <a:bodyPr/>
           <a:lstStyle/>
           <a:p>
-            <a:endParaRPr lang="en-US"/>
+            <a:r>
+              <a:rPr lang="en-US" dirty="0"/>
+              <a:t>Databases – Dylan Gilroy and Jack Gallaher </a:t>
+            </a:r>
+          </a:p>
+          <a:p>
+            <a:r>
+              <a:rPr lang="en-US" dirty="0"/>
+              <a:t>UML charts – Antonio Penna and Grigor Danut</a:t>
+            </a:r>
+          </a:p>
+          <a:p>
+            <a:r>
+              <a:rPr lang="en-US" dirty="0"/>
+              <a:t>WordPress – Antonio Penna and Grigor Danut</a:t>
+            </a:r>
+          </a:p>
+          <a:p>
+            <a:r>
+              <a:rPr lang="en-US" dirty="0"/>
+              <a:t>Trello – Jack Gallaher </a:t>
+            </a:r>
+          </a:p>
+          <a:p>
+            <a:r>
+              <a:rPr lang="en-US" dirty="0"/>
+              <a:t>Presentation – Antonio Penna, Grigor Daunt, Dylan Gilroy, Jack Gallaher.</a:t>
+            </a:r>
+          </a:p>
+        </p:txBody>
+      </p:sp>
+      <p:sp>
+        <p:nvSpPr>
+          <p:cNvPr id="4" name="TextBox 3"/>
+          <p:cNvSpPr txBox="1"/>
+          <p:nvPr/>
+        </p:nvSpPr>
+        <p:spPr>
+          <a:xfrm>
+            <a:off x="10323444" y="658574"/>
+            <a:ext cx="781878" cy="369332"/>
+          </a:xfrm>
+          <a:prstGeom prst="rect">
+            <a:avLst/>
+          </a:prstGeom>
+          <a:noFill/>
+        </p:spPr>
+        <p:txBody>
+          <a:bodyPr wrap="square" rtlCol="0">
+            <a:spAutoFit/>
+          </a:bodyPr>
+          <a:lstStyle/>
+          <a:p>
+            <a:r>
+              <a:rPr lang="en-GB" dirty="0"/>
+              <a:t>Dylan</a:t>
+            </a:r>
           </a:p>
         </p:txBody>
       </p:sp>
@@ -3926,7 +4022,7 @@
           <a:p>
             <a:r>
               <a:rPr lang="en-GB" dirty="0"/>
-              <a:t>Branding</a:t>
+              <a:t>Databases</a:t>
             </a:r>
             <a:endParaRPr lang="en-US" dirty="0"/>
           </a:p>
@@ -3947,7 +4043,36 @@
           <a:bodyPr/>
           <a:lstStyle/>
           <a:p>
-            <a:endParaRPr lang="en-US"/>
+            <a:endParaRPr lang="en-US" dirty="0"/>
+          </a:p>
+        </p:txBody>
+      </p:sp>
+      <p:sp>
+        <p:nvSpPr>
+          <p:cNvPr id="4" name="TextBox 3"/>
+          <p:cNvSpPr txBox="1"/>
+          <p:nvPr/>
+        </p:nvSpPr>
+        <p:spPr>
+          <a:xfrm>
+            <a:off x="10296939" y="658574"/>
+            <a:ext cx="821635" cy="369332"/>
+          </a:xfrm>
+          <a:prstGeom prst="rect">
+            <a:avLst/>
+          </a:prstGeom>
+          <a:noFill/>
+        </p:spPr>
+        <p:txBody>
+          <a:bodyPr wrap="square" rtlCol="0">
+            <a:spAutoFit/>
+          </a:bodyPr>
+          <a:lstStyle/>
+          <a:p>
+            <a:r>
+              <a:rPr lang="en-GB" dirty="0"/>
+              <a:t>Grigor</a:t>
+            </a:r>
           </a:p>
         </p:txBody>
       </p:sp>
@@ -4023,6 +4148,35 @@
           </a:p>
         </p:txBody>
       </p:sp>
+      <p:sp>
+        <p:nvSpPr>
+          <p:cNvPr id="4" name="TextBox 3"/>
+          <p:cNvSpPr txBox="1"/>
+          <p:nvPr/>
+        </p:nvSpPr>
+        <p:spPr>
+          <a:xfrm>
+            <a:off x="10323443" y="658574"/>
+            <a:ext cx="861392" cy="369332"/>
+          </a:xfrm>
+          <a:prstGeom prst="rect">
+            <a:avLst/>
+          </a:prstGeom>
+          <a:noFill/>
+        </p:spPr>
+        <p:txBody>
+          <a:bodyPr wrap="square" rtlCol="0">
+            <a:spAutoFit/>
+          </a:bodyPr>
+          <a:lstStyle/>
+          <a:p>
+            <a:r>
+              <a:rPr lang="en-GB" dirty="0"/>
+              <a:t>Grigor</a:t>
+            </a:r>
+          </a:p>
+        </p:txBody>
+      </p:sp>
     </p:spTree>
     <p:extLst>
       <p:ext uri="{BB962C8B-B14F-4D97-AF65-F5344CB8AC3E}">
@@ -4095,6 +4249,35 @@
           </a:p>
         </p:txBody>
       </p:sp>
+      <p:sp>
+        <p:nvSpPr>
+          <p:cNvPr id="4" name="TextBox 3"/>
+          <p:cNvSpPr txBox="1"/>
+          <p:nvPr/>
+        </p:nvSpPr>
+        <p:spPr>
+          <a:xfrm>
+            <a:off x="10230678" y="658574"/>
+            <a:ext cx="954156" cy="369332"/>
+          </a:xfrm>
+          <a:prstGeom prst="rect">
+            <a:avLst/>
+          </a:prstGeom>
+          <a:noFill/>
+        </p:spPr>
+        <p:txBody>
+          <a:bodyPr wrap="square" rtlCol="0">
+            <a:spAutoFit/>
+          </a:bodyPr>
+          <a:lstStyle/>
+          <a:p>
+            <a:r>
+              <a:rPr lang="en-GB" dirty="0"/>
+              <a:t>Antonio</a:t>
+            </a:r>
+          </a:p>
+        </p:txBody>
+      </p:sp>
     </p:spTree>
     <p:extLst>
       <p:ext uri="{BB962C8B-B14F-4D97-AF65-F5344CB8AC3E}">
@@ -4165,7 +4348,48 @@
           <a:p>
             <a:r>
               <a:rPr lang="en-US" dirty="0"/>
-              <a:t>MCTV Limited will continue to grow as a company in future and hopefully expand to become a bigger and better. </a:t>
+              <a:t>MCTV Limited will continue to grow as a company in future </a:t>
+            </a:r>
+          </a:p>
+          <a:p>
+            <a:r>
+              <a:rPr lang="en-US" dirty="0"/>
+              <a:t>We hope that as the company moves to the cloud it will become more efficient. </a:t>
+            </a:r>
+          </a:p>
+          <a:p>
+            <a:endParaRPr lang="en-US" dirty="0"/>
+          </a:p>
+          <a:p>
+            <a:endParaRPr lang="en-US" dirty="0"/>
+          </a:p>
+        </p:txBody>
+      </p:sp>
+      <p:sp>
+        <p:nvSpPr>
+          <p:cNvPr id="4" name="TextBox 3"/>
+          <p:cNvSpPr txBox="1"/>
+          <p:nvPr/>
+        </p:nvSpPr>
+        <p:spPr>
+          <a:xfrm>
+            <a:off x="10217426" y="658574"/>
+            <a:ext cx="940904" cy="369332"/>
+          </a:xfrm>
+          <a:prstGeom prst="rect">
+            <a:avLst/>
+          </a:prstGeom>
+          <a:noFill/>
+        </p:spPr>
+        <p:txBody>
+          <a:bodyPr wrap="square" rtlCol="0">
+            <a:spAutoFit/>
+          </a:bodyPr>
+          <a:lstStyle/>
+          <a:p>
+            <a:r>
+              <a:rPr lang="en-GB" dirty="0"/>
+              <a:t>Antonio</a:t>
             </a:r>
           </a:p>
         </p:txBody>

--- a/MCTV Limited.pptx
+++ b/MCTV Limited.pptx
@@ -250,7 +250,7 @@
           <a:p>
             <a:fld id="{D42128AE-EDC0-49A1-B42D-4FCD81EA54AB}" type="datetimeFigureOut">
               <a:rPr lang="en-US" smtClean="0"/>
-              <a:t>4/10/2017</a:t>
+              <a:t>4/13/2017</a:t>
             </a:fld>
             <a:endParaRPr lang="en-US"/>
           </a:p>
@@ -418,7 +418,7 @@
           <a:p>
             <a:fld id="{D42128AE-EDC0-49A1-B42D-4FCD81EA54AB}" type="datetimeFigureOut">
               <a:rPr lang="en-US" smtClean="0"/>
-              <a:t>4/10/2017</a:t>
+              <a:t>4/13/2017</a:t>
             </a:fld>
             <a:endParaRPr lang="en-US"/>
           </a:p>
@@ -596,7 +596,7 @@
           <a:p>
             <a:fld id="{D42128AE-EDC0-49A1-B42D-4FCD81EA54AB}" type="datetimeFigureOut">
               <a:rPr lang="en-US" smtClean="0"/>
-              <a:t>4/10/2017</a:t>
+              <a:t>4/13/2017</a:t>
             </a:fld>
             <a:endParaRPr lang="en-US"/>
           </a:p>
@@ -764,7 +764,7 @@
           <a:p>
             <a:fld id="{D42128AE-EDC0-49A1-B42D-4FCD81EA54AB}" type="datetimeFigureOut">
               <a:rPr lang="en-US" smtClean="0"/>
-              <a:t>4/10/2017</a:t>
+              <a:t>4/13/2017</a:t>
             </a:fld>
             <a:endParaRPr lang="en-US"/>
           </a:p>
@@ -1009,7 +1009,7 @@
           <a:p>
             <a:fld id="{D42128AE-EDC0-49A1-B42D-4FCD81EA54AB}" type="datetimeFigureOut">
               <a:rPr lang="en-US" smtClean="0"/>
-              <a:t>4/10/2017</a:t>
+              <a:t>4/13/2017</a:t>
             </a:fld>
             <a:endParaRPr lang="en-US"/>
           </a:p>
@@ -1238,7 +1238,7 @@
           <a:p>
             <a:fld id="{D42128AE-EDC0-49A1-B42D-4FCD81EA54AB}" type="datetimeFigureOut">
               <a:rPr lang="en-US" smtClean="0"/>
-              <a:t>4/10/2017</a:t>
+              <a:t>4/13/2017</a:t>
             </a:fld>
             <a:endParaRPr lang="en-US"/>
           </a:p>
@@ -1602,7 +1602,7 @@
           <a:p>
             <a:fld id="{D42128AE-EDC0-49A1-B42D-4FCD81EA54AB}" type="datetimeFigureOut">
               <a:rPr lang="en-US" smtClean="0"/>
-              <a:t>4/10/2017</a:t>
+              <a:t>4/13/2017</a:t>
             </a:fld>
             <a:endParaRPr lang="en-US"/>
           </a:p>
@@ -1719,7 +1719,7 @@
           <a:p>
             <a:fld id="{D42128AE-EDC0-49A1-B42D-4FCD81EA54AB}" type="datetimeFigureOut">
               <a:rPr lang="en-US" smtClean="0"/>
-              <a:t>4/10/2017</a:t>
+              <a:t>4/13/2017</a:t>
             </a:fld>
             <a:endParaRPr lang="en-US"/>
           </a:p>
@@ -1814,7 +1814,7 @@
           <a:p>
             <a:fld id="{D42128AE-EDC0-49A1-B42D-4FCD81EA54AB}" type="datetimeFigureOut">
               <a:rPr lang="en-US" smtClean="0"/>
-              <a:t>4/10/2017</a:t>
+              <a:t>4/13/2017</a:t>
             </a:fld>
             <a:endParaRPr lang="en-US"/>
           </a:p>
@@ -2089,7 +2089,7 @@
           <a:p>
             <a:fld id="{D42128AE-EDC0-49A1-B42D-4FCD81EA54AB}" type="datetimeFigureOut">
               <a:rPr lang="en-US" smtClean="0"/>
-              <a:t>4/10/2017</a:t>
+              <a:t>4/13/2017</a:t>
             </a:fld>
             <a:endParaRPr lang="en-US"/>
           </a:p>
@@ -2341,7 +2341,7 @@
           <a:p>
             <a:fld id="{D42128AE-EDC0-49A1-B42D-4FCD81EA54AB}" type="datetimeFigureOut">
               <a:rPr lang="en-US" smtClean="0"/>
-              <a:t>4/10/2017</a:t>
+              <a:t>4/13/2017</a:t>
             </a:fld>
             <a:endParaRPr lang="en-US"/>
           </a:p>
@@ -2552,7 +2552,7 @@
           <a:p>
             <a:fld id="{D42128AE-EDC0-49A1-B42D-4FCD81EA54AB}" type="datetimeFigureOut">
               <a:rPr lang="en-US" smtClean="0"/>
-              <a:t>4/10/2017</a:t>
+              <a:t>4/13/2017</a:t>
             </a:fld>
             <a:endParaRPr lang="en-US"/>
           </a:p>
@@ -4144,7 +4144,43 @@
           <a:bodyPr/>
           <a:lstStyle/>
           <a:p>
-            <a:endParaRPr lang="en-US"/>
+            <a:r>
+              <a:rPr lang="en-US" dirty="0"/>
+              <a:t>Customers Table</a:t>
+            </a:r>
+          </a:p>
+          <a:p>
+            <a:r>
+              <a:rPr lang="en-US" dirty="0"/>
+              <a:t>Employees Table</a:t>
+            </a:r>
+          </a:p>
+          <a:p>
+            <a:r>
+              <a:rPr lang="en-US" dirty="0"/>
+              <a:t>Product Table</a:t>
+            </a:r>
+          </a:p>
+          <a:p>
+            <a:r>
+              <a:rPr lang="en-US" dirty="0"/>
+              <a:t>Suggestion Table</a:t>
+            </a:r>
+          </a:p>
+          <a:p>
+            <a:r>
+              <a:rPr lang="en-US" dirty="0"/>
+              <a:t>Suppliers Table</a:t>
+            </a:r>
+          </a:p>
+          <a:p>
+            <a:r>
+              <a:rPr lang="en-US" dirty="0"/>
+              <a:t>Navigation Form</a:t>
+            </a:r>
+          </a:p>
+          <a:p>
+            <a:endParaRPr lang="en-US" dirty="0"/>
           </a:p>
         </p:txBody>
       </p:sp>

--- a/MCTV Limited.pptx
+++ b/MCTV Limited.pptx
@@ -4158,13 +4158,13 @@
           <a:p>
             <a:r>
               <a:rPr lang="en-US" dirty="0"/>
-              <a:t>Product Table</a:t>
+              <a:t>Products Table</a:t>
             </a:r>
           </a:p>
           <a:p>
             <a:r>
               <a:rPr lang="en-US" dirty="0"/>
-              <a:t>Suggestion Table</a:t>
+              <a:t>Suggestions Table</a:t>
             </a:r>
           </a:p>
           <a:p>

--- a/MCTV Limited.pptx
+++ b/MCTV Limited.pptx
@@ -9,12 +9,16 @@
     <p:sldId id="257" r:id="rId3"/>
     <p:sldId id="258" r:id="rId4"/>
     <p:sldId id="259" r:id="rId5"/>
-    <p:sldId id="260" r:id="rId6"/>
-    <p:sldId id="261" r:id="rId7"/>
-    <p:sldId id="262" r:id="rId8"/>
-    <p:sldId id="263" r:id="rId9"/>
-    <p:sldId id="264" r:id="rId10"/>
-    <p:sldId id="265" r:id="rId11"/>
+    <p:sldId id="266" r:id="rId6"/>
+    <p:sldId id="267" r:id="rId7"/>
+    <p:sldId id="268" r:id="rId8"/>
+    <p:sldId id="260" r:id="rId9"/>
+    <p:sldId id="261" r:id="rId10"/>
+    <p:sldId id="262" r:id="rId11"/>
+    <p:sldId id="269" r:id="rId12"/>
+    <p:sldId id="263" r:id="rId13"/>
+    <p:sldId id="264" r:id="rId14"/>
+    <p:sldId id="265" r:id="rId15"/>
   </p:sldIdLst>
   <p:sldSz cx="12192000" cy="6858000"/>
   <p:notesSz cx="6858000" cy="9144000"/>
@@ -250,7 +254,7 @@
           <a:p>
             <a:fld id="{D42128AE-EDC0-49A1-B42D-4FCD81EA54AB}" type="datetimeFigureOut">
               <a:rPr lang="en-US" smtClean="0"/>
-              <a:t>4/13/2017</a:t>
+              <a:t>4/16/2017</a:t>
             </a:fld>
             <a:endParaRPr lang="en-US"/>
           </a:p>
@@ -418,7 +422,7 @@
           <a:p>
             <a:fld id="{D42128AE-EDC0-49A1-B42D-4FCD81EA54AB}" type="datetimeFigureOut">
               <a:rPr lang="en-US" smtClean="0"/>
-              <a:t>4/13/2017</a:t>
+              <a:t>4/16/2017</a:t>
             </a:fld>
             <a:endParaRPr lang="en-US"/>
           </a:p>
@@ -596,7 +600,7 @@
           <a:p>
             <a:fld id="{D42128AE-EDC0-49A1-B42D-4FCD81EA54AB}" type="datetimeFigureOut">
               <a:rPr lang="en-US" smtClean="0"/>
-              <a:t>4/13/2017</a:t>
+              <a:t>4/16/2017</a:t>
             </a:fld>
             <a:endParaRPr lang="en-US"/>
           </a:p>
@@ -764,7 +768,7 @@
           <a:p>
             <a:fld id="{D42128AE-EDC0-49A1-B42D-4FCD81EA54AB}" type="datetimeFigureOut">
               <a:rPr lang="en-US" smtClean="0"/>
-              <a:t>4/13/2017</a:t>
+              <a:t>4/16/2017</a:t>
             </a:fld>
             <a:endParaRPr lang="en-US"/>
           </a:p>
@@ -1009,7 +1013,7 @@
           <a:p>
             <a:fld id="{D42128AE-EDC0-49A1-B42D-4FCD81EA54AB}" type="datetimeFigureOut">
               <a:rPr lang="en-US" smtClean="0"/>
-              <a:t>4/13/2017</a:t>
+              <a:t>4/16/2017</a:t>
             </a:fld>
             <a:endParaRPr lang="en-US"/>
           </a:p>
@@ -1238,7 +1242,7 @@
           <a:p>
             <a:fld id="{D42128AE-EDC0-49A1-B42D-4FCD81EA54AB}" type="datetimeFigureOut">
               <a:rPr lang="en-US" smtClean="0"/>
-              <a:t>4/13/2017</a:t>
+              <a:t>4/16/2017</a:t>
             </a:fld>
             <a:endParaRPr lang="en-US"/>
           </a:p>
@@ -1602,7 +1606,7 @@
           <a:p>
             <a:fld id="{D42128AE-EDC0-49A1-B42D-4FCD81EA54AB}" type="datetimeFigureOut">
               <a:rPr lang="en-US" smtClean="0"/>
-              <a:t>4/13/2017</a:t>
+              <a:t>4/16/2017</a:t>
             </a:fld>
             <a:endParaRPr lang="en-US"/>
           </a:p>
@@ -1719,7 +1723,7 @@
           <a:p>
             <a:fld id="{D42128AE-EDC0-49A1-B42D-4FCD81EA54AB}" type="datetimeFigureOut">
               <a:rPr lang="en-US" smtClean="0"/>
-              <a:t>4/13/2017</a:t>
+              <a:t>4/16/2017</a:t>
             </a:fld>
             <a:endParaRPr lang="en-US"/>
           </a:p>
@@ -1814,7 +1818,7 @@
           <a:p>
             <a:fld id="{D42128AE-EDC0-49A1-B42D-4FCD81EA54AB}" type="datetimeFigureOut">
               <a:rPr lang="en-US" smtClean="0"/>
-              <a:t>4/13/2017</a:t>
+              <a:t>4/16/2017</a:t>
             </a:fld>
             <a:endParaRPr lang="en-US"/>
           </a:p>
@@ -2089,7 +2093,7 @@
           <a:p>
             <a:fld id="{D42128AE-EDC0-49A1-B42D-4FCD81EA54AB}" type="datetimeFigureOut">
               <a:rPr lang="en-US" smtClean="0"/>
-              <a:t>4/13/2017</a:t>
+              <a:t>4/16/2017</a:t>
             </a:fld>
             <a:endParaRPr lang="en-US"/>
           </a:p>
@@ -2341,7 +2345,7 @@
           <a:p>
             <a:fld id="{D42128AE-EDC0-49A1-B42D-4FCD81EA54AB}" type="datetimeFigureOut">
               <a:rPr lang="en-US" smtClean="0"/>
-              <a:t>4/13/2017</a:t>
+              <a:t>4/16/2017</a:t>
             </a:fld>
             <a:endParaRPr lang="en-US"/>
           </a:p>
@@ -2552,7 +2556,7 @@
           <a:p>
             <a:fld id="{D42128AE-EDC0-49A1-B42D-4FCD81EA54AB}" type="datetimeFigureOut">
               <a:rPr lang="en-US" smtClean="0"/>
-              <a:t>4/13/2017</a:t>
+              <a:t>4/16/2017</a:t>
             </a:fld>
             <a:endParaRPr lang="en-US"/>
           </a:p>
@@ -3367,6 +3371,446 @@
           <a:lstStyle/>
           <a:p>
             <a:r>
+              <a:rPr lang="en-GB" dirty="0"/>
+              <a:t>UML chart</a:t>
+            </a:r>
+            <a:endParaRPr lang="en-US" dirty="0"/>
+          </a:p>
+        </p:txBody>
+      </p:sp>
+      <p:sp>
+        <p:nvSpPr>
+          <p:cNvPr id="3" name="Content Placeholder 2"/>
+          <p:cNvSpPr>
+            <a:spLocks noGrp="1"/>
+          </p:cNvSpPr>
+          <p:nvPr>
+            <p:ph idx="1"/>
+          </p:nvPr>
+        </p:nvSpPr>
+        <p:spPr/>
+        <p:txBody>
+          <a:bodyPr/>
+          <a:lstStyle/>
+          <a:p>
+            <a:r>
+              <a:rPr lang="en-US" dirty="0"/>
+              <a:t>Customers Table</a:t>
+            </a:r>
+          </a:p>
+          <a:p>
+            <a:r>
+              <a:rPr lang="en-US" dirty="0"/>
+              <a:t>Employees Table</a:t>
+            </a:r>
+          </a:p>
+          <a:p>
+            <a:r>
+              <a:rPr lang="en-US" dirty="0"/>
+              <a:t>Products Table</a:t>
+            </a:r>
+          </a:p>
+          <a:p>
+            <a:r>
+              <a:rPr lang="en-US" dirty="0"/>
+              <a:t>Suggestions Table</a:t>
+            </a:r>
+          </a:p>
+          <a:p>
+            <a:r>
+              <a:rPr lang="en-US" dirty="0"/>
+              <a:t>Suppliers Table</a:t>
+            </a:r>
+          </a:p>
+          <a:p>
+            <a:r>
+              <a:rPr lang="en-US" dirty="0"/>
+              <a:t>Navigation Form</a:t>
+            </a:r>
+          </a:p>
+          <a:p>
+            <a:endParaRPr lang="en-US" dirty="0"/>
+          </a:p>
+        </p:txBody>
+      </p:sp>
+      <p:sp>
+        <p:nvSpPr>
+          <p:cNvPr id="4" name="TextBox 3"/>
+          <p:cNvSpPr txBox="1"/>
+          <p:nvPr/>
+        </p:nvSpPr>
+        <p:spPr>
+          <a:xfrm>
+            <a:off x="10323443" y="658574"/>
+            <a:ext cx="861392" cy="369332"/>
+          </a:xfrm>
+          <a:prstGeom prst="rect">
+            <a:avLst/>
+          </a:prstGeom>
+          <a:noFill/>
+        </p:spPr>
+        <p:txBody>
+          <a:bodyPr wrap="square" rtlCol="0">
+            <a:spAutoFit/>
+          </a:bodyPr>
+          <a:lstStyle/>
+          <a:p>
+            <a:r>
+              <a:rPr lang="en-GB" dirty="0"/>
+              <a:t>Grigor</a:t>
+            </a:r>
+          </a:p>
+        </p:txBody>
+      </p:sp>
+    </p:spTree>
+    <p:extLst>
+      <p:ext uri="{BB962C8B-B14F-4D97-AF65-F5344CB8AC3E}">
+        <p14:creationId xmlns:p14="http://schemas.microsoft.com/office/powerpoint/2010/main" val="1248061747"/>
+      </p:ext>
+    </p:extLst>
+  </p:cSld>
+  <p:clrMapOvr>
+    <a:masterClrMapping/>
+  </p:clrMapOvr>
+</p:sld>
+</file>
+
+<file path=ppt/slides/slide11.xml><?xml version="1.0" encoding="utf-8"?>
+<p:sld xmlns:a="http://schemas.openxmlformats.org/drawingml/2006/main" xmlns:r="http://schemas.openxmlformats.org/officeDocument/2006/relationships" xmlns:p="http://schemas.openxmlformats.org/presentationml/2006/main">
+  <p:cSld>
+    <p:spTree>
+      <p:nvGrpSpPr>
+        <p:cNvPr id="1" name=""/>
+        <p:cNvGrpSpPr/>
+        <p:nvPr/>
+      </p:nvGrpSpPr>
+      <p:grpSpPr>
+        <a:xfrm>
+          <a:off x="0" y="0"/>
+          <a:ext cx="0" cy="0"/>
+          <a:chOff x="0" y="0"/>
+          <a:chExt cx="0" cy="0"/>
+        </a:xfrm>
+      </p:grpSpPr>
+      <p:sp>
+        <p:nvSpPr>
+          <p:cNvPr id="2" name="Title 1"/>
+          <p:cNvSpPr>
+            <a:spLocks noGrp="1"/>
+          </p:cNvSpPr>
+          <p:nvPr>
+            <p:ph type="title"/>
+          </p:nvPr>
+        </p:nvSpPr>
+        <p:spPr/>
+        <p:txBody>
+          <a:bodyPr/>
+          <a:lstStyle/>
+          <a:p>
+            <a:r>
+              <a:rPr lang="en-GB" dirty="0"/>
+              <a:t>UML Chart</a:t>
+            </a:r>
+          </a:p>
+        </p:txBody>
+      </p:sp>
+      <p:sp>
+        <p:nvSpPr>
+          <p:cNvPr id="3" name="Content Placeholder 2"/>
+          <p:cNvSpPr>
+            <a:spLocks noGrp="1"/>
+          </p:cNvSpPr>
+          <p:nvPr>
+            <p:ph idx="1"/>
+          </p:nvPr>
+        </p:nvSpPr>
+        <p:spPr/>
+        <p:txBody>
+          <a:bodyPr/>
+          <a:lstStyle/>
+          <a:p>
+            <a:endParaRPr lang="en-GB" dirty="0"/>
+          </a:p>
+        </p:txBody>
+      </p:sp>
+    </p:spTree>
+    <p:extLst>
+      <p:ext uri="{BB962C8B-B14F-4D97-AF65-F5344CB8AC3E}">
+        <p14:creationId xmlns:p14="http://schemas.microsoft.com/office/powerpoint/2010/main" val="2232451369"/>
+      </p:ext>
+    </p:extLst>
+  </p:cSld>
+  <p:clrMapOvr>
+    <a:masterClrMapping/>
+  </p:clrMapOvr>
+</p:sld>
+</file>
+
+<file path=ppt/slides/slide12.xml><?xml version="1.0" encoding="utf-8"?>
+<p:sld xmlns:a="http://schemas.openxmlformats.org/drawingml/2006/main" xmlns:r="http://schemas.openxmlformats.org/officeDocument/2006/relationships" xmlns:p="http://schemas.openxmlformats.org/presentationml/2006/main">
+  <p:cSld>
+    <p:spTree>
+      <p:nvGrpSpPr>
+        <p:cNvPr id="1" name=""/>
+        <p:cNvGrpSpPr/>
+        <p:nvPr/>
+      </p:nvGrpSpPr>
+      <p:grpSpPr>
+        <a:xfrm>
+          <a:off x="0" y="0"/>
+          <a:ext cx="0" cy="0"/>
+          <a:chOff x="0" y="0"/>
+          <a:chExt cx="0" cy="0"/>
+        </a:xfrm>
+      </p:grpSpPr>
+      <p:sp>
+        <p:nvSpPr>
+          <p:cNvPr id="2" name="Title 1"/>
+          <p:cNvSpPr>
+            <a:spLocks noGrp="1"/>
+          </p:cNvSpPr>
+          <p:nvPr>
+            <p:ph type="title"/>
+          </p:nvPr>
+        </p:nvSpPr>
+        <p:spPr/>
+        <p:txBody>
+          <a:bodyPr/>
+          <a:lstStyle/>
+          <a:p>
+            <a:r>
+              <a:rPr lang="en-GB" dirty="0"/>
+              <a:t>Website</a:t>
+            </a:r>
+            <a:endParaRPr lang="en-US" dirty="0"/>
+          </a:p>
+        </p:txBody>
+      </p:sp>
+      <p:sp>
+        <p:nvSpPr>
+          <p:cNvPr id="3" name="Content Placeholder 2"/>
+          <p:cNvSpPr>
+            <a:spLocks noGrp="1"/>
+          </p:cNvSpPr>
+          <p:nvPr>
+            <p:ph idx="1"/>
+          </p:nvPr>
+        </p:nvSpPr>
+        <p:spPr/>
+        <p:txBody>
+          <a:bodyPr/>
+          <a:lstStyle/>
+          <a:p>
+            <a:r>
+              <a:rPr lang="en-US" dirty="0"/>
+              <a:t>Here we will present to you the MCTV Limited Website </a:t>
+            </a:r>
+          </a:p>
+          <a:p>
+            <a:r>
+              <a:rPr lang="en-US" dirty="0"/>
+              <a:t>Which will feature a Home page and 4 individual pages about the workers in the shop </a:t>
+            </a:r>
+          </a:p>
+        </p:txBody>
+      </p:sp>
+      <p:sp>
+        <p:nvSpPr>
+          <p:cNvPr id="4" name="TextBox 3"/>
+          <p:cNvSpPr txBox="1"/>
+          <p:nvPr/>
+        </p:nvSpPr>
+        <p:spPr>
+          <a:xfrm>
+            <a:off x="10230678" y="658574"/>
+            <a:ext cx="954156" cy="369332"/>
+          </a:xfrm>
+          <a:prstGeom prst="rect">
+            <a:avLst/>
+          </a:prstGeom>
+          <a:noFill/>
+        </p:spPr>
+        <p:txBody>
+          <a:bodyPr wrap="square" rtlCol="0">
+            <a:spAutoFit/>
+          </a:bodyPr>
+          <a:lstStyle/>
+          <a:p>
+            <a:r>
+              <a:rPr lang="en-GB" dirty="0"/>
+              <a:t>Antonio</a:t>
+            </a:r>
+          </a:p>
+        </p:txBody>
+      </p:sp>
+    </p:spTree>
+    <p:extLst>
+      <p:ext uri="{BB962C8B-B14F-4D97-AF65-F5344CB8AC3E}">
+        <p14:creationId xmlns:p14="http://schemas.microsoft.com/office/powerpoint/2010/main" val="3123563747"/>
+      </p:ext>
+    </p:extLst>
+  </p:cSld>
+  <p:clrMapOvr>
+    <a:masterClrMapping/>
+  </p:clrMapOvr>
+</p:sld>
+</file>
+
+<file path=ppt/slides/slide13.xml><?xml version="1.0" encoding="utf-8"?>
+<p:sld xmlns:a="http://schemas.openxmlformats.org/drawingml/2006/main" xmlns:r="http://schemas.openxmlformats.org/officeDocument/2006/relationships" xmlns:p="http://schemas.openxmlformats.org/presentationml/2006/main">
+  <p:cSld>
+    <p:spTree>
+      <p:nvGrpSpPr>
+        <p:cNvPr id="1" name=""/>
+        <p:cNvGrpSpPr/>
+        <p:nvPr/>
+      </p:nvGrpSpPr>
+      <p:grpSpPr>
+        <a:xfrm>
+          <a:off x="0" y="0"/>
+          <a:ext cx="0" cy="0"/>
+          <a:chOff x="0" y="0"/>
+          <a:chExt cx="0" cy="0"/>
+        </a:xfrm>
+      </p:grpSpPr>
+      <p:sp>
+        <p:nvSpPr>
+          <p:cNvPr id="2" name="Title 1"/>
+          <p:cNvSpPr>
+            <a:spLocks noGrp="1"/>
+          </p:cNvSpPr>
+          <p:nvPr>
+            <p:ph type="title"/>
+          </p:nvPr>
+        </p:nvSpPr>
+        <p:spPr/>
+        <p:txBody>
+          <a:bodyPr/>
+          <a:lstStyle/>
+          <a:p>
+            <a:r>
+              <a:rPr lang="en-GB" dirty="0"/>
+              <a:t>Conclusion</a:t>
+            </a:r>
+            <a:endParaRPr lang="en-US" dirty="0"/>
+          </a:p>
+        </p:txBody>
+      </p:sp>
+      <p:sp>
+        <p:nvSpPr>
+          <p:cNvPr id="3" name="Content Placeholder 2"/>
+          <p:cNvSpPr>
+            <a:spLocks noGrp="1"/>
+          </p:cNvSpPr>
+          <p:nvPr>
+            <p:ph idx="1"/>
+          </p:nvPr>
+        </p:nvSpPr>
+        <p:spPr/>
+        <p:txBody>
+          <a:bodyPr/>
+          <a:lstStyle/>
+          <a:p>
+            <a:r>
+              <a:rPr lang="en-US" dirty="0"/>
+              <a:t>MCTV Limited will continue to grow as a company in future </a:t>
+            </a:r>
+          </a:p>
+          <a:p>
+            <a:r>
+              <a:rPr lang="en-US" dirty="0"/>
+              <a:t>We hope that as the company moves to the cloud it will become more efficient. </a:t>
+            </a:r>
+          </a:p>
+          <a:p>
+            <a:r>
+              <a:rPr lang="en-US" dirty="0"/>
+              <a:t>As cloud technology improves further into the future we hope that MCTV limited will follow and become a larger and better company. </a:t>
+            </a:r>
+          </a:p>
+          <a:p>
+            <a:endParaRPr lang="en-US" dirty="0"/>
+          </a:p>
+          <a:p>
+            <a:endParaRPr lang="en-US" dirty="0"/>
+          </a:p>
+        </p:txBody>
+      </p:sp>
+      <p:sp>
+        <p:nvSpPr>
+          <p:cNvPr id="4" name="TextBox 3"/>
+          <p:cNvSpPr txBox="1"/>
+          <p:nvPr/>
+        </p:nvSpPr>
+        <p:spPr>
+          <a:xfrm>
+            <a:off x="10217426" y="658574"/>
+            <a:ext cx="940904" cy="369332"/>
+          </a:xfrm>
+          <a:prstGeom prst="rect">
+            <a:avLst/>
+          </a:prstGeom>
+          <a:noFill/>
+        </p:spPr>
+        <p:txBody>
+          <a:bodyPr wrap="square" rtlCol="0">
+            <a:spAutoFit/>
+          </a:bodyPr>
+          <a:lstStyle/>
+          <a:p>
+            <a:r>
+              <a:rPr lang="en-GB" dirty="0"/>
+              <a:t>Antonio</a:t>
+            </a:r>
+          </a:p>
+        </p:txBody>
+      </p:sp>
+    </p:spTree>
+    <p:extLst>
+      <p:ext uri="{BB962C8B-B14F-4D97-AF65-F5344CB8AC3E}">
+        <p14:creationId xmlns:p14="http://schemas.microsoft.com/office/powerpoint/2010/main" val="2325120104"/>
+      </p:ext>
+    </p:extLst>
+  </p:cSld>
+  <p:clrMapOvr>
+    <a:masterClrMapping/>
+  </p:clrMapOvr>
+</p:sld>
+</file>
+
+<file path=ppt/slides/slide14.xml><?xml version="1.0" encoding="utf-8"?>
+<p:sld xmlns:a="http://schemas.openxmlformats.org/drawingml/2006/main" xmlns:r="http://schemas.openxmlformats.org/officeDocument/2006/relationships" xmlns:p="http://schemas.openxmlformats.org/presentationml/2006/main">
+  <p:cSld>
+    <p:spTree>
+      <p:nvGrpSpPr>
+        <p:cNvPr id="1" name=""/>
+        <p:cNvGrpSpPr/>
+        <p:nvPr/>
+      </p:nvGrpSpPr>
+      <p:grpSpPr>
+        <a:xfrm>
+          <a:off x="0" y="0"/>
+          <a:ext cx="0" cy="0"/>
+          <a:chOff x="0" y="0"/>
+          <a:chExt cx="0" cy="0"/>
+        </a:xfrm>
+      </p:grpSpPr>
+      <p:sp>
+        <p:nvSpPr>
+          <p:cNvPr id="2" name="Title 1"/>
+          <p:cNvSpPr>
+            <a:spLocks noGrp="1"/>
+          </p:cNvSpPr>
+          <p:nvPr>
+            <p:ph type="title"/>
+          </p:nvPr>
+        </p:nvSpPr>
+        <p:spPr/>
+        <p:txBody>
+          <a:bodyPr/>
+          <a:lstStyle/>
+          <a:p>
+            <a:r>
               <a:rPr lang="en-GB"/>
               <a:t>Questions?</a:t>
             </a:r>
@@ -3814,6 +4258,21 @@
           <a:bodyPr/>
           <a:lstStyle/>
           <a:p>
+            <a:r>
+              <a:rPr lang="en-US" dirty="0"/>
+              <a:t>The Gannt charts shows the progression the group has made over the last few months and all the times it was updated</a:t>
+            </a:r>
+          </a:p>
+          <a:p>
+            <a:r>
+              <a:rPr lang="en-US" dirty="0"/>
+              <a:t>Microsoft Databases</a:t>
+            </a:r>
+          </a:p>
+          <a:p>
+            <a:endParaRPr lang="en-US" dirty="0"/>
+          </a:p>
+          <a:p>
             <a:endParaRPr lang="en-US" dirty="0"/>
           </a:p>
         </p:txBody>
@@ -3847,6 +4306,30 @@
           </a:p>
         </p:txBody>
       </p:sp>
+      <p:pic>
+        <p:nvPicPr>
+          <p:cNvPr id="5" name="Picture 4"/>
+          <p:cNvPicPr>
+            <a:picLocks noChangeAspect="1"/>
+          </p:cNvPicPr>
+          <p:nvPr/>
+        </p:nvPicPr>
+        <p:blipFill>
+          <a:blip r:embed="rId2"/>
+          <a:stretch>
+            <a:fillRect/>
+          </a:stretch>
+        </p:blipFill>
+        <p:spPr>
+          <a:xfrm>
+            <a:off x="918302" y="3233530"/>
+            <a:ext cx="10028583" cy="3419061"/>
+          </a:xfrm>
+          <a:prstGeom prst="rect">
+            <a:avLst/>
+          </a:prstGeom>
+        </p:spPr>
+      </p:pic>
     </p:spTree>
     <p:extLst>
       <p:ext uri="{BB962C8B-B14F-4D97-AF65-F5344CB8AC3E}">
@@ -3894,9 +4377,8 @@
           <a:p>
             <a:r>
               <a:rPr lang="en-GB" dirty="0"/>
-              <a:t>Individual Task</a:t>
-            </a:r>
-            <a:endParaRPr lang="en-US" dirty="0"/>
+              <a:t>Gantt Chart</a:t>
+            </a:r>
           </a:p>
         </p:txBody>
       </p:sp>
@@ -3916,69 +4398,43 @@
           <a:lstStyle/>
           <a:p>
             <a:r>
-              <a:rPr lang="en-US" dirty="0"/>
-              <a:t>Databases – Dylan Gilroy and Jack Gallaher </a:t>
-            </a:r>
-          </a:p>
-          <a:p>
-            <a:r>
-              <a:rPr lang="en-US" dirty="0"/>
-              <a:t>UML charts – Antonio Penna and Grigor Danut</a:t>
-            </a:r>
-          </a:p>
-          <a:p>
-            <a:r>
-              <a:rPr lang="en-US" dirty="0"/>
-              <a:t>WordPress – Antonio Penna and Grigor Danut</a:t>
-            </a:r>
-          </a:p>
-          <a:p>
-            <a:r>
-              <a:rPr lang="en-US" dirty="0"/>
-              <a:t>Trello – Jack Gallaher </a:t>
-            </a:r>
-          </a:p>
-          <a:p>
-            <a:r>
-              <a:rPr lang="en-US" dirty="0"/>
-              <a:t>Presentation – Antonio Penna, Grigor Daunt, Dylan Gilroy, Jack Gallaher.</a:t>
-            </a:r>
-          </a:p>
-        </p:txBody>
-      </p:sp>
-      <p:sp>
-        <p:nvSpPr>
-          <p:cNvPr id="4" name="TextBox 3"/>
-          <p:cNvSpPr txBox="1"/>
+              <a:rPr lang="en-GB" dirty="0"/>
+              <a:t>UML Charts</a:t>
+            </a:r>
+          </a:p>
+          <a:p>
+            <a:endParaRPr lang="en-GB" dirty="0"/>
+          </a:p>
+        </p:txBody>
+      </p:sp>
+      <p:pic>
+        <p:nvPicPr>
+          <p:cNvPr id="4" name="Picture 3"/>
+          <p:cNvPicPr>
+            <a:picLocks noChangeAspect="1"/>
+          </p:cNvPicPr>
           <p:nvPr/>
-        </p:nvSpPr>
+        </p:nvPicPr>
+        <p:blipFill>
+          <a:blip r:embed="rId2"/>
+          <a:stretch>
+            <a:fillRect/>
+          </a:stretch>
+        </p:blipFill>
         <p:spPr>
           <a:xfrm>
-            <a:off x="10323444" y="658574"/>
-            <a:ext cx="781878" cy="369332"/>
+            <a:off x="918302" y="2336075"/>
+            <a:ext cx="10804249" cy="3330437"/>
           </a:xfrm>
           <a:prstGeom prst="rect">
             <a:avLst/>
           </a:prstGeom>
-          <a:noFill/>
         </p:spPr>
-        <p:txBody>
-          <a:bodyPr wrap="square" rtlCol="0">
-            <a:spAutoFit/>
-          </a:bodyPr>
-          <a:lstStyle/>
-          <a:p>
-            <a:r>
-              <a:rPr lang="en-GB" dirty="0"/>
-              <a:t>Dylan</a:t>
-            </a:r>
-          </a:p>
-        </p:txBody>
-      </p:sp>
+      </p:pic>
     </p:spTree>
     <p:extLst>
       <p:ext uri="{BB962C8B-B14F-4D97-AF65-F5344CB8AC3E}">
-        <p14:creationId xmlns:p14="http://schemas.microsoft.com/office/powerpoint/2010/main" val="3738593189"/>
+        <p14:creationId xmlns:p14="http://schemas.microsoft.com/office/powerpoint/2010/main" val="1271204775"/>
       </p:ext>
     </p:extLst>
   </p:cSld>
@@ -4022,9 +4478,8 @@
           <a:p>
             <a:r>
               <a:rPr lang="en-GB" dirty="0"/>
-              <a:t>Databases</a:t>
-            </a:r>
-            <a:endParaRPr lang="en-US" dirty="0"/>
+              <a:t>Gantt Chart</a:t>
+            </a:r>
           </a:p>
         </p:txBody>
       </p:sp>
@@ -4043,43 +4498,44 @@
           <a:bodyPr/>
           <a:lstStyle/>
           <a:p>
-            <a:endParaRPr lang="en-US" dirty="0"/>
-          </a:p>
-        </p:txBody>
-      </p:sp>
-      <p:sp>
-        <p:nvSpPr>
-          <p:cNvPr id="4" name="TextBox 3"/>
-          <p:cNvSpPr txBox="1"/>
+            <a:r>
+              <a:rPr lang="en-GB" dirty="0"/>
+              <a:t>Presentation</a:t>
+            </a:r>
+          </a:p>
+          <a:p>
+            <a:endParaRPr lang="en-GB" dirty="0"/>
+          </a:p>
+        </p:txBody>
+      </p:sp>
+      <p:pic>
+        <p:nvPicPr>
+          <p:cNvPr id="5" name="Picture 4"/>
+          <p:cNvPicPr>
+            <a:picLocks noChangeAspect="1"/>
+          </p:cNvPicPr>
           <p:nvPr/>
-        </p:nvSpPr>
+        </p:nvPicPr>
+        <p:blipFill>
+          <a:blip r:embed="rId2"/>
+          <a:stretch>
+            <a:fillRect/>
+          </a:stretch>
+        </p:blipFill>
         <p:spPr>
           <a:xfrm>
-            <a:off x="10296939" y="658574"/>
-            <a:ext cx="821635" cy="369332"/>
+            <a:off x="918302" y="2457659"/>
+            <a:ext cx="9749698" cy="3598586"/>
           </a:xfrm>
           <a:prstGeom prst="rect">
             <a:avLst/>
           </a:prstGeom>
-          <a:noFill/>
         </p:spPr>
-        <p:txBody>
-          <a:bodyPr wrap="square" rtlCol="0">
-            <a:spAutoFit/>
-          </a:bodyPr>
-          <a:lstStyle/>
-          <a:p>
-            <a:r>
-              <a:rPr lang="en-GB" dirty="0"/>
-              <a:t>Grigor</a:t>
-            </a:r>
-          </a:p>
-        </p:txBody>
-      </p:sp>
+      </p:pic>
     </p:spTree>
     <p:extLst>
       <p:ext uri="{BB962C8B-B14F-4D97-AF65-F5344CB8AC3E}">
-        <p14:creationId xmlns:p14="http://schemas.microsoft.com/office/powerpoint/2010/main" val="1808812414"/>
+        <p14:creationId xmlns:p14="http://schemas.microsoft.com/office/powerpoint/2010/main" val="4049952745"/>
       </p:ext>
     </p:extLst>
   </p:cSld>
@@ -4123,9 +4579,8 @@
           <a:p>
             <a:r>
               <a:rPr lang="en-GB" dirty="0"/>
-              <a:t>UML chart</a:t>
-            </a:r>
-            <a:endParaRPr lang="en-US" dirty="0"/>
+              <a:t>Gantt Chart</a:t>
+            </a:r>
           </a:p>
         </p:txBody>
       </p:sp>
@@ -4145,78 +4600,43 @@
           <a:lstStyle/>
           <a:p>
             <a:r>
-              <a:rPr lang="en-US" dirty="0"/>
-              <a:t>Customers Table</a:t>
-            </a:r>
-          </a:p>
-          <a:p>
-            <a:r>
-              <a:rPr lang="en-US" dirty="0"/>
-              <a:t>Employees Table</a:t>
-            </a:r>
-          </a:p>
-          <a:p>
-            <a:r>
-              <a:rPr lang="en-US" dirty="0"/>
-              <a:t>Products Table</a:t>
-            </a:r>
-          </a:p>
-          <a:p>
-            <a:r>
-              <a:rPr lang="en-US" dirty="0"/>
-              <a:t>Suggestions Table</a:t>
-            </a:r>
-          </a:p>
-          <a:p>
-            <a:r>
-              <a:rPr lang="en-US" dirty="0"/>
-              <a:t>Suppliers Table</a:t>
-            </a:r>
-          </a:p>
-          <a:p>
-            <a:r>
-              <a:rPr lang="en-US" dirty="0"/>
-              <a:t>Navigation Form</a:t>
-            </a:r>
-          </a:p>
-          <a:p>
-            <a:endParaRPr lang="en-US" dirty="0"/>
-          </a:p>
-        </p:txBody>
-      </p:sp>
-      <p:sp>
-        <p:nvSpPr>
-          <p:cNvPr id="4" name="TextBox 3"/>
-          <p:cNvSpPr txBox="1"/>
+              <a:rPr lang="en-GB" dirty="0"/>
+              <a:t>Word Press</a:t>
+            </a:r>
+          </a:p>
+          <a:p>
+            <a:endParaRPr lang="en-GB" dirty="0"/>
+          </a:p>
+        </p:txBody>
+      </p:sp>
+      <p:pic>
+        <p:nvPicPr>
+          <p:cNvPr id="4" name="Picture 3"/>
+          <p:cNvPicPr>
+            <a:picLocks noChangeAspect="1"/>
+          </p:cNvPicPr>
           <p:nvPr/>
-        </p:nvSpPr>
+        </p:nvPicPr>
+        <p:blipFill>
+          <a:blip r:embed="rId2"/>
+          <a:stretch>
+            <a:fillRect/>
+          </a:stretch>
+        </p:blipFill>
         <p:spPr>
           <a:xfrm>
-            <a:off x="10323443" y="658574"/>
-            <a:ext cx="861392" cy="369332"/>
+            <a:off x="918302" y="2252662"/>
+            <a:ext cx="10279785" cy="3034955"/>
           </a:xfrm>
           <a:prstGeom prst="rect">
             <a:avLst/>
           </a:prstGeom>
-          <a:noFill/>
         </p:spPr>
-        <p:txBody>
-          <a:bodyPr wrap="square" rtlCol="0">
-            <a:spAutoFit/>
-          </a:bodyPr>
-          <a:lstStyle/>
-          <a:p>
-            <a:r>
-              <a:rPr lang="en-GB" dirty="0"/>
-              <a:t>Grigor</a:t>
-            </a:r>
-          </a:p>
-        </p:txBody>
-      </p:sp>
+      </p:pic>
     </p:spTree>
     <p:extLst>
       <p:ext uri="{BB962C8B-B14F-4D97-AF65-F5344CB8AC3E}">
-        <p14:creationId xmlns:p14="http://schemas.microsoft.com/office/powerpoint/2010/main" val="1248061747"/>
+        <p14:creationId xmlns:p14="http://schemas.microsoft.com/office/powerpoint/2010/main" val="36162383"/>
       </p:ext>
     </p:extLst>
   </p:cSld>
@@ -4260,7 +4680,7 @@
           <a:p>
             <a:r>
               <a:rPr lang="en-GB" dirty="0"/>
-              <a:t>Website</a:t>
+              <a:t>Individual Task</a:t>
             </a:r>
             <a:endParaRPr lang="en-US" dirty="0"/>
           </a:p>
@@ -4281,7 +4701,52 @@
           <a:bodyPr/>
           <a:lstStyle/>
           <a:p>
-            <a:endParaRPr lang="en-US"/>
+            <a:r>
+              <a:rPr lang="en-US" dirty="0"/>
+              <a:t>Databases – Dylan Gilroy and Jack Gallaher </a:t>
+            </a:r>
+          </a:p>
+          <a:p>
+            <a:r>
+              <a:rPr lang="en-US" dirty="0"/>
+              <a:t>UML charts – Antonio Penna and Grigor Danut</a:t>
+            </a:r>
+          </a:p>
+          <a:p>
+            <a:r>
+              <a:rPr lang="en-US" dirty="0"/>
+              <a:t>WordPress – Antonio Penna and Grigor Danut</a:t>
+            </a:r>
+          </a:p>
+          <a:p>
+            <a:r>
+              <a:rPr lang="en-US" dirty="0"/>
+              <a:t>Trello – Jack Gallaher </a:t>
+            </a:r>
+          </a:p>
+          <a:p>
+            <a:r>
+              <a:rPr lang="en-US" dirty="0"/>
+              <a:t>Presentation slides– Antonio Penna–layout, front page, introduction</a:t>
+            </a:r>
+          </a:p>
+          <a:p>
+            <a:r>
+              <a:rPr lang="en-US" dirty="0"/>
+              <a:t>Jack Gallaher-Agenda, Gantt chart, Conclusion, Last slide,</a:t>
+            </a:r>
+          </a:p>
+          <a:p>
+            <a:r>
+              <a:rPr lang="en-US" dirty="0"/>
+              <a:t>Grigor Daunt-UML charts, Website</a:t>
+            </a:r>
+          </a:p>
+          <a:p>
+            <a:r>
+              <a:rPr lang="en-US" dirty="0"/>
+              <a:t>Dylan Gilroy-Databases, individual Tasks</a:t>
+            </a:r>
           </a:p>
         </p:txBody>
       </p:sp>
@@ -4293,8 +4758,8 @@
         </p:nvSpPr>
         <p:spPr>
           <a:xfrm>
-            <a:off x="10230678" y="658574"/>
-            <a:ext cx="954156" cy="369332"/>
+            <a:off x="10323444" y="658574"/>
+            <a:ext cx="781878" cy="369332"/>
           </a:xfrm>
           <a:prstGeom prst="rect">
             <a:avLst/>
@@ -4309,7 +4774,7 @@
           <a:p>
             <a:r>
               <a:rPr lang="en-GB" dirty="0"/>
-              <a:t>Antonio</a:t>
+              <a:t>Dylan</a:t>
             </a:r>
           </a:p>
         </p:txBody>
@@ -4317,7 +4782,7 @@
     </p:spTree>
     <p:extLst>
       <p:ext uri="{BB962C8B-B14F-4D97-AF65-F5344CB8AC3E}">
-        <p14:creationId xmlns:p14="http://schemas.microsoft.com/office/powerpoint/2010/main" val="3123563747"/>
+        <p14:creationId xmlns:p14="http://schemas.microsoft.com/office/powerpoint/2010/main" val="3738593189"/>
       </p:ext>
     </p:extLst>
   </p:cSld>
@@ -4361,7 +4826,7 @@
           <a:p>
             <a:r>
               <a:rPr lang="en-GB" dirty="0"/>
-              <a:t>Conclusion</a:t>
+              <a:t>Databases</a:t>
             </a:r>
             <a:endParaRPr lang="en-US" dirty="0"/>
           </a:p>
@@ -4384,13 +4849,7 @@
           <a:p>
             <a:r>
               <a:rPr lang="en-US" dirty="0"/>
-              <a:t>MCTV Limited will continue to grow as a company in future </a:t>
-            </a:r>
-          </a:p>
-          <a:p>
-            <a:r>
-              <a:rPr lang="en-US" dirty="0"/>
-              <a:t>We hope that as the company moves to the cloud it will become more efficient. </a:t>
+              <a:t>Here we will show MCTV Limited Databases</a:t>
             </a:r>
           </a:p>
           <a:p>
@@ -4409,8 +4868,8 @@
         </p:nvSpPr>
         <p:spPr>
           <a:xfrm>
-            <a:off x="10217426" y="658574"/>
-            <a:ext cx="940904" cy="369332"/>
+            <a:off x="10296939" y="658574"/>
+            <a:ext cx="821635" cy="369332"/>
           </a:xfrm>
           <a:prstGeom prst="rect">
             <a:avLst/>
@@ -4425,7 +4884,7 @@
           <a:p>
             <a:r>
               <a:rPr lang="en-GB" dirty="0"/>
-              <a:t>Antonio</a:t>
+              <a:t>Grigor</a:t>
             </a:r>
           </a:p>
         </p:txBody>
@@ -4433,7 +4892,7 @@
     </p:spTree>
     <p:extLst>
       <p:ext uri="{BB962C8B-B14F-4D97-AF65-F5344CB8AC3E}">
-        <p14:creationId xmlns:p14="http://schemas.microsoft.com/office/powerpoint/2010/main" val="2325120104"/>
+        <p14:creationId xmlns:p14="http://schemas.microsoft.com/office/powerpoint/2010/main" val="1808812414"/>
       </p:ext>
     </p:extLst>
   </p:cSld>

--- a/MCTV Limited.pptx
+++ b/MCTV Limited.pptx
@@ -13,12 +13,29 @@
     <p:sldId id="267" r:id="rId7"/>
     <p:sldId id="268" r:id="rId8"/>
     <p:sldId id="260" r:id="rId9"/>
-    <p:sldId id="261" r:id="rId10"/>
-    <p:sldId id="262" r:id="rId11"/>
-    <p:sldId id="269" r:id="rId12"/>
-    <p:sldId id="263" r:id="rId13"/>
-    <p:sldId id="264" r:id="rId14"/>
-    <p:sldId id="265" r:id="rId15"/>
+    <p:sldId id="280" r:id="rId10"/>
+    <p:sldId id="261" r:id="rId11"/>
+    <p:sldId id="270" r:id="rId12"/>
+    <p:sldId id="271" r:id="rId13"/>
+    <p:sldId id="272" r:id="rId14"/>
+    <p:sldId id="274" r:id="rId15"/>
+    <p:sldId id="275" r:id="rId16"/>
+    <p:sldId id="276" r:id="rId17"/>
+    <p:sldId id="277" r:id="rId18"/>
+    <p:sldId id="278" r:id="rId19"/>
+    <p:sldId id="279" r:id="rId20"/>
+    <p:sldId id="281" r:id="rId21"/>
+    <p:sldId id="273" r:id="rId22"/>
+    <p:sldId id="262" r:id="rId23"/>
+    <p:sldId id="282" r:id="rId24"/>
+    <p:sldId id="283" r:id="rId25"/>
+    <p:sldId id="284" r:id="rId26"/>
+    <p:sldId id="285" r:id="rId27"/>
+    <p:sldId id="286" r:id="rId28"/>
+    <p:sldId id="287" r:id="rId29"/>
+    <p:sldId id="263" r:id="rId30"/>
+    <p:sldId id="264" r:id="rId31"/>
+    <p:sldId id="265" r:id="rId32"/>
   </p:sldIdLst>
   <p:sldSz cx="12192000" cy="6858000"/>
   <p:notesSz cx="6858000" cy="9144000"/>
@@ -3372,7 +3389,7 @@
           <a:p>
             <a:r>
               <a:rPr lang="en-GB" dirty="0"/>
-              <a:t>UML chart</a:t>
+              <a:t>Databases</a:t>
             </a:r>
             <a:endParaRPr lang="en-US" dirty="0"/>
           </a:p>
@@ -3395,38 +3412,41 @@
           <a:p>
             <a:r>
               <a:rPr lang="en-US" dirty="0"/>
-              <a:t>Customers Table</a:t>
+              <a:t>Tables</a:t>
             </a:r>
           </a:p>
           <a:p>
             <a:r>
               <a:rPr lang="en-US" dirty="0"/>
-              <a:t>Employees Table</a:t>
+              <a:t>Queries</a:t>
             </a:r>
           </a:p>
           <a:p>
             <a:r>
               <a:rPr lang="en-US" dirty="0"/>
-              <a:t>Products Table</a:t>
+              <a:t>Forms</a:t>
             </a:r>
           </a:p>
           <a:p>
             <a:r>
               <a:rPr lang="en-US" dirty="0"/>
-              <a:t>Suggestions Table</a:t>
+              <a:t>Reports</a:t>
             </a:r>
           </a:p>
           <a:p>
             <a:r>
               <a:rPr lang="en-US" dirty="0"/>
-              <a:t>Suppliers Table</a:t>
-            </a:r>
-          </a:p>
-          <a:p>
-            <a:r>
-              <a:rPr lang="en-US" dirty="0"/>
-              <a:t>Navigation Form</a:t>
-            </a:r>
+              <a:t>Macros</a:t>
+            </a:r>
+          </a:p>
+          <a:p>
+            <a:pPr marL="0" indent="0">
+              <a:buNone/>
+            </a:pPr>
+            <a:endParaRPr lang="en-US" dirty="0"/>
+          </a:p>
+          <a:p>
+            <a:endParaRPr lang="en-US" dirty="0"/>
           </a:p>
           <a:p>
             <a:endParaRPr lang="en-US" dirty="0"/>
@@ -3441,8 +3461,8 @@
         </p:nvSpPr>
         <p:spPr>
           <a:xfrm>
-            <a:off x="10323443" y="658574"/>
-            <a:ext cx="861392" cy="369332"/>
+            <a:off x="10296939" y="658574"/>
+            <a:ext cx="821635" cy="369332"/>
           </a:xfrm>
           <a:prstGeom prst="rect">
             <a:avLst/>
@@ -3465,7 +3485,7 @@
     </p:spTree>
     <p:extLst>
       <p:ext uri="{BB962C8B-B14F-4D97-AF65-F5344CB8AC3E}">
-        <p14:creationId xmlns:p14="http://schemas.microsoft.com/office/powerpoint/2010/main" val="1248061747"/>
+        <p14:creationId xmlns:p14="http://schemas.microsoft.com/office/powerpoint/2010/main" val="1808812414"/>
       </p:ext>
     </p:extLst>
   </p:cSld>
@@ -3508,8 +3528,8 @@
           <a:lstStyle/>
           <a:p>
             <a:r>
-              <a:rPr lang="en-GB" dirty="0"/>
-              <a:t>UML Chart</a:t>
+              <a:rPr lang="en-IE" dirty="0"/>
+              <a:t>Tables</a:t>
             </a:r>
           </a:p>
         </p:txBody>
@@ -3529,14 +3549,38 @@
           <a:bodyPr/>
           <a:lstStyle/>
           <a:p>
-            <a:endParaRPr lang="en-GB" dirty="0"/>
+            <a:r>
+              <a:rPr lang="en-IE" dirty="0"/>
+              <a:t>Customers Table</a:t>
+            </a:r>
+          </a:p>
+          <a:p>
+            <a:r>
+              <a:rPr lang="en-IE" dirty="0"/>
+              <a:t>Employees Table</a:t>
+            </a:r>
+          </a:p>
+          <a:p>
+            <a:r>
+              <a:rPr lang="en-IE" dirty="0"/>
+              <a:t>Suggestion Table</a:t>
+            </a:r>
+          </a:p>
+          <a:p>
+            <a:r>
+              <a:rPr lang="en-IE" dirty="0"/>
+              <a:t>Suppliers Table</a:t>
+            </a:r>
+          </a:p>
+          <a:p>
+            <a:endParaRPr lang="en-IE" dirty="0"/>
           </a:p>
         </p:txBody>
       </p:sp>
     </p:spTree>
     <p:extLst>
       <p:ext uri="{BB962C8B-B14F-4D97-AF65-F5344CB8AC3E}">
-        <p14:creationId xmlns:p14="http://schemas.microsoft.com/office/powerpoint/2010/main" val="2232451369"/>
+        <p14:creationId xmlns:p14="http://schemas.microsoft.com/office/powerpoint/2010/main" val="3133288830"/>
       </p:ext>
     </p:extLst>
   </p:cSld>
@@ -3579,10 +3623,9 @@
           <a:lstStyle/>
           <a:p>
             <a:r>
-              <a:rPr lang="en-GB" dirty="0"/>
-              <a:t>Website</a:t>
-            </a:r>
-            <a:endParaRPr lang="en-US" dirty="0"/>
+              <a:rPr lang="en-IE" dirty="0"/>
+              <a:t>Queries</a:t>
+            </a:r>
           </a:p>
         </p:txBody>
       </p:sp>
@@ -3598,47 +3641,62 @@
         </p:nvSpPr>
         <p:spPr/>
         <p:txBody>
-          <a:bodyPr/>
-          <a:lstStyle/>
-          <a:p>
-            <a:r>
-              <a:rPr lang="en-US" dirty="0"/>
-              <a:t>Here we will present to you the MCTV Limited Website </a:t>
-            </a:r>
-          </a:p>
-          <a:p>
-            <a:r>
-              <a:rPr lang="en-US" dirty="0"/>
-              <a:t>Which will feature a Home page and 4 individual pages about the workers in the shop </a:t>
-            </a:r>
-          </a:p>
-        </p:txBody>
-      </p:sp>
-      <p:sp>
-        <p:nvSpPr>
-          <p:cNvPr id="4" name="TextBox 3"/>
-          <p:cNvSpPr txBox="1"/>
-          <p:nvPr/>
-        </p:nvSpPr>
-        <p:spPr>
-          <a:xfrm>
-            <a:off x="10230678" y="658574"/>
-            <a:ext cx="954156" cy="369332"/>
-          </a:xfrm>
-          <a:prstGeom prst="rect">
-            <a:avLst/>
-          </a:prstGeom>
-          <a:noFill/>
-        </p:spPr>
-        <p:txBody>
-          <a:bodyPr wrap="square" rtlCol="0">
-            <a:spAutoFit/>
+          <a:bodyPr>
+            <a:normAutofit lnSpcReduction="10000"/>
           </a:bodyPr>
           <a:lstStyle/>
           <a:p>
             <a:r>
-              <a:rPr lang="en-GB" dirty="0"/>
-              <a:t>Antonio</a:t>
+              <a:rPr lang="en-IE" dirty="0"/>
+              <a:t>Customers from Dublin</a:t>
+            </a:r>
+          </a:p>
+          <a:p>
+            <a:r>
+              <a:rPr lang="en-IE" dirty="0"/>
+              <a:t>Employees with Medical Card</a:t>
+            </a:r>
+          </a:p>
+          <a:p>
+            <a:r>
+              <a:rPr lang="en-IE" dirty="0"/>
+              <a:t>Products (bills) not paid</a:t>
+            </a:r>
+          </a:p>
+          <a:p>
+            <a:r>
+              <a:rPr lang="en-IE" dirty="0"/>
+              <a:t>Orders by year 2016</a:t>
+            </a:r>
+          </a:p>
+          <a:p>
+            <a:r>
+              <a:rPr lang="en-IE" dirty="0"/>
+              <a:t>Orders by year 2017</a:t>
+            </a:r>
+          </a:p>
+          <a:p>
+            <a:r>
+              <a:rPr lang="en-IE" dirty="0"/>
+              <a:t>Out of Stock</a:t>
+            </a:r>
+          </a:p>
+          <a:p>
+            <a:r>
+              <a:rPr lang="en-IE" dirty="0"/>
+              <a:t>Products with Stock Value more than €4000</a:t>
+            </a:r>
+          </a:p>
+          <a:p>
+            <a:r>
+              <a:rPr lang="en-IE" dirty="0"/>
+              <a:t>Suggestion Query</a:t>
+            </a:r>
+          </a:p>
+          <a:p>
+            <a:r>
+              <a:rPr lang="en-IE" dirty="0"/>
+              <a:t>Suppliers Query</a:t>
             </a:r>
           </a:p>
         </p:txBody>
@@ -3646,7 +3704,7 @@
     </p:spTree>
     <p:extLst>
       <p:ext uri="{BB962C8B-B14F-4D97-AF65-F5344CB8AC3E}">
-        <p14:creationId xmlns:p14="http://schemas.microsoft.com/office/powerpoint/2010/main" val="3123563747"/>
+        <p14:creationId xmlns:p14="http://schemas.microsoft.com/office/powerpoint/2010/main" val="2846560183"/>
       </p:ext>
     </p:extLst>
   </p:cSld>
@@ -3689,6 +3747,1767 @@
           <a:lstStyle/>
           <a:p>
             <a:r>
+              <a:rPr lang="en-IE" dirty="0"/>
+              <a:t>Forms</a:t>
+            </a:r>
+          </a:p>
+        </p:txBody>
+      </p:sp>
+      <p:sp>
+        <p:nvSpPr>
+          <p:cNvPr id="3" name="Content Placeholder 2"/>
+          <p:cNvSpPr>
+            <a:spLocks noGrp="1"/>
+          </p:cNvSpPr>
+          <p:nvPr>
+            <p:ph idx="1"/>
+          </p:nvPr>
+        </p:nvSpPr>
+        <p:spPr/>
+        <p:txBody>
+          <a:bodyPr/>
+          <a:lstStyle/>
+          <a:p>
+            <a:r>
+              <a:rPr lang="en-IE" dirty="0"/>
+              <a:t>Customers Form</a:t>
+            </a:r>
+          </a:p>
+          <a:p>
+            <a:r>
+              <a:rPr lang="en-IE" dirty="0"/>
+              <a:t>Employees Form</a:t>
+            </a:r>
+          </a:p>
+          <a:p>
+            <a:r>
+              <a:rPr lang="en-IE" dirty="0"/>
+              <a:t>Navigation Form</a:t>
+            </a:r>
+          </a:p>
+          <a:p>
+            <a:r>
+              <a:rPr lang="en-IE" dirty="0"/>
+              <a:t>Products Form</a:t>
+            </a:r>
+          </a:p>
+          <a:p>
+            <a:r>
+              <a:rPr lang="en-IE" dirty="0"/>
+              <a:t>Suggestions Form</a:t>
+            </a:r>
+          </a:p>
+          <a:p>
+            <a:r>
+              <a:rPr lang="en-IE" dirty="0"/>
+              <a:t>Suppliers Form</a:t>
+            </a:r>
+          </a:p>
+          <a:p>
+            <a:r>
+              <a:rPr lang="en-IE" dirty="0"/>
+              <a:t>Welcome Page</a:t>
+            </a:r>
+          </a:p>
+        </p:txBody>
+      </p:sp>
+    </p:spTree>
+    <p:extLst>
+      <p:ext uri="{BB962C8B-B14F-4D97-AF65-F5344CB8AC3E}">
+        <p14:creationId xmlns:p14="http://schemas.microsoft.com/office/powerpoint/2010/main" val="3503790673"/>
+      </p:ext>
+    </p:extLst>
+  </p:cSld>
+  <p:clrMapOvr>
+    <a:masterClrMapping/>
+  </p:clrMapOvr>
+</p:sld>
+</file>
+
+<file path=ppt/slides/slide14.xml><?xml version="1.0" encoding="utf-8"?>
+<p:sld xmlns:a="http://schemas.openxmlformats.org/drawingml/2006/main" xmlns:r="http://schemas.openxmlformats.org/officeDocument/2006/relationships" xmlns:p="http://schemas.openxmlformats.org/presentationml/2006/main">
+  <p:cSld>
+    <p:spTree>
+      <p:nvGrpSpPr>
+        <p:cNvPr id="1" name=""/>
+        <p:cNvGrpSpPr/>
+        <p:nvPr/>
+      </p:nvGrpSpPr>
+      <p:grpSpPr>
+        <a:xfrm>
+          <a:off x="0" y="0"/>
+          <a:ext cx="0" cy="0"/>
+          <a:chOff x="0" y="0"/>
+          <a:chExt cx="0" cy="0"/>
+        </a:xfrm>
+      </p:grpSpPr>
+      <p:sp>
+        <p:nvSpPr>
+          <p:cNvPr id="2" name="Title 1"/>
+          <p:cNvSpPr>
+            <a:spLocks noGrp="1"/>
+          </p:cNvSpPr>
+          <p:nvPr>
+            <p:ph type="title"/>
+          </p:nvPr>
+        </p:nvSpPr>
+        <p:spPr/>
+        <p:txBody>
+          <a:bodyPr/>
+          <a:lstStyle/>
+          <a:p>
+            <a:r>
+              <a:rPr lang="en-IE" dirty="0"/>
+              <a:t>Customers Form</a:t>
+            </a:r>
+          </a:p>
+        </p:txBody>
+      </p:sp>
+      <p:pic>
+        <p:nvPicPr>
+          <p:cNvPr id="5" name="Content Placeholder 4"/>
+          <p:cNvPicPr>
+            <a:picLocks noGrp="1" noChangeAspect="1"/>
+          </p:cNvPicPr>
+          <p:nvPr>
+            <p:ph idx="1"/>
+          </p:nvPr>
+        </p:nvPicPr>
+        <p:blipFill>
+          <a:blip r:embed="rId2">
+            <a:extLst>
+              <a:ext uri="{28A0092B-C50C-407E-A947-70E740481C1C}">
+                <a14:useLocalDpi xmlns:a14="http://schemas.microsoft.com/office/drawing/2010/main" val="0"/>
+              </a:ext>
+            </a:extLst>
+          </a:blip>
+          <a:stretch>
+            <a:fillRect/>
+          </a:stretch>
+        </p:blipFill>
+        <p:spPr>
+          <a:xfrm>
+            <a:off x="1615634" y="1825625"/>
+            <a:ext cx="8960731" cy="4351338"/>
+          </a:xfrm>
+        </p:spPr>
+      </p:pic>
+    </p:spTree>
+    <p:extLst>
+      <p:ext uri="{BB962C8B-B14F-4D97-AF65-F5344CB8AC3E}">
+        <p14:creationId xmlns:p14="http://schemas.microsoft.com/office/powerpoint/2010/main" val="3599055471"/>
+      </p:ext>
+    </p:extLst>
+  </p:cSld>
+  <p:clrMapOvr>
+    <a:masterClrMapping/>
+  </p:clrMapOvr>
+</p:sld>
+</file>
+
+<file path=ppt/slides/slide15.xml><?xml version="1.0" encoding="utf-8"?>
+<p:sld xmlns:a="http://schemas.openxmlformats.org/drawingml/2006/main" xmlns:r="http://schemas.openxmlformats.org/officeDocument/2006/relationships" xmlns:p="http://schemas.openxmlformats.org/presentationml/2006/main">
+  <p:cSld>
+    <p:spTree>
+      <p:nvGrpSpPr>
+        <p:cNvPr id="1" name=""/>
+        <p:cNvGrpSpPr/>
+        <p:nvPr/>
+      </p:nvGrpSpPr>
+      <p:grpSpPr>
+        <a:xfrm>
+          <a:off x="0" y="0"/>
+          <a:ext cx="0" cy="0"/>
+          <a:chOff x="0" y="0"/>
+          <a:chExt cx="0" cy="0"/>
+        </a:xfrm>
+      </p:grpSpPr>
+      <p:sp>
+        <p:nvSpPr>
+          <p:cNvPr id="2" name="Title 1"/>
+          <p:cNvSpPr>
+            <a:spLocks noGrp="1"/>
+          </p:cNvSpPr>
+          <p:nvPr>
+            <p:ph type="title"/>
+          </p:nvPr>
+        </p:nvSpPr>
+        <p:spPr/>
+        <p:txBody>
+          <a:bodyPr/>
+          <a:lstStyle/>
+          <a:p>
+            <a:r>
+              <a:rPr lang="en-IE" dirty="0"/>
+              <a:t>Employees Form</a:t>
+            </a:r>
+          </a:p>
+        </p:txBody>
+      </p:sp>
+      <p:pic>
+        <p:nvPicPr>
+          <p:cNvPr id="5" name="Content Placeholder 4"/>
+          <p:cNvPicPr>
+            <a:picLocks noGrp="1" noChangeAspect="1"/>
+          </p:cNvPicPr>
+          <p:nvPr>
+            <p:ph idx="1"/>
+          </p:nvPr>
+        </p:nvPicPr>
+        <p:blipFill>
+          <a:blip r:embed="rId2">
+            <a:extLst>
+              <a:ext uri="{28A0092B-C50C-407E-A947-70E740481C1C}">
+                <a14:useLocalDpi xmlns:a14="http://schemas.microsoft.com/office/drawing/2010/main" val="0"/>
+              </a:ext>
+            </a:extLst>
+          </a:blip>
+          <a:stretch>
+            <a:fillRect/>
+          </a:stretch>
+        </p:blipFill>
+        <p:spPr>
+          <a:xfrm>
+            <a:off x="1611457" y="1825625"/>
+            <a:ext cx="8969085" cy="4351338"/>
+          </a:xfrm>
+        </p:spPr>
+      </p:pic>
+    </p:spTree>
+    <p:extLst>
+      <p:ext uri="{BB962C8B-B14F-4D97-AF65-F5344CB8AC3E}">
+        <p14:creationId xmlns:p14="http://schemas.microsoft.com/office/powerpoint/2010/main" val="2771616802"/>
+      </p:ext>
+    </p:extLst>
+  </p:cSld>
+  <p:clrMapOvr>
+    <a:masterClrMapping/>
+  </p:clrMapOvr>
+</p:sld>
+</file>
+
+<file path=ppt/slides/slide16.xml><?xml version="1.0" encoding="utf-8"?>
+<p:sld xmlns:a="http://schemas.openxmlformats.org/drawingml/2006/main" xmlns:r="http://schemas.openxmlformats.org/officeDocument/2006/relationships" xmlns:p="http://schemas.openxmlformats.org/presentationml/2006/main">
+  <p:cSld>
+    <p:spTree>
+      <p:nvGrpSpPr>
+        <p:cNvPr id="1" name=""/>
+        <p:cNvGrpSpPr/>
+        <p:nvPr/>
+      </p:nvGrpSpPr>
+      <p:grpSpPr>
+        <a:xfrm>
+          <a:off x="0" y="0"/>
+          <a:ext cx="0" cy="0"/>
+          <a:chOff x="0" y="0"/>
+          <a:chExt cx="0" cy="0"/>
+        </a:xfrm>
+      </p:grpSpPr>
+      <p:sp>
+        <p:nvSpPr>
+          <p:cNvPr id="2" name="Title 1"/>
+          <p:cNvSpPr>
+            <a:spLocks noGrp="1"/>
+          </p:cNvSpPr>
+          <p:nvPr>
+            <p:ph type="title"/>
+          </p:nvPr>
+        </p:nvSpPr>
+        <p:spPr/>
+        <p:txBody>
+          <a:bodyPr/>
+          <a:lstStyle/>
+          <a:p>
+            <a:r>
+              <a:rPr lang="en-IE" dirty="0"/>
+              <a:t>Navigation Form</a:t>
+            </a:r>
+          </a:p>
+        </p:txBody>
+      </p:sp>
+      <p:pic>
+        <p:nvPicPr>
+          <p:cNvPr id="5" name="Content Placeholder 4"/>
+          <p:cNvPicPr>
+            <a:picLocks noGrp="1" noChangeAspect="1"/>
+          </p:cNvPicPr>
+          <p:nvPr>
+            <p:ph idx="1"/>
+          </p:nvPr>
+        </p:nvPicPr>
+        <p:blipFill>
+          <a:blip r:embed="rId2">
+            <a:extLst>
+              <a:ext uri="{28A0092B-C50C-407E-A947-70E740481C1C}">
+                <a14:useLocalDpi xmlns:a14="http://schemas.microsoft.com/office/drawing/2010/main" val="0"/>
+              </a:ext>
+            </a:extLst>
+          </a:blip>
+          <a:stretch>
+            <a:fillRect/>
+          </a:stretch>
+        </p:blipFill>
+        <p:spPr>
+          <a:xfrm>
+            <a:off x="1531447" y="1825625"/>
+            <a:ext cx="9129106" cy="4351338"/>
+          </a:xfrm>
+        </p:spPr>
+      </p:pic>
+    </p:spTree>
+    <p:extLst>
+      <p:ext uri="{BB962C8B-B14F-4D97-AF65-F5344CB8AC3E}">
+        <p14:creationId xmlns:p14="http://schemas.microsoft.com/office/powerpoint/2010/main" val="1874684647"/>
+      </p:ext>
+    </p:extLst>
+  </p:cSld>
+  <p:clrMapOvr>
+    <a:masterClrMapping/>
+  </p:clrMapOvr>
+</p:sld>
+</file>
+
+<file path=ppt/slides/slide17.xml><?xml version="1.0" encoding="utf-8"?>
+<p:sld xmlns:a="http://schemas.openxmlformats.org/drawingml/2006/main" xmlns:r="http://schemas.openxmlformats.org/officeDocument/2006/relationships" xmlns:p="http://schemas.openxmlformats.org/presentationml/2006/main">
+  <p:cSld>
+    <p:spTree>
+      <p:nvGrpSpPr>
+        <p:cNvPr id="1" name=""/>
+        <p:cNvGrpSpPr/>
+        <p:nvPr/>
+      </p:nvGrpSpPr>
+      <p:grpSpPr>
+        <a:xfrm>
+          <a:off x="0" y="0"/>
+          <a:ext cx="0" cy="0"/>
+          <a:chOff x="0" y="0"/>
+          <a:chExt cx="0" cy="0"/>
+        </a:xfrm>
+      </p:grpSpPr>
+      <p:sp>
+        <p:nvSpPr>
+          <p:cNvPr id="2" name="Title 1"/>
+          <p:cNvSpPr>
+            <a:spLocks noGrp="1"/>
+          </p:cNvSpPr>
+          <p:nvPr>
+            <p:ph type="title"/>
+          </p:nvPr>
+        </p:nvSpPr>
+        <p:spPr/>
+        <p:txBody>
+          <a:bodyPr/>
+          <a:lstStyle/>
+          <a:p>
+            <a:r>
+              <a:rPr lang="en-IE" dirty="0"/>
+              <a:t>Product Form</a:t>
+            </a:r>
+          </a:p>
+        </p:txBody>
+      </p:sp>
+      <p:pic>
+        <p:nvPicPr>
+          <p:cNvPr id="5" name="Content Placeholder 4"/>
+          <p:cNvPicPr>
+            <a:picLocks noGrp="1" noChangeAspect="1"/>
+          </p:cNvPicPr>
+          <p:nvPr>
+            <p:ph idx="1"/>
+          </p:nvPr>
+        </p:nvPicPr>
+        <p:blipFill>
+          <a:blip r:embed="rId2">
+            <a:extLst>
+              <a:ext uri="{28A0092B-C50C-407E-A947-70E740481C1C}">
+                <a14:useLocalDpi xmlns:a14="http://schemas.microsoft.com/office/drawing/2010/main" val="0"/>
+              </a:ext>
+            </a:extLst>
+          </a:blip>
+          <a:stretch>
+            <a:fillRect/>
+          </a:stretch>
+        </p:blipFill>
+        <p:spPr>
+          <a:xfrm>
+            <a:off x="1573845" y="1825625"/>
+            <a:ext cx="9044310" cy="4351338"/>
+          </a:xfrm>
+        </p:spPr>
+      </p:pic>
+    </p:spTree>
+    <p:extLst>
+      <p:ext uri="{BB962C8B-B14F-4D97-AF65-F5344CB8AC3E}">
+        <p14:creationId xmlns:p14="http://schemas.microsoft.com/office/powerpoint/2010/main" val="3960545655"/>
+      </p:ext>
+    </p:extLst>
+  </p:cSld>
+  <p:clrMapOvr>
+    <a:masterClrMapping/>
+  </p:clrMapOvr>
+</p:sld>
+</file>
+
+<file path=ppt/slides/slide18.xml><?xml version="1.0" encoding="utf-8"?>
+<p:sld xmlns:a="http://schemas.openxmlformats.org/drawingml/2006/main" xmlns:r="http://schemas.openxmlformats.org/officeDocument/2006/relationships" xmlns:p="http://schemas.openxmlformats.org/presentationml/2006/main">
+  <p:cSld>
+    <p:spTree>
+      <p:nvGrpSpPr>
+        <p:cNvPr id="1" name=""/>
+        <p:cNvGrpSpPr/>
+        <p:nvPr/>
+      </p:nvGrpSpPr>
+      <p:grpSpPr>
+        <a:xfrm>
+          <a:off x="0" y="0"/>
+          <a:ext cx="0" cy="0"/>
+          <a:chOff x="0" y="0"/>
+          <a:chExt cx="0" cy="0"/>
+        </a:xfrm>
+      </p:grpSpPr>
+      <p:sp>
+        <p:nvSpPr>
+          <p:cNvPr id="2" name="Title 1"/>
+          <p:cNvSpPr>
+            <a:spLocks noGrp="1"/>
+          </p:cNvSpPr>
+          <p:nvPr>
+            <p:ph type="title"/>
+          </p:nvPr>
+        </p:nvSpPr>
+        <p:spPr/>
+        <p:txBody>
+          <a:bodyPr/>
+          <a:lstStyle/>
+          <a:p>
+            <a:r>
+              <a:rPr lang="en-IE" dirty="0"/>
+              <a:t>Suggestion Form</a:t>
+            </a:r>
+          </a:p>
+        </p:txBody>
+      </p:sp>
+      <p:pic>
+        <p:nvPicPr>
+          <p:cNvPr id="5" name="Content Placeholder 4"/>
+          <p:cNvPicPr>
+            <a:picLocks noGrp="1" noChangeAspect="1"/>
+          </p:cNvPicPr>
+          <p:nvPr>
+            <p:ph idx="1"/>
+          </p:nvPr>
+        </p:nvPicPr>
+        <p:blipFill>
+          <a:blip r:embed="rId2">
+            <a:extLst>
+              <a:ext uri="{28A0092B-C50C-407E-A947-70E740481C1C}">
+                <a14:useLocalDpi xmlns:a14="http://schemas.microsoft.com/office/drawing/2010/main" val="0"/>
+              </a:ext>
+            </a:extLst>
+          </a:blip>
+          <a:stretch>
+            <a:fillRect/>
+          </a:stretch>
+        </p:blipFill>
+        <p:spPr>
+          <a:xfrm>
+            <a:off x="1687868" y="1825625"/>
+            <a:ext cx="8816264" cy="4351338"/>
+          </a:xfrm>
+        </p:spPr>
+      </p:pic>
+    </p:spTree>
+    <p:extLst>
+      <p:ext uri="{BB962C8B-B14F-4D97-AF65-F5344CB8AC3E}">
+        <p14:creationId xmlns:p14="http://schemas.microsoft.com/office/powerpoint/2010/main" val="523602880"/>
+      </p:ext>
+    </p:extLst>
+  </p:cSld>
+  <p:clrMapOvr>
+    <a:masterClrMapping/>
+  </p:clrMapOvr>
+</p:sld>
+</file>
+
+<file path=ppt/slides/slide19.xml><?xml version="1.0" encoding="utf-8"?>
+<p:sld xmlns:a="http://schemas.openxmlformats.org/drawingml/2006/main" xmlns:r="http://schemas.openxmlformats.org/officeDocument/2006/relationships" xmlns:p="http://schemas.openxmlformats.org/presentationml/2006/main">
+  <p:cSld>
+    <p:spTree>
+      <p:nvGrpSpPr>
+        <p:cNvPr id="1" name=""/>
+        <p:cNvGrpSpPr/>
+        <p:nvPr/>
+      </p:nvGrpSpPr>
+      <p:grpSpPr>
+        <a:xfrm>
+          <a:off x="0" y="0"/>
+          <a:ext cx="0" cy="0"/>
+          <a:chOff x="0" y="0"/>
+          <a:chExt cx="0" cy="0"/>
+        </a:xfrm>
+      </p:grpSpPr>
+      <p:sp>
+        <p:nvSpPr>
+          <p:cNvPr id="2" name="Title 1"/>
+          <p:cNvSpPr>
+            <a:spLocks noGrp="1"/>
+          </p:cNvSpPr>
+          <p:nvPr>
+            <p:ph type="title"/>
+          </p:nvPr>
+        </p:nvSpPr>
+        <p:spPr/>
+        <p:txBody>
+          <a:bodyPr/>
+          <a:lstStyle/>
+          <a:p>
+            <a:r>
+              <a:rPr lang="en-IE" dirty="0"/>
+              <a:t>Suppliers Form</a:t>
+            </a:r>
+          </a:p>
+        </p:txBody>
+      </p:sp>
+      <p:pic>
+        <p:nvPicPr>
+          <p:cNvPr id="5" name="Content Placeholder 4"/>
+          <p:cNvPicPr>
+            <a:picLocks noGrp="1" noChangeAspect="1"/>
+          </p:cNvPicPr>
+          <p:nvPr>
+            <p:ph idx="1"/>
+          </p:nvPr>
+        </p:nvPicPr>
+        <p:blipFill>
+          <a:blip r:embed="rId2">
+            <a:extLst>
+              <a:ext uri="{28A0092B-C50C-407E-A947-70E740481C1C}">
+                <a14:useLocalDpi xmlns:a14="http://schemas.microsoft.com/office/drawing/2010/main" val="0"/>
+              </a:ext>
+            </a:extLst>
+          </a:blip>
+          <a:stretch>
+            <a:fillRect/>
+          </a:stretch>
+        </p:blipFill>
+        <p:spPr>
+          <a:xfrm>
+            <a:off x="1766161" y="1825625"/>
+            <a:ext cx="8659678" cy="4351338"/>
+          </a:xfrm>
+        </p:spPr>
+      </p:pic>
+    </p:spTree>
+    <p:extLst>
+      <p:ext uri="{BB962C8B-B14F-4D97-AF65-F5344CB8AC3E}">
+        <p14:creationId xmlns:p14="http://schemas.microsoft.com/office/powerpoint/2010/main" val="3677103716"/>
+      </p:ext>
+    </p:extLst>
+  </p:cSld>
+  <p:clrMapOvr>
+    <a:masterClrMapping/>
+  </p:clrMapOvr>
+</p:sld>
+</file>
+
+<file path=ppt/slides/slide2.xml><?xml version="1.0" encoding="utf-8"?>
+<p:sld xmlns:a="http://schemas.openxmlformats.org/drawingml/2006/main" xmlns:r="http://schemas.openxmlformats.org/officeDocument/2006/relationships" xmlns:p="http://schemas.openxmlformats.org/presentationml/2006/main">
+  <p:cSld>
+    <p:spTree>
+      <p:nvGrpSpPr>
+        <p:cNvPr id="1" name=""/>
+        <p:cNvGrpSpPr/>
+        <p:nvPr/>
+      </p:nvGrpSpPr>
+      <p:grpSpPr>
+        <a:xfrm>
+          <a:off x="0" y="0"/>
+          <a:ext cx="0" cy="0"/>
+          <a:chOff x="0" y="0"/>
+          <a:chExt cx="0" cy="0"/>
+        </a:xfrm>
+      </p:grpSpPr>
+      <p:sp>
+        <p:nvSpPr>
+          <p:cNvPr id="2" name="Title 1"/>
+          <p:cNvSpPr>
+            <a:spLocks noGrp="1"/>
+          </p:cNvSpPr>
+          <p:nvPr>
+            <p:ph type="title"/>
+          </p:nvPr>
+        </p:nvSpPr>
+        <p:spPr/>
+        <p:txBody>
+          <a:bodyPr/>
+          <a:lstStyle/>
+          <a:p>
+            <a:r>
+              <a:rPr lang="en-GB" dirty="0"/>
+              <a:t>Agenda</a:t>
+            </a:r>
+            <a:endParaRPr lang="en-US" dirty="0"/>
+          </a:p>
+        </p:txBody>
+      </p:sp>
+      <p:sp>
+        <p:nvSpPr>
+          <p:cNvPr id="3" name="Content Placeholder 2"/>
+          <p:cNvSpPr>
+            <a:spLocks noGrp="1"/>
+          </p:cNvSpPr>
+          <p:nvPr>
+            <p:ph idx="1"/>
+          </p:nvPr>
+        </p:nvSpPr>
+        <p:spPr/>
+        <p:txBody>
+          <a:bodyPr/>
+          <a:lstStyle/>
+          <a:p>
+            <a:r>
+              <a:rPr lang="en-GB" dirty="0"/>
+              <a:t>The purpose of this presentation was to explore the development of MCTV Limited. </a:t>
+            </a:r>
+          </a:p>
+          <a:p>
+            <a:r>
+              <a:rPr lang="en-GB" dirty="0"/>
+              <a:t>We as a group were given particular tasks in which we all had to take part in.</a:t>
+            </a:r>
+          </a:p>
+          <a:p>
+            <a:r>
+              <a:rPr lang="en-US" dirty="0"/>
+              <a:t>This presentation will feature a quick background MCTV Limited, the UML charts, Databases, the company Website and what holds for the future of MCTV Limited as the company grows.</a:t>
+            </a:r>
+          </a:p>
+          <a:p>
+            <a:endParaRPr lang="en-US" dirty="0"/>
+          </a:p>
+          <a:p>
+            <a:endParaRPr lang="en-US" dirty="0"/>
+          </a:p>
+        </p:txBody>
+      </p:sp>
+      <p:sp>
+        <p:nvSpPr>
+          <p:cNvPr id="4" name="TextBox 3"/>
+          <p:cNvSpPr txBox="1"/>
+          <p:nvPr/>
+        </p:nvSpPr>
+        <p:spPr>
+          <a:xfrm rot="1682298">
+            <a:off x="10357345" y="719476"/>
+            <a:ext cx="570990" cy="369332"/>
+          </a:xfrm>
+          <a:prstGeom prst="rect">
+            <a:avLst/>
+          </a:prstGeom>
+          <a:noFill/>
+        </p:spPr>
+        <p:txBody>
+          <a:bodyPr wrap="none" rtlCol="0">
+            <a:spAutoFit/>
+          </a:bodyPr>
+          <a:lstStyle/>
+          <a:p>
+            <a:pPr algn="ctr"/>
+            <a:r>
+              <a:rPr lang="en-US" dirty="0"/>
+              <a:t>Jack</a:t>
+            </a:r>
+          </a:p>
+        </p:txBody>
+      </p:sp>
+    </p:spTree>
+    <p:extLst>
+      <p:ext uri="{BB962C8B-B14F-4D97-AF65-F5344CB8AC3E}">
+        <p14:creationId xmlns:p14="http://schemas.microsoft.com/office/powerpoint/2010/main" val="3481843719"/>
+      </p:ext>
+    </p:extLst>
+  </p:cSld>
+  <p:clrMapOvr>
+    <a:masterClrMapping/>
+  </p:clrMapOvr>
+</p:sld>
+</file>
+
+<file path=ppt/slides/slide20.xml><?xml version="1.0" encoding="utf-8"?>
+<p:sld xmlns:a="http://schemas.openxmlformats.org/drawingml/2006/main" xmlns:r="http://schemas.openxmlformats.org/officeDocument/2006/relationships" xmlns:p="http://schemas.openxmlformats.org/presentationml/2006/main">
+  <p:cSld>
+    <p:spTree>
+      <p:nvGrpSpPr>
+        <p:cNvPr id="1" name=""/>
+        <p:cNvGrpSpPr/>
+        <p:nvPr/>
+      </p:nvGrpSpPr>
+      <p:grpSpPr>
+        <a:xfrm>
+          <a:off x="0" y="0"/>
+          <a:ext cx="0" cy="0"/>
+          <a:chOff x="0" y="0"/>
+          <a:chExt cx="0" cy="0"/>
+        </a:xfrm>
+      </p:grpSpPr>
+      <p:sp>
+        <p:nvSpPr>
+          <p:cNvPr id="2" name="Title 1"/>
+          <p:cNvSpPr>
+            <a:spLocks noGrp="1"/>
+          </p:cNvSpPr>
+          <p:nvPr>
+            <p:ph type="title"/>
+          </p:nvPr>
+        </p:nvSpPr>
+        <p:spPr/>
+        <p:txBody>
+          <a:bodyPr/>
+          <a:lstStyle/>
+          <a:p>
+            <a:r>
+              <a:rPr lang="en-IE" dirty="0"/>
+              <a:t>Welcome Page</a:t>
+            </a:r>
+          </a:p>
+        </p:txBody>
+      </p:sp>
+      <p:pic>
+        <p:nvPicPr>
+          <p:cNvPr id="5" name="Content Placeholder 4"/>
+          <p:cNvPicPr>
+            <a:picLocks noGrp="1" noChangeAspect="1"/>
+          </p:cNvPicPr>
+          <p:nvPr>
+            <p:ph idx="1"/>
+          </p:nvPr>
+        </p:nvPicPr>
+        <p:blipFill>
+          <a:blip r:embed="rId2">
+            <a:extLst>
+              <a:ext uri="{28A0092B-C50C-407E-A947-70E740481C1C}">
+                <a14:useLocalDpi xmlns:a14="http://schemas.microsoft.com/office/drawing/2010/main" val="0"/>
+              </a:ext>
+            </a:extLst>
+          </a:blip>
+          <a:stretch>
+            <a:fillRect/>
+          </a:stretch>
+        </p:blipFill>
+        <p:spPr>
+          <a:xfrm>
+            <a:off x="1456677" y="1991238"/>
+            <a:ext cx="9278645" cy="4020111"/>
+          </a:xfrm>
+        </p:spPr>
+      </p:pic>
+    </p:spTree>
+    <p:extLst>
+      <p:ext uri="{BB962C8B-B14F-4D97-AF65-F5344CB8AC3E}">
+        <p14:creationId xmlns:p14="http://schemas.microsoft.com/office/powerpoint/2010/main" val="2369628912"/>
+      </p:ext>
+    </p:extLst>
+  </p:cSld>
+  <p:clrMapOvr>
+    <a:masterClrMapping/>
+  </p:clrMapOvr>
+</p:sld>
+</file>
+
+<file path=ppt/slides/slide21.xml><?xml version="1.0" encoding="utf-8"?>
+<p:sld xmlns:a="http://schemas.openxmlformats.org/drawingml/2006/main" xmlns:r="http://schemas.openxmlformats.org/officeDocument/2006/relationships" xmlns:p="http://schemas.openxmlformats.org/presentationml/2006/main">
+  <p:cSld>
+    <p:spTree>
+      <p:nvGrpSpPr>
+        <p:cNvPr id="1" name=""/>
+        <p:cNvGrpSpPr/>
+        <p:nvPr/>
+      </p:nvGrpSpPr>
+      <p:grpSpPr>
+        <a:xfrm>
+          <a:off x="0" y="0"/>
+          <a:ext cx="0" cy="0"/>
+          <a:chOff x="0" y="0"/>
+          <a:chExt cx="0" cy="0"/>
+        </a:xfrm>
+      </p:grpSpPr>
+      <p:sp>
+        <p:nvSpPr>
+          <p:cNvPr id="2" name="Title 1"/>
+          <p:cNvSpPr>
+            <a:spLocks noGrp="1"/>
+          </p:cNvSpPr>
+          <p:nvPr>
+            <p:ph type="title"/>
+          </p:nvPr>
+        </p:nvSpPr>
+        <p:spPr/>
+        <p:txBody>
+          <a:bodyPr/>
+          <a:lstStyle/>
+          <a:p>
+            <a:r>
+              <a:rPr lang="en-IE" dirty="0"/>
+              <a:t>Reports</a:t>
+            </a:r>
+          </a:p>
+        </p:txBody>
+      </p:sp>
+      <p:sp>
+        <p:nvSpPr>
+          <p:cNvPr id="3" name="Content Placeholder 2"/>
+          <p:cNvSpPr>
+            <a:spLocks noGrp="1"/>
+          </p:cNvSpPr>
+          <p:nvPr>
+            <p:ph idx="1"/>
+          </p:nvPr>
+        </p:nvSpPr>
+        <p:spPr/>
+        <p:txBody>
+          <a:bodyPr/>
+          <a:lstStyle/>
+          <a:p>
+            <a:r>
+              <a:rPr lang="en-IE" dirty="0"/>
+              <a:t>Accounts Overdue Report</a:t>
+            </a:r>
+          </a:p>
+          <a:p>
+            <a:r>
+              <a:rPr lang="en-IE" dirty="0"/>
+              <a:t>Employees Report</a:t>
+            </a:r>
+          </a:p>
+          <a:p>
+            <a:r>
+              <a:rPr lang="en-IE" dirty="0"/>
+              <a:t>Products Report</a:t>
+            </a:r>
+          </a:p>
+          <a:p>
+            <a:r>
+              <a:rPr lang="en-IE" dirty="0"/>
+              <a:t>Suggestion Report</a:t>
+            </a:r>
+          </a:p>
+          <a:p>
+            <a:r>
+              <a:rPr lang="en-IE" dirty="0"/>
+              <a:t>Suppliers Report</a:t>
+            </a:r>
+          </a:p>
+        </p:txBody>
+      </p:sp>
+    </p:spTree>
+    <p:extLst>
+      <p:ext uri="{BB962C8B-B14F-4D97-AF65-F5344CB8AC3E}">
+        <p14:creationId xmlns:p14="http://schemas.microsoft.com/office/powerpoint/2010/main" val="1421304600"/>
+      </p:ext>
+    </p:extLst>
+  </p:cSld>
+  <p:clrMapOvr>
+    <a:masterClrMapping/>
+  </p:clrMapOvr>
+</p:sld>
+</file>
+
+<file path=ppt/slides/slide22.xml><?xml version="1.0" encoding="utf-8"?>
+<p:sld xmlns:a="http://schemas.openxmlformats.org/drawingml/2006/main" xmlns:r="http://schemas.openxmlformats.org/officeDocument/2006/relationships" xmlns:p="http://schemas.openxmlformats.org/presentationml/2006/main">
+  <p:cSld>
+    <p:spTree>
+      <p:nvGrpSpPr>
+        <p:cNvPr id="1" name=""/>
+        <p:cNvGrpSpPr/>
+        <p:nvPr/>
+      </p:nvGrpSpPr>
+      <p:grpSpPr>
+        <a:xfrm>
+          <a:off x="0" y="0"/>
+          <a:ext cx="0" cy="0"/>
+          <a:chOff x="0" y="0"/>
+          <a:chExt cx="0" cy="0"/>
+        </a:xfrm>
+      </p:grpSpPr>
+      <p:sp>
+        <p:nvSpPr>
+          <p:cNvPr id="2" name="Title 1"/>
+          <p:cNvSpPr>
+            <a:spLocks noGrp="1"/>
+          </p:cNvSpPr>
+          <p:nvPr>
+            <p:ph type="title"/>
+          </p:nvPr>
+        </p:nvSpPr>
+        <p:spPr/>
+        <p:txBody>
+          <a:bodyPr/>
+          <a:lstStyle/>
+          <a:p>
+            <a:r>
+              <a:rPr lang="en-GB" dirty="0"/>
+              <a:t>UML chart</a:t>
+            </a:r>
+            <a:endParaRPr lang="en-US" dirty="0"/>
+          </a:p>
+        </p:txBody>
+      </p:sp>
+      <p:sp>
+        <p:nvSpPr>
+          <p:cNvPr id="3" name="Content Placeholder 2"/>
+          <p:cNvSpPr>
+            <a:spLocks noGrp="1"/>
+          </p:cNvSpPr>
+          <p:nvPr>
+            <p:ph idx="1"/>
+          </p:nvPr>
+        </p:nvSpPr>
+        <p:spPr/>
+        <p:txBody>
+          <a:bodyPr/>
+          <a:lstStyle/>
+          <a:p>
+            <a:r>
+              <a:rPr lang="en-US" dirty="0"/>
+              <a:t>Customers Table</a:t>
+            </a:r>
+          </a:p>
+          <a:p>
+            <a:r>
+              <a:rPr lang="en-US" dirty="0"/>
+              <a:t>Employees Table</a:t>
+            </a:r>
+          </a:p>
+          <a:p>
+            <a:r>
+              <a:rPr lang="en-US" dirty="0"/>
+              <a:t>Navigation Form</a:t>
+            </a:r>
+          </a:p>
+          <a:p>
+            <a:r>
+              <a:rPr lang="en-US" dirty="0"/>
+              <a:t>Products Table</a:t>
+            </a:r>
+          </a:p>
+          <a:p>
+            <a:r>
+              <a:rPr lang="en-US" dirty="0"/>
+              <a:t>Suggestions Table</a:t>
+            </a:r>
+          </a:p>
+          <a:p>
+            <a:r>
+              <a:rPr lang="en-US" dirty="0"/>
+              <a:t>Suppliers Table</a:t>
+            </a:r>
+          </a:p>
+          <a:p>
+            <a:pPr marL="0" indent="0">
+              <a:buNone/>
+            </a:pPr>
+            <a:endParaRPr lang="en-US" dirty="0"/>
+          </a:p>
+          <a:p>
+            <a:endParaRPr lang="en-US" dirty="0"/>
+          </a:p>
+        </p:txBody>
+      </p:sp>
+      <p:sp>
+        <p:nvSpPr>
+          <p:cNvPr id="4" name="TextBox 3"/>
+          <p:cNvSpPr txBox="1"/>
+          <p:nvPr/>
+        </p:nvSpPr>
+        <p:spPr>
+          <a:xfrm>
+            <a:off x="10323443" y="658574"/>
+            <a:ext cx="861392" cy="369332"/>
+          </a:xfrm>
+          <a:prstGeom prst="rect">
+            <a:avLst/>
+          </a:prstGeom>
+          <a:noFill/>
+        </p:spPr>
+        <p:txBody>
+          <a:bodyPr wrap="square" rtlCol="0">
+            <a:spAutoFit/>
+          </a:bodyPr>
+          <a:lstStyle/>
+          <a:p>
+            <a:r>
+              <a:rPr lang="en-GB" dirty="0"/>
+              <a:t>Grigor</a:t>
+            </a:r>
+          </a:p>
+        </p:txBody>
+      </p:sp>
+    </p:spTree>
+    <p:extLst>
+      <p:ext uri="{BB962C8B-B14F-4D97-AF65-F5344CB8AC3E}">
+        <p14:creationId xmlns:p14="http://schemas.microsoft.com/office/powerpoint/2010/main" val="1248061747"/>
+      </p:ext>
+    </p:extLst>
+  </p:cSld>
+  <p:clrMapOvr>
+    <a:masterClrMapping/>
+  </p:clrMapOvr>
+</p:sld>
+</file>
+
+<file path=ppt/slides/slide23.xml><?xml version="1.0" encoding="utf-8"?>
+<p:sld xmlns:a="http://schemas.openxmlformats.org/drawingml/2006/main" xmlns:r="http://schemas.openxmlformats.org/officeDocument/2006/relationships" xmlns:p="http://schemas.openxmlformats.org/presentationml/2006/main">
+  <p:cSld>
+    <p:spTree>
+      <p:nvGrpSpPr>
+        <p:cNvPr id="1" name=""/>
+        <p:cNvGrpSpPr/>
+        <p:nvPr/>
+      </p:nvGrpSpPr>
+      <p:grpSpPr>
+        <a:xfrm>
+          <a:off x="0" y="0"/>
+          <a:ext cx="0" cy="0"/>
+          <a:chOff x="0" y="0"/>
+          <a:chExt cx="0" cy="0"/>
+        </a:xfrm>
+      </p:grpSpPr>
+      <p:sp>
+        <p:nvSpPr>
+          <p:cNvPr id="2" name="Title 1"/>
+          <p:cNvSpPr>
+            <a:spLocks noGrp="1"/>
+          </p:cNvSpPr>
+          <p:nvPr>
+            <p:ph type="title"/>
+          </p:nvPr>
+        </p:nvSpPr>
+        <p:spPr/>
+        <p:txBody>
+          <a:bodyPr/>
+          <a:lstStyle/>
+          <a:p>
+            <a:r>
+              <a:rPr lang="en-IE" dirty="0"/>
+              <a:t>Customers Table</a:t>
+            </a:r>
+          </a:p>
+        </p:txBody>
+      </p:sp>
+      <p:pic>
+        <p:nvPicPr>
+          <p:cNvPr id="5" name="Content Placeholder 4"/>
+          <p:cNvPicPr>
+            <a:picLocks noGrp="1" noChangeAspect="1"/>
+          </p:cNvPicPr>
+          <p:nvPr>
+            <p:ph idx="1"/>
+          </p:nvPr>
+        </p:nvPicPr>
+        <p:blipFill>
+          <a:blip r:embed="rId2">
+            <a:extLst>
+              <a:ext uri="{28A0092B-C50C-407E-A947-70E740481C1C}">
+                <a14:useLocalDpi xmlns:a14="http://schemas.microsoft.com/office/drawing/2010/main" val="0"/>
+              </a:ext>
+            </a:extLst>
+          </a:blip>
+          <a:stretch>
+            <a:fillRect/>
+          </a:stretch>
+        </p:blipFill>
+        <p:spPr>
+          <a:xfrm>
+            <a:off x="4126312" y="1825625"/>
+            <a:ext cx="3939376" cy="4351338"/>
+          </a:xfrm>
+        </p:spPr>
+      </p:pic>
+    </p:spTree>
+    <p:extLst>
+      <p:ext uri="{BB962C8B-B14F-4D97-AF65-F5344CB8AC3E}">
+        <p14:creationId xmlns:p14="http://schemas.microsoft.com/office/powerpoint/2010/main" val="1212915720"/>
+      </p:ext>
+    </p:extLst>
+  </p:cSld>
+  <p:clrMapOvr>
+    <a:masterClrMapping/>
+  </p:clrMapOvr>
+</p:sld>
+</file>
+
+<file path=ppt/slides/slide24.xml><?xml version="1.0" encoding="utf-8"?>
+<p:sld xmlns:a="http://schemas.openxmlformats.org/drawingml/2006/main" xmlns:r="http://schemas.openxmlformats.org/officeDocument/2006/relationships" xmlns:p="http://schemas.openxmlformats.org/presentationml/2006/main">
+  <p:cSld>
+    <p:spTree>
+      <p:nvGrpSpPr>
+        <p:cNvPr id="1" name=""/>
+        <p:cNvGrpSpPr/>
+        <p:nvPr/>
+      </p:nvGrpSpPr>
+      <p:grpSpPr>
+        <a:xfrm>
+          <a:off x="0" y="0"/>
+          <a:ext cx="0" cy="0"/>
+          <a:chOff x="0" y="0"/>
+          <a:chExt cx="0" cy="0"/>
+        </a:xfrm>
+      </p:grpSpPr>
+      <p:sp>
+        <p:nvSpPr>
+          <p:cNvPr id="2" name="Title 1"/>
+          <p:cNvSpPr>
+            <a:spLocks noGrp="1"/>
+          </p:cNvSpPr>
+          <p:nvPr>
+            <p:ph type="title"/>
+          </p:nvPr>
+        </p:nvSpPr>
+        <p:spPr/>
+        <p:txBody>
+          <a:bodyPr/>
+          <a:lstStyle/>
+          <a:p>
+            <a:r>
+              <a:rPr lang="en-IE" dirty="0"/>
+              <a:t>Employees Table</a:t>
+            </a:r>
+          </a:p>
+        </p:txBody>
+      </p:sp>
+      <p:pic>
+        <p:nvPicPr>
+          <p:cNvPr id="5" name="Content Placeholder 4"/>
+          <p:cNvPicPr>
+            <a:picLocks noGrp="1" noChangeAspect="1"/>
+          </p:cNvPicPr>
+          <p:nvPr>
+            <p:ph idx="1"/>
+          </p:nvPr>
+        </p:nvPicPr>
+        <p:blipFill>
+          <a:blip r:embed="rId2">
+            <a:extLst>
+              <a:ext uri="{28A0092B-C50C-407E-A947-70E740481C1C}">
+                <a14:useLocalDpi xmlns:a14="http://schemas.microsoft.com/office/drawing/2010/main" val="0"/>
+              </a:ext>
+            </a:extLst>
+          </a:blip>
+          <a:stretch>
+            <a:fillRect/>
+          </a:stretch>
+        </p:blipFill>
+        <p:spPr>
+          <a:xfrm>
+            <a:off x="4082957" y="1825625"/>
+            <a:ext cx="4026086" cy="4351338"/>
+          </a:xfrm>
+        </p:spPr>
+      </p:pic>
+    </p:spTree>
+    <p:extLst>
+      <p:ext uri="{BB962C8B-B14F-4D97-AF65-F5344CB8AC3E}">
+        <p14:creationId xmlns:p14="http://schemas.microsoft.com/office/powerpoint/2010/main" val="1055208011"/>
+      </p:ext>
+    </p:extLst>
+  </p:cSld>
+  <p:clrMapOvr>
+    <a:masterClrMapping/>
+  </p:clrMapOvr>
+</p:sld>
+</file>
+
+<file path=ppt/slides/slide25.xml><?xml version="1.0" encoding="utf-8"?>
+<p:sld xmlns:a="http://schemas.openxmlformats.org/drawingml/2006/main" xmlns:r="http://schemas.openxmlformats.org/officeDocument/2006/relationships" xmlns:p="http://schemas.openxmlformats.org/presentationml/2006/main">
+  <p:cSld>
+    <p:spTree>
+      <p:nvGrpSpPr>
+        <p:cNvPr id="1" name=""/>
+        <p:cNvGrpSpPr/>
+        <p:nvPr/>
+      </p:nvGrpSpPr>
+      <p:grpSpPr>
+        <a:xfrm>
+          <a:off x="0" y="0"/>
+          <a:ext cx="0" cy="0"/>
+          <a:chOff x="0" y="0"/>
+          <a:chExt cx="0" cy="0"/>
+        </a:xfrm>
+      </p:grpSpPr>
+      <p:sp>
+        <p:nvSpPr>
+          <p:cNvPr id="2" name="Title 1"/>
+          <p:cNvSpPr>
+            <a:spLocks noGrp="1"/>
+          </p:cNvSpPr>
+          <p:nvPr>
+            <p:ph type="title"/>
+          </p:nvPr>
+        </p:nvSpPr>
+        <p:spPr/>
+        <p:txBody>
+          <a:bodyPr/>
+          <a:lstStyle/>
+          <a:p>
+            <a:r>
+              <a:rPr lang="en-IE" dirty="0"/>
+              <a:t>Navigation Form</a:t>
+            </a:r>
+          </a:p>
+        </p:txBody>
+      </p:sp>
+      <p:pic>
+        <p:nvPicPr>
+          <p:cNvPr id="5" name="Content Placeholder 4"/>
+          <p:cNvPicPr>
+            <a:picLocks noGrp="1" noChangeAspect="1"/>
+          </p:cNvPicPr>
+          <p:nvPr>
+            <p:ph idx="1"/>
+          </p:nvPr>
+        </p:nvPicPr>
+        <p:blipFill>
+          <a:blip r:embed="rId2">
+            <a:extLst>
+              <a:ext uri="{28A0092B-C50C-407E-A947-70E740481C1C}">
+                <a14:useLocalDpi xmlns:a14="http://schemas.microsoft.com/office/drawing/2010/main" val="0"/>
+              </a:ext>
+            </a:extLst>
+          </a:blip>
+          <a:stretch>
+            <a:fillRect/>
+          </a:stretch>
+        </p:blipFill>
+        <p:spPr>
+          <a:xfrm>
+            <a:off x="3909707" y="2010291"/>
+            <a:ext cx="4372585" cy="3982006"/>
+          </a:xfrm>
+        </p:spPr>
+      </p:pic>
+    </p:spTree>
+    <p:extLst>
+      <p:ext uri="{BB962C8B-B14F-4D97-AF65-F5344CB8AC3E}">
+        <p14:creationId xmlns:p14="http://schemas.microsoft.com/office/powerpoint/2010/main" val="201746166"/>
+      </p:ext>
+    </p:extLst>
+  </p:cSld>
+  <p:clrMapOvr>
+    <a:masterClrMapping/>
+  </p:clrMapOvr>
+</p:sld>
+</file>
+
+<file path=ppt/slides/slide26.xml><?xml version="1.0" encoding="utf-8"?>
+<p:sld xmlns:a="http://schemas.openxmlformats.org/drawingml/2006/main" xmlns:r="http://schemas.openxmlformats.org/officeDocument/2006/relationships" xmlns:p="http://schemas.openxmlformats.org/presentationml/2006/main">
+  <p:cSld>
+    <p:spTree>
+      <p:nvGrpSpPr>
+        <p:cNvPr id="1" name=""/>
+        <p:cNvGrpSpPr/>
+        <p:nvPr/>
+      </p:nvGrpSpPr>
+      <p:grpSpPr>
+        <a:xfrm>
+          <a:off x="0" y="0"/>
+          <a:ext cx="0" cy="0"/>
+          <a:chOff x="0" y="0"/>
+          <a:chExt cx="0" cy="0"/>
+        </a:xfrm>
+      </p:grpSpPr>
+      <p:sp>
+        <p:nvSpPr>
+          <p:cNvPr id="2" name="Title 1"/>
+          <p:cNvSpPr>
+            <a:spLocks noGrp="1"/>
+          </p:cNvSpPr>
+          <p:nvPr>
+            <p:ph type="title"/>
+          </p:nvPr>
+        </p:nvSpPr>
+        <p:spPr/>
+        <p:txBody>
+          <a:bodyPr/>
+          <a:lstStyle/>
+          <a:p>
+            <a:r>
+              <a:rPr lang="en-IE" dirty="0"/>
+              <a:t>Products Form</a:t>
+            </a:r>
+          </a:p>
+        </p:txBody>
+      </p:sp>
+      <p:pic>
+        <p:nvPicPr>
+          <p:cNvPr id="5" name="Content Placeholder 4"/>
+          <p:cNvPicPr>
+            <a:picLocks noGrp="1" noChangeAspect="1"/>
+          </p:cNvPicPr>
+          <p:nvPr>
+            <p:ph idx="1"/>
+          </p:nvPr>
+        </p:nvPicPr>
+        <p:blipFill>
+          <a:blip r:embed="rId2">
+            <a:extLst>
+              <a:ext uri="{28A0092B-C50C-407E-A947-70E740481C1C}">
+                <a14:useLocalDpi xmlns:a14="http://schemas.microsoft.com/office/drawing/2010/main" val="0"/>
+              </a:ext>
+            </a:extLst>
+          </a:blip>
+          <a:stretch>
+            <a:fillRect/>
+          </a:stretch>
+        </p:blipFill>
+        <p:spPr>
+          <a:xfrm>
+            <a:off x="4122819" y="1825625"/>
+            <a:ext cx="3946362" cy="4351338"/>
+          </a:xfrm>
+        </p:spPr>
+      </p:pic>
+    </p:spTree>
+    <p:extLst>
+      <p:ext uri="{BB962C8B-B14F-4D97-AF65-F5344CB8AC3E}">
+        <p14:creationId xmlns:p14="http://schemas.microsoft.com/office/powerpoint/2010/main" val="1389347980"/>
+      </p:ext>
+    </p:extLst>
+  </p:cSld>
+  <p:clrMapOvr>
+    <a:masterClrMapping/>
+  </p:clrMapOvr>
+</p:sld>
+</file>
+
+<file path=ppt/slides/slide27.xml><?xml version="1.0" encoding="utf-8"?>
+<p:sld xmlns:a="http://schemas.openxmlformats.org/drawingml/2006/main" xmlns:r="http://schemas.openxmlformats.org/officeDocument/2006/relationships" xmlns:p="http://schemas.openxmlformats.org/presentationml/2006/main">
+  <p:cSld>
+    <p:spTree>
+      <p:nvGrpSpPr>
+        <p:cNvPr id="1" name=""/>
+        <p:cNvGrpSpPr/>
+        <p:nvPr/>
+      </p:nvGrpSpPr>
+      <p:grpSpPr>
+        <a:xfrm>
+          <a:off x="0" y="0"/>
+          <a:ext cx="0" cy="0"/>
+          <a:chOff x="0" y="0"/>
+          <a:chExt cx="0" cy="0"/>
+        </a:xfrm>
+      </p:grpSpPr>
+      <p:sp>
+        <p:nvSpPr>
+          <p:cNvPr id="2" name="Title 1"/>
+          <p:cNvSpPr>
+            <a:spLocks noGrp="1"/>
+          </p:cNvSpPr>
+          <p:nvPr>
+            <p:ph type="title"/>
+          </p:nvPr>
+        </p:nvSpPr>
+        <p:spPr/>
+        <p:txBody>
+          <a:bodyPr/>
+          <a:lstStyle/>
+          <a:p>
+            <a:r>
+              <a:rPr lang="en-IE" dirty="0"/>
+              <a:t>Suggestion Table</a:t>
+            </a:r>
+          </a:p>
+        </p:txBody>
+      </p:sp>
+      <p:pic>
+        <p:nvPicPr>
+          <p:cNvPr id="5" name="Content Placeholder 4"/>
+          <p:cNvPicPr>
+            <a:picLocks noGrp="1" noChangeAspect="1"/>
+          </p:cNvPicPr>
+          <p:nvPr>
+            <p:ph idx="1"/>
+          </p:nvPr>
+        </p:nvPicPr>
+        <p:blipFill>
+          <a:blip r:embed="rId2">
+            <a:extLst>
+              <a:ext uri="{28A0092B-C50C-407E-A947-70E740481C1C}">
+                <a14:useLocalDpi xmlns:a14="http://schemas.microsoft.com/office/drawing/2010/main" val="0"/>
+              </a:ext>
+            </a:extLst>
+          </a:blip>
+          <a:stretch>
+            <a:fillRect/>
+          </a:stretch>
+        </p:blipFill>
+        <p:spPr>
+          <a:xfrm>
+            <a:off x="4095083" y="1825625"/>
+            <a:ext cx="4001833" cy="4351338"/>
+          </a:xfrm>
+        </p:spPr>
+      </p:pic>
+    </p:spTree>
+    <p:extLst>
+      <p:ext uri="{BB962C8B-B14F-4D97-AF65-F5344CB8AC3E}">
+        <p14:creationId xmlns:p14="http://schemas.microsoft.com/office/powerpoint/2010/main" val="2343058775"/>
+      </p:ext>
+    </p:extLst>
+  </p:cSld>
+  <p:clrMapOvr>
+    <a:masterClrMapping/>
+  </p:clrMapOvr>
+</p:sld>
+</file>
+
+<file path=ppt/slides/slide28.xml><?xml version="1.0" encoding="utf-8"?>
+<p:sld xmlns:a="http://schemas.openxmlformats.org/drawingml/2006/main" xmlns:r="http://schemas.openxmlformats.org/officeDocument/2006/relationships" xmlns:p="http://schemas.openxmlformats.org/presentationml/2006/main">
+  <p:cSld>
+    <p:spTree>
+      <p:nvGrpSpPr>
+        <p:cNvPr id="1" name=""/>
+        <p:cNvGrpSpPr/>
+        <p:nvPr/>
+      </p:nvGrpSpPr>
+      <p:grpSpPr>
+        <a:xfrm>
+          <a:off x="0" y="0"/>
+          <a:ext cx="0" cy="0"/>
+          <a:chOff x="0" y="0"/>
+          <a:chExt cx="0" cy="0"/>
+        </a:xfrm>
+      </p:grpSpPr>
+      <p:sp>
+        <p:nvSpPr>
+          <p:cNvPr id="2" name="Title 1"/>
+          <p:cNvSpPr>
+            <a:spLocks noGrp="1"/>
+          </p:cNvSpPr>
+          <p:nvPr>
+            <p:ph type="title"/>
+          </p:nvPr>
+        </p:nvSpPr>
+        <p:spPr/>
+        <p:txBody>
+          <a:bodyPr/>
+          <a:lstStyle/>
+          <a:p>
+            <a:r>
+              <a:rPr lang="en-IE" dirty="0"/>
+              <a:t>Suppliers Table</a:t>
+            </a:r>
+          </a:p>
+        </p:txBody>
+      </p:sp>
+      <p:pic>
+        <p:nvPicPr>
+          <p:cNvPr id="5" name="Content Placeholder 4"/>
+          <p:cNvPicPr>
+            <a:picLocks noGrp="1" noChangeAspect="1"/>
+          </p:cNvPicPr>
+          <p:nvPr>
+            <p:ph idx="1"/>
+          </p:nvPr>
+        </p:nvPicPr>
+        <p:blipFill>
+          <a:blip r:embed="rId2">
+            <a:extLst>
+              <a:ext uri="{28A0092B-C50C-407E-A947-70E740481C1C}">
+                <a14:useLocalDpi xmlns:a14="http://schemas.microsoft.com/office/drawing/2010/main" val="0"/>
+              </a:ext>
+            </a:extLst>
+          </a:blip>
+          <a:stretch>
+            <a:fillRect/>
+          </a:stretch>
+        </p:blipFill>
+        <p:spPr>
+          <a:xfrm>
+            <a:off x="4082957" y="1825625"/>
+            <a:ext cx="4026086" cy="4351338"/>
+          </a:xfrm>
+        </p:spPr>
+      </p:pic>
+    </p:spTree>
+    <p:extLst>
+      <p:ext uri="{BB962C8B-B14F-4D97-AF65-F5344CB8AC3E}">
+        <p14:creationId xmlns:p14="http://schemas.microsoft.com/office/powerpoint/2010/main" val="48437891"/>
+      </p:ext>
+    </p:extLst>
+  </p:cSld>
+  <p:clrMapOvr>
+    <a:masterClrMapping/>
+  </p:clrMapOvr>
+</p:sld>
+</file>
+
+<file path=ppt/slides/slide29.xml><?xml version="1.0" encoding="utf-8"?>
+<p:sld xmlns:a="http://schemas.openxmlformats.org/drawingml/2006/main" xmlns:r="http://schemas.openxmlformats.org/officeDocument/2006/relationships" xmlns:p="http://schemas.openxmlformats.org/presentationml/2006/main">
+  <p:cSld>
+    <p:spTree>
+      <p:nvGrpSpPr>
+        <p:cNvPr id="1" name=""/>
+        <p:cNvGrpSpPr/>
+        <p:nvPr/>
+      </p:nvGrpSpPr>
+      <p:grpSpPr>
+        <a:xfrm>
+          <a:off x="0" y="0"/>
+          <a:ext cx="0" cy="0"/>
+          <a:chOff x="0" y="0"/>
+          <a:chExt cx="0" cy="0"/>
+        </a:xfrm>
+      </p:grpSpPr>
+      <p:sp>
+        <p:nvSpPr>
+          <p:cNvPr id="2" name="Title 1"/>
+          <p:cNvSpPr>
+            <a:spLocks noGrp="1"/>
+          </p:cNvSpPr>
+          <p:nvPr>
+            <p:ph type="title"/>
+          </p:nvPr>
+        </p:nvSpPr>
+        <p:spPr/>
+        <p:txBody>
+          <a:bodyPr/>
+          <a:lstStyle/>
+          <a:p>
+            <a:r>
+              <a:rPr lang="en-GB" dirty="0"/>
+              <a:t>Website</a:t>
+            </a:r>
+            <a:endParaRPr lang="en-US" dirty="0"/>
+          </a:p>
+        </p:txBody>
+      </p:sp>
+      <p:sp>
+        <p:nvSpPr>
+          <p:cNvPr id="3" name="Content Placeholder 2"/>
+          <p:cNvSpPr>
+            <a:spLocks noGrp="1"/>
+          </p:cNvSpPr>
+          <p:nvPr>
+            <p:ph idx="1"/>
+          </p:nvPr>
+        </p:nvSpPr>
+        <p:spPr/>
+        <p:txBody>
+          <a:bodyPr/>
+          <a:lstStyle/>
+          <a:p>
+            <a:r>
+              <a:rPr lang="en-US" dirty="0"/>
+              <a:t>Here we will present to you the MCTV Limited Website </a:t>
+            </a:r>
+          </a:p>
+          <a:p>
+            <a:r>
+              <a:rPr lang="en-US" dirty="0"/>
+              <a:t>Which will feature a Home page and 4 individual pages about the workers in the shop </a:t>
+            </a:r>
+          </a:p>
+        </p:txBody>
+      </p:sp>
+      <p:sp>
+        <p:nvSpPr>
+          <p:cNvPr id="4" name="TextBox 3"/>
+          <p:cNvSpPr txBox="1"/>
+          <p:nvPr/>
+        </p:nvSpPr>
+        <p:spPr>
+          <a:xfrm>
+            <a:off x="10230678" y="658574"/>
+            <a:ext cx="954156" cy="369332"/>
+          </a:xfrm>
+          <a:prstGeom prst="rect">
+            <a:avLst/>
+          </a:prstGeom>
+          <a:noFill/>
+        </p:spPr>
+        <p:txBody>
+          <a:bodyPr wrap="square" rtlCol="0">
+            <a:spAutoFit/>
+          </a:bodyPr>
+          <a:lstStyle/>
+          <a:p>
+            <a:r>
+              <a:rPr lang="en-GB" dirty="0"/>
+              <a:t>Antonio</a:t>
+            </a:r>
+          </a:p>
+        </p:txBody>
+      </p:sp>
+    </p:spTree>
+    <p:extLst>
+      <p:ext uri="{BB962C8B-B14F-4D97-AF65-F5344CB8AC3E}">
+        <p14:creationId xmlns:p14="http://schemas.microsoft.com/office/powerpoint/2010/main" val="3123563747"/>
+      </p:ext>
+    </p:extLst>
+  </p:cSld>
+  <p:clrMapOvr>
+    <a:masterClrMapping/>
+  </p:clrMapOvr>
+</p:sld>
+</file>
+
+<file path=ppt/slides/slide3.xml><?xml version="1.0" encoding="utf-8"?>
+<p:sld xmlns:a="http://schemas.openxmlformats.org/drawingml/2006/main" xmlns:r="http://schemas.openxmlformats.org/officeDocument/2006/relationships" xmlns:p="http://schemas.openxmlformats.org/presentationml/2006/main">
+  <p:cSld>
+    <p:spTree>
+      <p:nvGrpSpPr>
+        <p:cNvPr id="1" name=""/>
+        <p:cNvGrpSpPr/>
+        <p:nvPr/>
+      </p:nvGrpSpPr>
+      <p:grpSpPr>
+        <a:xfrm>
+          <a:off x="0" y="0"/>
+          <a:ext cx="0" cy="0"/>
+          <a:chOff x="0" y="0"/>
+          <a:chExt cx="0" cy="0"/>
+        </a:xfrm>
+      </p:grpSpPr>
+      <p:sp>
+        <p:nvSpPr>
+          <p:cNvPr id="2" name="Title 1"/>
+          <p:cNvSpPr>
+            <a:spLocks noGrp="1"/>
+          </p:cNvSpPr>
+          <p:nvPr>
+            <p:ph type="title"/>
+          </p:nvPr>
+        </p:nvSpPr>
+        <p:spPr/>
+        <p:txBody>
+          <a:bodyPr/>
+          <a:lstStyle/>
+          <a:p>
+            <a:r>
+              <a:rPr lang="en-GB" dirty="0"/>
+              <a:t>Introduction to Company</a:t>
+            </a:r>
+            <a:endParaRPr lang="en-US" dirty="0"/>
+          </a:p>
+        </p:txBody>
+      </p:sp>
+      <p:sp>
+        <p:nvSpPr>
+          <p:cNvPr id="3" name="Content Placeholder 2"/>
+          <p:cNvSpPr>
+            <a:spLocks noGrp="1"/>
+          </p:cNvSpPr>
+          <p:nvPr>
+            <p:ph idx="1"/>
+          </p:nvPr>
+        </p:nvSpPr>
+        <p:spPr/>
+        <p:txBody>
+          <a:bodyPr/>
+          <a:lstStyle/>
+          <a:p>
+            <a:r>
+              <a:rPr lang="en-GB" dirty="0"/>
+              <a:t>With the headquarter in Dublin, company has been manufacturing TV since 1955</a:t>
+            </a:r>
+            <a:endParaRPr lang="en-US" dirty="0"/>
+          </a:p>
+          <a:p>
+            <a:r>
+              <a:rPr lang="en-GB" dirty="0"/>
+              <a:t>MCTV use only the highest quality components</a:t>
+            </a:r>
+          </a:p>
+          <a:p>
+            <a:r>
+              <a:rPr lang="en-GB" dirty="0"/>
+              <a:t>Supporting the local job market and grow local industries</a:t>
+            </a:r>
+          </a:p>
+          <a:p>
+            <a:pPr marL="0" indent="0">
+              <a:buNone/>
+            </a:pPr>
+            <a:endParaRPr lang="en-GB" dirty="0"/>
+          </a:p>
+        </p:txBody>
+      </p:sp>
+      <p:sp>
+        <p:nvSpPr>
+          <p:cNvPr id="4" name="TextBox 3"/>
+          <p:cNvSpPr txBox="1"/>
+          <p:nvPr/>
+        </p:nvSpPr>
+        <p:spPr>
+          <a:xfrm rot="1682298">
+            <a:off x="10357341" y="719476"/>
+            <a:ext cx="570990" cy="369332"/>
+          </a:xfrm>
+          <a:prstGeom prst="rect">
+            <a:avLst/>
+          </a:prstGeom>
+          <a:noFill/>
+        </p:spPr>
+        <p:txBody>
+          <a:bodyPr wrap="none" rtlCol="0">
+            <a:spAutoFit/>
+          </a:bodyPr>
+          <a:lstStyle/>
+          <a:p>
+            <a:pPr algn="ctr"/>
+            <a:r>
+              <a:rPr lang="en-US" dirty="0"/>
+              <a:t>Jack</a:t>
+            </a:r>
+          </a:p>
+        </p:txBody>
+      </p:sp>
+    </p:spTree>
+    <p:extLst>
+      <p:ext uri="{BB962C8B-B14F-4D97-AF65-F5344CB8AC3E}">
+        <p14:creationId xmlns:p14="http://schemas.microsoft.com/office/powerpoint/2010/main" val="2851753425"/>
+      </p:ext>
+    </p:extLst>
+  </p:cSld>
+  <p:clrMapOvr>
+    <a:masterClrMapping/>
+  </p:clrMapOvr>
+</p:sld>
+</file>
+
+<file path=ppt/slides/slide30.xml><?xml version="1.0" encoding="utf-8"?>
+<p:sld xmlns:a="http://schemas.openxmlformats.org/drawingml/2006/main" xmlns:r="http://schemas.openxmlformats.org/officeDocument/2006/relationships" xmlns:p="http://schemas.openxmlformats.org/presentationml/2006/main">
+  <p:cSld>
+    <p:spTree>
+      <p:nvGrpSpPr>
+        <p:cNvPr id="1" name=""/>
+        <p:cNvGrpSpPr/>
+        <p:nvPr/>
+      </p:nvGrpSpPr>
+      <p:grpSpPr>
+        <a:xfrm>
+          <a:off x="0" y="0"/>
+          <a:ext cx="0" cy="0"/>
+          <a:chOff x="0" y="0"/>
+          <a:chExt cx="0" cy="0"/>
+        </a:xfrm>
+      </p:grpSpPr>
+      <p:sp>
+        <p:nvSpPr>
+          <p:cNvPr id="2" name="Title 1"/>
+          <p:cNvSpPr>
+            <a:spLocks noGrp="1"/>
+          </p:cNvSpPr>
+          <p:nvPr>
+            <p:ph type="title"/>
+          </p:nvPr>
+        </p:nvSpPr>
+        <p:spPr/>
+        <p:txBody>
+          <a:bodyPr/>
+          <a:lstStyle/>
+          <a:p>
+            <a:r>
               <a:rPr lang="en-GB" dirty="0"/>
               <a:t>Conclusion</a:t>
             </a:r>
@@ -3778,7 +5597,7 @@
 </p:sld>
 </file>
 
-<file path=ppt/slides/slide14.xml><?xml version="1.0" encoding="utf-8"?>
+<file path=ppt/slides/slide31.xml><?xml version="1.0" encoding="utf-8"?>
 <p:sld xmlns:a="http://schemas.openxmlformats.org/drawingml/2006/main" xmlns:r="http://schemas.openxmlformats.org/officeDocument/2006/relationships" xmlns:p="http://schemas.openxmlformats.org/presentationml/2006/main">
   <p:cSld>
     <p:spTree>
@@ -3947,253 +5766,6 @@
     <p:extLst>
       <p:ext uri="{BB962C8B-B14F-4D97-AF65-F5344CB8AC3E}">
         <p14:creationId xmlns:p14="http://schemas.microsoft.com/office/powerpoint/2010/main" val="3349935074"/>
-      </p:ext>
-    </p:extLst>
-  </p:cSld>
-  <p:clrMapOvr>
-    <a:masterClrMapping/>
-  </p:clrMapOvr>
-</p:sld>
-</file>
-
-<file path=ppt/slides/slide2.xml><?xml version="1.0" encoding="utf-8"?>
-<p:sld xmlns:a="http://schemas.openxmlformats.org/drawingml/2006/main" xmlns:r="http://schemas.openxmlformats.org/officeDocument/2006/relationships" xmlns:p="http://schemas.openxmlformats.org/presentationml/2006/main">
-  <p:cSld>
-    <p:spTree>
-      <p:nvGrpSpPr>
-        <p:cNvPr id="1" name=""/>
-        <p:cNvGrpSpPr/>
-        <p:nvPr/>
-      </p:nvGrpSpPr>
-      <p:grpSpPr>
-        <a:xfrm>
-          <a:off x="0" y="0"/>
-          <a:ext cx="0" cy="0"/>
-          <a:chOff x="0" y="0"/>
-          <a:chExt cx="0" cy="0"/>
-        </a:xfrm>
-      </p:grpSpPr>
-      <p:sp>
-        <p:nvSpPr>
-          <p:cNvPr id="2" name="Title 1"/>
-          <p:cNvSpPr>
-            <a:spLocks noGrp="1"/>
-          </p:cNvSpPr>
-          <p:nvPr>
-            <p:ph type="title"/>
-          </p:nvPr>
-        </p:nvSpPr>
-        <p:spPr/>
-        <p:txBody>
-          <a:bodyPr/>
-          <a:lstStyle/>
-          <a:p>
-            <a:r>
-              <a:rPr lang="en-GB" dirty="0"/>
-              <a:t>Agenda</a:t>
-            </a:r>
-            <a:endParaRPr lang="en-US" dirty="0"/>
-          </a:p>
-        </p:txBody>
-      </p:sp>
-      <p:sp>
-        <p:nvSpPr>
-          <p:cNvPr id="3" name="Content Placeholder 2"/>
-          <p:cNvSpPr>
-            <a:spLocks noGrp="1"/>
-          </p:cNvSpPr>
-          <p:nvPr>
-            <p:ph idx="1"/>
-          </p:nvPr>
-        </p:nvSpPr>
-        <p:spPr/>
-        <p:txBody>
-          <a:bodyPr/>
-          <a:lstStyle/>
-          <a:p>
-            <a:r>
-              <a:rPr lang="en-GB" dirty="0"/>
-              <a:t>The purpose of this presentation was to explore the development of MCTV Limited. </a:t>
-            </a:r>
-          </a:p>
-          <a:p>
-            <a:r>
-              <a:rPr lang="en-GB" dirty="0"/>
-              <a:t>We as a group were given particular tasks in which we all had to take part in.</a:t>
-            </a:r>
-          </a:p>
-          <a:p>
-            <a:r>
-              <a:rPr lang="en-US" dirty="0"/>
-              <a:t>This presentation will feature a quick background MCTV Limited, the UML charts, Databases, the company Website and what holds for the future of MCTV Limited as the company grows.</a:t>
-            </a:r>
-          </a:p>
-          <a:p>
-            <a:endParaRPr lang="en-US" dirty="0"/>
-          </a:p>
-          <a:p>
-            <a:endParaRPr lang="en-US" dirty="0"/>
-          </a:p>
-        </p:txBody>
-      </p:sp>
-      <p:sp>
-        <p:nvSpPr>
-          <p:cNvPr id="4" name="TextBox 3"/>
-          <p:cNvSpPr txBox="1"/>
-          <p:nvPr/>
-        </p:nvSpPr>
-        <p:spPr>
-          <a:xfrm rot="1682298">
-            <a:off x="10357345" y="719476"/>
-            <a:ext cx="570990" cy="369332"/>
-          </a:xfrm>
-          <a:prstGeom prst="rect">
-            <a:avLst/>
-          </a:prstGeom>
-          <a:noFill/>
-        </p:spPr>
-        <p:txBody>
-          <a:bodyPr wrap="none" rtlCol="0">
-            <a:spAutoFit/>
-          </a:bodyPr>
-          <a:lstStyle/>
-          <a:p>
-            <a:pPr algn="ctr"/>
-            <a:r>
-              <a:rPr lang="en-US" dirty="0"/>
-              <a:t>Jack</a:t>
-            </a:r>
-          </a:p>
-        </p:txBody>
-      </p:sp>
-    </p:spTree>
-    <p:extLst>
-      <p:ext uri="{BB962C8B-B14F-4D97-AF65-F5344CB8AC3E}">
-        <p14:creationId xmlns:p14="http://schemas.microsoft.com/office/powerpoint/2010/main" val="3481843719"/>
-      </p:ext>
-    </p:extLst>
-  </p:cSld>
-  <p:clrMapOvr>
-    <a:masterClrMapping/>
-  </p:clrMapOvr>
-</p:sld>
-</file>
-
-<file path=ppt/slides/slide3.xml><?xml version="1.0" encoding="utf-8"?>
-<p:sld xmlns:a="http://schemas.openxmlformats.org/drawingml/2006/main" xmlns:r="http://schemas.openxmlformats.org/officeDocument/2006/relationships" xmlns:p="http://schemas.openxmlformats.org/presentationml/2006/main">
-  <p:cSld>
-    <p:spTree>
-      <p:nvGrpSpPr>
-        <p:cNvPr id="1" name=""/>
-        <p:cNvGrpSpPr/>
-        <p:nvPr/>
-      </p:nvGrpSpPr>
-      <p:grpSpPr>
-        <a:xfrm>
-          <a:off x="0" y="0"/>
-          <a:ext cx="0" cy="0"/>
-          <a:chOff x="0" y="0"/>
-          <a:chExt cx="0" cy="0"/>
-        </a:xfrm>
-      </p:grpSpPr>
-      <p:sp>
-        <p:nvSpPr>
-          <p:cNvPr id="2" name="Title 1"/>
-          <p:cNvSpPr>
-            <a:spLocks noGrp="1"/>
-          </p:cNvSpPr>
-          <p:nvPr>
-            <p:ph type="title"/>
-          </p:nvPr>
-        </p:nvSpPr>
-        <p:spPr/>
-        <p:txBody>
-          <a:bodyPr/>
-          <a:lstStyle/>
-          <a:p>
-            <a:r>
-              <a:rPr lang="en-GB" dirty="0"/>
-              <a:t>Introduction to Company</a:t>
-            </a:r>
-            <a:endParaRPr lang="en-US" dirty="0"/>
-          </a:p>
-        </p:txBody>
-      </p:sp>
-      <p:sp>
-        <p:nvSpPr>
-          <p:cNvPr id="3" name="Content Placeholder 2"/>
-          <p:cNvSpPr>
-            <a:spLocks noGrp="1"/>
-          </p:cNvSpPr>
-          <p:nvPr>
-            <p:ph idx="1"/>
-          </p:nvPr>
-        </p:nvSpPr>
-        <p:spPr/>
-        <p:txBody>
-          <a:bodyPr/>
-          <a:lstStyle/>
-          <a:p>
-            <a:r>
-              <a:rPr lang="en-GB" dirty="0"/>
-              <a:t>With the headquarter in Dublin, company has been manufacturing TV since 1955</a:t>
-            </a:r>
-            <a:endParaRPr lang="en-US" dirty="0"/>
-          </a:p>
-          <a:p>
-            <a:r>
-              <a:rPr lang="en-GB" dirty="0"/>
-              <a:t>MCTV use only the highest quality components</a:t>
-            </a:r>
-          </a:p>
-          <a:p>
-            <a:r>
-              <a:rPr lang="en-GB" dirty="0"/>
-              <a:t>Supporting the local job market and grow local industries</a:t>
-            </a:r>
-          </a:p>
-          <a:p>
-            <a:pPr marL="0" indent="0">
-              <a:buNone/>
-            </a:pPr>
-            <a:endParaRPr lang="en-GB" dirty="0"/>
-          </a:p>
-        </p:txBody>
-      </p:sp>
-      <p:sp>
-        <p:nvSpPr>
-          <p:cNvPr id="4" name="TextBox 3"/>
-          <p:cNvSpPr txBox="1"/>
-          <p:nvPr/>
-        </p:nvSpPr>
-        <p:spPr>
-          <a:xfrm rot="1682298">
-            <a:off x="10357341" y="719476"/>
-            <a:ext cx="570990" cy="369332"/>
-          </a:xfrm>
-          <a:prstGeom prst="rect">
-            <a:avLst/>
-          </a:prstGeom>
-          <a:noFill/>
-        </p:spPr>
-        <p:txBody>
-          <a:bodyPr wrap="none" rtlCol="0">
-            <a:spAutoFit/>
-          </a:bodyPr>
-          <a:lstStyle/>
-          <a:p>
-            <a:pPr algn="ctr"/>
-            <a:r>
-              <a:rPr lang="en-US" dirty="0"/>
-              <a:t>Jack</a:t>
-            </a:r>
-          </a:p>
-        </p:txBody>
-      </p:sp>
-    </p:spTree>
-    <p:extLst>
-      <p:ext uri="{BB962C8B-B14F-4D97-AF65-F5344CB8AC3E}">
-        <p14:creationId xmlns:p14="http://schemas.microsoft.com/office/powerpoint/2010/main" val="2851753425"/>
       </p:ext>
     </p:extLst>
   </p:cSld>
@@ -4825,74 +6397,45 @@
           <a:lstStyle/>
           <a:p>
             <a:r>
-              <a:rPr lang="en-GB" dirty="0"/>
-              <a:t>Databases</a:t>
-            </a:r>
-            <a:endParaRPr lang="en-US" dirty="0"/>
-          </a:p>
-        </p:txBody>
-      </p:sp>
-      <p:sp>
-        <p:nvSpPr>
-          <p:cNvPr id="3" name="Content Placeholder 2"/>
-          <p:cNvSpPr>
-            <a:spLocks noGrp="1"/>
-          </p:cNvSpPr>
+              <a:rPr lang="en-IE" dirty="0"/>
+              <a:t>MCTV Limited</a:t>
+            </a:r>
+          </a:p>
+        </p:txBody>
+      </p:sp>
+      <p:pic>
+        <p:nvPicPr>
+          <p:cNvPr id="5" name="Content Placeholder 4"/>
+          <p:cNvPicPr>
+            <a:picLocks noGrp="1" noChangeAspect="1"/>
+          </p:cNvPicPr>
           <p:nvPr>
             <p:ph idx="1"/>
           </p:nvPr>
-        </p:nvSpPr>
-        <p:spPr/>
-        <p:txBody>
-          <a:bodyPr/>
-          <a:lstStyle/>
-          <a:p>
-            <a:r>
-              <a:rPr lang="en-US" dirty="0"/>
-              <a:t>Here we will show MCTV Limited Databases</a:t>
-            </a:r>
-          </a:p>
-          <a:p>
-            <a:endParaRPr lang="en-US" dirty="0"/>
-          </a:p>
-          <a:p>
-            <a:endParaRPr lang="en-US" dirty="0"/>
-          </a:p>
-        </p:txBody>
-      </p:sp>
-      <p:sp>
-        <p:nvSpPr>
-          <p:cNvPr id="4" name="TextBox 3"/>
-          <p:cNvSpPr txBox="1"/>
-          <p:nvPr/>
-        </p:nvSpPr>
+        </p:nvPicPr>
+        <p:blipFill>
+          <a:blip r:embed="rId2">
+            <a:extLst>
+              <a:ext uri="{28A0092B-C50C-407E-A947-70E740481C1C}">
+                <a14:useLocalDpi xmlns:a14="http://schemas.microsoft.com/office/drawing/2010/main" val="0"/>
+              </a:ext>
+            </a:extLst>
+          </a:blip>
+          <a:stretch>
+            <a:fillRect/>
+          </a:stretch>
+        </p:blipFill>
         <p:spPr>
           <a:xfrm>
-            <a:off x="10296939" y="658574"/>
-            <a:ext cx="821635" cy="369332"/>
+            <a:off x="1671854" y="1825625"/>
+            <a:ext cx="8848292" cy="4351338"/>
           </a:xfrm>
-          <a:prstGeom prst="rect">
-            <a:avLst/>
-          </a:prstGeom>
-          <a:noFill/>
         </p:spPr>
-        <p:txBody>
-          <a:bodyPr wrap="square" rtlCol="0">
-            <a:spAutoFit/>
-          </a:bodyPr>
-          <a:lstStyle/>
-          <a:p>
-            <a:r>
-              <a:rPr lang="en-GB" dirty="0"/>
-              <a:t>Grigor</a:t>
-            </a:r>
-          </a:p>
-        </p:txBody>
-      </p:sp>
+      </p:pic>
     </p:spTree>
     <p:extLst>
       <p:ext uri="{BB962C8B-B14F-4D97-AF65-F5344CB8AC3E}">
-        <p14:creationId xmlns:p14="http://schemas.microsoft.com/office/powerpoint/2010/main" val="1808812414"/>
+        <p14:creationId xmlns:p14="http://schemas.microsoft.com/office/powerpoint/2010/main" val="4147242706"/>
       </p:ext>
     </p:extLst>
   </p:cSld>

--- a/MCTV Limited.pptx
+++ b/MCTV Limited.pptx
@@ -13,12 +13,13 @@
     <p:sldId id="267" r:id="rId7"/>
     <p:sldId id="268" r:id="rId8"/>
     <p:sldId id="260" r:id="rId9"/>
-    <p:sldId id="261" r:id="rId10"/>
-    <p:sldId id="262" r:id="rId11"/>
-    <p:sldId id="269" r:id="rId12"/>
-    <p:sldId id="263" r:id="rId13"/>
-    <p:sldId id="264" r:id="rId14"/>
-    <p:sldId id="265" r:id="rId15"/>
+    <p:sldId id="270" r:id="rId10"/>
+    <p:sldId id="261" r:id="rId11"/>
+    <p:sldId id="262" r:id="rId12"/>
+    <p:sldId id="269" r:id="rId13"/>
+    <p:sldId id="263" r:id="rId14"/>
+    <p:sldId id="264" r:id="rId15"/>
+    <p:sldId id="265" r:id="rId16"/>
   </p:sldIdLst>
   <p:sldSz cx="12192000" cy="6858000"/>
   <p:notesSz cx="6858000" cy="9144000"/>
@@ -3372,7 +3373,7 @@
           <a:p>
             <a:r>
               <a:rPr lang="en-GB" dirty="0"/>
-              <a:t>UML chart</a:t>
+              <a:t>Databases</a:t>
             </a:r>
             <a:endParaRPr lang="en-US" dirty="0"/>
           </a:p>
@@ -3395,38 +3396,11 @@
           <a:p>
             <a:r>
               <a:rPr lang="en-US" dirty="0"/>
-              <a:t>Customers Table</a:t>
-            </a:r>
-          </a:p>
-          <a:p>
-            <a:r>
-              <a:rPr lang="en-US" dirty="0"/>
-              <a:t>Employees Table</a:t>
-            </a:r>
-          </a:p>
-          <a:p>
-            <a:r>
-              <a:rPr lang="en-US" dirty="0"/>
-              <a:t>Products Table</a:t>
-            </a:r>
-          </a:p>
-          <a:p>
-            <a:r>
-              <a:rPr lang="en-US" dirty="0"/>
-              <a:t>Suggestions Table</a:t>
-            </a:r>
-          </a:p>
-          <a:p>
-            <a:r>
-              <a:rPr lang="en-US" dirty="0"/>
-              <a:t>Suppliers Table</a:t>
-            </a:r>
-          </a:p>
-          <a:p>
-            <a:r>
-              <a:rPr lang="en-US" dirty="0"/>
-              <a:t>Navigation Form</a:t>
-            </a:r>
+              <a:t>Here we will show MCTV Limited Databases</a:t>
+            </a:r>
+          </a:p>
+          <a:p>
+            <a:endParaRPr lang="en-US" dirty="0"/>
           </a:p>
           <a:p>
             <a:endParaRPr lang="en-US" dirty="0"/>
@@ -3441,8 +3415,8 @@
         </p:nvSpPr>
         <p:spPr>
           <a:xfrm>
-            <a:off x="10323443" y="658574"/>
-            <a:ext cx="861392" cy="369332"/>
+            <a:off x="10296939" y="658574"/>
+            <a:ext cx="821635" cy="369332"/>
           </a:xfrm>
           <a:prstGeom prst="rect">
             <a:avLst/>
@@ -3465,7 +3439,7 @@
     </p:spTree>
     <p:extLst>
       <p:ext uri="{BB962C8B-B14F-4D97-AF65-F5344CB8AC3E}">
-        <p14:creationId xmlns:p14="http://schemas.microsoft.com/office/powerpoint/2010/main" val="1248061747"/>
+        <p14:creationId xmlns:p14="http://schemas.microsoft.com/office/powerpoint/2010/main" val="1808812414"/>
       </p:ext>
     </p:extLst>
   </p:cSld>
@@ -3509,8 +3483,9 @@
           <a:p>
             <a:r>
               <a:rPr lang="en-GB" dirty="0"/>
-              <a:t>UML Chart</a:t>
-            </a:r>
+              <a:t>UML chart</a:t>
+            </a:r>
+            <a:endParaRPr lang="en-US" dirty="0"/>
           </a:p>
         </p:txBody>
       </p:sp>
@@ -3529,14 +3504,79 @@
           <a:bodyPr/>
           <a:lstStyle/>
           <a:p>
-            <a:endParaRPr lang="en-GB" dirty="0"/>
+            <a:r>
+              <a:rPr lang="en-US" dirty="0"/>
+              <a:t>Customers Table</a:t>
+            </a:r>
+          </a:p>
+          <a:p>
+            <a:r>
+              <a:rPr lang="en-US" dirty="0"/>
+              <a:t>Employees Table</a:t>
+            </a:r>
+          </a:p>
+          <a:p>
+            <a:r>
+              <a:rPr lang="en-US" dirty="0"/>
+              <a:t>Products Table</a:t>
+            </a:r>
+          </a:p>
+          <a:p>
+            <a:r>
+              <a:rPr lang="en-US" dirty="0"/>
+              <a:t>Suggestions Table</a:t>
+            </a:r>
+          </a:p>
+          <a:p>
+            <a:r>
+              <a:rPr lang="en-US" dirty="0"/>
+              <a:t>Suppliers Table</a:t>
+            </a:r>
+          </a:p>
+          <a:p>
+            <a:r>
+              <a:rPr lang="en-US" dirty="0"/>
+              <a:t>Navigation Form</a:t>
+            </a:r>
+          </a:p>
+          <a:p>
+            <a:endParaRPr lang="en-US" dirty="0"/>
+          </a:p>
+        </p:txBody>
+      </p:sp>
+      <p:sp>
+        <p:nvSpPr>
+          <p:cNvPr id="4" name="TextBox 3"/>
+          <p:cNvSpPr txBox="1"/>
+          <p:nvPr/>
+        </p:nvSpPr>
+        <p:spPr>
+          <a:xfrm>
+            <a:off x="10323443" y="658574"/>
+            <a:ext cx="861392" cy="369332"/>
+          </a:xfrm>
+          <a:prstGeom prst="rect">
+            <a:avLst/>
+          </a:prstGeom>
+          <a:noFill/>
+        </p:spPr>
+        <p:txBody>
+          <a:bodyPr wrap="square" rtlCol="0">
+            <a:spAutoFit/>
+          </a:bodyPr>
+          <a:lstStyle/>
+          <a:p>
+            <a:r>
+              <a:rPr lang="en-GB" dirty="0"/>
+              <a:t>Grigor</a:t>
+            </a:r>
           </a:p>
         </p:txBody>
       </p:sp>
     </p:spTree>
     <p:extLst>
       <p:ext uri="{BB962C8B-B14F-4D97-AF65-F5344CB8AC3E}">
-        <p14:creationId xmlns:p14="http://schemas.microsoft.com/office/powerpoint/2010/main" val="2232451369"/>
+        <p14:creationId xmlns:p14="http://schemas.microsoft.com/office/powerpoint/2010/main" val="1248061747"/>
       </p:ext>
     </p:extLst>
   </p:cSld>
@@ -3580,9 +3620,8 @@
           <a:p>
             <a:r>
               <a:rPr lang="en-GB" dirty="0"/>
-              <a:t>Website</a:t>
-            </a:r>
-            <a:endParaRPr lang="en-US" dirty="0"/>
+              <a:t>UML Chart</a:t>
+            </a:r>
           </a:p>
         </p:txBody>
       </p:sp>
@@ -3601,52 +3640,14 @@
           <a:bodyPr/>
           <a:lstStyle/>
           <a:p>
-            <a:r>
-              <a:rPr lang="en-US" dirty="0"/>
-              <a:t>Here we will present to you the MCTV Limited Website </a:t>
-            </a:r>
-          </a:p>
-          <a:p>
-            <a:r>
-              <a:rPr lang="en-US" dirty="0"/>
-              <a:t>Which will feature a Home page and 4 individual pages about the workers in the shop </a:t>
-            </a:r>
-          </a:p>
-        </p:txBody>
-      </p:sp>
-      <p:sp>
-        <p:nvSpPr>
-          <p:cNvPr id="4" name="TextBox 3"/>
-          <p:cNvSpPr txBox="1"/>
-          <p:nvPr/>
-        </p:nvSpPr>
-        <p:spPr>
-          <a:xfrm>
-            <a:off x="10230678" y="658574"/>
-            <a:ext cx="954156" cy="369332"/>
-          </a:xfrm>
-          <a:prstGeom prst="rect">
-            <a:avLst/>
-          </a:prstGeom>
-          <a:noFill/>
-        </p:spPr>
-        <p:txBody>
-          <a:bodyPr wrap="square" rtlCol="0">
-            <a:spAutoFit/>
-          </a:bodyPr>
-          <a:lstStyle/>
-          <a:p>
-            <a:r>
-              <a:rPr lang="en-GB" dirty="0"/>
-              <a:t>Antonio</a:t>
-            </a:r>
+            <a:endParaRPr lang="en-GB" dirty="0"/>
           </a:p>
         </p:txBody>
       </p:sp>
     </p:spTree>
     <p:extLst>
       <p:ext uri="{BB962C8B-B14F-4D97-AF65-F5344CB8AC3E}">
-        <p14:creationId xmlns:p14="http://schemas.microsoft.com/office/powerpoint/2010/main" val="3123563747"/>
+        <p14:creationId xmlns:p14="http://schemas.microsoft.com/office/powerpoint/2010/main" val="2232451369"/>
       </p:ext>
     </p:extLst>
   </p:cSld>
@@ -3690,6 +3691,116 @@
           <a:p>
             <a:r>
               <a:rPr lang="en-GB" dirty="0"/>
+              <a:t>Website</a:t>
+            </a:r>
+            <a:endParaRPr lang="en-US" dirty="0"/>
+          </a:p>
+        </p:txBody>
+      </p:sp>
+      <p:sp>
+        <p:nvSpPr>
+          <p:cNvPr id="3" name="Content Placeholder 2"/>
+          <p:cNvSpPr>
+            <a:spLocks noGrp="1"/>
+          </p:cNvSpPr>
+          <p:nvPr>
+            <p:ph idx="1"/>
+          </p:nvPr>
+        </p:nvSpPr>
+        <p:spPr/>
+        <p:txBody>
+          <a:bodyPr/>
+          <a:lstStyle/>
+          <a:p>
+            <a:r>
+              <a:rPr lang="en-US" dirty="0"/>
+              <a:t>Here we will present to you the MCTV Limited Website </a:t>
+            </a:r>
+          </a:p>
+          <a:p>
+            <a:r>
+              <a:rPr lang="en-US" dirty="0"/>
+              <a:t>Which will feature a Home page and 4 individual pages about the workers in the shop </a:t>
+            </a:r>
+          </a:p>
+        </p:txBody>
+      </p:sp>
+      <p:sp>
+        <p:nvSpPr>
+          <p:cNvPr id="4" name="TextBox 3"/>
+          <p:cNvSpPr txBox="1"/>
+          <p:nvPr/>
+        </p:nvSpPr>
+        <p:spPr>
+          <a:xfrm>
+            <a:off x="10230678" y="658574"/>
+            <a:ext cx="954156" cy="369332"/>
+          </a:xfrm>
+          <a:prstGeom prst="rect">
+            <a:avLst/>
+          </a:prstGeom>
+          <a:noFill/>
+        </p:spPr>
+        <p:txBody>
+          <a:bodyPr wrap="square" rtlCol="0">
+            <a:spAutoFit/>
+          </a:bodyPr>
+          <a:lstStyle/>
+          <a:p>
+            <a:r>
+              <a:rPr lang="en-GB" dirty="0"/>
+              <a:t>Antonio</a:t>
+            </a:r>
+          </a:p>
+        </p:txBody>
+      </p:sp>
+    </p:spTree>
+    <p:extLst>
+      <p:ext uri="{BB962C8B-B14F-4D97-AF65-F5344CB8AC3E}">
+        <p14:creationId xmlns:p14="http://schemas.microsoft.com/office/powerpoint/2010/main" val="3123563747"/>
+      </p:ext>
+    </p:extLst>
+  </p:cSld>
+  <p:clrMapOvr>
+    <a:masterClrMapping/>
+  </p:clrMapOvr>
+</p:sld>
+</file>
+
+<file path=ppt/slides/slide14.xml><?xml version="1.0" encoding="utf-8"?>
+<p:sld xmlns:a="http://schemas.openxmlformats.org/drawingml/2006/main" xmlns:r="http://schemas.openxmlformats.org/officeDocument/2006/relationships" xmlns:p="http://schemas.openxmlformats.org/presentationml/2006/main">
+  <p:cSld>
+    <p:spTree>
+      <p:nvGrpSpPr>
+        <p:cNvPr id="1" name=""/>
+        <p:cNvGrpSpPr/>
+        <p:nvPr/>
+      </p:nvGrpSpPr>
+      <p:grpSpPr>
+        <a:xfrm>
+          <a:off x="0" y="0"/>
+          <a:ext cx="0" cy="0"/>
+          <a:chOff x="0" y="0"/>
+          <a:chExt cx="0" cy="0"/>
+        </a:xfrm>
+      </p:grpSpPr>
+      <p:sp>
+        <p:nvSpPr>
+          <p:cNvPr id="2" name="Title 1"/>
+          <p:cNvSpPr>
+            <a:spLocks noGrp="1"/>
+          </p:cNvSpPr>
+          <p:nvPr>
+            <p:ph type="title"/>
+          </p:nvPr>
+        </p:nvSpPr>
+        <p:spPr/>
+        <p:txBody>
+          <a:bodyPr/>
+          <a:lstStyle/>
+          <a:p>
+            <a:r>
+              <a:rPr lang="en-GB" dirty="0"/>
               <a:t>Conclusion</a:t>
             </a:r>
             <a:endParaRPr lang="en-US" dirty="0"/>
@@ -3778,7 +3889,7 @@
 </p:sld>
 </file>
 
-<file path=ppt/slides/slide14.xml><?xml version="1.0" encoding="utf-8"?>
+<file path=ppt/slides/slide15.xml><?xml version="1.0" encoding="utf-8"?>
 <p:sld xmlns:a="http://schemas.openxmlformats.org/drawingml/2006/main" xmlns:r="http://schemas.openxmlformats.org/officeDocument/2006/relationships" xmlns:p="http://schemas.openxmlformats.org/presentationml/2006/main">
   <p:cSld>
     <p:spTree>
@@ -4825,74 +4936,45 @@
           <a:lstStyle/>
           <a:p>
             <a:r>
-              <a:rPr lang="en-GB" dirty="0"/>
-              <a:t>Databases</a:t>
-            </a:r>
-            <a:endParaRPr lang="en-US" dirty="0"/>
-          </a:p>
-        </p:txBody>
-      </p:sp>
-      <p:sp>
-        <p:nvSpPr>
-          <p:cNvPr id="3" name="Content Placeholder 2"/>
-          <p:cNvSpPr>
-            <a:spLocks noGrp="1"/>
-          </p:cNvSpPr>
+              <a:rPr lang="en-IE" dirty="0"/>
+              <a:t>MCTV Limited</a:t>
+            </a:r>
+          </a:p>
+        </p:txBody>
+      </p:sp>
+      <p:pic>
+        <p:nvPicPr>
+          <p:cNvPr id="5" name="Content Placeholder 4"/>
+          <p:cNvPicPr>
+            <a:picLocks noGrp="1" noChangeAspect="1"/>
+          </p:cNvPicPr>
           <p:nvPr>
             <p:ph idx="1"/>
           </p:nvPr>
-        </p:nvSpPr>
-        <p:spPr/>
-        <p:txBody>
-          <a:bodyPr/>
-          <a:lstStyle/>
-          <a:p>
-            <a:r>
-              <a:rPr lang="en-US" dirty="0"/>
-              <a:t>Here we will show MCTV Limited Databases</a:t>
-            </a:r>
-          </a:p>
-          <a:p>
-            <a:endParaRPr lang="en-US" dirty="0"/>
-          </a:p>
-          <a:p>
-            <a:endParaRPr lang="en-US" dirty="0"/>
-          </a:p>
-        </p:txBody>
-      </p:sp>
-      <p:sp>
-        <p:nvSpPr>
-          <p:cNvPr id="4" name="TextBox 3"/>
-          <p:cNvSpPr txBox="1"/>
-          <p:nvPr/>
-        </p:nvSpPr>
+        </p:nvPicPr>
+        <p:blipFill>
+          <a:blip r:embed="rId2">
+            <a:extLst>
+              <a:ext uri="{28A0092B-C50C-407E-A947-70E740481C1C}">
+                <a14:useLocalDpi xmlns:a14="http://schemas.microsoft.com/office/drawing/2010/main" val="0"/>
+              </a:ext>
+            </a:extLst>
+          </a:blip>
+          <a:stretch>
+            <a:fillRect/>
+          </a:stretch>
+        </p:blipFill>
         <p:spPr>
           <a:xfrm>
-            <a:off x="10296939" y="658574"/>
-            <a:ext cx="821635" cy="369332"/>
+            <a:off x="1671854" y="1825625"/>
+            <a:ext cx="8848292" cy="4351338"/>
           </a:xfrm>
-          <a:prstGeom prst="rect">
-            <a:avLst/>
-          </a:prstGeom>
-          <a:noFill/>
         </p:spPr>
-        <p:txBody>
-          <a:bodyPr wrap="square" rtlCol="0">
-            <a:spAutoFit/>
-          </a:bodyPr>
-          <a:lstStyle/>
-          <a:p>
-            <a:r>
-              <a:rPr lang="en-GB" dirty="0"/>
-              <a:t>Grigor</a:t>
-            </a:r>
-          </a:p>
-        </p:txBody>
-      </p:sp>
+      </p:pic>
     </p:spTree>
     <p:extLst>
       <p:ext uri="{BB962C8B-B14F-4D97-AF65-F5344CB8AC3E}">
-        <p14:creationId xmlns:p14="http://schemas.microsoft.com/office/powerpoint/2010/main" val="1808812414"/>
+        <p14:creationId xmlns:p14="http://schemas.microsoft.com/office/powerpoint/2010/main" val="4147242706"/>
       </p:ext>
     </p:extLst>
   </p:cSld>

--- a/MCTV Limited.pptx
+++ b/MCTV Limited.pptx
@@ -13,13 +13,29 @@
     <p:sldId id="267" r:id="rId7"/>
     <p:sldId id="268" r:id="rId8"/>
     <p:sldId id="260" r:id="rId9"/>
-    <p:sldId id="270" r:id="rId10"/>
+    <p:sldId id="280" r:id="rId10"/>
     <p:sldId id="261" r:id="rId11"/>
-    <p:sldId id="262" r:id="rId12"/>
-    <p:sldId id="269" r:id="rId13"/>
-    <p:sldId id="263" r:id="rId14"/>
-    <p:sldId id="264" r:id="rId15"/>
-    <p:sldId id="265" r:id="rId16"/>
+    <p:sldId id="270" r:id="rId12"/>
+    <p:sldId id="271" r:id="rId13"/>
+    <p:sldId id="272" r:id="rId14"/>
+    <p:sldId id="274" r:id="rId15"/>
+    <p:sldId id="275" r:id="rId16"/>
+    <p:sldId id="276" r:id="rId17"/>
+    <p:sldId id="277" r:id="rId18"/>
+    <p:sldId id="278" r:id="rId19"/>
+    <p:sldId id="279" r:id="rId20"/>
+    <p:sldId id="281" r:id="rId21"/>
+    <p:sldId id="273" r:id="rId22"/>
+    <p:sldId id="262" r:id="rId23"/>
+    <p:sldId id="282" r:id="rId24"/>
+    <p:sldId id="283" r:id="rId25"/>
+    <p:sldId id="284" r:id="rId26"/>
+    <p:sldId id="285" r:id="rId27"/>
+    <p:sldId id="286" r:id="rId28"/>
+    <p:sldId id="287" r:id="rId29"/>
+    <p:sldId id="263" r:id="rId30"/>
+    <p:sldId id="264" r:id="rId31"/>
+    <p:sldId id="265" r:id="rId32"/>
   </p:sldIdLst>
   <p:sldSz cx="12192000" cy="6858000"/>
   <p:notesSz cx="6858000" cy="9144000"/>
@@ -3401,11 +3417,32 @@
           </a:p>
           <a:p>
             <a:r>
-              <a:rPr lang="en-US"/>
+              <a:rPr lang="en-US" dirty="0"/>
               <a:t>Queries</a:t>
             </a:r>
           </a:p>
           <a:p>
+            <a:r>
+              <a:rPr lang="en-US" dirty="0"/>
+              <a:t>Forms</a:t>
+            </a:r>
+          </a:p>
+          <a:p>
+            <a:r>
+              <a:rPr lang="en-US" dirty="0"/>
+              <a:t>Reports</a:t>
+            </a:r>
+          </a:p>
+          <a:p>
+            <a:r>
+              <a:rPr lang="en-US" dirty="0"/>
+              <a:t>Macros</a:t>
+            </a:r>
+          </a:p>
+          <a:p>
+            <a:pPr marL="0" indent="0">
+              <a:buNone/>
+            </a:pPr>
             <a:endParaRPr lang="en-US" dirty="0"/>
           </a:p>
           <a:p>
@@ -3491,10 +3528,9 @@
           <a:lstStyle/>
           <a:p>
             <a:r>
-              <a:rPr lang="en-GB" dirty="0"/>
-              <a:t>UML chart</a:t>
-            </a:r>
-            <a:endParaRPr lang="en-US" dirty="0"/>
+              <a:rPr lang="en-IE" dirty="0"/>
+              <a:t>Tables</a:t>
+            </a:r>
           </a:p>
         </p:txBody>
       </p:sp>
@@ -3514,78 +3550,41 @@
           <a:lstStyle/>
           <a:p>
             <a:r>
-              <a:rPr lang="en-US" dirty="0"/>
+              <a:rPr lang="en-IE" dirty="0"/>
               <a:t>Customers Table</a:t>
             </a:r>
           </a:p>
           <a:p>
             <a:r>
-              <a:rPr lang="en-US" dirty="0"/>
+              <a:rPr lang="en-IE" dirty="0"/>
               <a:t>Employees Table</a:t>
             </a:r>
           </a:p>
           <a:p>
             <a:r>
-              <a:rPr lang="en-US" dirty="0"/>
-              <a:t>Products Table</a:t>
-            </a:r>
-          </a:p>
-          <a:p>
-            <a:r>
-              <a:rPr lang="en-US" dirty="0"/>
-              <a:t>Suggestions Table</a:t>
-            </a:r>
-          </a:p>
-          <a:p>
-            <a:r>
-              <a:rPr lang="en-US" dirty="0"/>
+              <a:rPr lang="en-IE"/>
+              <a:t>Suggestions </a:t>
+            </a:r>
+            <a:r>
+              <a:rPr lang="en-IE" dirty="0"/>
+              <a:t>Table</a:t>
+            </a:r>
+          </a:p>
+          <a:p>
+            <a:r>
+              <a:rPr lang="en-IE" dirty="0"/>
               <a:t>Suppliers Table</a:t>
             </a:r>
           </a:p>
           <a:p>
-            <a:r>
-              <a:rPr lang="en-US" dirty="0"/>
-              <a:t>Navigation Form</a:t>
-            </a:r>
-          </a:p>
-          <a:p>
-            <a:endParaRPr lang="en-US" dirty="0"/>
-          </a:p>
-        </p:txBody>
-      </p:sp>
-      <p:sp>
-        <p:nvSpPr>
-          <p:cNvPr id="4" name="TextBox 3"/>
-          <p:cNvSpPr txBox="1"/>
-          <p:nvPr/>
-        </p:nvSpPr>
-        <p:spPr>
-          <a:xfrm>
-            <a:off x="10323443" y="658574"/>
-            <a:ext cx="861392" cy="369332"/>
-          </a:xfrm>
-          <a:prstGeom prst="rect">
-            <a:avLst/>
-          </a:prstGeom>
-          <a:noFill/>
-        </p:spPr>
-        <p:txBody>
-          <a:bodyPr wrap="square" rtlCol="0">
-            <a:spAutoFit/>
-          </a:bodyPr>
-          <a:lstStyle/>
-          <a:p>
-            <a:r>
-              <a:rPr lang="en-GB" dirty="0"/>
-              <a:t>Grigor</a:t>
-            </a:r>
+            <a:endParaRPr lang="en-IE" dirty="0"/>
           </a:p>
         </p:txBody>
       </p:sp>
     </p:spTree>
     <p:extLst>
       <p:ext uri="{BB962C8B-B14F-4D97-AF65-F5344CB8AC3E}">
-        <p14:creationId xmlns:p14="http://schemas.microsoft.com/office/powerpoint/2010/main" val="1248061747"/>
+        <p14:creationId xmlns:p14="http://schemas.microsoft.com/office/powerpoint/2010/main" val="3133288830"/>
       </p:ext>
     </p:extLst>
   </p:cSld>
@@ -3628,8 +3627,8 @@
           <a:lstStyle/>
           <a:p>
             <a:r>
-              <a:rPr lang="en-GB" dirty="0"/>
-              <a:t>UML Chart</a:t>
+              <a:rPr lang="en-IE" dirty="0"/>
+              <a:t>Queries</a:t>
             </a:r>
           </a:p>
         </p:txBody>
@@ -3646,17 +3645,70 @@
         </p:nvSpPr>
         <p:spPr/>
         <p:txBody>
-          <a:bodyPr/>
-          <a:lstStyle/>
-          <a:p>
-            <a:endParaRPr lang="en-GB" dirty="0"/>
+          <a:bodyPr>
+            <a:normAutofit lnSpcReduction="10000"/>
+          </a:bodyPr>
+          <a:lstStyle/>
+          <a:p>
+            <a:r>
+              <a:rPr lang="en-IE" dirty="0"/>
+              <a:t>Customers from Dublin</a:t>
+            </a:r>
+          </a:p>
+          <a:p>
+            <a:r>
+              <a:rPr lang="en-IE" dirty="0"/>
+              <a:t>Employees with Medical Card</a:t>
+            </a:r>
+          </a:p>
+          <a:p>
+            <a:r>
+              <a:rPr lang="en-IE" dirty="0"/>
+              <a:t>Products (bills) not paid</a:t>
+            </a:r>
+          </a:p>
+          <a:p>
+            <a:r>
+              <a:rPr lang="en-IE" dirty="0"/>
+              <a:t>Orders by year 2016</a:t>
+            </a:r>
+          </a:p>
+          <a:p>
+            <a:r>
+              <a:rPr lang="en-IE" dirty="0"/>
+              <a:t>Orders by year 2017</a:t>
+            </a:r>
+          </a:p>
+          <a:p>
+            <a:r>
+              <a:rPr lang="en-IE" dirty="0"/>
+              <a:t>Out of Stock</a:t>
+            </a:r>
+          </a:p>
+          <a:p>
+            <a:r>
+              <a:rPr lang="en-IE" dirty="0"/>
+              <a:t>Products with Stock Value more than €4000</a:t>
+            </a:r>
+          </a:p>
+          <a:p>
+            <a:r>
+              <a:rPr lang="en-IE" dirty="0"/>
+              <a:t>Suggestions Query</a:t>
+            </a:r>
+          </a:p>
+          <a:p>
+            <a:r>
+              <a:rPr lang="en-IE" dirty="0"/>
+              <a:t>Suppliers Query</a:t>
+            </a:r>
           </a:p>
         </p:txBody>
       </p:sp>
     </p:spTree>
     <p:extLst>
       <p:ext uri="{BB962C8B-B14F-4D97-AF65-F5344CB8AC3E}">
-        <p14:creationId xmlns:p14="http://schemas.microsoft.com/office/powerpoint/2010/main" val="2232451369"/>
+        <p14:creationId xmlns:p14="http://schemas.microsoft.com/office/powerpoint/2010/main" val="2846560183"/>
       </p:ext>
     </p:extLst>
   </p:cSld>
@@ -3699,10 +3751,9 @@
           <a:lstStyle/>
           <a:p>
             <a:r>
-              <a:rPr lang="en-GB" dirty="0"/>
-              <a:t>Website</a:t>
-            </a:r>
-            <a:endParaRPr lang="en-US" dirty="0"/>
+              <a:rPr lang="en-IE" dirty="0"/>
+              <a:t>Forms</a:t>
+            </a:r>
           </a:p>
         </p:txBody>
       </p:sp>
@@ -3722,43 +3773,44 @@
           <a:lstStyle/>
           <a:p>
             <a:r>
-              <a:rPr lang="en-US" dirty="0"/>
-              <a:t>Here we will present to you the MCTV Limited Website </a:t>
-            </a:r>
-          </a:p>
-          <a:p>
-            <a:r>
-              <a:rPr lang="en-US" dirty="0"/>
-              <a:t>Which will feature a Home page and 4 individual pages about the workers in the shop </a:t>
-            </a:r>
-          </a:p>
-        </p:txBody>
-      </p:sp>
-      <p:sp>
-        <p:nvSpPr>
-          <p:cNvPr id="4" name="TextBox 3"/>
-          <p:cNvSpPr txBox="1"/>
-          <p:nvPr/>
-        </p:nvSpPr>
-        <p:spPr>
-          <a:xfrm>
-            <a:off x="10230678" y="658574"/>
-            <a:ext cx="954156" cy="369332"/>
-          </a:xfrm>
-          <a:prstGeom prst="rect">
-            <a:avLst/>
-          </a:prstGeom>
-          <a:noFill/>
-        </p:spPr>
-        <p:txBody>
-          <a:bodyPr wrap="square" rtlCol="0">
-            <a:spAutoFit/>
-          </a:bodyPr>
-          <a:lstStyle/>
-          <a:p>
-            <a:r>
-              <a:rPr lang="en-GB" dirty="0"/>
-              <a:t>Antonio</a:t>
+              <a:rPr lang="en-IE" dirty="0"/>
+              <a:t>Customers Form</a:t>
+            </a:r>
+          </a:p>
+          <a:p>
+            <a:r>
+              <a:rPr lang="en-IE" dirty="0"/>
+              <a:t>Employees Form</a:t>
+            </a:r>
+          </a:p>
+          <a:p>
+            <a:r>
+              <a:rPr lang="en-IE" dirty="0"/>
+              <a:t>Navigation Form</a:t>
+            </a:r>
+          </a:p>
+          <a:p>
+            <a:r>
+              <a:rPr lang="en-IE" dirty="0"/>
+              <a:t>Products Form</a:t>
+            </a:r>
+          </a:p>
+          <a:p>
+            <a:r>
+              <a:rPr lang="en-IE" dirty="0"/>
+              <a:t>Suggestions Form</a:t>
+            </a:r>
+          </a:p>
+          <a:p>
+            <a:r>
+              <a:rPr lang="en-IE" dirty="0"/>
+              <a:t>Suppliers Form</a:t>
+            </a:r>
+          </a:p>
+          <a:p>
+            <a:r>
+              <a:rPr lang="en-IE" dirty="0"/>
+              <a:t>Welcome Page</a:t>
             </a:r>
           </a:p>
         </p:txBody>
@@ -3766,7 +3818,7 @@
     </p:spTree>
     <p:extLst>
       <p:ext uri="{BB962C8B-B14F-4D97-AF65-F5344CB8AC3E}">
-        <p14:creationId xmlns:p14="http://schemas.microsoft.com/office/powerpoint/2010/main" val="3123563747"/>
+        <p14:creationId xmlns:p14="http://schemas.microsoft.com/office/powerpoint/2010/main" val="3503790673"/>
       </p:ext>
     </p:extLst>
   </p:cSld>
@@ -3809,6 +3861,1657 @@
           <a:lstStyle/>
           <a:p>
             <a:r>
+              <a:rPr lang="en-IE" dirty="0"/>
+              <a:t>Customers Form</a:t>
+            </a:r>
+          </a:p>
+        </p:txBody>
+      </p:sp>
+      <p:pic>
+        <p:nvPicPr>
+          <p:cNvPr id="5" name="Content Placeholder 4"/>
+          <p:cNvPicPr>
+            <a:picLocks noGrp="1" noChangeAspect="1"/>
+          </p:cNvPicPr>
+          <p:nvPr>
+            <p:ph idx="1"/>
+          </p:nvPr>
+        </p:nvPicPr>
+        <p:blipFill>
+          <a:blip r:embed="rId2">
+            <a:extLst>
+              <a:ext uri="{28A0092B-C50C-407E-A947-70E740481C1C}">
+                <a14:useLocalDpi xmlns:a14="http://schemas.microsoft.com/office/drawing/2010/main" val="0"/>
+              </a:ext>
+            </a:extLst>
+          </a:blip>
+          <a:stretch>
+            <a:fillRect/>
+          </a:stretch>
+        </p:blipFill>
+        <p:spPr>
+          <a:xfrm>
+            <a:off x="1615634" y="1825625"/>
+            <a:ext cx="8960731" cy="4351338"/>
+          </a:xfrm>
+        </p:spPr>
+      </p:pic>
+    </p:spTree>
+    <p:extLst>
+      <p:ext uri="{BB962C8B-B14F-4D97-AF65-F5344CB8AC3E}">
+        <p14:creationId xmlns:p14="http://schemas.microsoft.com/office/powerpoint/2010/main" val="3599055471"/>
+      </p:ext>
+    </p:extLst>
+  </p:cSld>
+  <p:clrMapOvr>
+    <a:masterClrMapping/>
+  </p:clrMapOvr>
+</p:sld>
+</file>
+
+<file path=ppt/slides/slide15.xml><?xml version="1.0" encoding="utf-8"?>
+<p:sld xmlns:a="http://schemas.openxmlformats.org/drawingml/2006/main" xmlns:r="http://schemas.openxmlformats.org/officeDocument/2006/relationships" xmlns:p="http://schemas.openxmlformats.org/presentationml/2006/main">
+  <p:cSld>
+    <p:spTree>
+      <p:nvGrpSpPr>
+        <p:cNvPr id="1" name=""/>
+        <p:cNvGrpSpPr/>
+        <p:nvPr/>
+      </p:nvGrpSpPr>
+      <p:grpSpPr>
+        <a:xfrm>
+          <a:off x="0" y="0"/>
+          <a:ext cx="0" cy="0"/>
+          <a:chOff x="0" y="0"/>
+          <a:chExt cx="0" cy="0"/>
+        </a:xfrm>
+      </p:grpSpPr>
+      <p:sp>
+        <p:nvSpPr>
+          <p:cNvPr id="2" name="Title 1"/>
+          <p:cNvSpPr>
+            <a:spLocks noGrp="1"/>
+          </p:cNvSpPr>
+          <p:nvPr>
+            <p:ph type="title"/>
+          </p:nvPr>
+        </p:nvSpPr>
+        <p:spPr/>
+        <p:txBody>
+          <a:bodyPr/>
+          <a:lstStyle/>
+          <a:p>
+            <a:r>
+              <a:rPr lang="en-IE" dirty="0"/>
+              <a:t>Employees Form</a:t>
+            </a:r>
+          </a:p>
+        </p:txBody>
+      </p:sp>
+      <p:pic>
+        <p:nvPicPr>
+          <p:cNvPr id="5" name="Content Placeholder 4"/>
+          <p:cNvPicPr>
+            <a:picLocks noGrp="1" noChangeAspect="1"/>
+          </p:cNvPicPr>
+          <p:nvPr>
+            <p:ph idx="1"/>
+          </p:nvPr>
+        </p:nvPicPr>
+        <p:blipFill>
+          <a:blip r:embed="rId2">
+            <a:extLst>
+              <a:ext uri="{28A0092B-C50C-407E-A947-70E740481C1C}">
+                <a14:useLocalDpi xmlns:a14="http://schemas.microsoft.com/office/drawing/2010/main" val="0"/>
+              </a:ext>
+            </a:extLst>
+          </a:blip>
+          <a:stretch>
+            <a:fillRect/>
+          </a:stretch>
+        </p:blipFill>
+        <p:spPr>
+          <a:xfrm>
+            <a:off x="1611457" y="1825625"/>
+            <a:ext cx="8969085" cy="4351338"/>
+          </a:xfrm>
+        </p:spPr>
+      </p:pic>
+    </p:spTree>
+    <p:extLst>
+      <p:ext uri="{BB962C8B-B14F-4D97-AF65-F5344CB8AC3E}">
+        <p14:creationId xmlns:p14="http://schemas.microsoft.com/office/powerpoint/2010/main" val="2771616802"/>
+      </p:ext>
+    </p:extLst>
+  </p:cSld>
+  <p:clrMapOvr>
+    <a:masterClrMapping/>
+  </p:clrMapOvr>
+</p:sld>
+</file>
+
+<file path=ppt/slides/slide16.xml><?xml version="1.0" encoding="utf-8"?>
+<p:sld xmlns:a="http://schemas.openxmlformats.org/drawingml/2006/main" xmlns:r="http://schemas.openxmlformats.org/officeDocument/2006/relationships" xmlns:p="http://schemas.openxmlformats.org/presentationml/2006/main">
+  <p:cSld>
+    <p:spTree>
+      <p:nvGrpSpPr>
+        <p:cNvPr id="1" name=""/>
+        <p:cNvGrpSpPr/>
+        <p:nvPr/>
+      </p:nvGrpSpPr>
+      <p:grpSpPr>
+        <a:xfrm>
+          <a:off x="0" y="0"/>
+          <a:ext cx="0" cy="0"/>
+          <a:chOff x="0" y="0"/>
+          <a:chExt cx="0" cy="0"/>
+        </a:xfrm>
+      </p:grpSpPr>
+      <p:sp>
+        <p:nvSpPr>
+          <p:cNvPr id="2" name="Title 1"/>
+          <p:cNvSpPr>
+            <a:spLocks noGrp="1"/>
+          </p:cNvSpPr>
+          <p:nvPr>
+            <p:ph type="title"/>
+          </p:nvPr>
+        </p:nvSpPr>
+        <p:spPr/>
+        <p:txBody>
+          <a:bodyPr/>
+          <a:lstStyle/>
+          <a:p>
+            <a:r>
+              <a:rPr lang="en-IE" dirty="0"/>
+              <a:t>Navigation Form</a:t>
+            </a:r>
+          </a:p>
+        </p:txBody>
+      </p:sp>
+      <p:pic>
+        <p:nvPicPr>
+          <p:cNvPr id="5" name="Content Placeholder 4"/>
+          <p:cNvPicPr>
+            <a:picLocks noGrp="1" noChangeAspect="1"/>
+          </p:cNvPicPr>
+          <p:nvPr>
+            <p:ph idx="1"/>
+          </p:nvPr>
+        </p:nvPicPr>
+        <p:blipFill>
+          <a:blip r:embed="rId2">
+            <a:extLst>
+              <a:ext uri="{28A0092B-C50C-407E-A947-70E740481C1C}">
+                <a14:useLocalDpi xmlns:a14="http://schemas.microsoft.com/office/drawing/2010/main" val="0"/>
+              </a:ext>
+            </a:extLst>
+          </a:blip>
+          <a:stretch>
+            <a:fillRect/>
+          </a:stretch>
+        </p:blipFill>
+        <p:spPr>
+          <a:xfrm>
+            <a:off x="1531447" y="1825625"/>
+            <a:ext cx="9129106" cy="4351338"/>
+          </a:xfrm>
+        </p:spPr>
+      </p:pic>
+    </p:spTree>
+    <p:extLst>
+      <p:ext uri="{BB962C8B-B14F-4D97-AF65-F5344CB8AC3E}">
+        <p14:creationId xmlns:p14="http://schemas.microsoft.com/office/powerpoint/2010/main" val="1874684647"/>
+      </p:ext>
+    </p:extLst>
+  </p:cSld>
+  <p:clrMapOvr>
+    <a:masterClrMapping/>
+  </p:clrMapOvr>
+</p:sld>
+</file>
+
+<file path=ppt/slides/slide17.xml><?xml version="1.0" encoding="utf-8"?>
+<p:sld xmlns:a="http://schemas.openxmlformats.org/drawingml/2006/main" xmlns:r="http://schemas.openxmlformats.org/officeDocument/2006/relationships" xmlns:p="http://schemas.openxmlformats.org/presentationml/2006/main">
+  <p:cSld>
+    <p:spTree>
+      <p:nvGrpSpPr>
+        <p:cNvPr id="1" name=""/>
+        <p:cNvGrpSpPr/>
+        <p:nvPr/>
+      </p:nvGrpSpPr>
+      <p:grpSpPr>
+        <a:xfrm>
+          <a:off x="0" y="0"/>
+          <a:ext cx="0" cy="0"/>
+          <a:chOff x="0" y="0"/>
+          <a:chExt cx="0" cy="0"/>
+        </a:xfrm>
+      </p:grpSpPr>
+      <p:sp>
+        <p:nvSpPr>
+          <p:cNvPr id="2" name="Title 1"/>
+          <p:cNvSpPr>
+            <a:spLocks noGrp="1"/>
+          </p:cNvSpPr>
+          <p:nvPr>
+            <p:ph type="title"/>
+          </p:nvPr>
+        </p:nvSpPr>
+        <p:spPr/>
+        <p:txBody>
+          <a:bodyPr/>
+          <a:lstStyle/>
+          <a:p>
+            <a:r>
+              <a:rPr lang="en-IE" dirty="0"/>
+              <a:t>Products Form</a:t>
+            </a:r>
+          </a:p>
+        </p:txBody>
+      </p:sp>
+      <p:pic>
+        <p:nvPicPr>
+          <p:cNvPr id="5" name="Content Placeholder 4"/>
+          <p:cNvPicPr>
+            <a:picLocks noGrp="1" noChangeAspect="1"/>
+          </p:cNvPicPr>
+          <p:nvPr>
+            <p:ph idx="1"/>
+          </p:nvPr>
+        </p:nvPicPr>
+        <p:blipFill>
+          <a:blip r:embed="rId2">
+            <a:extLst>
+              <a:ext uri="{28A0092B-C50C-407E-A947-70E740481C1C}">
+                <a14:useLocalDpi xmlns:a14="http://schemas.microsoft.com/office/drawing/2010/main" val="0"/>
+              </a:ext>
+            </a:extLst>
+          </a:blip>
+          <a:stretch>
+            <a:fillRect/>
+          </a:stretch>
+        </p:blipFill>
+        <p:spPr>
+          <a:xfrm>
+            <a:off x="1573845" y="1825625"/>
+            <a:ext cx="9044310" cy="4351338"/>
+          </a:xfrm>
+        </p:spPr>
+      </p:pic>
+    </p:spTree>
+    <p:extLst>
+      <p:ext uri="{BB962C8B-B14F-4D97-AF65-F5344CB8AC3E}">
+        <p14:creationId xmlns:p14="http://schemas.microsoft.com/office/powerpoint/2010/main" val="3960545655"/>
+      </p:ext>
+    </p:extLst>
+  </p:cSld>
+  <p:clrMapOvr>
+    <a:masterClrMapping/>
+  </p:clrMapOvr>
+</p:sld>
+</file>
+
+<file path=ppt/slides/slide18.xml><?xml version="1.0" encoding="utf-8"?>
+<p:sld xmlns:a="http://schemas.openxmlformats.org/drawingml/2006/main" xmlns:r="http://schemas.openxmlformats.org/officeDocument/2006/relationships" xmlns:p="http://schemas.openxmlformats.org/presentationml/2006/main">
+  <p:cSld>
+    <p:spTree>
+      <p:nvGrpSpPr>
+        <p:cNvPr id="1" name=""/>
+        <p:cNvGrpSpPr/>
+        <p:nvPr/>
+      </p:nvGrpSpPr>
+      <p:grpSpPr>
+        <a:xfrm>
+          <a:off x="0" y="0"/>
+          <a:ext cx="0" cy="0"/>
+          <a:chOff x="0" y="0"/>
+          <a:chExt cx="0" cy="0"/>
+        </a:xfrm>
+      </p:grpSpPr>
+      <p:sp>
+        <p:nvSpPr>
+          <p:cNvPr id="2" name="Title 1"/>
+          <p:cNvSpPr>
+            <a:spLocks noGrp="1"/>
+          </p:cNvSpPr>
+          <p:nvPr>
+            <p:ph type="title"/>
+          </p:nvPr>
+        </p:nvSpPr>
+        <p:spPr/>
+        <p:txBody>
+          <a:bodyPr/>
+          <a:lstStyle/>
+          <a:p>
+            <a:r>
+              <a:rPr lang="en-IE" dirty="0"/>
+              <a:t>Suggestion Form</a:t>
+            </a:r>
+          </a:p>
+        </p:txBody>
+      </p:sp>
+      <p:pic>
+        <p:nvPicPr>
+          <p:cNvPr id="5" name="Content Placeholder 4"/>
+          <p:cNvPicPr>
+            <a:picLocks noGrp="1" noChangeAspect="1"/>
+          </p:cNvPicPr>
+          <p:nvPr>
+            <p:ph idx="1"/>
+          </p:nvPr>
+        </p:nvPicPr>
+        <p:blipFill>
+          <a:blip r:embed="rId2">
+            <a:extLst>
+              <a:ext uri="{28A0092B-C50C-407E-A947-70E740481C1C}">
+                <a14:useLocalDpi xmlns:a14="http://schemas.microsoft.com/office/drawing/2010/main" val="0"/>
+              </a:ext>
+            </a:extLst>
+          </a:blip>
+          <a:stretch>
+            <a:fillRect/>
+          </a:stretch>
+        </p:blipFill>
+        <p:spPr>
+          <a:xfrm>
+            <a:off x="1687868" y="1825625"/>
+            <a:ext cx="8816264" cy="4351338"/>
+          </a:xfrm>
+        </p:spPr>
+      </p:pic>
+    </p:spTree>
+    <p:extLst>
+      <p:ext uri="{BB962C8B-B14F-4D97-AF65-F5344CB8AC3E}">
+        <p14:creationId xmlns:p14="http://schemas.microsoft.com/office/powerpoint/2010/main" val="523602880"/>
+      </p:ext>
+    </p:extLst>
+  </p:cSld>
+  <p:clrMapOvr>
+    <a:masterClrMapping/>
+  </p:clrMapOvr>
+</p:sld>
+</file>
+
+<file path=ppt/slides/slide19.xml><?xml version="1.0" encoding="utf-8"?>
+<p:sld xmlns:a="http://schemas.openxmlformats.org/drawingml/2006/main" xmlns:r="http://schemas.openxmlformats.org/officeDocument/2006/relationships" xmlns:p="http://schemas.openxmlformats.org/presentationml/2006/main">
+  <p:cSld>
+    <p:spTree>
+      <p:nvGrpSpPr>
+        <p:cNvPr id="1" name=""/>
+        <p:cNvGrpSpPr/>
+        <p:nvPr/>
+      </p:nvGrpSpPr>
+      <p:grpSpPr>
+        <a:xfrm>
+          <a:off x="0" y="0"/>
+          <a:ext cx="0" cy="0"/>
+          <a:chOff x="0" y="0"/>
+          <a:chExt cx="0" cy="0"/>
+        </a:xfrm>
+      </p:grpSpPr>
+      <p:sp>
+        <p:nvSpPr>
+          <p:cNvPr id="2" name="Title 1"/>
+          <p:cNvSpPr>
+            <a:spLocks noGrp="1"/>
+          </p:cNvSpPr>
+          <p:nvPr>
+            <p:ph type="title"/>
+          </p:nvPr>
+        </p:nvSpPr>
+        <p:spPr/>
+        <p:txBody>
+          <a:bodyPr/>
+          <a:lstStyle/>
+          <a:p>
+            <a:r>
+              <a:rPr lang="en-IE" dirty="0"/>
+              <a:t>Suppliers Form</a:t>
+            </a:r>
+          </a:p>
+        </p:txBody>
+      </p:sp>
+      <p:pic>
+        <p:nvPicPr>
+          <p:cNvPr id="5" name="Content Placeholder 4"/>
+          <p:cNvPicPr>
+            <a:picLocks noGrp="1" noChangeAspect="1"/>
+          </p:cNvPicPr>
+          <p:nvPr>
+            <p:ph idx="1"/>
+          </p:nvPr>
+        </p:nvPicPr>
+        <p:blipFill>
+          <a:blip r:embed="rId2">
+            <a:extLst>
+              <a:ext uri="{28A0092B-C50C-407E-A947-70E740481C1C}">
+                <a14:useLocalDpi xmlns:a14="http://schemas.microsoft.com/office/drawing/2010/main" val="0"/>
+              </a:ext>
+            </a:extLst>
+          </a:blip>
+          <a:stretch>
+            <a:fillRect/>
+          </a:stretch>
+        </p:blipFill>
+        <p:spPr>
+          <a:xfrm>
+            <a:off x="1766161" y="1825625"/>
+            <a:ext cx="8659678" cy="4351338"/>
+          </a:xfrm>
+        </p:spPr>
+      </p:pic>
+    </p:spTree>
+    <p:extLst>
+      <p:ext uri="{BB962C8B-B14F-4D97-AF65-F5344CB8AC3E}">
+        <p14:creationId xmlns:p14="http://schemas.microsoft.com/office/powerpoint/2010/main" val="3677103716"/>
+      </p:ext>
+    </p:extLst>
+  </p:cSld>
+  <p:clrMapOvr>
+    <a:masterClrMapping/>
+  </p:clrMapOvr>
+</p:sld>
+</file>
+
+<file path=ppt/slides/slide2.xml><?xml version="1.0" encoding="utf-8"?>
+<p:sld xmlns:a="http://schemas.openxmlformats.org/drawingml/2006/main" xmlns:r="http://schemas.openxmlformats.org/officeDocument/2006/relationships" xmlns:p="http://schemas.openxmlformats.org/presentationml/2006/main">
+  <p:cSld>
+    <p:spTree>
+      <p:nvGrpSpPr>
+        <p:cNvPr id="1" name=""/>
+        <p:cNvGrpSpPr/>
+        <p:nvPr/>
+      </p:nvGrpSpPr>
+      <p:grpSpPr>
+        <a:xfrm>
+          <a:off x="0" y="0"/>
+          <a:ext cx="0" cy="0"/>
+          <a:chOff x="0" y="0"/>
+          <a:chExt cx="0" cy="0"/>
+        </a:xfrm>
+      </p:grpSpPr>
+      <p:sp>
+        <p:nvSpPr>
+          <p:cNvPr id="2" name="Title 1"/>
+          <p:cNvSpPr>
+            <a:spLocks noGrp="1"/>
+          </p:cNvSpPr>
+          <p:nvPr>
+            <p:ph type="title"/>
+          </p:nvPr>
+        </p:nvSpPr>
+        <p:spPr/>
+        <p:txBody>
+          <a:bodyPr/>
+          <a:lstStyle/>
+          <a:p>
+            <a:r>
+              <a:rPr lang="en-GB" dirty="0"/>
+              <a:t>Agenda</a:t>
+            </a:r>
+            <a:endParaRPr lang="en-US" dirty="0"/>
+          </a:p>
+        </p:txBody>
+      </p:sp>
+      <p:sp>
+        <p:nvSpPr>
+          <p:cNvPr id="3" name="Content Placeholder 2"/>
+          <p:cNvSpPr>
+            <a:spLocks noGrp="1"/>
+          </p:cNvSpPr>
+          <p:nvPr>
+            <p:ph idx="1"/>
+          </p:nvPr>
+        </p:nvSpPr>
+        <p:spPr/>
+        <p:txBody>
+          <a:bodyPr/>
+          <a:lstStyle/>
+          <a:p>
+            <a:r>
+              <a:rPr lang="en-GB" dirty="0"/>
+              <a:t>The purpose of this presentation was to explore the development of MCTV Limited. </a:t>
+            </a:r>
+          </a:p>
+          <a:p>
+            <a:r>
+              <a:rPr lang="en-GB" dirty="0"/>
+              <a:t>We as a group were given particular tasks in which we all had to take part in.</a:t>
+            </a:r>
+          </a:p>
+          <a:p>
+            <a:r>
+              <a:rPr lang="en-US" dirty="0"/>
+              <a:t>This presentation will feature a quick background MCTV Limited, the UML charts, Databases, the company Website and what holds for the future of MCTV Limited as the company grows.</a:t>
+            </a:r>
+          </a:p>
+          <a:p>
+            <a:endParaRPr lang="en-US" dirty="0"/>
+          </a:p>
+          <a:p>
+            <a:endParaRPr lang="en-US" dirty="0"/>
+          </a:p>
+        </p:txBody>
+      </p:sp>
+      <p:sp>
+        <p:nvSpPr>
+          <p:cNvPr id="4" name="TextBox 3"/>
+          <p:cNvSpPr txBox="1"/>
+          <p:nvPr/>
+        </p:nvSpPr>
+        <p:spPr>
+          <a:xfrm rot="1682298">
+            <a:off x="10357345" y="719476"/>
+            <a:ext cx="570990" cy="369332"/>
+          </a:xfrm>
+          <a:prstGeom prst="rect">
+            <a:avLst/>
+          </a:prstGeom>
+          <a:noFill/>
+        </p:spPr>
+        <p:txBody>
+          <a:bodyPr wrap="none" rtlCol="0">
+            <a:spAutoFit/>
+          </a:bodyPr>
+          <a:lstStyle/>
+          <a:p>
+            <a:pPr algn="ctr"/>
+            <a:r>
+              <a:rPr lang="en-US" dirty="0"/>
+              <a:t>Jack</a:t>
+            </a:r>
+          </a:p>
+        </p:txBody>
+      </p:sp>
+    </p:spTree>
+    <p:extLst>
+      <p:ext uri="{BB962C8B-B14F-4D97-AF65-F5344CB8AC3E}">
+        <p14:creationId xmlns:p14="http://schemas.microsoft.com/office/powerpoint/2010/main" val="3481843719"/>
+      </p:ext>
+    </p:extLst>
+  </p:cSld>
+  <p:clrMapOvr>
+    <a:masterClrMapping/>
+  </p:clrMapOvr>
+</p:sld>
+</file>
+
+<file path=ppt/slides/slide20.xml><?xml version="1.0" encoding="utf-8"?>
+<p:sld xmlns:a="http://schemas.openxmlformats.org/drawingml/2006/main" xmlns:r="http://schemas.openxmlformats.org/officeDocument/2006/relationships" xmlns:p="http://schemas.openxmlformats.org/presentationml/2006/main">
+  <p:cSld>
+    <p:spTree>
+      <p:nvGrpSpPr>
+        <p:cNvPr id="1" name=""/>
+        <p:cNvGrpSpPr/>
+        <p:nvPr/>
+      </p:nvGrpSpPr>
+      <p:grpSpPr>
+        <a:xfrm>
+          <a:off x="0" y="0"/>
+          <a:ext cx="0" cy="0"/>
+          <a:chOff x="0" y="0"/>
+          <a:chExt cx="0" cy="0"/>
+        </a:xfrm>
+      </p:grpSpPr>
+      <p:sp>
+        <p:nvSpPr>
+          <p:cNvPr id="2" name="Title 1"/>
+          <p:cNvSpPr>
+            <a:spLocks noGrp="1"/>
+          </p:cNvSpPr>
+          <p:nvPr>
+            <p:ph type="title"/>
+          </p:nvPr>
+        </p:nvSpPr>
+        <p:spPr/>
+        <p:txBody>
+          <a:bodyPr/>
+          <a:lstStyle/>
+          <a:p>
+            <a:r>
+              <a:rPr lang="en-IE" dirty="0"/>
+              <a:t>Welcome Page</a:t>
+            </a:r>
+          </a:p>
+        </p:txBody>
+      </p:sp>
+      <p:pic>
+        <p:nvPicPr>
+          <p:cNvPr id="5" name="Content Placeholder 4"/>
+          <p:cNvPicPr>
+            <a:picLocks noGrp="1" noChangeAspect="1"/>
+          </p:cNvPicPr>
+          <p:nvPr>
+            <p:ph idx="1"/>
+          </p:nvPr>
+        </p:nvPicPr>
+        <p:blipFill>
+          <a:blip r:embed="rId2">
+            <a:extLst>
+              <a:ext uri="{28A0092B-C50C-407E-A947-70E740481C1C}">
+                <a14:useLocalDpi xmlns:a14="http://schemas.microsoft.com/office/drawing/2010/main" val="0"/>
+              </a:ext>
+            </a:extLst>
+          </a:blip>
+          <a:stretch>
+            <a:fillRect/>
+          </a:stretch>
+        </p:blipFill>
+        <p:spPr>
+          <a:xfrm>
+            <a:off x="1456677" y="1991238"/>
+            <a:ext cx="9278645" cy="4020111"/>
+          </a:xfrm>
+        </p:spPr>
+      </p:pic>
+    </p:spTree>
+    <p:extLst>
+      <p:ext uri="{BB962C8B-B14F-4D97-AF65-F5344CB8AC3E}">
+        <p14:creationId xmlns:p14="http://schemas.microsoft.com/office/powerpoint/2010/main" val="2369628912"/>
+      </p:ext>
+    </p:extLst>
+  </p:cSld>
+  <p:clrMapOvr>
+    <a:masterClrMapping/>
+  </p:clrMapOvr>
+</p:sld>
+</file>
+
+<file path=ppt/slides/slide21.xml><?xml version="1.0" encoding="utf-8"?>
+<p:sld xmlns:a="http://schemas.openxmlformats.org/drawingml/2006/main" xmlns:r="http://schemas.openxmlformats.org/officeDocument/2006/relationships" xmlns:p="http://schemas.openxmlformats.org/presentationml/2006/main">
+  <p:cSld>
+    <p:spTree>
+      <p:nvGrpSpPr>
+        <p:cNvPr id="1" name=""/>
+        <p:cNvGrpSpPr/>
+        <p:nvPr/>
+      </p:nvGrpSpPr>
+      <p:grpSpPr>
+        <a:xfrm>
+          <a:off x="0" y="0"/>
+          <a:ext cx="0" cy="0"/>
+          <a:chOff x="0" y="0"/>
+          <a:chExt cx="0" cy="0"/>
+        </a:xfrm>
+      </p:grpSpPr>
+      <p:sp>
+        <p:nvSpPr>
+          <p:cNvPr id="2" name="Title 1"/>
+          <p:cNvSpPr>
+            <a:spLocks noGrp="1"/>
+          </p:cNvSpPr>
+          <p:nvPr>
+            <p:ph type="title"/>
+          </p:nvPr>
+        </p:nvSpPr>
+        <p:spPr/>
+        <p:txBody>
+          <a:bodyPr/>
+          <a:lstStyle/>
+          <a:p>
+            <a:r>
+              <a:rPr lang="en-IE" dirty="0"/>
+              <a:t>Reports</a:t>
+            </a:r>
+          </a:p>
+        </p:txBody>
+      </p:sp>
+      <p:sp>
+        <p:nvSpPr>
+          <p:cNvPr id="3" name="Content Placeholder 2"/>
+          <p:cNvSpPr>
+            <a:spLocks noGrp="1"/>
+          </p:cNvSpPr>
+          <p:nvPr>
+            <p:ph idx="1"/>
+          </p:nvPr>
+        </p:nvSpPr>
+        <p:spPr/>
+        <p:txBody>
+          <a:bodyPr/>
+          <a:lstStyle/>
+          <a:p>
+            <a:r>
+              <a:rPr lang="en-IE" dirty="0"/>
+              <a:t>Accounts Overdue Report</a:t>
+            </a:r>
+          </a:p>
+          <a:p>
+            <a:r>
+              <a:rPr lang="en-IE" dirty="0"/>
+              <a:t>Employees Report</a:t>
+            </a:r>
+          </a:p>
+          <a:p>
+            <a:r>
+              <a:rPr lang="en-IE" dirty="0"/>
+              <a:t>Products Report</a:t>
+            </a:r>
+          </a:p>
+          <a:p>
+            <a:r>
+              <a:rPr lang="en-IE" dirty="0"/>
+              <a:t>Suggestion Report</a:t>
+            </a:r>
+          </a:p>
+          <a:p>
+            <a:r>
+              <a:rPr lang="en-IE" dirty="0"/>
+              <a:t>Suppliers Report</a:t>
+            </a:r>
+          </a:p>
+        </p:txBody>
+      </p:sp>
+    </p:spTree>
+    <p:extLst>
+      <p:ext uri="{BB962C8B-B14F-4D97-AF65-F5344CB8AC3E}">
+        <p14:creationId xmlns:p14="http://schemas.microsoft.com/office/powerpoint/2010/main" val="1421304600"/>
+      </p:ext>
+    </p:extLst>
+  </p:cSld>
+  <p:clrMapOvr>
+    <a:masterClrMapping/>
+  </p:clrMapOvr>
+</p:sld>
+</file>
+
+<file path=ppt/slides/slide22.xml><?xml version="1.0" encoding="utf-8"?>
+<p:sld xmlns:a="http://schemas.openxmlformats.org/drawingml/2006/main" xmlns:r="http://schemas.openxmlformats.org/officeDocument/2006/relationships" xmlns:p="http://schemas.openxmlformats.org/presentationml/2006/main">
+  <p:cSld>
+    <p:spTree>
+      <p:nvGrpSpPr>
+        <p:cNvPr id="1" name=""/>
+        <p:cNvGrpSpPr/>
+        <p:nvPr/>
+      </p:nvGrpSpPr>
+      <p:grpSpPr>
+        <a:xfrm>
+          <a:off x="0" y="0"/>
+          <a:ext cx="0" cy="0"/>
+          <a:chOff x="0" y="0"/>
+          <a:chExt cx="0" cy="0"/>
+        </a:xfrm>
+      </p:grpSpPr>
+      <p:sp>
+        <p:nvSpPr>
+          <p:cNvPr id="2" name="Title 1"/>
+          <p:cNvSpPr>
+            <a:spLocks noGrp="1"/>
+          </p:cNvSpPr>
+          <p:nvPr>
+            <p:ph type="title"/>
+          </p:nvPr>
+        </p:nvSpPr>
+        <p:spPr/>
+        <p:txBody>
+          <a:bodyPr/>
+          <a:lstStyle/>
+          <a:p>
+            <a:r>
+              <a:rPr lang="en-GB" dirty="0"/>
+              <a:t>UML chart</a:t>
+            </a:r>
+            <a:endParaRPr lang="en-US" dirty="0"/>
+          </a:p>
+        </p:txBody>
+      </p:sp>
+      <p:sp>
+        <p:nvSpPr>
+          <p:cNvPr id="3" name="Content Placeholder 2"/>
+          <p:cNvSpPr>
+            <a:spLocks noGrp="1"/>
+          </p:cNvSpPr>
+          <p:nvPr>
+            <p:ph idx="1"/>
+          </p:nvPr>
+        </p:nvSpPr>
+        <p:spPr/>
+        <p:txBody>
+          <a:bodyPr/>
+          <a:lstStyle/>
+          <a:p>
+            <a:r>
+              <a:rPr lang="en-US" dirty="0"/>
+              <a:t>Customers Table</a:t>
+            </a:r>
+          </a:p>
+          <a:p>
+            <a:r>
+              <a:rPr lang="en-US" dirty="0"/>
+              <a:t>Employees Table</a:t>
+            </a:r>
+          </a:p>
+          <a:p>
+            <a:r>
+              <a:rPr lang="en-US" dirty="0"/>
+              <a:t>Navigation Form</a:t>
+            </a:r>
+          </a:p>
+          <a:p>
+            <a:r>
+              <a:rPr lang="en-US" dirty="0"/>
+              <a:t>Products Table</a:t>
+            </a:r>
+          </a:p>
+          <a:p>
+            <a:r>
+              <a:rPr lang="en-US" dirty="0"/>
+              <a:t>Suggestions Table</a:t>
+            </a:r>
+          </a:p>
+          <a:p>
+            <a:r>
+              <a:rPr lang="en-US" dirty="0"/>
+              <a:t>Suppliers Table</a:t>
+            </a:r>
+          </a:p>
+          <a:p>
+            <a:pPr marL="0" indent="0">
+              <a:buNone/>
+            </a:pPr>
+            <a:endParaRPr lang="en-US" dirty="0"/>
+          </a:p>
+          <a:p>
+            <a:endParaRPr lang="en-US" dirty="0"/>
+          </a:p>
+        </p:txBody>
+      </p:sp>
+      <p:sp>
+        <p:nvSpPr>
+          <p:cNvPr id="4" name="TextBox 3"/>
+          <p:cNvSpPr txBox="1"/>
+          <p:nvPr/>
+        </p:nvSpPr>
+        <p:spPr>
+          <a:xfrm>
+            <a:off x="10323443" y="658574"/>
+            <a:ext cx="861392" cy="369332"/>
+          </a:xfrm>
+          <a:prstGeom prst="rect">
+            <a:avLst/>
+          </a:prstGeom>
+          <a:noFill/>
+        </p:spPr>
+        <p:txBody>
+          <a:bodyPr wrap="square" rtlCol="0">
+            <a:spAutoFit/>
+          </a:bodyPr>
+          <a:lstStyle/>
+          <a:p>
+            <a:r>
+              <a:rPr lang="en-GB" dirty="0"/>
+              <a:t>Grigor</a:t>
+            </a:r>
+          </a:p>
+        </p:txBody>
+      </p:sp>
+    </p:spTree>
+    <p:extLst>
+      <p:ext uri="{BB962C8B-B14F-4D97-AF65-F5344CB8AC3E}">
+        <p14:creationId xmlns:p14="http://schemas.microsoft.com/office/powerpoint/2010/main" val="1248061747"/>
+      </p:ext>
+    </p:extLst>
+  </p:cSld>
+  <p:clrMapOvr>
+    <a:masterClrMapping/>
+  </p:clrMapOvr>
+</p:sld>
+</file>
+
+<file path=ppt/slides/slide23.xml><?xml version="1.0" encoding="utf-8"?>
+<p:sld xmlns:a="http://schemas.openxmlformats.org/drawingml/2006/main" xmlns:r="http://schemas.openxmlformats.org/officeDocument/2006/relationships" xmlns:p="http://schemas.openxmlformats.org/presentationml/2006/main">
+  <p:cSld>
+    <p:spTree>
+      <p:nvGrpSpPr>
+        <p:cNvPr id="1" name=""/>
+        <p:cNvGrpSpPr/>
+        <p:nvPr/>
+      </p:nvGrpSpPr>
+      <p:grpSpPr>
+        <a:xfrm>
+          <a:off x="0" y="0"/>
+          <a:ext cx="0" cy="0"/>
+          <a:chOff x="0" y="0"/>
+          <a:chExt cx="0" cy="0"/>
+        </a:xfrm>
+      </p:grpSpPr>
+      <p:sp>
+        <p:nvSpPr>
+          <p:cNvPr id="2" name="Title 1"/>
+          <p:cNvSpPr>
+            <a:spLocks noGrp="1"/>
+          </p:cNvSpPr>
+          <p:nvPr>
+            <p:ph type="title"/>
+          </p:nvPr>
+        </p:nvSpPr>
+        <p:spPr/>
+        <p:txBody>
+          <a:bodyPr/>
+          <a:lstStyle/>
+          <a:p>
+            <a:r>
+              <a:rPr lang="en-IE" dirty="0"/>
+              <a:t>Customers Table</a:t>
+            </a:r>
+          </a:p>
+        </p:txBody>
+      </p:sp>
+      <p:pic>
+        <p:nvPicPr>
+          <p:cNvPr id="5" name="Content Placeholder 4"/>
+          <p:cNvPicPr>
+            <a:picLocks noGrp="1" noChangeAspect="1"/>
+          </p:cNvPicPr>
+          <p:nvPr>
+            <p:ph idx="1"/>
+          </p:nvPr>
+        </p:nvPicPr>
+        <p:blipFill>
+          <a:blip r:embed="rId2">
+            <a:extLst>
+              <a:ext uri="{28A0092B-C50C-407E-A947-70E740481C1C}">
+                <a14:useLocalDpi xmlns:a14="http://schemas.microsoft.com/office/drawing/2010/main" val="0"/>
+              </a:ext>
+            </a:extLst>
+          </a:blip>
+          <a:stretch>
+            <a:fillRect/>
+          </a:stretch>
+        </p:blipFill>
+        <p:spPr>
+          <a:xfrm>
+            <a:off x="4126312" y="1825625"/>
+            <a:ext cx="3939376" cy="4351338"/>
+          </a:xfrm>
+        </p:spPr>
+      </p:pic>
+    </p:spTree>
+    <p:extLst>
+      <p:ext uri="{BB962C8B-B14F-4D97-AF65-F5344CB8AC3E}">
+        <p14:creationId xmlns:p14="http://schemas.microsoft.com/office/powerpoint/2010/main" val="1212915720"/>
+      </p:ext>
+    </p:extLst>
+  </p:cSld>
+  <p:clrMapOvr>
+    <a:masterClrMapping/>
+  </p:clrMapOvr>
+</p:sld>
+</file>
+
+<file path=ppt/slides/slide24.xml><?xml version="1.0" encoding="utf-8"?>
+<p:sld xmlns:a="http://schemas.openxmlformats.org/drawingml/2006/main" xmlns:r="http://schemas.openxmlformats.org/officeDocument/2006/relationships" xmlns:p="http://schemas.openxmlformats.org/presentationml/2006/main">
+  <p:cSld>
+    <p:spTree>
+      <p:nvGrpSpPr>
+        <p:cNvPr id="1" name=""/>
+        <p:cNvGrpSpPr/>
+        <p:nvPr/>
+      </p:nvGrpSpPr>
+      <p:grpSpPr>
+        <a:xfrm>
+          <a:off x="0" y="0"/>
+          <a:ext cx="0" cy="0"/>
+          <a:chOff x="0" y="0"/>
+          <a:chExt cx="0" cy="0"/>
+        </a:xfrm>
+      </p:grpSpPr>
+      <p:sp>
+        <p:nvSpPr>
+          <p:cNvPr id="2" name="Title 1"/>
+          <p:cNvSpPr>
+            <a:spLocks noGrp="1"/>
+          </p:cNvSpPr>
+          <p:nvPr>
+            <p:ph type="title"/>
+          </p:nvPr>
+        </p:nvSpPr>
+        <p:spPr/>
+        <p:txBody>
+          <a:bodyPr/>
+          <a:lstStyle/>
+          <a:p>
+            <a:r>
+              <a:rPr lang="en-IE" dirty="0"/>
+              <a:t>Employees Table</a:t>
+            </a:r>
+          </a:p>
+        </p:txBody>
+      </p:sp>
+      <p:pic>
+        <p:nvPicPr>
+          <p:cNvPr id="5" name="Content Placeholder 4"/>
+          <p:cNvPicPr>
+            <a:picLocks noGrp="1" noChangeAspect="1"/>
+          </p:cNvPicPr>
+          <p:nvPr>
+            <p:ph idx="1"/>
+          </p:nvPr>
+        </p:nvPicPr>
+        <p:blipFill>
+          <a:blip r:embed="rId2">
+            <a:extLst>
+              <a:ext uri="{28A0092B-C50C-407E-A947-70E740481C1C}">
+                <a14:useLocalDpi xmlns:a14="http://schemas.microsoft.com/office/drawing/2010/main" val="0"/>
+              </a:ext>
+            </a:extLst>
+          </a:blip>
+          <a:stretch>
+            <a:fillRect/>
+          </a:stretch>
+        </p:blipFill>
+        <p:spPr>
+          <a:xfrm>
+            <a:off x="4082957" y="1825625"/>
+            <a:ext cx="4026086" cy="4351338"/>
+          </a:xfrm>
+        </p:spPr>
+      </p:pic>
+    </p:spTree>
+    <p:extLst>
+      <p:ext uri="{BB962C8B-B14F-4D97-AF65-F5344CB8AC3E}">
+        <p14:creationId xmlns:p14="http://schemas.microsoft.com/office/powerpoint/2010/main" val="1055208011"/>
+      </p:ext>
+    </p:extLst>
+  </p:cSld>
+  <p:clrMapOvr>
+    <a:masterClrMapping/>
+  </p:clrMapOvr>
+</p:sld>
+</file>
+
+<file path=ppt/slides/slide25.xml><?xml version="1.0" encoding="utf-8"?>
+<p:sld xmlns:a="http://schemas.openxmlformats.org/drawingml/2006/main" xmlns:r="http://schemas.openxmlformats.org/officeDocument/2006/relationships" xmlns:p="http://schemas.openxmlformats.org/presentationml/2006/main">
+  <p:cSld>
+    <p:spTree>
+      <p:nvGrpSpPr>
+        <p:cNvPr id="1" name=""/>
+        <p:cNvGrpSpPr/>
+        <p:nvPr/>
+      </p:nvGrpSpPr>
+      <p:grpSpPr>
+        <a:xfrm>
+          <a:off x="0" y="0"/>
+          <a:ext cx="0" cy="0"/>
+          <a:chOff x="0" y="0"/>
+          <a:chExt cx="0" cy="0"/>
+        </a:xfrm>
+      </p:grpSpPr>
+      <p:sp>
+        <p:nvSpPr>
+          <p:cNvPr id="2" name="Title 1"/>
+          <p:cNvSpPr>
+            <a:spLocks noGrp="1"/>
+          </p:cNvSpPr>
+          <p:nvPr>
+            <p:ph type="title"/>
+          </p:nvPr>
+        </p:nvSpPr>
+        <p:spPr/>
+        <p:txBody>
+          <a:bodyPr/>
+          <a:lstStyle/>
+          <a:p>
+            <a:r>
+              <a:rPr lang="en-IE" dirty="0"/>
+              <a:t>Navigation Form</a:t>
+            </a:r>
+          </a:p>
+        </p:txBody>
+      </p:sp>
+      <p:pic>
+        <p:nvPicPr>
+          <p:cNvPr id="5" name="Content Placeholder 4"/>
+          <p:cNvPicPr>
+            <a:picLocks noGrp="1" noChangeAspect="1"/>
+          </p:cNvPicPr>
+          <p:nvPr>
+            <p:ph idx="1"/>
+          </p:nvPr>
+        </p:nvPicPr>
+        <p:blipFill>
+          <a:blip r:embed="rId2">
+            <a:extLst>
+              <a:ext uri="{28A0092B-C50C-407E-A947-70E740481C1C}">
+                <a14:useLocalDpi xmlns:a14="http://schemas.microsoft.com/office/drawing/2010/main" val="0"/>
+              </a:ext>
+            </a:extLst>
+          </a:blip>
+          <a:stretch>
+            <a:fillRect/>
+          </a:stretch>
+        </p:blipFill>
+        <p:spPr>
+          <a:xfrm>
+            <a:off x="3909707" y="2010291"/>
+            <a:ext cx="4372585" cy="3982006"/>
+          </a:xfrm>
+        </p:spPr>
+      </p:pic>
+    </p:spTree>
+    <p:extLst>
+      <p:ext uri="{BB962C8B-B14F-4D97-AF65-F5344CB8AC3E}">
+        <p14:creationId xmlns:p14="http://schemas.microsoft.com/office/powerpoint/2010/main" val="201746166"/>
+      </p:ext>
+    </p:extLst>
+  </p:cSld>
+  <p:clrMapOvr>
+    <a:masterClrMapping/>
+  </p:clrMapOvr>
+</p:sld>
+</file>
+
+<file path=ppt/slides/slide26.xml><?xml version="1.0" encoding="utf-8"?>
+<p:sld xmlns:a="http://schemas.openxmlformats.org/drawingml/2006/main" xmlns:r="http://schemas.openxmlformats.org/officeDocument/2006/relationships" xmlns:p="http://schemas.openxmlformats.org/presentationml/2006/main">
+  <p:cSld>
+    <p:spTree>
+      <p:nvGrpSpPr>
+        <p:cNvPr id="1" name=""/>
+        <p:cNvGrpSpPr/>
+        <p:nvPr/>
+      </p:nvGrpSpPr>
+      <p:grpSpPr>
+        <a:xfrm>
+          <a:off x="0" y="0"/>
+          <a:ext cx="0" cy="0"/>
+          <a:chOff x="0" y="0"/>
+          <a:chExt cx="0" cy="0"/>
+        </a:xfrm>
+      </p:grpSpPr>
+      <p:sp>
+        <p:nvSpPr>
+          <p:cNvPr id="2" name="Title 1"/>
+          <p:cNvSpPr>
+            <a:spLocks noGrp="1"/>
+          </p:cNvSpPr>
+          <p:nvPr>
+            <p:ph type="title"/>
+          </p:nvPr>
+        </p:nvSpPr>
+        <p:spPr/>
+        <p:txBody>
+          <a:bodyPr/>
+          <a:lstStyle/>
+          <a:p>
+            <a:r>
+              <a:rPr lang="en-IE" dirty="0"/>
+              <a:t>Products Form</a:t>
+            </a:r>
+          </a:p>
+        </p:txBody>
+      </p:sp>
+      <p:pic>
+        <p:nvPicPr>
+          <p:cNvPr id="5" name="Content Placeholder 4"/>
+          <p:cNvPicPr>
+            <a:picLocks noGrp="1" noChangeAspect="1"/>
+          </p:cNvPicPr>
+          <p:nvPr>
+            <p:ph idx="1"/>
+          </p:nvPr>
+        </p:nvPicPr>
+        <p:blipFill>
+          <a:blip r:embed="rId2">
+            <a:extLst>
+              <a:ext uri="{28A0092B-C50C-407E-A947-70E740481C1C}">
+                <a14:useLocalDpi xmlns:a14="http://schemas.microsoft.com/office/drawing/2010/main" val="0"/>
+              </a:ext>
+            </a:extLst>
+          </a:blip>
+          <a:stretch>
+            <a:fillRect/>
+          </a:stretch>
+        </p:blipFill>
+        <p:spPr>
+          <a:xfrm>
+            <a:off x="4122819" y="1825625"/>
+            <a:ext cx="3946362" cy="4351338"/>
+          </a:xfrm>
+        </p:spPr>
+      </p:pic>
+    </p:spTree>
+    <p:extLst>
+      <p:ext uri="{BB962C8B-B14F-4D97-AF65-F5344CB8AC3E}">
+        <p14:creationId xmlns:p14="http://schemas.microsoft.com/office/powerpoint/2010/main" val="1389347980"/>
+      </p:ext>
+    </p:extLst>
+  </p:cSld>
+  <p:clrMapOvr>
+    <a:masterClrMapping/>
+  </p:clrMapOvr>
+</p:sld>
+</file>
+
+<file path=ppt/slides/slide27.xml><?xml version="1.0" encoding="utf-8"?>
+<p:sld xmlns:a="http://schemas.openxmlformats.org/drawingml/2006/main" xmlns:r="http://schemas.openxmlformats.org/officeDocument/2006/relationships" xmlns:p="http://schemas.openxmlformats.org/presentationml/2006/main">
+  <p:cSld>
+    <p:spTree>
+      <p:nvGrpSpPr>
+        <p:cNvPr id="1" name=""/>
+        <p:cNvGrpSpPr/>
+        <p:nvPr/>
+      </p:nvGrpSpPr>
+      <p:grpSpPr>
+        <a:xfrm>
+          <a:off x="0" y="0"/>
+          <a:ext cx="0" cy="0"/>
+          <a:chOff x="0" y="0"/>
+          <a:chExt cx="0" cy="0"/>
+        </a:xfrm>
+      </p:grpSpPr>
+      <p:sp>
+        <p:nvSpPr>
+          <p:cNvPr id="2" name="Title 1"/>
+          <p:cNvSpPr>
+            <a:spLocks noGrp="1"/>
+          </p:cNvSpPr>
+          <p:nvPr>
+            <p:ph type="title"/>
+          </p:nvPr>
+        </p:nvSpPr>
+        <p:spPr/>
+        <p:txBody>
+          <a:bodyPr/>
+          <a:lstStyle/>
+          <a:p>
+            <a:r>
+              <a:rPr lang="en-IE" dirty="0"/>
+              <a:t>Suggestion Table</a:t>
+            </a:r>
+          </a:p>
+        </p:txBody>
+      </p:sp>
+      <p:pic>
+        <p:nvPicPr>
+          <p:cNvPr id="5" name="Content Placeholder 4"/>
+          <p:cNvPicPr>
+            <a:picLocks noGrp="1" noChangeAspect="1"/>
+          </p:cNvPicPr>
+          <p:nvPr>
+            <p:ph idx="1"/>
+          </p:nvPr>
+        </p:nvPicPr>
+        <p:blipFill>
+          <a:blip r:embed="rId2">
+            <a:extLst>
+              <a:ext uri="{28A0092B-C50C-407E-A947-70E740481C1C}">
+                <a14:useLocalDpi xmlns:a14="http://schemas.microsoft.com/office/drawing/2010/main" val="0"/>
+              </a:ext>
+            </a:extLst>
+          </a:blip>
+          <a:stretch>
+            <a:fillRect/>
+          </a:stretch>
+        </p:blipFill>
+        <p:spPr>
+          <a:xfrm>
+            <a:off x="4095083" y="1825625"/>
+            <a:ext cx="4001833" cy="4351338"/>
+          </a:xfrm>
+        </p:spPr>
+      </p:pic>
+    </p:spTree>
+    <p:extLst>
+      <p:ext uri="{BB962C8B-B14F-4D97-AF65-F5344CB8AC3E}">
+        <p14:creationId xmlns:p14="http://schemas.microsoft.com/office/powerpoint/2010/main" val="2343058775"/>
+      </p:ext>
+    </p:extLst>
+  </p:cSld>
+  <p:clrMapOvr>
+    <a:masterClrMapping/>
+  </p:clrMapOvr>
+</p:sld>
+</file>
+
+<file path=ppt/slides/slide28.xml><?xml version="1.0" encoding="utf-8"?>
+<p:sld xmlns:a="http://schemas.openxmlformats.org/drawingml/2006/main" xmlns:r="http://schemas.openxmlformats.org/officeDocument/2006/relationships" xmlns:p="http://schemas.openxmlformats.org/presentationml/2006/main">
+  <p:cSld>
+    <p:spTree>
+      <p:nvGrpSpPr>
+        <p:cNvPr id="1" name=""/>
+        <p:cNvGrpSpPr/>
+        <p:nvPr/>
+      </p:nvGrpSpPr>
+      <p:grpSpPr>
+        <a:xfrm>
+          <a:off x="0" y="0"/>
+          <a:ext cx="0" cy="0"/>
+          <a:chOff x="0" y="0"/>
+          <a:chExt cx="0" cy="0"/>
+        </a:xfrm>
+      </p:grpSpPr>
+      <p:sp>
+        <p:nvSpPr>
+          <p:cNvPr id="2" name="Title 1"/>
+          <p:cNvSpPr>
+            <a:spLocks noGrp="1"/>
+          </p:cNvSpPr>
+          <p:nvPr>
+            <p:ph type="title"/>
+          </p:nvPr>
+        </p:nvSpPr>
+        <p:spPr/>
+        <p:txBody>
+          <a:bodyPr/>
+          <a:lstStyle/>
+          <a:p>
+            <a:r>
+              <a:rPr lang="en-IE" dirty="0"/>
+              <a:t>Suppliers Table</a:t>
+            </a:r>
+          </a:p>
+        </p:txBody>
+      </p:sp>
+      <p:pic>
+        <p:nvPicPr>
+          <p:cNvPr id="5" name="Content Placeholder 4"/>
+          <p:cNvPicPr>
+            <a:picLocks noGrp="1" noChangeAspect="1"/>
+          </p:cNvPicPr>
+          <p:nvPr>
+            <p:ph idx="1"/>
+          </p:nvPr>
+        </p:nvPicPr>
+        <p:blipFill>
+          <a:blip r:embed="rId2">
+            <a:extLst>
+              <a:ext uri="{28A0092B-C50C-407E-A947-70E740481C1C}">
+                <a14:useLocalDpi xmlns:a14="http://schemas.microsoft.com/office/drawing/2010/main" val="0"/>
+              </a:ext>
+            </a:extLst>
+          </a:blip>
+          <a:stretch>
+            <a:fillRect/>
+          </a:stretch>
+        </p:blipFill>
+        <p:spPr>
+          <a:xfrm>
+            <a:off x="4082957" y="1825625"/>
+            <a:ext cx="4026086" cy="4351338"/>
+          </a:xfrm>
+        </p:spPr>
+      </p:pic>
+    </p:spTree>
+    <p:extLst>
+      <p:ext uri="{BB962C8B-B14F-4D97-AF65-F5344CB8AC3E}">
+        <p14:creationId xmlns:p14="http://schemas.microsoft.com/office/powerpoint/2010/main" val="48437891"/>
+      </p:ext>
+    </p:extLst>
+  </p:cSld>
+  <p:clrMapOvr>
+    <a:masterClrMapping/>
+  </p:clrMapOvr>
+</p:sld>
+</file>
+
+<file path=ppt/slides/slide29.xml><?xml version="1.0" encoding="utf-8"?>
+<p:sld xmlns:a="http://schemas.openxmlformats.org/drawingml/2006/main" xmlns:r="http://schemas.openxmlformats.org/officeDocument/2006/relationships" xmlns:p="http://schemas.openxmlformats.org/presentationml/2006/main">
+  <p:cSld>
+    <p:spTree>
+      <p:nvGrpSpPr>
+        <p:cNvPr id="1" name=""/>
+        <p:cNvGrpSpPr/>
+        <p:nvPr/>
+      </p:nvGrpSpPr>
+      <p:grpSpPr>
+        <a:xfrm>
+          <a:off x="0" y="0"/>
+          <a:ext cx="0" cy="0"/>
+          <a:chOff x="0" y="0"/>
+          <a:chExt cx="0" cy="0"/>
+        </a:xfrm>
+      </p:grpSpPr>
+      <p:sp>
+        <p:nvSpPr>
+          <p:cNvPr id="2" name="Title 1"/>
+          <p:cNvSpPr>
+            <a:spLocks noGrp="1"/>
+          </p:cNvSpPr>
+          <p:nvPr>
+            <p:ph type="title"/>
+          </p:nvPr>
+        </p:nvSpPr>
+        <p:spPr/>
+        <p:txBody>
+          <a:bodyPr/>
+          <a:lstStyle/>
+          <a:p>
+            <a:r>
+              <a:rPr lang="en-GB" dirty="0"/>
+              <a:t>Website</a:t>
+            </a:r>
+            <a:endParaRPr lang="en-US" dirty="0"/>
+          </a:p>
+        </p:txBody>
+      </p:sp>
+      <p:sp>
+        <p:nvSpPr>
+          <p:cNvPr id="3" name="Content Placeholder 2"/>
+          <p:cNvSpPr>
+            <a:spLocks noGrp="1"/>
+          </p:cNvSpPr>
+          <p:nvPr>
+            <p:ph idx="1"/>
+          </p:nvPr>
+        </p:nvSpPr>
+        <p:spPr/>
+        <p:txBody>
+          <a:bodyPr/>
+          <a:lstStyle/>
+          <a:p>
+            <a:r>
+              <a:rPr lang="en-US" dirty="0"/>
+              <a:t>Here we will present to you the MCTV Limited Website </a:t>
+            </a:r>
+          </a:p>
+          <a:p>
+            <a:r>
+              <a:rPr lang="en-US" dirty="0"/>
+              <a:t>Which will feature a Home page and 4 individual pages about the workers in the shop </a:t>
+            </a:r>
+          </a:p>
+        </p:txBody>
+      </p:sp>
+      <p:sp>
+        <p:nvSpPr>
+          <p:cNvPr id="4" name="TextBox 3"/>
+          <p:cNvSpPr txBox="1"/>
+          <p:nvPr/>
+        </p:nvSpPr>
+        <p:spPr>
+          <a:xfrm>
+            <a:off x="10230678" y="658574"/>
+            <a:ext cx="954156" cy="369332"/>
+          </a:xfrm>
+          <a:prstGeom prst="rect">
+            <a:avLst/>
+          </a:prstGeom>
+          <a:noFill/>
+        </p:spPr>
+        <p:txBody>
+          <a:bodyPr wrap="square" rtlCol="0">
+            <a:spAutoFit/>
+          </a:bodyPr>
+          <a:lstStyle/>
+          <a:p>
+            <a:r>
+              <a:rPr lang="en-GB" dirty="0"/>
+              <a:t>Antonio</a:t>
+            </a:r>
+          </a:p>
+        </p:txBody>
+      </p:sp>
+    </p:spTree>
+    <p:extLst>
+      <p:ext uri="{BB962C8B-B14F-4D97-AF65-F5344CB8AC3E}">
+        <p14:creationId xmlns:p14="http://schemas.microsoft.com/office/powerpoint/2010/main" val="3123563747"/>
+      </p:ext>
+    </p:extLst>
+  </p:cSld>
+  <p:clrMapOvr>
+    <a:masterClrMapping/>
+  </p:clrMapOvr>
+</p:sld>
+</file>
+
+<file path=ppt/slides/slide3.xml><?xml version="1.0" encoding="utf-8"?>
+<p:sld xmlns:a="http://schemas.openxmlformats.org/drawingml/2006/main" xmlns:r="http://schemas.openxmlformats.org/officeDocument/2006/relationships" xmlns:p="http://schemas.openxmlformats.org/presentationml/2006/main">
+  <p:cSld>
+    <p:spTree>
+      <p:nvGrpSpPr>
+        <p:cNvPr id="1" name=""/>
+        <p:cNvGrpSpPr/>
+        <p:nvPr/>
+      </p:nvGrpSpPr>
+      <p:grpSpPr>
+        <a:xfrm>
+          <a:off x="0" y="0"/>
+          <a:ext cx="0" cy="0"/>
+          <a:chOff x="0" y="0"/>
+          <a:chExt cx="0" cy="0"/>
+        </a:xfrm>
+      </p:grpSpPr>
+      <p:sp>
+        <p:nvSpPr>
+          <p:cNvPr id="2" name="Title 1"/>
+          <p:cNvSpPr>
+            <a:spLocks noGrp="1"/>
+          </p:cNvSpPr>
+          <p:nvPr>
+            <p:ph type="title"/>
+          </p:nvPr>
+        </p:nvSpPr>
+        <p:spPr/>
+        <p:txBody>
+          <a:bodyPr/>
+          <a:lstStyle/>
+          <a:p>
+            <a:r>
+              <a:rPr lang="en-GB" dirty="0"/>
+              <a:t>Introduction to Company</a:t>
+            </a:r>
+            <a:endParaRPr lang="en-US" dirty="0"/>
+          </a:p>
+        </p:txBody>
+      </p:sp>
+      <p:sp>
+        <p:nvSpPr>
+          <p:cNvPr id="3" name="Content Placeholder 2"/>
+          <p:cNvSpPr>
+            <a:spLocks noGrp="1"/>
+          </p:cNvSpPr>
+          <p:nvPr>
+            <p:ph idx="1"/>
+          </p:nvPr>
+        </p:nvSpPr>
+        <p:spPr/>
+        <p:txBody>
+          <a:bodyPr/>
+          <a:lstStyle/>
+          <a:p>
+            <a:r>
+              <a:rPr lang="en-GB" dirty="0"/>
+              <a:t>With the headquarter in Dublin, company has been manufacturing TV since 1955</a:t>
+            </a:r>
+            <a:endParaRPr lang="en-US" dirty="0"/>
+          </a:p>
+          <a:p>
+            <a:r>
+              <a:rPr lang="en-GB" dirty="0"/>
+              <a:t>MCTV use only the highest quality components</a:t>
+            </a:r>
+          </a:p>
+          <a:p>
+            <a:r>
+              <a:rPr lang="en-GB" dirty="0"/>
+              <a:t>Supporting the local job market and grow local industries</a:t>
+            </a:r>
+          </a:p>
+          <a:p>
+            <a:pPr marL="0" indent="0">
+              <a:buNone/>
+            </a:pPr>
+            <a:endParaRPr lang="en-GB" dirty="0"/>
+          </a:p>
+        </p:txBody>
+      </p:sp>
+      <p:sp>
+        <p:nvSpPr>
+          <p:cNvPr id="4" name="TextBox 3"/>
+          <p:cNvSpPr txBox="1"/>
+          <p:nvPr/>
+        </p:nvSpPr>
+        <p:spPr>
+          <a:xfrm rot="1682298">
+            <a:off x="10357341" y="719476"/>
+            <a:ext cx="570990" cy="369332"/>
+          </a:xfrm>
+          <a:prstGeom prst="rect">
+            <a:avLst/>
+          </a:prstGeom>
+          <a:noFill/>
+        </p:spPr>
+        <p:txBody>
+          <a:bodyPr wrap="none" rtlCol="0">
+            <a:spAutoFit/>
+          </a:bodyPr>
+          <a:lstStyle/>
+          <a:p>
+            <a:pPr algn="ctr"/>
+            <a:r>
+              <a:rPr lang="en-US" dirty="0"/>
+              <a:t>Jack</a:t>
+            </a:r>
+          </a:p>
+        </p:txBody>
+      </p:sp>
+    </p:spTree>
+    <p:extLst>
+      <p:ext uri="{BB962C8B-B14F-4D97-AF65-F5344CB8AC3E}">
+        <p14:creationId xmlns:p14="http://schemas.microsoft.com/office/powerpoint/2010/main" val="2851753425"/>
+      </p:ext>
+    </p:extLst>
+  </p:cSld>
+  <p:clrMapOvr>
+    <a:masterClrMapping/>
+  </p:clrMapOvr>
+</p:sld>
+</file>
+
+<file path=ppt/slides/slide30.xml><?xml version="1.0" encoding="utf-8"?>
+<p:sld xmlns:a="http://schemas.openxmlformats.org/drawingml/2006/main" xmlns:r="http://schemas.openxmlformats.org/officeDocument/2006/relationships" xmlns:p="http://schemas.openxmlformats.org/presentationml/2006/main">
+  <p:cSld>
+    <p:spTree>
+      <p:nvGrpSpPr>
+        <p:cNvPr id="1" name=""/>
+        <p:cNvGrpSpPr/>
+        <p:nvPr/>
+      </p:nvGrpSpPr>
+      <p:grpSpPr>
+        <a:xfrm>
+          <a:off x="0" y="0"/>
+          <a:ext cx="0" cy="0"/>
+          <a:chOff x="0" y="0"/>
+          <a:chExt cx="0" cy="0"/>
+        </a:xfrm>
+      </p:grpSpPr>
+      <p:sp>
+        <p:nvSpPr>
+          <p:cNvPr id="2" name="Title 1"/>
+          <p:cNvSpPr>
+            <a:spLocks noGrp="1"/>
+          </p:cNvSpPr>
+          <p:nvPr>
+            <p:ph type="title"/>
+          </p:nvPr>
+        </p:nvSpPr>
+        <p:spPr/>
+        <p:txBody>
+          <a:bodyPr/>
+          <a:lstStyle/>
+          <a:p>
+            <a:r>
               <a:rPr lang="en-GB" dirty="0"/>
               <a:t>Conclusion</a:t>
             </a:r>
@@ -3898,7 +5601,7 @@
 </p:sld>
 </file>
 
-<file path=ppt/slides/slide15.xml><?xml version="1.0" encoding="utf-8"?>
+<file path=ppt/slides/slide31.xml><?xml version="1.0" encoding="utf-8"?>
 <p:sld xmlns:a="http://schemas.openxmlformats.org/drawingml/2006/main" xmlns:r="http://schemas.openxmlformats.org/officeDocument/2006/relationships" xmlns:p="http://schemas.openxmlformats.org/presentationml/2006/main">
   <p:cSld>
     <p:spTree>
@@ -4067,253 +5770,6 @@
     <p:extLst>
       <p:ext uri="{BB962C8B-B14F-4D97-AF65-F5344CB8AC3E}">
         <p14:creationId xmlns:p14="http://schemas.microsoft.com/office/powerpoint/2010/main" val="3349935074"/>
-      </p:ext>
-    </p:extLst>
-  </p:cSld>
-  <p:clrMapOvr>
-    <a:masterClrMapping/>
-  </p:clrMapOvr>
-</p:sld>
-</file>
-
-<file path=ppt/slides/slide2.xml><?xml version="1.0" encoding="utf-8"?>
-<p:sld xmlns:a="http://schemas.openxmlformats.org/drawingml/2006/main" xmlns:r="http://schemas.openxmlformats.org/officeDocument/2006/relationships" xmlns:p="http://schemas.openxmlformats.org/presentationml/2006/main">
-  <p:cSld>
-    <p:spTree>
-      <p:nvGrpSpPr>
-        <p:cNvPr id="1" name=""/>
-        <p:cNvGrpSpPr/>
-        <p:nvPr/>
-      </p:nvGrpSpPr>
-      <p:grpSpPr>
-        <a:xfrm>
-          <a:off x="0" y="0"/>
-          <a:ext cx="0" cy="0"/>
-          <a:chOff x="0" y="0"/>
-          <a:chExt cx="0" cy="0"/>
-        </a:xfrm>
-      </p:grpSpPr>
-      <p:sp>
-        <p:nvSpPr>
-          <p:cNvPr id="2" name="Title 1"/>
-          <p:cNvSpPr>
-            <a:spLocks noGrp="1"/>
-          </p:cNvSpPr>
-          <p:nvPr>
-            <p:ph type="title"/>
-          </p:nvPr>
-        </p:nvSpPr>
-        <p:spPr/>
-        <p:txBody>
-          <a:bodyPr/>
-          <a:lstStyle/>
-          <a:p>
-            <a:r>
-              <a:rPr lang="en-GB" dirty="0"/>
-              <a:t>Agenda</a:t>
-            </a:r>
-            <a:endParaRPr lang="en-US" dirty="0"/>
-          </a:p>
-        </p:txBody>
-      </p:sp>
-      <p:sp>
-        <p:nvSpPr>
-          <p:cNvPr id="3" name="Content Placeholder 2"/>
-          <p:cNvSpPr>
-            <a:spLocks noGrp="1"/>
-          </p:cNvSpPr>
-          <p:nvPr>
-            <p:ph idx="1"/>
-          </p:nvPr>
-        </p:nvSpPr>
-        <p:spPr/>
-        <p:txBody>
-          <a:bodyPr/>
-          <a:lstStyle/>
-          <a:p>
-            <a:r>
-              <a:rPr lang="en-GB" dirty="0"/>
-              <a:t>The purpose of this presentation was to explore the development of MCTV Limited. </a:t>
-            </a:r>
-          </a:p>
-          <a:p>
-            <a:r>
-              <a:rPr lang="en-GB" dirty="0"/>
-              <a:t>We as a group were given particular tasks in which we all had to take part in.</a:t>
-            </a:r>
-          </a:p>
-          <a:p>
-            <a:r>
-              <a:rPr lang="en-US" dirty="0"/>
-              <a:t>This presentation will feature a quick background MCTV Limited, the UML charts, Databases, the company Website and what holds for the future of MCTV Limited as the company grows.</a:t>
-            </a:r>
-          </a:p>
-          <a:p>
-            <a:endParaRPr lang="en-US" dirty="0"/>
-          </a:p>
-          <a:p>
-            <a:endParaRPr lang="en-US" dirty="0"/>
-          </a:p>
-        </p:txBody>
-      </p:sp>
-      <p:sp>
-        <p:nvSpPr>
-          <p:cNvPr id="4" name="TextBox 3"/>
-          <p:cNvSpPr txBox="1"/>
-          <p:nvPr/>
-        </p:nvSpPr>
-        <p:spPr>
-          <a:xfrm rot="1682298">
-            <a:off x="10357345" y="719476"/>
-            <a:ext cx="570990" cy="369332"/>
-          </a:xfrm>
-          <a:prstGeom prst="rect">
-            <a:avLst/>
-          </a:prstGeom>
-          <a:noFill/>
-        </p:spPr>
-        <p:txBody>
-          <a:bodyPr wrap="none" rtlCol="0">
-            <a:spAutoFit/>
-          </a:bodyPr>
-          <a:lstStyle/>
-          <a:p>
-            <a:pPr algn="ctr"/>
-            <a:r>
-              <a:rPr lang="en-US" dirty="0"/>
-              <a:t>Jack</a:t>
-            </a:r>
-          </a:p>
-        </p:txBody>
-      </p:sp>
-    </p:spTree>
-    <p:extLst>
-      <p:ext uri="{BB962C8B-B14F-4D97-AF65-F5344CB8AC3E}">
-        <p14:creationId xmlns:p14="http://schemas.microsoft.com/office/powerpoint/2010/main" val="3481843719"/>
-      </p:ext>
-    </p:extLst>
-  </p:cSld>
-  <p:clrMapOvr>
-    <a:masterClrMapping/>
-  </p:clrMapOvr>
-</p:sld>
-</file>
-
-<file path=ppt/slides/slide3.xml><?xml version="1.0" encoding="utf-8"?>
-<p:sld xmlns:a="http://schemas.openxmlformats.org/drawingml/2006/main" xmlns:r="http://schemas.openxmlformats.org/officeDocument/2006/relationships" xmlns:p="http://schemas.openxmlformats.org/presentationml/2006/main">
-  <p:cSld>
-    <p:spTree>
-      <p:nvGrpSpPr>
-        <p:cNvPr id="1" name=""/>
-        <p:cNvGrpSpPr/>
-        <p:nvPr/>
-      </p:nvGrpSpPr>
-      <p:grpSpPr>
-        <a:xfrm>
-          <a:off x="0" y="0"/>
-          <a:ext cx="0" cy="0"/>
-          <a:chOff x="0" y="0"/>
-          <a:chExt cx="0" cy="0"/>
-        </a:xfrm>
-      </p:grpSpPr>
-      <p:sp>
-        <p:nvSpPr>
-          <p:cNvPr id="2" name="Title 1"/>
-          <p:cNvSpPr>
-            <a:spLocks noGrp="1"/>
-          </p:cNvSpPr>
-          <p:nvPr>
-            <p:ph type="title"/>
-          </p:nvPr>
-        </p:nvSpPr>
-        <p:spPr/>
-        <p:txBody>
-          <a:bodyPr/>
-          <a:lstStyle/>
-          <a:p>
-            <a:r>
-              <a:rPr lang="en-GB" dirty="0"/>
-              <a:t>Introduction to Company</a:t>
-            </a:r>
-            <a:endParaRPr lang="en-US" dirty="0"/>
-          </a:p>
-        </p:txBody>
-      </p:sp>
-      <p:sp>
-        <p:nvSpPr>
-          <p:cNvPr id="3" name="Content Placeholder 2"/>
-          <p:cNvSpPr>
-            <a:spLocks noGrp="1"/>
-          </p:cNvSpPr>
-          <p:nvPr>
-            <p:ph idx="1"/>
-          </p:nvPr>
-        </p:nvSpPr>
-        <p:spPr/>
-        <p:txBody>
-          <a:bodyPr/>
-          <a:lstStyle/>
-          <a:p>
-            <a:r>
-              <a:rPr lang="en-GB" dirty="0"/>
-              <a:t>With the headquarter in Dublin, company has been manufacturing TV since 1955</a:t>
-            </a:r>
-            <a:endParaRPr lang="en-US" dirty="0"/>
-          </a:p>
-          <a:p>
-            <a:r>
-              <a:rPr lang="en-GB" dirty="0"/>
-              <a:t>MCTV use only the highest quality components</a:t>
-            </a:r>
-          </a:p>
-          <a:p>
-            <a:r>
-              <a:rPr lang="en-GB" dirty="0"/>
-              <a:t>Supporting the local job market and grow local industries</a:t>
-            </a:r>
-          </a:p>
-          <a:p>
-            <a:pPr marL="0" indent="0">
-              <a:buNone/>
-            </a:pPr>
-            <a:endParaRPr lang="en-GB" dirty="0"/>
-          </a:p>
-        </p:txBody>
-      </p:sp>
-      <p:sp>
-        <p:nvSpPr>
-          <p:cNvPr id="4" name="TextBox 3"/>
-          <p:cNvSpPr txBox="1"/>
-          <p:nvPr/>
-        </p:nvSpPr>
-        <p:spPr>
-          <a:xfrm rot="1682298">
-            <a:off x="10357341" y="719476"/>
-            <a:ext cx="570990" cy="369332"/>
-          </a:xfrm>
-          <a:prstGeom prst="rect">
-            <a:avLst/>
-          </a:prstGeom>
-          <a:noFill/>
-        </p:spPr>
-        <p:txBody>
-          <a:bodyPr wrap="none" rtlCol="0">
-            <a:spAutoFit/>
-          </a:bodyPr>
-          <a:lstStyle/>
-          <a:p>
-            <a:pPr algn="ctr"/>
-            <a:r>
-              <a:rPr lang="en-US" dirty="0"/>
-              <a:t>Jack</a:t>
-            </a:r>
-          </a:p>
-        </p:txBody>
-      </p:sp>
-    </p:spTree>
-    <p:extLst>
-      <p:ext uri="{BB962C8B-B14F-4D97-AF65-F5344CB8AC3E}">
-        <p14:creationId xmlns:p14="http://schemas.microsoft.com/office/powerpoint/2010/main" val="2851753425"/>
       </p:ext>
     </p:extLst>
   </p:cSld>

--- a/MCTV Limited.pptx
+++ b/MCTV Limited.pptx
@@ -3455,14 +3455,14 @@
       </p:sp>
       <p:sp>
         <p:nvSpPr>
-          <p:cNvPr id="4" name="TextBox 3"/>
+          <p:cNvPr id="5" name="TextBox 4"/>
           <p:cNvSpPr txBox="1"/>
           <p:nvPr/>
         </p:nvSpPr>
         <p:spPr>
           <a:xfrm>
             <a:off x="10296939" y="658574"/>
-            <a:ext cx="821635" cy="369332"/>
+            <a:ext cx="874644" cy="369332"/>
           </a:xfrm>
           <a:prstGeom prst="rect">
             <a:avLst/>
@@ -3477,7 +3477,7 @@
           <a:p>
             <a:r>
               <a:rPr lang="en-GB" dirty="0"/>
-              <a:t>Grigor</a:t>
+              <a:t>Dylan</a:t>
             </a:r>
           </a:p>
         </p:txBody>
@@ -3573,7 +3573,45 @@
             </a:r>
           </a:p>
           <a:p>
+            <a:r>
+              <a:rPr lang="en-IE" dirty="0"/>
+              <a:t>Products Table</a:t>
+            </a:r>
+          </a:p>
+          <a:p>
             <a:endParaRPr lang="en-IE" dirty="0"/>
+          </a:p>
+          <a:p>
+            <a:endParaRPr lang="en-IE" dirty="0"/>
+          </a:p>
+        </p:txBody>
+      </p:sp>
+      <p:sp>
+        <p:nvSpPr>
+          <p:cNvPr id="4" name="TextBox 3"/>
+          <p:cNvSpPr txBox="1"/>
+          <p:nvPr/>
+        </p:nvSpPr>
+        <p:spPr>
+          <a:xfrm>
+            <a:off x="10296939" y="658574"/>
+            <a:ext cx="874644" cy="369332"/>
+          </a:xfrm>
+          <a:prstGeom prst="rect">
+            <a:avLst/>
+          </a:prstGeom>
+          <a:noFill/>
+        </p:spPr>
+        <p:txBody>
+          <a:bodyPr wrap="square" rtlCol="0">
+            <a:spAutoFit/>
+          </a:bodyPr>
+          <a:lstStyle/>
+          <a:p>
+            <a:r>
+              <a:rPr lang="en-GB" dirty="0"/>
+              <a:t>Dylan</a:t>
+            </a:r>
           </a:p>
         </p:txBody>
       </p:sp>
@@ -4823,6 +4861,35 @@
           </a:xfrm>
         </p:spPr>
       </p:pic>
+      <p:sp>
+        <p:nvSpPr>
+          <p:cNvPr id="4" name="TextBox 3"/>
+          <p:cNvSpPr txBox="1"/>
+          <p:nvPr/>
+        </p:nvSpPr>
+        <p:spPr>
+          <a:xfrm>
+            <a:off x="10323443" y="658574"/>
+            <a:ext cx="861392" cy="369332"/>
+          </a:xfrm>
+          <a:prstGeom prst="rect">
+            <a:avLst/>
+          </a:prstGeom>
+          <a:noFill/>
+        </p:spPr>
+        <p:txBody>
+          <a:bodyPr wrap="square" rtlCol="0">
+            <a:spAutoFit/>
+          </a:bodyPr>
+          <a:lstStyle/>
+          <a:p>
+            <a:r>
+              <a:rPr lang="en-GB" dirty="0"/>
+              <a:t>Grigor</a:t>
+            </a:r>
+          </a:p>
+        </p:txBody>
+      </p:sp>
     </p:spTree>
     <p:extLst>
       <p:ext uri="{BB962C8B-B14F-4D97-AF65-F5344CB8AC3E}">
@@ -4904,6 +4971,35 @@
           </a:xfrm>
         </p:spPr>
       </p:pic>
+      <p:sp>
+        <p:nvSpPr>
+          <p:cNvPr id="4" name="TextBox 3"/>
+          <p:cNvSpPr txBox="1"/>
+          <p:nvPr/>
+        </p:nvSpPr>
+        <p:spPr>
+          <a:xfrm>
+            <a:off x="10323443" y="658574"/>
+            <a:ext cx="861392" cy="369332"/>
+          </a:xfrm>
+          <a:prstGeom prst="rect">
+            <a:avLst/>
+          </a:prstGeom>
+          <a:noFill/>
+        </p:spPr>
+        <p:txBody>
+          <a:bodyPr wrap="square" rtlCol="0">
+            <a:spAutoFit/>
+          </a:bodyPr>
+          <a:lstStyle/>
+          <a:p>
+            <a:r>
+              <a:rPr lang="en-GB" dirty="0"/>
+              <a:t>Grigor</a:t>
+            </a:r>
+          </a:p>
+        </p:txBody>
+      </p:sp>
     </p:spTree>
     <p:extLst>
       <p:ext uri="{BB962C8B-B14F-4D97-AF65-F5344CB8AC3E}">
@@ -4985,6 +5081,35 @@
           </a:xfrm>
         </p:spPr>
       </p:pic>
+      <p:sp>
+        <p:nvSpPr>
+          <p:cNvPr id="4" name="TextBox 3"/>
+          <p:cNvSpPr txBox="1"/>
+          <p:nvPr/>
+        </p:nvSpPr>
+        <p:spPr>
+          <a:xfrm>
+            <a:off x="10323443" y="671826"/>
+            <a:ext cx="861392" cy="369332"/>
+          </a:xfrm>
+          <a:prstGeom prst="rect">
+            <a:avLst/>
+          </a:prstGeom>
+          <a:noFill/>
+        </p:spPr>
+        <p:txBody>
+          <a:bodyPr wrap="square" rtlCol="0">
+            <a:spAutoFit/>
+          </a:bodyPr>
+          <a:lstStyle/>
+          <a:p>
+            <a:r>
+              <a:rPr lang="en-GB" dirty="0"/>
+              <a:t>Grigor</a:t>
+            </a:r>
+          </a:p>
+        </p:txBody>
+      </p:sp>
     </p:spTree>
     <p:extLst>
       <p:ext uri="{BB962C8B-B14F-4D97-AF65-F5344CB8AC3E}">
@@ -5873,7 +5998,7 @@
           <a:p>
             <a:r>
               <a:rPr lang="en-GB" dirty="0"/>
-              <a:t>Dylan</a:t>
+              <a:t>Jack</a:t>
             </a:r>
           </a:p>
         </p:txBody>
@@ -6003,6 +6128,35 @@
           </a:prstGeom>
         </p:spPr>
       </p:pic>
+      <p:sp>
+        <p:nvSpPr>
+          <p:cNvPr id="5" name="TextBox 4"/>
+          <p:cNvSpPr txBox="1"/>
+          <p:nvPr/>
+        </p:nvSpPr>
+        <p:spPr>
+          <a:xfrm>
+            <a:off x="10296939" y="658574"/>
+            <a:ext cx="874644" cy="369332"/>
+          </a:xfrm>
+          <a:prstGeom prst="rect">
+            <a:avLst/>
+          </a:prstGeom>
+          <a:noFill/>
+        </p:spPr>
+        <p:txBody>
+          <a:bodyPr wrap="square" rtlCol="0">
+            <a:spAutoFit/>
+          </a:bodyPr>
+          <a:lstStyle/>
+          <a:p>
+            <a:r>
+              <a:rPr lang="en-GB" dirty="0"/>
+              <a:t>Jack</a:t>
+            </a:r>
+          </a:p>
+        </p:txBody>
+      </p:sp>
     </p:spTree>
     <p:extLst>
       <p:ext uri="{BB962C8B-B14F-4D97-AF65-F5344CB8AC3E}">
@@ -6104,6 +6258,35 @@
           </a:prstGeom>
         </p:spPr>
       </p:pic>
+      <p:sp>
+        <p:nvSpPr>
+          <p:cNvPr id="6" name="TextBox 5"/>
+          <p:cNvSpPr txBox="1"/>
+          <p:nvPr/>
+        </p:nvSpPr>
+        <p:spPr>
+          <a:xfrm>
+            <a:off x="10296939" y="658574"/>
+            <a:ext cx="874644" cy="369332"/>
+          </a:xfrm>
+          <a:prstGeom prst="rect">
+            <a:avLst/>
+          </a:prstGeom>
+          <a:noFill/>
+        </p:spPr>
+        <p:txBody>
+          <a:bodyPr wrap="square" rtlCol="0">
+            <a:spAutoFit/>
+          </a:bodyPr>
+          <a:lstStyle/>
+          <a:p>
+            <a:r>
+              <a:rPr lang="en-GB" dirty="0"/>
+              <a:t>Jack</a:t>
+            </a:r>
+          </a:p>
+        </p:txBody>
+      </p:sp>
     </p:spTree>
     <p:extLst>
       <p:ext uri="{BB962C8B-B14F-4D97-AF65-F5344CB8AC3E}">
@@ -6205,6 +6388,35 @@
           </a:prstGeom>
         </p:spPr>
       </p:pic>
+      <p:sp>
+        <p:nvSpPr>
+          <p:cNvPr id="5" name="TextBox 4"/>
+          <p:cNvSpPr txBox="1"/>
+          <p:nvPr/>
+        </p:nvSpPr>
+        <p:spPr>
+          <a:xfrm>
+            <a:off x="10296939" y="658574"/>
+            <a:ext cx="874644" cy="369332"/>
+          </a:xfrm>
+          <a:prstGeom prst="rect">
+            <a:avLst/>
+          </a:prstGeom>
+          <a:noFill/>
+        </p:spPr>
+        <p:txBody>
+          <a:bodyPr wrap="square" rtlCol="0">
+            <a:spAutoFit/>
+          </a:bodyPr>
+          <a:lstStyle/>
+          <a:p>
+            <a:r>
+              <a:rPr lang="en-GB" dirty="0"/>
+              <a:t>Jack</a:t>
+            </a:r>
+          </a:p>
+        </p:txBody>
+      </p:sp>
     </p:spTree>
     <p:extLst>
       <p:ext uri="{BB962C8B-B14F-4D97-AF65-F5344CB8AC3E}">
@@ -6305,19 +6517,19 @@
           <a:p>
             <a:r>
               <a:rPr lang="en-US" dirty="0"/>
-              <a:t>Jack Gallaher-Agenda, Gantt chart, Conclusion, Last slide,</a:t>
+              <a:t>Jack Gallaher-Agenda, Gantt chart, Conclusion, Last slide</a:t>
             </a:r>
           </a:p>
           <a:p>
             <a:r>
               <a:rPr lang="en-US" dirty="0"/>
-              <a:t>Grigor Daunt-UML charts, Website</a:t>
+              <a:t>Grigor Daunt-UML charts, Databases</a:t>
             </a:r>
           </a:p>
           <a:p>
             <a:r>
               <a:rPr lang="en-US" dirty="0"/>
-              <a:t>Dylan Gilroy-Databases, individual Tasks</a:t>
+              <a:t>Dylan Gilroy-individual Tasks, Website</a:t>
             </a:r>
           </a:p>
         </p:txBody>
@@ -6432,6 +6644,35 @@
           </a:xfrm>
         </p:spPr>
       </p:pic>
+      <p:sp>
+        <p:nvSpPr>
+          <p:cNvPr id="4" name="TextBox 3"/>
+          <p:cNvSpPr txBox="1"/>
+          <p:nvPr/>
+        </p:nvSpPr>
+        <p:spPr>
+          <a:xfrm>
+            <a:off x="10296939" y="658574"/>
+            <a:ext cx="874644" cy="369332"/>
+          </a:xfrm>
+          <a:prstGeom prst="rect">
+            <a:avLst/>
+          </a:prstGeom>
+          <a:noFill/>
+        </p:spPr>
+        <p:txBody>
+          <a:bodyPr wrap="square" rtlCol="0">
+            <a:spAutoFit/>
+          </a:bodyPr>
+          <a:lstStyle/>
+          <a:p>
+            <a:r>
+              <a:rPr lang="en-GB" dirty="0"/>
+              <a:t>Dylan</a:t>
+            </a:r>
+          </a:p>
+        </p:txBody>
+      </p:sp>
     </p:spTree>
     <p:extLst>
       <p:ext uri="{BB962C8B-B14F-4D97-AF65-F5344CB8AC3E}">

--- a/MCTV Limited.pptx
+++ b/MCTV Limited.pptx
@@ -12,30 +12,31 @@
     <p:sldId id="266" r:id="rId6"/>
     <p:sldId id="267" r:id="rId7"/>
     <p:sldId id="268" r:id="rId8"/>
-    <p:sldId id="260" r:id="rId9"/>
-    <p:sldId id="280" r:id="rId10"/>
-    <p:sldId id="261" r:id="rId11"/>
-    <p:sldId id="270" r:id="rId12"/>
-    <p:sldId id="271" r:id="rId13"/>
-    <p:sldId id="272" r:id="rId14"/>
-    <p:sldId id="274" r:id="rId15"/>
-    <p:sldId id="275" r:id="rId16"/>
-    <p:sldId id="276" r:id="rId17"/>
-    <p:sldId id="277" r:id="rId18"/>
-    <p:sldId id="278" r:id="rId19"/>
-    <p:sldId id="279" r:id="rId20"/>
-    <p:sldId id="281" r:id="rId21"/>
-    <p:sldId id="273" r:id="rId22"/>
-    <p:sldId id="262" r:id="rId23"/>
-    <p:sldId id="282" r:id="rId24"/>
-    <p:sldId id="283" r:id="rId25"/>
-    <p:sldId id="284" r:id="rId26"/>
-    <p:sldId id="285" r:id="rId27"/>
-    <p:sldId id="286" r:id="rId28"/>
-    <p:sldId id="287" r:id="rId29"/>
-    <p:sldId id="263" r:id="rId30"/>
-    <p:sldId id="264" r:id="rId31"/>
-    <p:sldId id="265" r:id="rId32"/>
+    <p:sldId id="288" r:id="rId9"/>
+    <p:sldId id="260" r:id="rId10"/>
+    <p:sldId id="280" r:id="rId11"/>
+    <p:sldId id="261" r:id="rId12"/>
+    <p:sldId id="270" r:id="rId13"/>
+    <p:sldId id="271" r:id="rId14"/>
+    <p:sldId id="272" r:id="rId15"/>
+    <p:sldId id="274" r:id="rId16"/>
+    <p:sldId id="275" r:id="rId17"/>
+    <p:sldId id="276" r:id="rId18"/>
+    <p:sldId id="277" r:id="rId19"/>
+    <p:sldId id="278" r:id="rId20"/>
+    <p:sldId id="279" r:id="rId21"/>
+    <p:sldId id="281" r:id="rId22"/>
+    <p:sldId id="273" r:id="rId23"/>
+    <p:sldId id="262" r:id="rId24"/>
+    <p:sldId id="282" r:id="rId25"/>
+    <p:sldId id="283" r:id="rId26"/>
+    <p:sldId id="284" r:id="rId27"/>
+    <p:sldId id="285" r:id="rId28"/>
+    <p:sldId id="286" r:id="rId29"/>
+    <p:sldId id="287" r:id="rId30"/>
+    <p:sldId id="263" r:id="rId31"/>
+    <p:sldId id="264" r:id="rId32"/>
+    <p:sldId id="265" r:id="rId33"/>
   </p:sldIdLst>
   <p:sldSz cx="12192000" cy="6858000"/>
   <p:notesSz cx="6858000" cy="9144000"/>
@@ -271,7 +272,7 @@
           <a:p>
             <a:fld id="{D42128AE-EDC0-49A1-B42D-4FCD81EA54AB}" type="datetimeFigureOut">
               <a:rPr lang="en-US" smtClean="0"/>
-              <a:t>4/16/2017</a:t>
+              <a:t>4/17/2017</a:t>
             </a:fld>
             <a:endParaRPr lang="en-US"/>
           </a:p>
@@ -439,7 +440,7 @@
           <a:p>
             <a:fld id="{D42128AE-EDC0-49A1-B42D-4FCD81EA54AB}" type="datetimeFigureOut">
               <a:rPr lang="en-US" smtClean="0"/>
-              <a:t>4/16/2017</a:t>
+              <a:t>4/17/2017</a:t>
             </a:fld>
             <a:endParaRPr lang="en-US"/>
           </a:p>
@@ -617,7 +618,7 @@
           <a:p>
             <a:fld id="{D42128AE-EDC0-49A1-B42D-4FCD81EA54AB}" type="datetimeFigureOut">
               <a:rPr lang="en-US" smtClean="0"/>
-              <a:t>4/16/2017</a:t>
+              <a:t>4/17/2017</a:t>
             </a:fld>
             <a:endParaRPr lang="en-US"/>
           </a:p>
@@ -785,7 +786,7 @@
           <a:p>
             <a:fld id="{D42128AE-EDC0-49A1-B42D-4FCD81EA54AB}" type="datetimeFigureOut">
               <a:rPr lang="en-US" smtClean="0"/>
-              <a:t>4/16/2017</a:t>
+              <a:t>4/17/2017</a:t>
             </a:fld>
             <a:endParaRPr lang="en-US"/>
           </a:p>
@@ -1030,7 +1031,7 @@
           <a:p>
             <a:fld id="{D42128AE-EDC0-49A1-B42D-4FCD81EA54AB}" type="datetimeFigureOut">
               <a:rPr lang="en-US" smtClean="0"/>
-              <a:t>4/16/2017</a:t>
+              <a:t>4/17/2017</a:t>
             </a:fld>
             <a:endParaRPr lang="en-US"/>
           </a:p>
@@ -1259,7 +1260,7 @@
           <a:p>
             <a:fld id="{D42128AE-EDC0-49A1-B42D-4FCD81EA54AB}" type="datetimeFigureOut">
               <a:rPr lang="en-US" smtClean="0"/>
-              <a:t>4/16/2017</a:t>
+              <a:t>4/17/2017</a:t>
             </a:fld>
             <a:endParaRPr lang="en-US"/>
           </a:p>
@@ -1623,7 +1624,7 @@
           <a:p>
             <a:fld id="{D42128AE-EDC0-49A1-B42D-4FCD81EA54AB}" type="datetimeFigureOut">
               <a:rPr lang="en-US" smtClean="0"/>
-              <a:t>4/16/2017</a:t>
+              <a:t>4/17/2017</a:t>
             </a:fld>
             <a:endParaRPr lang="en-US"/>
           </a:p>
@@ -1740,7 +1741,7 @@
           <a:p>
             <a:fld id="{D42128AE-EDC0-49A1-B42D-4FCD81EA54AB}" type="datetimeFigureOut">
               <a:rPr lang="en-US" smtClean="0"/>
-              <a:t>4/16/2017</a:t>
+              <a:t>4/17/2017</a:t>
             </a:fld>
             <a:endParaRPr lang="en-US"/>
           </a:p>
@@ -1835,7 +1836,7 @@
           <a:p>
             <a:fld id="{D42128AE-EDC0-49A1-B42D-4FCD81EA54AB}" type="datetimeFigureOut">
               <a:rPr lang="en-US" smtClean="0"/>
-              <a:t>4/16/2017</a:t>
+              <a:t>4/17/2017</a:t>
             </a:fld>
             <a:endParaRPr lang="en-US"/>
           </a:p>
@@ -2110,7 +2111,7 @@
           <a:p>
             <a:fld id="{D42128AE-EDC0-49A1-B42D-4FCD81EA54AB}" type="datetimeFigureOut">
               <a:rPr lang="en-US" smtClean="0"/>
-              <a:t>4/16/2017</a:t>
+              <a:t>4/17/2017</a:t>
             </a:fld>
             <a:endParaRPr lang="en-US"/>
           </a:p>
@@ -2362,7 +2363,7 @@
           <a:p>
             <a:fld id="{D42128AE-EDC0-49A1-B42D-4FCD81EA54AB}" type="datetimeFigureOut">
               <a:rPr lang="en-US" smtClean="0"/>
-              <a:t>4/16/2017</a:t>
+              <a:t>4/17/2017</a:t>
             </a:fld>
             <a:endParaRPr lang="en-US"/>
           </a:p>
@@ -2573,7 +2574,7 @@
           <a:p>
             <a:fld id="{D42128AE-EDC0-49A1-B42D-4FCD81EA54AB}" type="datetimeFigureOut">
               <a:rPr lang="en-US" smtClean="0"/>
-              <a:t>4/16/2017</a:t>
+              <a:t>4/17/2017</a:t>
             </a:fld>
             <a:endParaRPr lang="en-US"/>
           </a:p>
@@ -3388,74 +3389,44 @@
           <a:lstStyle/>
           <a:p>
             <a:r>
-              <a:rPr lang="en-GB" dirty="0"/>
-              <a:t>Databases</a:t>
-            </a:r>
-            <a:endParaRPr lang="en-US" dirty="0"/>
-          </a:p>
-        </p:txBody>
-      </p:sp>
-      <p:sp>
-        <p:nvSpPr>
-          <p:cNvPr id="3" name="Content Placeholder 2"/>
-          <p:cNvSpPr>
-            <a:spLocks noGrp="1"/>
-          </p:cNvSpPr>
+              <a:rPr lang="en-IE" dirty="0"/>
+              <a:t>MCTV Limited</a:t>
+            </a:r>
+          </a:p>
+        </p:txBody>
+      </p:sp>
+      <p:pic>
+        <p:nvPicPr>
+          <p:cNvPr id="5" name="Content Placeholder 4"/>
+          <p:cNvPicPr>
+            <a:picLocks noGrp="1" noChangeAspect="1"/>
+          </p:cNvPicPr>
           <p:nvPr>
             <p:ph idx="1"/>
           </p:nvPr>
-        </p:nvSpPr>
-        <p:spPr/>
-        <p:txBody>
-          <a:bodyPr/>
-          <a:lstStyle/>
-          <a:p>
-            <a:r>
-              <a:rPr lang="en-US" dirty="0"/>
-              <a:t>Tables</a:t>
-            </a:r>
-          </a:p>
-          <a:p>
-            <a:r>
-              <a:rPr lang="en-US" dirty="0"/>
-              <a:t>Queries</a:t>
-            </a:r>
-          </a:p>
-          <a:p>
-            <a:r>
-              <a:rPr lang="en-US" dirty="0"/>
-              <a:t>Forms</a:t>
-            </a:r>
-          </a:p>
-          <a:p>
-            <a:r>
-              <a:rPr lang="en-US" dirty="0"/>
-              <a:t>Reports</a:t>
-            </a:r>
-          </a:p>
-          <a:p>
-            <a:r>
-              <a:rPr lang="en-US" dirty="0"/>
-              <a:t>Macros</a:t>
-            </a:r>
-          </a:p>
-          <a:p>
-            <a:pPr marL="0" indent="0">
-              <a:buNone/>
-            </a:pPr>
-            <a:endParaRPr lang="en-US" dirty="0"/>
-          </a:p>
-          <a:p>
-            <a:endParaRPr lang="en-US" dirty="0"/>
-          </a:p>
-          <a:p>
-            <a:endParaRPr lang="en-US" dirty="0"/>
-          </a:p>
-        </p:txBody>
-      </p:sp>
-      <p:sp>
-        <p:nvSpPr>
-          <p:cNvPr id="5" name="TextBox 4"/>
+        </p:nvPicPr>
+        <p:blipFill>
+          <a:blip r:embed="rId2">
+            <a:extLst>
+              <a:ext uri="{28A0092B-C50C-407E-A947-70E740481C1C}">
+                <a14:useLocalDpi xmlns:a14="http://schemas.microsoft.com/office/drawing/2010/main" val="0"/>
+              </a:ext>
+            </a:extLst>
+          </a:blip>
+          <a:stretch>
+            <a:fillRect/>
+          </a:stretch>
+        </p:blipFill>
+        <p:spPr>
+          <a:xfrm>
+            <a:off x="1671854" y="1825625"/>
+            <a:ext cx="8848292" cy="4351338"/>
+          </a:xfrm>
+        </p:spPr>
+      </p:pic>
+      <p:sp>
+        <p:nvSpPr>
+          <p:cNvPr id="4" name="TextBox 3"/>
           <p:cNvSpPr txBox="1"/>
           <p:nvPr/>
         </p:nvSpPr>
@@ -3485,7 +3456,7 @@
     </p:spTree>
     <p:extLst>
       <p:ext uri="{BB962C8B-B14F-4D97-AF65-F5344CB8AC3E}">
-        <p14:creationId xmlns:p14="http://schemas.microsoft.com/office/powerpoint/2010/main" val="1808812414"/>
+        <p14:creationId xmlns:p14="http://schemas.microsoft.com/office/powerpoint/2010/main" val="4147242706"/>
       </p:ext>
     </p:extLst>
   </p:cSld>
@@ -3528,67 +3499,74 @@
           <a:lstStyle/>
           <a:p>
             <a:r>
-              <a:rPr lang="en-IE" dirty="0"/>
+              <a:rPr lang="en-GB" dirty="0"/>
+              <a:t>Databases</a:t>
+            </a:r>
+            <a:endParaRPr lang="en-US" dirty="0"/>
+          </a:p>
+        </p:txBody>
+      </p:sp>
+      <p:sp>
+        <p:nvSpPr>
+          <p:cNvPr id="3" name="Content Placeholder 2"/>
+          <p:cNvSpPr>
+            <a:spLocks noGrp="1"/>
+          </p:cNvSpPr>
+          <p:nvPr>
+            <p:ph idx="1"/>
+          </p:nvPr>
+        </p:nvSpPr>
+        <p:spPr/>
+        <p:txBody>
+          <a:bodyPr/>
+          <a:lstStyle/>
+          <a:p>
+            <a:r>
+              <a:rPr lang="en-US" dirty="0"/>
               <a:t>Tables</a:t>
             </a:r>
           </a:p>
-        </p:txBody>
-      </p:sp>
-      <p:sp>
-        <p:nvSpPr>
-          <p:cNvPr id="3" name="Content Placeholder 2"/>
-          <p:cNvSpPr>
-            <a:spLocks noGrp="1"/>
-          </p:cNvSpPr>
-          <p:nvPr>
-            <p:ph idx="1"/>
-          </p:nvPr>
-        </p:nvSpPr>
-        <p:spPr/>
-        <p:txBody>
-          <a:bodyPr/>
-          <a:lstStyle/>
-          <a:p>
-            <a:r>
-              <a:rPr lang="en-IE" dirty="0"/>
-              <a:t>Customers Table</a:t>
-            </a:r>
-          </a:p>
-          <a:p>
-            <a:r>
-              <a:rPr lang="en-IE" dirty="0"/>
-              <a:t>Employees Table</a:t>
-            </a:r>
-          </a:p>
-          <a:p>
-            <a:r>
-              <a:rPr lang="en-IE" dirty="0"/>
-              <a:t>Suggestion Table</a:t>
-            </a:r>
-          </a:p>
-          <a:p>
-            <a:r>
-              <a:rPr lang="en-IE" dirty="0"/>
-              <a:t>Suppliers Table</a:t>
-            </a:r>
-          </a:p>
-          <a:p>
-            <a:r>
-              <a:rPr lang="en-IE" dirty="0"/>
-              <a:t>Products Table</a:t>
-            </a:r>
-          </a:p>
-          <a:p>
-            <a:endParaRPr lang="en-IE" dirty="0"/>
-          </a:p>
-          <a:p>
-            <a:endParaRPr lang="en-IE" dirty="0"/>
-          </a:p>
-        </p:txBody>
-      </p:sp>
-      <p:sp>
-        <p:nvSpPr>
-          <p:cNvPr id="4" name="TextBox 3"/>
+          <a:p>
+            <a:r>
+              <a:rPr lang="en-US" dirty="0"/>
+              <a:t>Queries</a:t>
+            </a:r>
+          </a:p>
+          <a:p>
+            <a:r>
+              <a:rPr lang="en-US" dirty="0"/>
+              <a:t>Forms</a:t>
+            </a:r>
+          </a:p>
+          <a:p>
+            <a:r>
+              <a:rPr lang="en-US" dirty="0"/>
+              <a:t>Reports</a:t>
+            </a:r>
+          </a:p>
+          <a:p>
+            <a:r>
+              <a:rPr lang="en-US" dirty="0"/>
+              <a:t>Macros</a:t>
+            </a:r>
+          </a:p>
+          <a:p>
+            <a:pPr marL="0" indent="0">
+              <a:buNone/>
+            </a:pPr>
+            <a:endParaRPr lang="en-US" dirty="0"/>
+          </a:p>
+          <a:p>
+            <a:endParaRPr lang="en-US" dirty="0"/>
+          </a:p>
+          <a:p>
+            <a:endParaRPr lang="en-US" dirty="0"/>
+          </a:p>
+        </p:txBody>
+      </p:sp>
+      <p:sp>
+        <p:nvSpPr>
+          <p:cNvPr id="5" name="TextBox 4"/>
           <p:cNvSpPr txBox="1"/>
           <p:nvPr/>
         </p:nvSpPr>
@@ -3618,7 +3596,7 @@
     </p:spTree>
     <p:extLst>
       <p:ext uri="{BB962C8B-B14F-4D97-AF65-F5344CB8AC3E}">
-        <p14:creationId xmlns:p14="http://schemas.microsoft.com/office/powerpoint/2010/main" val="3133288830"/>
+        <p14:creationId xmlns:p14="http://schemas.microsoft.com/office/powerpoint/2010/main" val="1808812414"/>
       </p:ext>
     </p:extLst>
   </p:cSld>
@@ -3662,7 +3640,7 @@
           <a:p>
             <a:r>
               <a:rPr lang="en-IE" dirty="0"/>
-              <a:t>Queries</a:t>
+              <a:t>Tables</a:t>
             </a:r>
           </a:p>
         </p:txBody>
@@ -3679,62 +3657,71 @@
         </p:nvSpPr>
         <p:spPr/>
         <p:txBody>
-          <a:bodyPr>
-            <a:normAutofit lnSpcReduction="10000"/>
+          <a:bodyPr/>
+          <a:lstStyle/>
+          <a:p>
+            <a:r>
+              <a:rPr lang="en-IE" dirty="0"/>
+              <a:t>Customers Table</a:t>
+            </a:r>
+          </a:p>
+          <a:p>
+            <a:r>
+              <a:rPr lang="en-IE" dirty="0"/>
+              <a:t>Employees Table</a:t>
+            </a:r>
+          </a:p>
+          <a:p>
+            <a:r>
+              <a:rPr lang="en-IE" dirty="0"/>
+              <a:t>Suggestion Table</a:t>
+            </a:r>
+          </a:p>
+          <a:p>
+            <a:r>
+              <a:rPr lang="en-IE" dirty="0"/>
+              <a:t>Suppliers Table</a:t>
+            </a:r>
+          </a:p>
+          <a:p>
+            <a:r>
+              <a:rPr lang="en-IE" dirty="0"/>
+              <a:t>Products Table</a:t>
+            </a:r>
+          </a:p>
+          <a:p>
+            <a:endParaRPr lang="en-IE" dirty="0"/>
+          </a:p>
+          <a:p>
+            <a:endParaRPr lang="en-IE" dirty="0"/>
+          </a:p>
+        </p:txBody>
+      </p:sp>
+      <p:sp>
+        <p:nvSpPr>
+          <p:cNvPr id="4" name="TextBox 3"/>
+          <p:cNvSpPr txBox="1"/>
+          <p:nvPr/>
+        </p:nvSpPr>
+        <p:spPr>
+          <a:xfrm>
+            <a:off x="10296939" y="658574"/>
+            <a:ext cx="874644" cy="369332"/>
+          </a:xfrm>
+          <a:prstGeom prst="rect">
+            <a:avLst/>
+          </a:prstGeom>
+          <a:noFill/>
+        </p:spPr>
+        <p:txBody>
+          <a:bodyPr wrap="square" rtlCol="0">
+            <a:spAutoFit/>
           </a:bodyPr>
           <a:lstStyle/>
           <a:p>
             <a:r>
-              <a:rPr lang="en-IE" dirty="0"/>
-              <a:t>Customers from Dublin</a:t>
-            </a:r>
-          </a:p>
-          <a:p>
-            <a:r>
-              <a:rPr lang="en-IE" dirty="0"/>
-              <a:t>Employees with Medical Card</a:t>
-            </a:r>
-          </a:p>
-          <a:p>
-            <a:r>
-              <a:rPr lang="en-IE" dirty="0"/>
-              <a:t>Products (bills) not paid</a:t>
-            </a:r>
-          </a:p>
-          <a:p>
-            <a:r>
-              <a:rPr lang="en-IE" dirty="0"/>
-              <a:t>Orders by year 2016</a:t>
-            </a:r>
-          </a:p>
-          <a:p>
-            <a:r>
-              <a:rPr lang="en-IE" dirty="0"/>
-              <a:t>Orders by year 2017</a:t>
-            </a:r>
-          </a:p>
-          <a:p>
-            <a:r>
-              <a:rPr lang="en-IE" dirty="0"/>
-              <a:t>Out of Stock</a:t>
-            </a:r>
-          </a:p>
-          <a:p>
-            <a:r>
-              <a:rPr lang="en-IE" dirty="0"/>
-              <a:t>Products with Stock Value more than €4000</a:t>
-            </a:r>
-          </a:p>
-          <a:p>
-            <a:r>
-              <a:rPr lang="en-IE" dirty="0"/>
-              <a:t>Suggestion Query</a:t>
-            </a:r>
-          </a:p>
-          <a:p>
-            <a:r>
-              <a:rPr lang="en-IE" dirty="0"/>
-              <a:t>Suppliers Query</a:t>
+              <a:rPr lang="en-GB" dirty="0"/>
+              <a:t>Dylan</a:t>
             </a:r>
           </a:p>
         </p:txBody>
@@ -3742,7 +3729,7 @@
     </p:spTree>
     <p:extLst>
       <p:ext uri="{BB962C8B-B14F-4D97-AF65-F5344CB8AC3E}">
-        <p14:creationId xmlns:p14="http://schemas.microsoft.com/office/powerpoint/2010/main" val="2846560183"/>
+        <p14:creationId xmlns:p14="http://schemas.microsoft.com/office/powerpoint/2010/main" val="3133288830"/>
       </p:ext>
     </p:extLst>
   </p:cSld>
@@ -3786,7 +3773,7 @@
           <a:p>
             <a:r>
               <a:rPr lang="en-IE" dirty="0"/>
-              <a:t>Forms</a:t>
+              <a:t>Queries</a:t>
             </a:r>
           </a:p>
         </p:txBody>
@@ -3803,48 +3790,91 @@
         </p:nvSpPr>
         <p:spPr/>
         <p:txBody>
-          <a:bodyPr/>
+          <a:bodyPr>
+            <a:normAutofit lnSpcReduction="10000"/>
+          </a:bodyPr>
           <a:lstStyle/>
           <a:p>
             <a:r>
               <a:rPr lang="en-IE" dirty="0"/>
-              <a:t>Customers Form</a:t>
+              <a:t>Customers from Dublin</a:t>
             </a:r>
           </a:p>
           <a:p>
             <a:r>
               <a:rPr lang="en-IE" dirty="0"/>
-              <a:t>Employees Form</a:t>
+              <a:t>Employees with Medical Card</a:t>
             </a:r>
           </a:p>
           <a:p>
             <a:r>
               <a:rPr lang="en-IE" dirty="0"/>
-              <a:t>Navigation Form</a:t>
+              <a:t>Products (bills) not paid</a:t>
             </a:r>
           </a:p>
           <a:p>
             <a:r>
               <a:rPr lang="en-IE" dirty="0"/>
-              <a:t>Products Form</a:t>
+              <a:t>Orders by year 2016</a:t>
             </a:r>
           </a:p>
           <a:p>
             <a:r>
               <a:rPr lang="en-IE" dirty="0"/>
-              <a:t>Suggestions Form</a:t>
+              <a:t>Orders by year 2017</a:t>
             </a:r>
           </a:p>
           <a:p>
             <a:r>
               <a:rPr lang="en-IE" dirty="0"/>
-              <a:t>Suppliers Form</a:t>
+              <a:t>Out of Stock</a:t>
             </a:r>
           </a:p>
           <a:p>
             <a:r>
               <a:rPr lang="en-IE" dirty="0"/>
-              <a:t>Welcome Page</a:t>
+              <a:t>Products with Stock Value more than €4000</a:t>
+            </a:r>
+          </a:p>
+          <a:p>
+            <a:r>
+              <a:rPr lang="en-IE" dirty="0"/>
+              <a:t>Suggestion Query</a:t>
+            </a:r>
+          </a:p>
+          <a:p>
+            <a:r>
+              <a:rPr lang="en-IE" dirty="0"/>
+              <a:t>Suppliers Query</a:t>
+            </a:r>
+          </a:p>
+        </p:txBody>
+      </p:sp>
+      <p:sp>
+        <p:nvSpPr>
+          <p:cNvPr id="4" name="TextBox 3"/>
+          <p:cNvSpPr txBox="1"/>
+          <p:nvPr/>
+        </p:nvSpPr>
+        <p:spPr>
+          <a:xfrm>
+            <a:off x="10296939" y="658574"/>
+            <a:ext cx="874644" cy="369332"/>
+          </a:xfrm>
+          <a:prstGeom prst="rect">
+            <a:avLst/>
+          </a:prstGeom>
+          <a:noFill/>
+        </p:spPr>
+        <p:txBody>
+          <a:bodyPr wrap="square" rtlCol="0">
+            <a:spAutoFit/>
+          </a:bodyPr>
+          <a:lstStyle/>
+          <a:p>
+            <a:r>
+              <a:rPr lang="en-GB" dirty="0"/>
+              <a:t>Dylan</a:t>
             </a:r>
           </a:p>
         </p:txBody>
@@ -3852,7 +3882,7 @@
     </p:spTree>
     <p:extLst>
       <p:ext uri="{BB962C8B-B14F-4D97-AF65-F5344CB8AC3E}">
-        <p14:creationId xmlns:p14="http://schemas.microsoft.com/office/powerpoint/2010/main" val="3503790673"/>
+        <p14:creationId xmlns:p14="http://schemas.microsoft.com/office/powerpoint/2010/main" val="2846560183"/>
       </p:ext>
     </p:extLst>
   </p:cSld>
@@ -3896,44 +3926,102 @@
           <a:p>
             <a:r>
               <a:rPr lang="en-IE" dirty="0"/>
+              <a:t>Forms</a:t>
+            </a:r>
+          </a:p>
+        </p:txBody>
+      </p:sp>
+      <p:sp>
+        <p:nvSpPr>
+          <p:cNvPr id="3" name="Content Placeholder 2"/>
+          <p:cNvSpPr>
+            <a:spLocks noGrp="1"/>
+          </p:cNvSpPr>
+          <p:nvPr>
+            <p:ph idx="1"/>
+          </p:nvPr>
+        </p:nvSpPr>
+        <p:spPr/>
+        <p:txBody>
+          <a:bodyPr/>
+          <a:lstStyle/>
+          <a:p>
+            <a:r>
+              <a:rPr lang="en-IE" dirty="0"/>
               <a:t>Customers Form</a:t>
             </a:r>
           </a:p>
-        </p:txBody>
-      </p:sp>
-      <p:pic>
-        <p:nvPicPr>
-          <p:cNvPr id="5" name="Content Placeholder 4"/>
-          <p:cNvPicPr>
-            <a:picLocks noGrp="1" noChangeAspect="1"/>
-          </p:cNvPicPr>
-          <p:nvPr>
-            <p:ph idx="1"/>
-          </p:nvPr>
-        </p:nvPicPr>
-        <p:blipFill>
-          <a:blip r:embed="rId2">
-            <a:extLst>
-              <a:ext uri="{28A0092B-C50C-407E-A947-70E740481C1C}">
-                <a14:useLocalDpi xmlns:a14="http://schemas.microsoft.com/office/drawing/2010/main" val="0"/>
-              </a:ext>
-            </a:extLst>
-          </a:blip>
-          <a:stretch>
-            <a:fillRect/>
-          </a:stretch>
-        </p:blipFill>
-        <p:spPr>
-          <a:xfrm>
-            <a:off x="1615634" y="1825625"/>
-            <a:ext cx="8960731" cy="4351338"/>
-          </a:xfrm>
-        </p:spPr>
-      </p:pic>
+          <a:p>
+            <a:r>
+              <a:rPr lang="en-IE" dirty="0"/>
+              <a:t>Employees Form</a:t>
+            </a:r>
+          </a:p>
+          <a:p>
+            <a:r>
+              <a:rPr lang="en-IE" dirty="0"/>
+              <a:t>Navigation Form</a:t>
+            </a:r>
+          </a:p>
+          <a:p>
+            <a:r>
+              <a:rPr lang="en-IE" dirty="0"/>
+              <a:t>Products Form</a:t>
+            </a:r>
+          </a:p>
+          <a:p>
+            <a:r>
+              <a:rPr lang="en-IE" dirty="0"/>
+              <a:t>Suggestions Form</a:t>
+            </a:r>
+          </a:p>
+          <a:p>
+            <a:r>
+              <a:rPr lang="en-IE" dirty="0"/>
+              <a:t>Suppliers Form</a:t>
+            </a:r>
+          </a:p>
+          <a:p>
+            <a:r>
+              <a:rPr lang="en-IE" dirty="0"/>
+              <a:t>Welcome Page</a:t>
+            </a:r>
+          </a:p>
+        </p:txBody>
+      </p:sp>
+      <p:sp>
+        <p:nvSpPr>
+          <p:cNvPr id="4" name="TextBox 3"/>
+          <p:cNvSpPr txBox="1"/>
+          <p:nvPr/>
+        </p:nvSpPr>
+        <p:spPr>
+          <a:xfrm>
+            <a:off x="10296939" y="658574"/>
+            <a:ext cx="874644" cy="369332"/>
+          </a:xfrm>
+          <a:prstGeom prst="rect">
+            <a:avLst/>
+          </a:prstGeom>
+          <a:noFill/>
+        </p:spPr>
+        <p:txBody>
+          <a:bodyPr wrap="square" rtlCol="0">
+            <a:spAutoFit/>
+          </a:bodyPr>
+          <a:lstStyle/>
+          <a:p>
+            <a:r>
+              <a:rPr lang="en-GB" dirty="0"/>
+              <a:t>Dylan</a:t>
+            </a:r>
+          </a:p>
+        </p:txBody>
+      </p:sp>
     </p:spTree>
     <p:extLst>
       <p:ext uri="{BB962C8B-B14F-4D97-AF65-F5344CB8AC3E}">
-        <p14:creationId xmlns:p14="http://schemas.microsoft.com/office/powerpoint/2010/main" val="3599055471"/>
+        <p14:creationId xmlns:p14="http://schemas.microsoft.com/office/powerpoint/2010/main" val="3503790673"/>
       </p:ext>
     </p:extLst>
   </p:cSld>
@@ -3977,7 +4065,7 @@
           <a:p>
             <a:r>
               <a:rPr lang="en-IE" dirty="0"/>
-              <a:t>Employees Form</a:t>
+              <a:t>Customers Form</a:t>
             </a:r>
           </a:p>
         </p:txBody>
@@ -4006,15 +4094,44 @@
         </p:blipFill>
         <p:spPr>
           <a:xfrm>
-            <a:off x="1611457" y="1825625"/>
-            <a:ext cx="8969085" cy="4351338"/>
+            <a:off x="1615634" y="1825625"/>
+            <a:ext cx="8960731" cy="4351338"/>
           </a:xfrm>
         </p:spPr>
       </p:pic>
+      <p:sp>
+        <p:nvSpPr>
+          <p:cNvPr id="4" name="TextBox 3"/>
+          <p:cNvSpPr txBox="1"/>
+          <p:nvPr/>
+        </p:nvSpPr>
+        <p:spPr>
+          <a:xfrm>
+            <a:off x="10296939" y="658574"/>
+            <a:ext cx="874644" cy="369332"/>
+          </a:xfrm>
+          <a:prstGeom prst="rect">
+            <a:avLst/>
+          </a:prstGeom>
+          <a:noFill/>
+        </p:spPr>
+        <p:txBody>
+          <a:bodyPr wrap="square" rtlCol="0">
+            <a:spAutoFit/>
+          </a:bodyPr>
+          <a:lstStyle/>
+          <a:p>
+            <a:r>
+              <a:rPr lang="en-GB" dirty="0"/>
+              <a:t>Dylan</a:t>
+            </a:r>
+          </a:p>
+        </p:txBody>
+      </p:sp>
     </p:spTree>
     <p:extLst>
       <p:ext uri="{BB962C8B-B14F-4D97-AF65-F5344CB8AC3E}">
-        <p14:creationId xmlns:p14="http://schemas.microsoft.com/office/powerpoint/2010/main" val="2771616802"/>
+        <p14:creationId xmlns:p14="http://schemas.microsoft.com/office/powerpoint/2010/main" val="3599055471"/>
       </p:ext>
     </p:extLst>
   </p:cSld>
@@ -4058,7 +4175,7 @@
           <a:p>
             <a:r>
               <a:rPr lang="en-IE" dirty="0"/>
-              <a:t>Navigation Form</a:t>
+              <a:t>Employees Form</a:t>
             </a:r>
           </a:p>
         </p:txBody>
@@ -4087,15 +4204,44 @@
         </p:blipFill>
         <p:spPr>
           <a:xfrm>
-            <a:off x="1531447" y="1825625"/>
-            <a:ext cx="9129106" cy="4351338"/>
+            <a:off x="1611457" y="1825625"/>
+            <a:ext cx="8969085" cy="4351338"/>
           </a:xfrm>
         </p:spPr>
       </p:pic>
+      <p:sp>
+        <p:nvSpPr>
+          <p:cNvPr id="4" name="TextBox 3"/>
+          <p:cNvSpPr txBox="1"/>
+          <p:nvPr/>
+        </p:nvSpPr>
+        <p:spPr>
+          <a:xfrm>
+            <a:off x="10296939" y="658574"/>
+            <a:ext cx="874644" cy="369332"/>
+          </a:xfrm>
+          <a:prstGeom prst="rect">
+            <a:avLst/>
+          </a:prstGeom>
+          <a:noFill/>
+        </p:spPr>
+        <p:txBody>
+          <a:bodyPr wrap="square" rtlCol="0">
+            <a:spAutoFit/>
+          </a:bodyPr>
+          <a:lstStyle/>
+          <a:p>
+            <a:r>
+              <a:rPr lang="en-GB" dirty="0"/>
+              <a:t>Dylan</a:t>
+            </a:r>
+          </a:p>
+        </p:txBody>
+      </p:sp>
     </p:spTree>
     <p:extLst>
       <p:ext uri="{BB962C8B-B14F-4D97-AF65-F5344CB8AC3E}">
-        <p14:creationId xmlns:p14="http://schemas.microsoft.com/office/powerpoint/2010/main" val="1874684647"/>
+        <p14:creationId xmlns:p14="http://schemas.microsoft.com/office/powerpoint/2010/main" val="2771616802"/>
       </p:ext>
     </p:extLst>
   </p:cSld>
@@ -4139,7 +4285,7 @@
           <a:p>
             <a:r>
               <a:rPr lang="en-IE" dirty="0"/>
-              <a:t>Product Form</a:t>
+              <a:t>Navigation Form</a:t>
             </a:r>
           </a:p>
         </p:txBody>
@@ -4168,15 +4314,44 @@
         </p:blipFill>
         <p:spPr>
           <a:xfrm>
-            <a:off x="1573845" y="1825625"/>
-            <a:ext cx="9044310" cy="4351338"/>
+            <a:off x="1531447" y="1825625"/>
+            <a:ext cx="9129106" cy="4351338"/>
           </a:xfrm>
         </p:spPr>
       </p:pic>
+      <p:sp>
+        <p:nvSpPr>
+          <p:cNvPr id="4" name="TextBox 3"/>
+          <p:cNvSpPr txBox="1"/>
+          <p:nvPr/>
+        </p:nvSpPr>
+        <p:spPr>
+          <a:xfrm>
+            <a:off x="10296939" y="658574"/>
+            <a:ext cx="874644" cy="369332"/>
+          </a:xfrm>
+          <a:prstGeom prst="rect">
+            <a:avLst/>
+          </a:prstGeom>
+          <a:noFill/>
+        </p:spPr>
+        <p:txBody>
+          <a:bodyPr wrap="square" rtlCol="0">
+            <a:spAutoFit/>
+          </a:bodyPr>
+          <a:lstStyle/>
+          <a:p>
+            <a:r>
+              <a:rPr lang="en-GB" dirty="0"/>
+              <a:t>Dylan</a:t>
+            </a:r>
+          </a:p>
+        </p:txBody>
+      </p:sp>
     </p:spTree>
     <p:extLst>
       <p:ext uri="{BB962C8B-B14F-4D97-AF65-F5344CB8AC3E}">
-        <p14:creationId xmlns:p14="http://schemas.microsoft.com/office/powerpoint/2010/main" val="3960545655"/>
+        <p14:creationId xmlns:p14="http://schemas.microsoft.com/office/powerpoint/2010/main" val="1874684647"/>
       </p:ext>
     </p:extLst>
   </p:cSld>
@@ -4220,7 +4395,7 @@
           <a:p>
             <a:r>
               <a:rPr lang="en-IE" dirty="0"/>
-              <a:t>Suggestion Form</a:t>
+              <a:t>Product Form</a:t>
             </a:r>
           </a:p>
         </p:txBody>
@@ -4249,15 +4424,44 @@
         </p:blipFill>
         <p:spPr>
           <a:xfrm>
-            <a:off x="1687868" y="1825625"/>
-            <a:ext cx="8816264" cy="4351338"/>
+            <a:off x="1573845" y="1825625"/>
+            <a:ext cx="9044310" cy="4351338"/>
           </a:xfrm>
         </p:spPr>
       </p:pic>
+      <p:sp>
+        <p:nvSpPr>
+          <p:cNvPr id="4" name="TextBox 3"/>
+          <p:cNvSpPr txBox="1"/>
+          <p:nvPr/>
+        </p:nvSpPr>
+        <p:spPr>
+          <a:xfrm>
+            <a:off x="10296939" y="658574"/>
+            <a:ext cx="874644" cy="369332"/>
+          </a:xfrm>
+          <a:prstGeom prst="rect">
+            <a:avLst/>
+          </a:prstGeom>
+          <a:noFill/>
+        </p:spPr>
+        <p:txBody>
+          <a:bodyPr wrap="square" rtlCol="0">
+            <a:spAutoFit/>
+          </a:bodyPr>
+          <a:lstStyle/>
+          <a:p>
+            <a:r>
+              <a:rPr lang="en-GB" dirty="0"/>
+              <a:t>Dylan</a:t>
+            </a:r>
+          </a:p>
+        </p:txBody>
+      </p:sp>
     </p:spTree>
     <p:extLst>
       <p:ext uri="{BB962C8B-B14F-4D97-AF65-F5344CB8AC3E}">
-        <p14:creationId xmlns:p14="http://schemas.microsoft.com/office/powerpoint/2010/main" val="523602880"/>
+        <p14:creationId xmlns:p14="http://schemas.microsoft.com/office/powerpoint/2010/main" val="3960545655"/>
       </p:ext>
     </p:extLst>
   </p:cSld>
@@ -4301,7 +4505,7 @@
           <a:p>
             <a:r>
               <a:rPr lang="en-IE" dirty="0"/>
-              <a:t>Suppliers Form</a:t>
+              <a:t>Suggestion Form</a:t>
             </a:r>
           </a:p>
         </p:txBody>
@@ -4330,15 +4534,44 @@
         </p:blipFill>
         <p:spPr>
           <a:xfrm>
-            <a:off x="1766161" y="1825625"/>
-            <a:ext cx="8659678" cy="4351338"/>
+            <a:off x="1687868" y="1825625"/>
+            <a:ext cx="8816264" cy="4351338"/>
           </a:xfrm>
         </p:spPr>
       </p:pic>
+      <p:sp>
+        <p:nvSpPr>
+          <p:cNvPr id="4" name="TextBox 3"/>
+          <p:cNvSpPr txBox="1"/>
+          <p:nvPr/>
+        </p:nvSpPr>
+        <p:spPr>
+          <a:xfrm>
+            <a:off x="10296939" y="658574"/>
+            <a:ext cx="874644" cy="369332"/>
+          </a:xfrm>
+          <a:prstGeom prst="rect">
+            <a:avLst/>
+          </a:prstGeom>
+          <a:noFill/>
+        </p:spPr>
+        <p:txBody>
+          <a:bodyPr wrap="square" rtlCol="0">
+            <a:spAutoFit/>
+          </a:bodyPr>
+          <a:lstStyle/>
+          <a:p>
+            <a:r>
+              <a:rPr lang="en-GB" dirty="0"/>
+              <a:t>Dylan</a:t>
+            </a:r>
+          </a:p>
+        </p:txBody>
+      </p:sp>
     </p:spTree>
     <p:extLst>
       <p:ext uri="{BB962C8B-B14F-4D97-AF65-F5344CB8AC3E}">
-        <p14:creationId xmlns:p14="http://schemas.microsoft.com/office/powerpoint/2010/main" val="3677103716"/>
+        <p14:creationId xmlns:p14="http://schemas.microsoft.com/office/powerpoint/2010/main" val="523602880"/>
       </p:ext>
     </p:extLst>
   </p:cSld>
@@ -4417,11 +4650,8 @@
           <a:p>
             <a:r>
               <a:rPr lang="en-US" dirty="0"/>
-              <a:t>This presentation will feature a quick background MCTV Limited, the UML charts, Databases, the company Website and what holds for the future of MCTV Limited as the company grows.</a:t>
-            </a:r>
-          </a:p>
-          <a:p>
-            <a:endParaRPr lang="en-US" dirty="0"/>
+              <a:t>This presentation will feature a quick background on MCTV Limited, the UML charts, Databases, Gantt charts, the company Website.</a:t>
+            </a:r>
           </a:p>
           <a:p>
             <a:endParaRPr lang="en-US" dirty="0"/>
@@ -4505,7 +4735,7 @@
           <a:p>
             <a:r>
               <a:rPr lang="en-IE" dirty="0"/>
-              <a:t>Welcome Page</a:t>
+              <a:t>Suppliers Form</a:t>
             </a:r>
           </a:p>
         </p:txBody>
@@ -4534,15 +4764,44 @@
         </p:blipFill>
         <p:spPr>
           <a:xfrm>
-            <a:off x="1456677" y="1991238"/>
-            <a:ext cx="9278645" cy="4020111"/>
+            <a:off x="1766161" y="1825625"/>
+            <a:ext cx="8659678" cy="4351338"/>
           </a:xfrm>
         </p:spPr>
       </p:pic>
+      <p:sp>
+        <p:nvSpPr>
+          <p:cNvPr id="4" name="TextBox 3"/>
+          <p:cNvSpPr txBox="1"/>
+          <p:nvPr/>
+        </p:nvSpPr>
+        <p:spPr>
+          <a:xfrm>
+            <a:off x="10296939" y="658574"/>
+            <a:ext cx="874644" cy="369332"/>
+          </a:xfrm>
+          <a:prstGeom prst="rect">
+            <a:avLst/>
+          </a:prstGeom>
+          <a:noFill/>
+        </p:spPr>
+        <p:txBody>
+          <a:bodyPr wrap="square" rtlCol="0">
+            <a:spAutoFit/>
+          </a:bodyPr>
+          <a:lstStyle/>
+          <a:p>
+            <a:r>
+              <a:rPr lang="en-GB" dirty="0"/>
+              <a:t>Dylan</a:t>
+            </a:r>
+          </a:p>
+        </p:txBody>
+      </p:sp>
     </p:spTree>
     <p:extLst>
       <p:ext uri="{BB962C8B-B14F-4D97-AF65-F5344CB8AC3E}">
-        <p14:creationId xmlns:p14="http://schemas.microsoft.com/office/powerpoint/2010/main" val="2369628912"/>
+        <p14:creationId xmlns:p14="http://schemas.microsoft.com/office/powerpoint/2010/main" val="3677103716"/>
       </p:ext>
     </p:extLst>
   </p:cSld>
@@ -4586,53 +4845,65 @@
           <a:p>
             <a:r>
               <a:rPr lang="en-IE" dirty="0"/>
-              <a:t>Reports</a:t>
-            </a:r>
-          </a:p>
-        </p:txBody>
-      </p:sp>
-      <p:sp>
-        <p:nvSpPr>
-          <p:cNvPr id="3" name="Content Placeholder 2"/>
-          <p:cNvSpPr>
-            <a:spLocks noGrp="1"/>
-          </p:cNvSpPr>
+              <a:t>Welcome Page</a:t>
+            </a:r>
+          </a:p>
+        </p:txBody>
+      </p:sp>
+      <p:pic>
+        <p:nvPicPr>
+          <p:cNvPr id="5" name="Content Placeholder 4"/>
+          <p:cNvPicPr>
+            <a:picLocks noGrp="1" noChangeAspect="1"/>
+          </p:cNvPicPr>
           <p:nvPr>
             <p:ph idx="1"/>
           </p:nvPr>
-        </p:nvSpPr>
-        <p:spPr/>
-        <p:txBody>
-          <a:bodyPr/>
-          <a:lstStyle/>
-          <a:p>
-            <a:r>
-              <a:rPr lang="en-IE" dirty="0"/>
-              <a:t>Accounts Overdue Report</a:t>
-            </a:r>
-          </a:p>
-          <a:p>
-            <a:r>
-              <a:rPr lang="en-IE" dirty="0"/>
-              <a:t>Employees Report</a:t>
-            </a:r>
-          </a:p>
-          <a:p>
-            <a:r>
-              <a:rPr lang="en-IE" dirty="0"/>
-              <a:t>Products Report</a:t>
-            </a:r>
-          </a:p>
-          <a:p>
-            <a:r>
-              <a:rPr lang="en-IE" dirty="0"/>
-              <a:t>Suggestion Report</a:t>
-            </a:r>
-          </a:p>
-          <a:p>
-            <a:r>
-              <a:rPr lang="en-IE" dirty="0"/>
-              <a:t>Suppliers Report</a:t>
+        </p:nvPicPr>
+        <p:blipFill>
+          <a:blip r:embed="rId2">
+            <a:extLst>
+              <a:ext uri="{28A0092B-C50C-407E-A947-70E740481C1C}">
+                <a14:useLocalDpi xmlns:a14="http://schemas.microsoft.com/office/drawing/2010/main" val="0"/>
+              </a:ext>
+            </a:extLst>
+          </a:blip>
+          <a:stretch>
+            <a:fillRect/>
+          </a:stretch>
+        </p:blipFill>
+        <p:spPr>
+          <a:xfrm>
+            <a:off x="1456677" y="1991238"/>
+            <a:ext cx="9278645" cy="4020111"/>
+          </a:xfrm>
+        </p:spPr>
+      </p:pic>
+      <p:sp>
+        <p:nvSpPr>
+          <p:cNvPr id="4" name="TextBox 3"/>
+          <p:cNvSpPr txBox="1"/>
+          <p:nvPr/>
+        </p:nvSpPr>
+        <p:spPr>
+          <a:xfrm>
+            <a:off x="10296939" y="658574"/>
+            <a:ext cx="874644" cy="369332"/>
+          </a:xfrm>
+          <a:prstGeom prst="rect">
+            <a:avLst/>
+          </a:prstGeom>
+          <a:noFill/>
+        </p:spPr>
+        <p:txBody>
+          <a:bodyPr wrap="square" rtlCol="0">
+            <a:spAutoFit/>
+          </a:bodyPr>
+          <a:lstStyle/>
+          <a:p>
+            <a:r>
+              <a:rPr lang="en-GB" dirty="0"/>
+              <a:t>Dylan</a:t>
             </a:r>
           </a:p>
         </p:txBody>
@@ -4640,7 +4911,7 @@
     </p:spTree>
     <p:extLst>
       <p:ext uri="{BB962C8B-B14F-4D97-AF65-F5344CB8AC3E}">
-        <p14:creationId xmlns:p14="http://schemas.microsoft.com/office/powerpoint/2010/main" val="1421304600"/>
+        <p14:creationId xmlns:p14="http://schemas.microsoft.com/office/powerpoint/2010/main" val="2369628912"/>
       </p:ext>
     </p:extLst>
   </p:cSld>
@@ -4683,10 +4954,9 @@
           <a:lstStyle/>
           <a:p>
             <a:r>
-              <a:rPr lang="en-GB" dirty="0"/>
-              <a:t>UML chart</a:t>
-            </a:r>
-            <a:endParaRPr lang="en-US" dirty="0"/>
+              <a:rPr lang="en-IE" dirty="0"/>
+              <a:t>Reports</a:t>
+            </a:r>
           </a:p>
         </p:txBody>
       </p:sp>
@@ -4706,48 +4976,33 @@
           <a:lstStyle/>
           <a:p>
             <a:r>
-              <a:rPr lang="en-US" dirty="0"/>
-              <a:t>Customers Table</a:t>
-            </a:r>
-          </a:p>
-          <a:p>
-            <a:r>
-              <a:rPr lang="en-US" dirty="0"/>
-              <a:t>Employees Table</a:t>
-            </a:r>
-          </a:p>
-          <a:p>
-            <a:r>
-              <a:rPr lang="en-US" dirty="0"/>
-              <a:t>Navigation Form</a:t>
-            </a:r>
-          </a:p>
-          <a:p>
-            <a:r>
-              <a:rPr lang="en-US" dirty="0"/>
-              <a:t>Products Table</a:t>
-            </a:r>
-          </a:p>
-          <a:p>
-            <a:r>
-              <a:rPr lang="en-US" dirty="0"/>
-              <a:t>Suggestions Table</a:t>
-            </a:r>
-          </a:p>
-          <a:p>
-            <a:r>
-              <a:rPr lang="en-US" dirty="0"/>
-              <a:t>Suppliers Table</a:t>
-            </a:r>
-          </a:p>
-          <a:p>
-            <a:pPr marL="0" indent="0">
-              <a:buNone/>
-            </a:pPr>
-            <a:endParaRPr lang="en-US" dirty="0"/>
-          </a:p>
-          <a:p>
-            <a:endParaRPr lang="en-US" dirty="0"/>
+              <a:rPr lang="en-IE" dirty="0"/>
+              <a:t>Accounts Overdue Report</a:t>
+            </a:r>
+          </a:p>
+          <a:p>
+            <a:r>
+              <a:rPr lang="en-IE" dirty="0"/>
+              <a:t>Employees Report</a:t>
+            </a:r>
+          </a:p>
+          <a:p>
+            <a:r>
+              <a:rPr lang="en-IE" dirty="0"/>
+              <a:t>Products Report</a:t>
+            </a:r>
+          </a:p>
+          <a:p>
+            <a:r>
+              <a:rPr lang="en-IE" dirty="0"/>
+              <a:t>Suggestion Report</a:t>
+            </a:r>
+          </a:p>
+          <a:p>
+            <a:r>
+              <a:rPr lang="en-IE" dirty="0"/>
+              <a:t>Suppliers Report</a:t>
+            </a:r>
           </a:p>
         </p:txBody>
       </p:sp>
@@ -4759,8 +5014,8 @@
         </p:nvSpPr>
         <p:spPr>
           <a:xfrm>
-            <a:off x="10323443" y="658574"/>
-            <a:ext cx="861392" cy="369332"/>
+            <a:off x="10296939" y="658574"/>
+            <a:ext cx="874644" cy="369332"/>
           </a:xfrm>
           <a:prstGeom prst="rect">
             <a:avLst/>
@@ -4775,7 +5030,7 @@
           <a:p>
             <a:r>
               <a:rPr lang="en-GB" dirty="0"/>
-              <a:t>Grigor</a:t>
+              <a:t>Dylan</a:t>
             </a:r>
           </a:p>
         </p:txBody>
@@ -4783,7 +5038,7 @@
     </p:spTree>
     <p:extLst>
       <p:ext uri="{BB962C8B-B14F-4D97-AF65-F5344CB8AC3E}">
-        <p14:creationId xmlns:p14="http://schemas.microsoft.com/office/powerpoint/2010/main" val="1248061747"/>
+        <p14:creationId xmlns:p14="http://schemas.microsoft.com/office/powerpoint/2010/main" val="1421304600"/>
       </p:ext>
     </p:extLst>
   </p:cSld>
@@ -4826,41 +5081,74 @@
           <a:lstStyle/>
           <a:p>
             <a:r>
-              <a:rPr lang="en-IE" dirty="0"/>
+              <a:rPr lang="en-GB" dirty="0"/>
+              <a:t>UML chart</a:t>
+            </a:r>
+            <a:endParaRPr lang="en-US" dirty="0"/>
+          </a:p>
+        </p:txBody>
+      </p:sp>
+      <p:sp>
+        <p:nvSpPr>
+          <p:cNvPr id="3" name="Content Placeholder 2"/>
+          <p:cNvSpPr>
+            <a:spLocks noGrp="1"/>
+          </p:cNvSpPr>
+          <p:nvPr>
+            <p:ph idx="1"/>
+          </p:nvPr>
+        </p:nvSpPr>
+        <p:spPr/>
+        <p:txBody>
+          <a:bodyPr/>
+          <a:lstStyle/>
+          <a:p>
+            <a:r>
+              <a:rPr lang="en-US" dirty="0"/>
               <a:t>Customers Table</a:t>
             </a:r>
           </a:p>
-        </p:txBody>
-      </p:sp>
-      <p:pic>
-        <p:nvPicPr>
-          <p:cNvPr id="5" name="Content Placeholder 4"/>
-          <p:cNvPicPr>
-            <a:picLocks noGrp="1" noChangeAspect="1"/>
-          </p:cNvPicPr>
-          <p:nvPr>
-            <p:ph idx="1"/>
-          </p:nvPr>
-        </p:nvPicPr>
-        <p:blipFill>
-          <a:blip r:embed="rId2">
-            <a:extLst>
-              <a:ext uri="{28A0092B-C50C-407E-A947-70E740481C1C}">
-                <a14:useLocalDpi xmlns:a14="http://schemas.microsoft.com/office/drawing/2010/main" val="0"/>
-              </a:ext>
-            </a:extLst>
-          </a:blip>
-          <a:stretch>
-            <a:fillRect/>
-          </a:stretch>
-        </p:blipFill>
-        <p:spPr>
-          <a:xfrm>
-            <a:off x="4126312" y="1825625"/>
-            <a:ext cx="3939376" cy="4351338"/>
-          </a:xfrm>
-        </p:spPr>
-      </p:pic>
+          <a:p>
+            <a:r>
+              <a:rPr lang="en-US" dirty="0"/>
+              <a:t>Employees Table</a:t>
+            </a:r>
+          </a:p>
+          <a:p>
+            <a:r>
+              <a:rPr lang="en-US" dirty="0"/>
+              <a:t>Navigation Form</a:t>
+            </a:r>
+          </a:p>
+          <a:p>
+            <a:r>
+              <a:rPr lang="en-US" dirty="0"/>
+              <a:t>Products Table</a:t>
+            </a:r>
+          </a:p>
+          <a:p>
+            <a:r>
+              <a:rPr lang="en-US" dirty="0"/>
+              <a:t>Suggestions Table</a:t>
+            </a:r>
+          </a:p>
+          <a:p>
+            <a:r>
+              <a:rPr lang="en-US" dirty="0"/>
+              <a:t>Suppliers Table</a:t>
+            </a:r>
+          </a:p>
+          <a:p>
+            <a:pPr marL="0" indent="0">
+              <a:buNone/>
+            </a:pPr>
+            <a:endParaRPr lang="en-US" dirty="0"/>
+          </a:p>
+          <a:p>
+            <a:endParaRPr lang="en-US" dirty="0"/>
+          </a:p>
+        </p:txBody>
+      </p:sp>
       <p:sp>
         <p:nvSpPr>
           <p:cNvPr id="4" name="TextBox 3"/>
@@ -4893,7 +5181,7 @@
     </p:spTree>
     <p:extLst>
       <p:ext uri="{BB962C8B-B14F-4D97-AF65-F5344CB8AC3E}">
-        <p14:creationId xmlns:p14="http://schemas.microsoft.com/office/powerpoint/2010/main" val="1212915720"/>
+        <p14:creationId xmlns:p14="http://schemas.microsoft.com/office/powerpoint/2010/main" val="1248061747"/>
       </p:ext>
     </p:extLst>
   </p:cSld>
@@ -4937,7 +5225,7 @@
           <a:p>
             <a:r>
               <a:rPr lang="en-IE" dirty="0"/>
-              <a:t>Employees Table</a:t>
+              <a:t>Customers Table</a:t>
             </a:r>
           </a:p>
         </p:txBody>
@@ -4966,8 +5254,8 @@
         </p:blipFill>
         <p:spPr>
           <a:xfrm>
-            <a:off x="4082957" y="1825625"/>
-            <a:ext cx="4026086" cy="4351338"/>
+            <a:off x="4126312" y="1825625"/>
+            <a:ext cx="3939376" cy="4351338"/>
           </a:xfrm>
         </p:spPr>
       </p:pic>
@@ -5003,7 +5291,7 @@
     </p:spTree>
     <p:extLst>
       <p:ext uri="{BB962C8B-B14F-4D97-AF65-F5344CB8AC3E}">
-        <p14:creationId xmlns:p14="http://schemas.microsoft.com/office/powerpoint/2010/main" val="1055208011"/>
+        <p14:creationId xmlns:p14="http://schemas.microsoft.com/office/powerpoint/2010/main" val="1212915720"/>
       </p:ext>
     </p:extLst>
   </p:cSld>
@@ -5047,7 +5335,7 @@
           <a:p>
             <a:r>
               <a:rPr lang="en-IE" dirty="0"/>
-              <a:t>Navigation Form</a:t>
+              <a:t>Employees Table</a:t>
             </a:r>
           </a:p>
         </p:txBody>
@@ -5076,8 +5364,8 @@
         </p:blipFill>
         <p:spPr>
           <a:xfrm>
-            <a:off x="3909707" y="2010291"/>
-            <a:ext cx="4372585" cy="3982006"/>
+            <a:off x="4082957" y="1825625"/>
+            <a:ext cx="4026086" cy="4351338"/>
           </a:xfrm>
         </p:spPr>
       </p:pic>
@@ -5089,7 +5377,7 @@
         </p:nvSpPr>
         <p:spPr>
           <a:xfrm>
-            <a:off x="10323443" y="671826"/>
+            <a:off x="10323443" y="658574"/>
             <a:ext cx="861392" cy="369332"/>
           </a:xfrm>
           <a:prstGeom prst="rect">
@@ -5113,7 +5401,7 @@
     </p:spTree>
     <p:extLst>
       <p:ext uri="{BB962C8B-B14F-4D97-AF65-F5344CB8AC3E}">
-        <p14:creationId xmlns:p14="http://schemas.microsoft.com/office/powerpoint/2010/main" val="201746166"/>
+        <p14:creationId xmlns:p14="http://schemas.microsoft.com/office/powerpoint/2010/main" val="1055208011"/>
       </p:ext>
     </p:extLst>
   </p:cSld>
@@ -5157,7 +5445,7 @@
           <a:p>
             <a:r>
               <a:rPr lang="en-IE" dirty="0"/>
-              <a:t>Products Form</a:t>
+              <a:t>Navigation Form</a:t>
             </a:r>
           </a:p>
         </p:txBody>
@@ -5186,15 +5474,44 @@
         </p:blipFill>
         <p:spPr>
           <a:xfrm>
-            <a:off x="4122819" y="1825625"/>
-            <a:ext cx="3946362" cy="4351338"/>
+            <a:off x="3909707" y="2010291"/>
+            <a:ext cx="4372585" cy="3982006"/>
           </a:xfrm>
         </p:spPr>
       </p:pic>
+      <p:sp>
+        <p:nvSpPr>
+          <p:cNvPr id="4" name="TextBox 3"/>
+          <p:cNvSpPr txBox="1"/>
+          <p:nvPr/>
+        </p:nvSpPr>
+        <p:spPr>
+          <a:xfrm>
+            <a:off x="10323443" y="671826"/>
+            <a:ext cx="861392" cy="369332"/>
+          </a:xfrm>
+          <a:prstGeom prst="rect">
+            <a:avLst/>
+          </a:prstGeom>
+          <a:noFill/>
+        </p:spPr>
+        <p:txBody>
+          <a:bodyPr wrap="square" rtlCol="0">
+            <a:spAutoFit/>
+          </a:bodyPr>
+          <a:lstStyle/>
+          <a:p>
+            <a:r>
+              <a:rPr lang="en-GB" dirty="0"/>
+              <a:t>Grigor</a:t>
+            </a:r>
+          </a:p>
+        </p:txBody>
+      </p:sp>
     </p:spTree>
     <p:extLst>
       <p:ext uri="{BB962C8B-B14F-4D97-AF65-F5344CB8AC3E}">
-        <p14:creationId xmlns:p14="http://schemas.microsoft.com/office/powerpoint/2010/main" val="1389347980"/>
+        <p14:creationId xmlns:p14="http://schemas.microsoft.com/office/powerpoint/2010/main" val="201746166"/>
       </p:ext>
     </p:extLst>
   </p:cSld>
@@ -5238,7 +5555,7 @@
           <a:p>
             <a:r>
               <a:rPr lang="en-IE" dirty="0"/>
-              <a:t>Suggestion Table</a:t>
+              <a:t>Products Form</a:t>
             </a:r>
           </a:p>
         </p:txBody>
@@ -5267,15 +5584,44 @@
         </p:blipFill>
         <p:spPr>
           <a:xfrm>
-            <a:off x="4095083" y="1825625"/>
-            <a:ext cx="4001833" cy="4351338"/>
+            <a:off x="4122819" y="1825625"/>
+            <a:ext cx="3946362" cy="4351338"/>
           </a:xfrm>
         </p:spPr>
       </p:pic>
+      <p:sp>
+        <p:nvSpPr>
+          <p:cNvPr id="4" name="TextBox 3"/>
+          <p:cNvSpPr txBox="1"/>
+          <p:nvPr/>
+        </p:nvSpPr>
+        <p:spPr>
+          <a:xfrm>
+            <a:off x="10323443" y="658574"/>
+            <a:ext cx="861392" cy="369332"/>
+          </a:xfrm>
+          <a:prstGeom prst="rect">
+            <a:avLst/>
+          </a:prstGeom>
+          <a:noFill/>
+        </p:spPr>
+        <p:txBody>
+          <a:bodyPr wrap="square" rtlCol="0">
+            <a:spAutoFit/>
+          </a:bodyPr>
+          <a:lstStyle/>
+          <a:p>
+            <a:r>
+              <a:rPr lang="en-GB" dirty="0"/>
+              <a:t>Grigor</a:t>
+            </a:r>
+          </a:p>
+        </p:txBody>
+      </p:sp>
     </p:spTree>
     <p:extLst>
       <p:ext uri="{BB962C8B-B14F-4D97-AF65-F5344CB8AC3E}">
-        <p14:creationId xmlns:p14="http://schemas.microsoft.com/office/powerpoint/2010/main" val="2343058775"/>
+        <p14:creationId xmlns:p14="http://schemas.microsoft.com/office/powerpoint/2010/main" val="1389347980"/>
       </p:ext>
     </p:extLst>
   </p:cSld>
@@ -5319,7 +5665,7 @@
           <a:p>
             <a:r>
               <a:rPr lang="en-IE" dirty="0"/>
-              <a:t>Suppliers Table</a:t>
+              <a:t>Suggestion Table</a:t>
             </a:r>
           </a:p>
         </p:txBody>
@@ -5348,15 +5694,44 @@
         </p:blipFill>
         <p:spPr>
           <a:xfrm>
-            <a:off x="4082957" y="1825625"/>
-            <a:ext cx="4026086" cy="4351338"/>
+            <a:off x="4095083" y="1825625"/>
+            <a:ext cx="4001833" cy="4351338"/>
           </a:xfrm>
         </p:spPr>
       </p:pic>
+      <p:sp>
+        <p:nvSpPr>
+          <p:cNvPr id="4" name="TextBox 3"/>
+          <p:cNvSpPr txBox="1"/>
+          <p:nvPr/>
+        </p:nvSpPr>
+        <p:spPr>
+          <a:xfrm>
+            <a:off x="10323443" y="658574"/>
+            <a:ext cx="861392" cy="369332"/>
+          </a:xfrm>
+          <a:prstGeom prst="rect">
+            <a:avLst/>
+          </a:prstGeom>
+          <a:noFill/>
+        </p:spPr>
+        <p:txBody>
+          <a:bodyPr wrap="square" rtlCol="0">
+            <a:spAutoFit/>
+          </a:bodyPr>
+          <a:lstStyle/>
+          <a:p>
+            <a:r>
+              <a:rPr lang="en-GB" dirty="0"/>
+              <a:t>Grigor</a:t>
+            </a:r>
+          </a:p>
+        </p:txBody>
+      </p:sp>
     </p:spTree>
     <p:extLst>
       <p:ext uri="{BB962C8B-B14F-4D97-AF65-F5344CB8AC3E}">
-        <p14:creationId xmlns:p14="http://schemas.microsoft.com/office/powerpoint/2010/main" val="48437891"/>
+        <p14:creationId xmlns:p14="http://schemas.microsoft.com/office/powerpoint/2010/main" val="2343058775"/>
       </p:ext>
     </p:extLst>
   </p:cSld>
@@ -5399,41 +5774,41 @@
           <a:lstStyle/>
           <a:p>
             <a:r>
-              <a:rPr lang="en-GB" dirty="0"/>
-              <a:t>Website</a:t>
-            </a:r>
-            <a:endParaRPr lang="en-US" dirty="0"/>
-          </a:p>
-        </p:txBody>
-      </p:sp>
-      <p:sp>
-        <p:nvSpPr>
-          <p:cNvPr id="3" name="Content Placeholder 2"/>
-          <p:cNvSpPr>
-            <a:spLocks noGrp="1"/>
-          </p:cNvSpPr>
+              <a:rPr lang="en-IE" dirty="0"/>
+              <a:t>Suppliers Table</a:t>
+            </a:r>
+          </a:p>
+        </p:txBody>
+      </p:sp>
+      <p:pic>
+        <p:nvPicPr>
+          <p:cNvPr id="5" name="Content Placeholder 4"/>
+          <p:cNvPicPr>
+            <a:picLocks noGrp="1" noChangeAspect="1"/>
+          </p:cNvPicPr>
           <p:nvPr>
             <p:ph idx="1"/>
           </p:nvPr>
-        </p:nvSpPr>
-        <p:spPr/>
-        <p:txBody>
-          <a:bodyPr/>
-          <a:lstStyle/>
-          <a:p>
-            <a:r>
-              <a:rPr lang="en-US" dirty="0"/>
-              <a:t>Here we will present to you the MCTV Limited Website </a:t>
-            </a:r>
-          </a:p>
-          <a:p>
-            <a:r>
-              <a:rPr lang="en-US" dirty="0"/>
-              <a:t>Which will feature a Home page and 4 individual pages about the workers in the shop </a:t>
-            </a:r>
-          </a:p>
-        </p:txBody>
-      </p:sp>
+        </p:nvPicPr>
+        <p:blipFill>
+          <a:blip r:embed="rId2">
+            <a:extLst>
+              <a:ext uri="{28A0092B-C50C-407E-A947-70E740481C1C}">
+                <a14:useLocalDpi xmlns:a14="http://schemas.microsoft.com/office/drawing/2010/main" val="0"/>
+              </a:ext>
+            </a:extLst>
+          </a:blip>
+          <a:stretch>
+            <a:fillRect/>
+          </a:stretch>
+        </p:blipFill>
+        <p:spPr>
+          <a:xfrm>
+            <a:off x="4082957" y="1825625"/>
+            <a:ext cx="4026086" cy="4351338"/>
+          </a:xfrm>
+        </p:spPr>
+      </p:pic>
       <p:sp>
         <p:nvSpPr>
           <p:cNvPr id="4" name="TextBox 3"/>
@@ -5442,8 +5817,8 @@
         </p:nvSpPr>
         <p:spPr>
           <a:xfrm>
-            <a:off x="10230678" y="658574"/>
-            <a:ext cx="954156" cy="369332"/>
+            <a:off x="10323443" y="658574"/>
+            <a:ext cx="861392" cy="369332"/>
           </a:xfrm>
           <a:prstGeom prst="rect">
             <a:avLst/>
@@ -5458,7 +5833,7 @@
           <a:p>
             <a:r>
               <a:rPr lang="en-GB" dirty="0"/>
-              <a:t>Antonio</a:t>
+              <a:t>Grigor</a:t>
             </a:r>
           </a:p>
         </p:txBody>
@@ -5466,7 +5841,7 @@
     </p:spTree>
     <p:extLst>
       <p:ext uri="{BB962C8B-B14F-4D97-AF65-F5344CB8AC3E}">
-        <p14:creationId xmlns:p14="http://schemas.microsoft.com/office/powerpoint/2010/main" val="3123563747"/>
+        <p14:creationId xmlns:p14="http://schemas.microsoft.com/office/powerpoint/2010/main" val="48437891"/>
       </p:ext>
     </p:extLst>
   </p:cSld>
@@ -5533,7 +5908,7 @@
           <a:p>
             <a:r>
               <a:rPr lang="en-GB" dirty="0"/>
-              <a:t>With the headquarter in Dublin, company has been manufacturing TV since 1955</a:t>
+              <a:t>With the headquarter in Dublin, MCTV Limited have been manufacturing TV’s since 1955</a:t>
             </a:r>
             <a:endParaRPr lang="en-US" dirty="0"/>
           </a:p>
@@ -5546,7 +5921,7 @@
           <a:p>
             <a:r>
               <a:rPr lang="en-GB" dirty="0"/>
-              <a:t>Supporting the local job market and grow local industries</a:t>
+              <a:t>Supporting the local job markets and growing local industries</a:t>
             </a:r>
           </a:p>
           <a:p>
@@ -5634,6 +6009,116 @@
           <a:p>
             <a:r>
               <a:rPr lang="en-GB" dirty="0"/>
+              <a:t>Website</a:t>
+            </a:r>
+            <a:endParaRPr lang="en-US" dirty="0"/>
+          </a:p>
+        </p:txBody>
+      </p:sp>
+      <p:sp>
+        <p:nvSpPr>
+          <p:cNvPr id="3" name="Content Placeholder 2"/>
+          <p:cNvSpPr>
+            <a:spLocks noGrp="1"/>
+          </p:cNvSpPr>
+          <p:nvPr>
+            <p:ph idx="1"/>
+          </p:nvPr>
+        </p:nvSpPr>
+        <p:spPr/>
+        <p:txBody>
+          <a:bodyPr/>
+          <a:lstStyle/>
+          <a:p>
+            <a:r>
+              <a:rPr lang="en-US" dirty="0"/>
+              <a:t>Here we will present to you the MCTV Limited Website </a:t>
+            </a:r>
+          </a:p>
+          <a:p>
+            <a:r>
+              <a:rPr lang="en-US" dirty="0"/>
+              <a:t>Which will feature a Home page and 4 individual pages about the workers in the shop </a:t>
+            </a:r>
+          </a:p>
+        </p:txBody>
+      </p:sp>
+      <p:sp>
+        <p:nvSpPr>
+          <p:cNvPr id="4" name="TextBox 3"/>
+          <p:cNvSpPr txBox="1"/>
+          <p:nvPr/>
+        </p:nvSpPr>
+        <p:spPr>
+          <a:xfrm>
+            <a:off x="10230678" y="658574"/>
+            <a:ext cx="954156" cy="369332"/>
+          </a:xfrm>
+          <a:prstGeom prst="rect">
+            <a:avLst/>
+          </a:prstGeom>
+          <a:noFill/>
+        </p:spPr>
+        <p:txBody>
+          <a:bodyPr wrap="square" rtlCol="0">
+            <a:spAutoFit/>
+          </a:bodyPr>
+          <a:lstStyle/>
+          <a:p>
+            <a:r>
+              <a:rPr lang="en-GB" dirty="0"/>
+              <a:t>Antonio</a:t>
+            </a:r>
+          </a:p>
+        </p:txBody>
+      </p:sp>
+    </p:spTree>
+    <p:extLst>
+      <p:ext uri="{BB962C8B-B14F-4D97-AF65-F5344CB8AC3E}">
+        <p14:creationId xmlns:p14="http://schemas.microsoft.com/office/powerpoint/2010/main" val="3123563747"/>
+      </p:ext>
+    </p:extLst>
+  </p:cSld>
+  <p:clrMapOvr>
+    <a:masterClrMapping/>
+  </p:clrMapOvr>
+</p:sld>
+</file>
+
+<file path=ppt/slides/slide31.xml><?xml version="1.0" encoding="utf-8"?>
+<p:sld xmlns:a="http://schemas.openxmlformats.org/drawingml/2006/main" xmlns:r="http://schemas.openxmlformats.org/officeDocument/2006/relationships" xmlns:p="http://schemas.openxmlformats.org/presentationml/2006/main">
+  <p:cSld>
+    <p:spTree>
+      <p:nvGrpSpPr>
+        <p:cNvPr id="1" name=""/>
+        <p:cNvGrpSpPr/>
+        <p:nvPr/>
+      </p:nvGrpSpPr>
+      <p:grpSpPr>
+        <a:xfrm>
+          <a:off x="0" y="0"/>
+          <a:ext cx="0" cy="0"/>
+          <a:chOff x="0" y="0"/>
+          <a:chExt cx="0" cy="0"/>
+        </a:xfrm>
+      </p:grpSpPr>
+      <p:sp>
+        <p:nvSpPr>
+          <p:cNvPr id="2" name="Title 1"/>
+          <p:cNvSpPr>
+            <a:spLocks noGrp="1"/>
+          </p:cNvSpPr>
+          <p:nvPr>
+            <p:ph type="title"/>
+          </p:nvPr>
+        </p:nvSpPr>
+        <p:spPr/>
+        <p:txBody>
+          <a:bodyPr/>
+          <a:lstStyle/>
+          <a:p>
+            <a:r>
+              <a:rPr lang="en-GB" dirty="0"/>
               <a:t>Conclusion</a:t>
             </a:r>
             <a:endParaRPr lang="en-US" dirty="0"/>
@@ -5722,7 +6207,7 @@
 </p:sld>
 </file>
 
-<file path=ppt/slides/slide31.xml><?xml version="1.0" encoding="utf-8"?>
+<file path=ppt/slides/slide32.xml><?xml version="1.0" encoding="utf-8"?>
 <p:sld xmlns:a="http://schemas.openxmlformats.org/drawingml/2006/main" xmlns:r="http://schemas.openxmlformats.org/officeDocument/2006/relationships" xmlns:p="http://schemas.openxmlformats.org/presentationml/2006/main">
   <p:cSld>
     <p:spTree>
@@ -5957,7 +6442,7 @@
           <a:p>
             <a:r>
               <a:rPr lang="en-US" dirty="0"/>
-              <a:t>The Gannt charts shows the progression the group has made over the last few months and all the times it was updated</a:t>
+              <a:t>The Gannt charts shows the progression of the groups Trello boards over the last few months</a:t>
             </a:r>
           </a:p>
           <a:p>
@@ -6464,9 +6949,8 @@
           <a:p>
             <a:r>
               <a:rPr lang="en-GB" dirty="0"/>
-              <a:t>Individual Task</a:t>
-            </a:r>
-            <a:endParaRPr lang="en-US" dirty="0"/>
+              <a:t>User Guides </a:t>
+            </a:r>
           </a:p>
         </p:txBody>
       </p:sp>
@@ -6480,75 +6964,235 @@
             <p:ph idx="1"/>
           </p:nvPr>
         </p:nvSpPr>
-        <p:spPr/>
-        <p:txBody>
-          <a:bodyPr/>
-          <a:lstStyle/>
-          <a:p>
-            <a:r>
-              <a:rPr lang="en-US" dirty="0"/>
-              <a:t>Databases – Dylan Gilroy and Jack Gallaher </a:t>
-            </a:r>
-          </a:p>
-          <a:p>
-            <a:r>
-              <a:rPr lang="en-US" dirty="0"/>
-              <a:t>UML charts – Antonio Penna and Grigor Danut</a:t>
-            </a:r>
-          </a:p>
-          <a:p>
-            <a:r>
-              <a:rPr lang="en-US" dirty="0"/>
-              <a:t>WordPress – Antonio Penna and Grigor Danut</a:t>
-            </a:r>
-          </a:p>
-          <a:p>
-            <a:r>
-              <a:rPr lang="en-US" dirty="0"/>
-              <a:t>Trello – Jack Gallaher </a:t>
-            </a:r>
-          </a:p>
-          <a:p>
-            <a:r>
-              <a:rPr lang="en-US" dirty="0"/>
-              <a:t>Presentation slides– Antonio Penna–layout, front page, introduction</a:t>
-            </a:r>
-          </a:p>
-          <a:p>
-            <a:r>
-              <a:rPr lang="en-US" dirty="0"/>
-              <a:t>Jack Gallaher-Agenda, Gantt chart, Conclusion, Last slide</a:t>
-            </a:r>
-          </a:p>
-          <a:p>
-            <a:r>
-              <a:rPr lang="en-US" dirty="0"/>
-              <a:t>Grigor Daunt-UML charts, Databases</a:t>
-            </a:r>
-          </a:p>
-          <a:p>
-            <a:r>
-              <a:rPr lang="en-US" dirty="0"/>
-              <a:t>Dylan Gilroy-individual Tasks, Website</a:t>
-            </a:r>
-          </a:p>
-        </p:txBody>
-      </p:sp>
-      <p:sp>
-        <p:nvSpPr>
-          <p:cNvPr id="4" name="TextBox 3"/>
-          <p:cNvSpPr txBox="1"/>
+        <p:spPr>
+          <a:xfrm>
+            <a:off x="838200" y="1825625"/>
+            <a:ext cx="10515600" cy="4351338"/>
+          </a:xfrm>
+        </p:spPr>
+        <p:txBody>
+          <a:bodyPr/>
+          <a:lstStyle/>
+          <a:p>
+            <a:r>
+              <a:rPr lang="en-GB" dirty="0"/>
+              <a:t>Grigor Danut - Sage 50</a:t>
+            </a:r>
+          </a:p>
+          <a:p>
+            <a:endParaRPr lang="en-GB" dirty="0"/>
+          </a:p>
+          <a:p>
+            <a:r>
+              <a:rPr lang="en-GB" dirty="0"/>
+              <a:t>Jack Gallaher – Salesforce                                  </a:t>
+            </a:r>
+          </a:p>
+          <a:p>
+            <a:endParaRPr lang="en-GB" dirty="0"/>
+          </a:p>
+          <a:p>
+            <a:r>
+              <a:rPr lang="en-GB" dirty="0"/>
+              <a:t>Antonio Penna – Woo Commerce</a:t>
+            </a:r>
+          </a:p>
+          <a:p>
+            <a:endParaRPr lang="en-GB" dirty="0"/>
+          </a:p>
+          <a:p>
+            <a:r>
+              <a:rPr lang="en-GB" dirty="0"/>
+              <a:t>Dylan Gilroy – Trello </a:t>
+            </a:r>
+          </a:p>
+          <a:p>
+            <a:pPr marL="0" indent="0">
+              <a:buNone/>
+            </a:pPr>
+            <a:endParaRPr lang="en-GB" dirty="0"/>
+          </a:p>
+        </p:txBody>
+      </p:sp>
+      <p:pic>
+        <p:nvPicPr>
+          <p:cNvPr id="1028" name="Picture 4" descr="Image result for salesforce"/>
+          <p:cNvPicPr>
+            <a:picLocks noChangeAspect="1" noChangeArrowheads="1"/>
+          </p:cNvPicPr>
           <p:nvPr/>
-        </p:nvSpPr>
-        <p:spPr>
-          <a:xfrm>
-            <a:off x="10323444" y="658574"/>
-            <a:ext cx="781878" cy="369332"/>
+        </p:nvPicPr>
+        <p:blipFill>
+          <a:blip r:embed="rId2">
+            <a:extLst>
+              <a:ext uri="{28A0092B-C50C-407E-A947-70E740481C1C}">
+                <a14:useLocalDpi xmlns:a14="http://schemas.microsoft.com/office/drawing/2010/main" val="0"/>
+              </a:ext>
+            </a:extLst>
+          </a:blip>
+          <a:srcRect/>
+          <a:stretch>
+            <a:fillRect/>
+          </a:stretch>
+        </p:blipFill>
+        <p:spPr bwMode="auto">
+          <a:xfrm>
+            <a:off x="8454887" y="2001077"/>
+            <a:ext cx="2655404" cy="1748873"/>
           </a:xfrm>
           <a:prstGeom prst="rect">
             <a:avLst/>
           </a:prstGeom>
           <a:noFill/>
+          <a:extLst>
+            <a:ext uri="{909E8E84-426E-40DD-AFC4-6F175D3DCCD1}">
+              <a14:hiddenFill xmlns:a14="http://schemas.microsoft.com/office/drawing/2010/main">
+                <a:solidFill>
+                  <a:srgbClr val="FFFFFF"/>
+                </a:solidFill>
+              </a14:hiddenFill>
+            </a:ext>
+          </a:extLst>
+        </p:spPr>
+      </p:pic>
+      <p:pic>
+        <p:nvPicPr>
+          <p:cNvPr id="1030" name="Picture 6" descr="Image result for sage 50 logo"/>
+          <p:cNvPicPr>
+            <a:picLocks noChangeAspect="1" noChangeArrowheads="1"/>
+          </p:cNvPicPr>
+          <p:nvPr/>
+        </p:nvPicPr>
+        <p:blipFill>
+          <a:blip r:embed="rId3">
+            <a:extLst>
+              <a:ext uri="{28A0092B-C50C-407E-A947-70E740481C1C}">
+                <a14:useLocalDpi xmlns:a14="http://schemas.microsoft.com/office/drawing/2010/main" val="0"/>
+              </a:ext>
+            </a:extLst>
+          </a:blip>
+          <a:srcRect/>
+          <a:stretch>
+            <a:fillRect/>
+          </a:stretch>
+        </p:blipFill>
+        <p:spPr bwMode="auto">
+          <a:xfrm>
+            <a:off x="5618922" y="2120347"/>
+            <a:ext cx="2592456" cy="1719259"/>
+          </a:xfrm>
+          <a:prstGeom prst="rect">
+            <a:avLst/>
+          </a:prstGeom>
+          <a:noFill/>
+          <a:extLst>
+            <a:ext uri="{909E8E84-426E-40DD-AFC4-6F175D3DCCD1}">
+              <a14:hiddenFill xmlns:a14="http://schemas.microsoft.com/office/drawing/2010/main">
+                <a:solidFill>
+                  <a:srgbClr val="FFFFFF"/>
+                </a:solidFill>
+              </a14:hiddenFill>
+            </a:ext>
+          </a:extLst>
+        </p:spPr>
+      </p:pic>
+      <p:pic>
+        <p:nvPicPr>
+          <p:cNvPr id="1034" name="Picture 10" descr="Image result for trello logo"/>
+          <p:cNvPicPr>
+            <a:picLocks noChangeAspect="1" noChangeArrowheads="1"/>
+          </p:cNvPicPr>
+          <p:nvPr/>
+        </p:nvPicPr>
+        <p:blipFill>
+          <a:blip r:embed="rId4" cstate="print">
+            <a:extLst>
+              <a:ext uri="{28A0092B-C50C-407E-A947-70E740481C1C}">
+                <a14:useLocalDpi xmlns:a14="http://schemas.microsoft.com/office/drawing/2010/main" val="0"/>
+              </a:ext>
+            </a:extLst>
+          </a:blip>
+          <a:srcRect/>
+          <a:stretch>
+            <a:fillRect/>
+          </a:stretch>
+        </p:blipFill>
+        <p:spPr bwMode="auto">
+          <a:xfrm>
+            <a:off x="8733183" y="4563960"/>
+            <a:ext cx="3215308" cy="709337"/>
+          </a:xfrm>
+          <a:prstGeom prst="rect">
+            <a:avLst/>
+          </a:prstGeom>
+          <a:noFill/>
+          <a:extLst>
+            <a:ext uri="{909E8E84-426E-40DD-AFC4-6F175D3DCCD1}">
+              <a14:hiddenFill xmlns:a14="http://schemas.microsoft.com/office/drawing/2010/main">
+                <a:solidFill>
+                  <a:srgbClr val="FFFFFF"/>
+                </a:solidFill>
+              </a14:hiddenFill>
+            </a:ext>
+          </a:extLst>
+        </p:spPr>
+      </p:pic>
+      <p:pic>
+        <p:nvPicPr>
+          <p:cNvPr id="1036" name="Picture 12" descr="Image result for woocommerce"/>
+          <p:cNvPicPr>
+            <a:picLocks noChangeAspect="1" noChangeArrowheads="1"/>
+          </p:cNvPicPr>
+          <p:nvPr/>
+        </p:nvPicPr>
+        <p:blipFill>
+          <a:blip r:embed="rId5" cstate="print">
+            <a:extLst>
+              <a:ext uri="{28A0092B-C50C-407E-A947-70E740481C1C}">
+                <a14:useLocalDpi xmlns:a14="http://schemas.microsoft.com/office/drawing/2010/main" val="0"/>
+              </a:ext>
+            </a:extLst>
+          </a:blip>
+          <a:srcRect/>
+          <a:stretch>
+            <a:fillRect/>
+          </a:stretch>
+        </p:blipFill>
+        <p:spPr bwMode="auto">
+          <a:xfrm>
+            <a:off x="4956313" y="4001294"/>
+            <a:ext cx="3776870" cy="2046627"/>
+          </a:xfrm>
+          <a:prstGeom prst="rect">
+            <a:avLst/>
+          </a:prstGeom>
+          <a:noFill/>
+          <a:extLst>
+            <a:ext uri="{909E8E84-426E-40DD-AFC4-6F175D3DCCD1}">
+              <a14:hiddenFill xmlns:a14="http://schemas.microsoft.com/office/drawing/2010/main">
+                <a:solidFill>
+                  <a:srgbClr val="FFFFFF"/>
+                </a:solidFill>
+              </a14:hiddenFill>
+            </a:ext>
+          </a:extLst>
+        </p:spPr>
+      </p:pic>
+      <p:sp>
+        <p:nvSpPr>
+          <p:cNvPr id="10" name="TextBox 9"/>
+          <p:cNvSpPr txBox="1"/>
+          <p:nvPr/>
+        </p:nvSpPr>
+        <p:spPr>
+          <a:xfrm>
+            <a:off x="10296939" y="658574"/>
+            <a:ext cx="874644" cy="369332"/>
+          </a:xfrm>
+          <a:prstGeom prst="rect">
+            <a:avLst/>
+          </a:prstGeom>
+          <a:noFill/>
         </p:spPr>
         <p:txBody>
           <a:bodyPr wrap="square" rtlCol="0">
@@ -6558,7 +7202,7 @@
           <a:p>
             <a:r>
               <a:rPr lang="en-GB" dirty="0"/>
-              <a:t>Dylan</a:t>
+              <a:t>Jack</a:t>
             </a:r>
           </a:p>
         </p:txBody>
@@ -6566,7 +7210,7 @@
     </p:spTree>
     <p:extLst>
       <p:ext uri="{BB962C8B-B14F-4D97-AF65-F5344CB8AC3E}">
-        <p14:creationId xmlns:p14="http://schemas.microsoft.com/office/powerpoint/2010/main" val="3738593189"/>
+        <p14:creationId xmlns:p14="http://schemas.microsoft.com/office/powerpoint/2010/main" val="1201261632"/>
       </p:ext>
     </p:extLst>
   </p:cSld>
@@ -6609,41 +7253,77 @@
           <a:lstStyle/>
           <a:p>
             <a:r>
-              <a:rPr lang="en-IE" dirty="0"/>
-              <a:t>MCTV Limited</a:t>
-            </a:r>
-          </a:p>
-        </p:txBody>
-      </p:sp>
-      <p:pic>
-        <p:nvPicPr>
-          <p:cNvPr id="5" name="Content Placeholder 4"/>
-          <p:cNvPicPr>
-            <a:picLocks noGrp="1" noChangeAspect="1"/>
-          </p:cNvPicPr>
+              <a:rPr lang="en-GB" dirty="0"/>
+              <a:t>Individual Task</a:t>
+            </a:r>
+            <a:endParaRPr lang="en-US" dirty="0"/>
+          </a:p>
+        </p:txBody>
+      </p:sp>
+      <p:sp>
+        <p:nvSpPr>
+          <p:cNvPr id="3" name="Content Placeholder 2"/>
+          <p:cNvSpPr>
+            <a:spLocks noGrp="1"/>
+          </p:cNvSpPr>
           <p:nvPr>
             <p:ph idx="1"/>
           </p:nvPr>
-        </p:nvPicPr>
-        <p:blipFill>
-          <a:blip r:embed="rId2">
-            <a:extLst>
-              <a:ext uri="{28A0092B-C50C-407E-A947-70E740481C1C}">
-                <a14:useLocalDpi xmlns:a14="http://schemas.microsoft.com/office/drawing/2010/main" val="0"/>
-              </a:ext>
-            </a:extLst>
-          </a:blip>
-          <a:stretch>
-            <a:fillRect/>
-          </a:stretch>
-        </p:blipFill>
-        <p:spPr>
-          <a:xfrm>
-            <a:off x="1671854" y="1825625"/>
-            <a:ext cx="8848292" cy="4351338"/>
-          </a:xfrm>
-        </p:spPr>
-      </p:pic>
+        </p:nvSpPr>
+        <p:spPr/>
+        <p:txBody>
+          <a:bodyPr/>
+          <a:lstStyle/>
+          <a:p>
+            <a:r>
+              <a:rPr lang="en-US" dirty="0"/>
+              <a:t>Databases – Dylan Gilroy and Jack Gallaher </a:t>
+            </a:r>
+          </a:p>
+          <a:p>
+            <a:r>
+              <a:rPr lang="en-US" dirty="0"/>
+              <a:t>UML charts – Antonio Penna and Grigor Danut</a:t>
+            </a:r>
+          </a:p>
+          <a:p>
+            <a:r>
+              <a:rPr lang="en-US" dirty="0"/>
+              <a:t>WordPress – Antonio Penna and Grigor Danut</a:t>
+            </a:r>
+          </a:p>
+          <a:p>
+            <a:r>
+              <a:rPr lang="en-US" dirty="0"/>
+              <a:t>Trello – Jack Gallaher </a:t>
+            </a:r>
+          </a:p>
+          <a:p>
+            <a:r>
+              <a:rPr lang="en-US" dirty="0"/>
+              <a:t>Presentation slides– Antonio Penna–layout, front page, introduction</a:t>
+            </a:r>
+          </a:p>
+          <a:p>
+            <a:r>
+              <a:rPr lang="en-US" dirty="0"/>
+              <a:t>Jack Gallaher-Agenda, Gantt chart, Conclusion, Last slide</a:t>
+            </a:r>
+          </a:p>
+          <a:p>
+            <a:r>
+              <a:rPr lang="en-US" dirty="0"/>
+              <a:t>Grigor Daunt-UML charts, Databases</a:t>
+            </a:r>
+          </a:p>
+          <a:p>
+            <a:r>
+              <a:rPr lang="en-US" dirty="0"/>
+              <a:t>Dylan Gilroy-individual Tasks, Website, User Guide</a:t>
+            </a:r>
+          </a:p>
+        </p:txBody>
+      </p:sp>
       <p:sp>
         <p:nvSpPr>
           <p:cNvPr id="4" name="TextBox 3"/>
@@ -6652,8 +7332,8 @@
         </p:nvSpPr>
         <p:spPr>
           <a:xfrm>
-            <a:off x="10296939" y="658574"/>
-            <a:ext cx="874644" cy="369332"/>
+            <a:off x="10323444" y="658574"/>
+            <a:ext cx="781878" cy="369332"/>
           </a:xfrm>
           <a:prstGeom prst="rect">
             <a:avLst/>
@@ -6676,7 +7356,7 @@
     </p:spTree>
     <p:extLst>
       <p:ext uri="{BB962C8B-B14F-4D97-AF65-F5344CB8AC3E}">
-        <p14:creationId xmlns:p14="http://schemas.microsoft.com/office/powerpoint/2010/main" val="4147242706"/>
+        <p14:creationId xmlns:p14="http://schemas.microsoft.com/office/powerpoint/2010/main" val="3738593189"/>
       </p:ext>
     </p:extLst>
   </p:cSld>

--- a/MCTV Limited.pptx
+++ b/MCTV Limited.pptx
@@ -4983,6 +4983,12 @@
           <a:p>
             <a:r>
               <a:rPr lang="en-IE" dirty="0"/>
+              <a:t>Customers Report</a:t>
+            </a:r>
+          </a:p>
+          <a:p>
+            <a:r>
+              <a:rPr lang="en-IE" dirty="0"/>
               <a:t>Employees Report</a:t>
             </a:r>
           </a:p>

--- a/MCTV Limited.pptx
+++ b/MCTV Limited.pptx
@@ -17,26 +17,29 @@
     <p:sldId id="280" r:id="rId11"/>
     <p:sldId id="261" r:id="rId12"/>
     <p:sldId id="270" r:id="rId13"/>
-    <p:sldId id="271" r:id="rId14"/>
-    <p:sldId id="272" r:id="rId15"/>
-    <p:sldId id="274" r:id="rId16"/>
-    <p:sldId id="275" r:id="rId17"/>
-    <p:sldId id="276" r:id="rId18"/>
-    <p:sldId id="277" r:id="rId19"/>
-    <p:sldId id="278" r:id="rId20"/>
-    <p:sldId id="279" r:id="rId21"/>
-    <p:sldId id="281" r:id="rId22"/>
-    <p:sldId id="273" r:id="rId23"/>
-    <p:sldId id="262" r:id="rId24"/>
-    <p:sldId id="282" r:id="rId25"/>
-    <p:sldId id="283" r:id="rId26"/>
-    <p:sldId id="284" r:id="rId27"/>
-    <p:sldId id="285" r:id="rId28"/>
-    <p:sldId id="286" r:id="rId29"/>
-    <p:sldId id="287" r:id="rId30"/>
-    <p:sldId id="263" r:id="rId31"/>
-    <p:sldId id="264" r:id="rId32"/>
-    <p:sldId id="265" r:id="rId33"/>
+    <p:sldId id="289" r:id="rId14"/>
+    <p:sldId id="271" r:id="rId15"/>
+    <p:sldId id="290" r:id="rId16"/>
+    <p:sldId id="272" r:id="rId17"/>
+    <p:sldId id="274" r:id="rId18"/>
+    <p:sldId id="275" r:id="rId19"/>
+    <p:sldId id="276" r:id="rId20"/>
+    <p:sldId id="277" r:id="rId21"/>
+    <p:sldId id="278" r:id="rId22"/>
+    <p:sldId id="279" r:id="rId23"/>
+    <p:sldId id="281" r:id="rId24"/>
+    <p:sldId id="273" r:id="rId25"/>
+    <p:sldId id="291" r:id="rId26"/>
+    <p:sldId id="262" r:id="rId27"/>
+    <p:sldId id="282" r:id="rId28"/>
+    <p:sldId id="283" r:id="rId29"/>
+    <p:sldId id="284" r:id="rId30"/>
+    <p:sldId id="285" r:id="rId31"/>
+    <p:sldId id="286" r:id="rId32"/>
+    <p:sldId id="287" r:id="rId33"/>
+    <p:sldId id="263" r:id="rId34"/>
+    <p:sldId id="264" r:id="rId35"/>
+    <p:sldId id="265" r:id="rId36"/>
   </p:sldIdLst>
   <p:sldSz cx="12192000" cy="6858000"/>
   <p:notesSz cx="6858000" cy="9144000"/>
@@ -3772,87 +3775,42 @@
           <a:lstStyle/>
           <a:p>
             <a:r>
-              <a:rPr lang="en-IE" dirty="0"/>
-              <a:t>Queries</a:t>
-            </a:r>
-          </a:p>
-        </p:txBody>
-      </p:sp>
-      <p:sp>
-        <p:nvSpPr>
-          <p:cNvPr id="3" name="Content Placeholder 2"/>
-          <p:cNvSpPr>
-            <a:spLocks noGrp="1"/>
-          </p:cNvSpPr>
+              <a:rPr lang="en-GB" dirty="0"/>
+              <a:t>Employees Table</a:t>
+            </a:r>
+            <a:endParaRPr lang="en-IE" dirty="0"/>
+          </a:p>
+        </p:txBody>
+      </p:sp>
+      <p:pic>
+        <p:nvPicPr>
+          <p:cNvPr id="4" name="Content Placeholder 5"/>
+          <p:cNvPicPr preferRelativeResize="0">
+            <a:picLocks noGrp="1"/>
+          </p:cNvPicPr>
           <p:nvPr>
             <p:ph idx="1"/>
           </p:nvPr>
-        </p:nvSpPr>
-        <p:spPr/>
-        <p:txBody>
-          <a:bodyPr>
-            <a:normAutofit lnSpcReduction="10000"/>
-          </a:bodyPr>
-          <a:lstStyle/>
-          <a:p>
-            <a:r>
-              <a:rPr lang="en-IE" dirty="0"/>
-              <a:t>Customers from Dublin</a:t>
-            </a:r>
-          </a:p>
-          <a:p>
-            <a:r>
-              <a:rPr lang="en-IE" dirty="0"/>
-              <a:t>Employees with Medical Card</a:t>
-            </a:r>
-          </a:p>
-          <a:p>
-            <a:r>
-              <a:rPr lang="en-IE" dirty="0"/>
-              <a:t>Products (bills) not paid</a:t>
-            </a:r>
-          </a:p>
-          <a:p>
-            <a:r>
-              <a:rPr lang="en-IE" dirty="0"/>
-              <a:t>Orders by year 2016</a:t>
-            </a:r>
-          </a:p>
-          <a:p>
-            <a:r>
-              <a:rPr lang="en-IE" dirty="0"/>
-              <a:t>Orders by year 2017</a:t>
-            </a:r>
-          </a:p>
-          <a:p>
-            <a:r>
-              <a:rPr lang="en-IE" dirty="0"/>
-              <a:t>Out of Stock</a:t>
-            </a:r>
-          </a:p>
-          <a:p>
-            <a:r>
-              <a:rPr lang="en-IE" dirty="0"/>
-              <a:t>Products with Stock Value more than €4000</a:t>
-            </a:r>
-          </a:p>
-          <a:p>
-            <a:r>
-              <a:rPr lang="en-IE" dirty="0"/>
-              <a:t>Suggestion Query</a:t>
-            </a:r>
-          </a:p>
-          <a:p>
-            <a:r>
-              <a:rPr lang="en-IE" dirty="0"/>
-              <a:t>Suppliers Query</a:t>
-            </a:r>
-          </a:p>
-        </p:txBody>
-      </p:sp>
-      <p:sp>
-        <p:nvSpPr>
-          <p:cNvPr id="4" name="TextBox 3"/>
+        </p:nvPicPr>
+        <p:blipFill>
+          <a:blip r:embed="rId2"/>
+          <a:stretch>
+            <a:fillRect/>
+          </a:stretch>
+        </p:blipFill>
+        <p:spPr>
+          <a:xfrm>
+            <a:off x="838199" y="1984137"/>
+            <a:ext cx="10515600" cy="2178000"/>
+          </a:xfrm>
+          <a:prstGeom prst="rect">
+            <a:avLst/>
+          </a:prstGeom>
+        </p:spPr>
+      </p:pic>
+      <p:sp>
+        <p:nvSpPr>
+          <p:cNvPr id="5" name="TextBox 4"/>
           <p:cNvSpPr txBox="1"/>
           <p:nvPr/>
         </p:nvSpPr>
@@ -3882,7 +3840,7 @@
     </p:spTree>
     <p:extLst>
       <p:ext uri="{BB962C8B-B14F-4D97-AF65-F5344CB8AC3E}">
-        <p14:creationId xmlns:p14="http://schemas.microsoft.com/office/powerpoint/2010/main" val="2846560183"/>
+        <p14:creationId xmlns:p14="http://schemas.microsoft.com/office/powerpoint/2010/main" val="3515163742"/>
       </p:ext>
     </p:extLst>
   </p:cSld>
@@ -3926,7 +3884,7 @@
           <a:p>
             <a:r>
               <a:rPr lang="en-IE" dirty="0"/>
-              <a:t>Forms</a:t>
+              <a:t>Queries</a:t>
             </a:r>
           </a:p>
         </p:txBody>
@@ -3943,48 +3901,62 @@
         </p:nvSpPr>
         <p:spPr/>
         <p:txBody>
-          <a:bodyPr/>
+          <a:bodyPr>
+            <a:normAutofit lnSpcReduction="10000"/>
+          </a:bodyPr>
           <a:lstStyle/>
           <a:p>
             <a:r>
               <a:rPr lang="en-IE" dirty="0"/>
-              <a:t>Customers Form</a:t>
+              <a:t>Customers from Dublin</a:t>
             </a:r>
           </a:p>
           <a:p>
             <a:r>
               <a:rPr lang="en-IE" dirty="0"/>
-              <a:t>Employees Form</a:t>
+              <a:t>Employees with Medical Card</a:t>
             </a:r>
           </a:p>
           <a:p>
             <a:r>
               <a:rPr lang="en-IE" dirty="0"/>
-              <a:t>Navigation Form</a:t>
+              <a:t>Products (bills) not paid</a:t>
             </a:r>
           </a:p>
           <a:p>
             <a:r>
               <a:rPr lang="en-IE" dirty="0"/>
-              <a:t>Products Form</a:t>
+              <a:t>Orders by year 2016</a:t>
             </a:r>
           </a:p>
           <a:p>
             <a:r>
               <a:rPr lang="en-IE" dirty="0"/>
-              <a:t>Suggestions Form</a:t>
+              <a:t>Orders by year 2017</a:t>
             </a:r>
           </a:p>
           <a:p>
             <a:r>
               <a:rPr lang="en-IE" dirty="0"/>
-              <a:t>Suppliers Form</a:t>
+              <a:t>Out of Stock</a:t>
             </a:r>
           </a:p>
           <a:p>
             <a:r>
               <a:rPr lang="en-IE" dirty="0"/>
-              <a:t>Welcome Page</a:t>
+              <a:t>Products with Stock Value more than €4000</a:t>
+            </a:r>
+          </a:p>
+          <a:p>
+            <a:r>
+              <a:rPr lang="en-IE" dirty="0"/>
+              <a:t>Suggestion Query</a:t>
+            </a:r>
+          </a:p>
+          <a:p>
+            <a:r>
+              <a:rPr lang="en-IE" dirty="0"/>
+              <a:t>Suppliers Query</a:t>
             </a:r>
           </a:p>
         </p:txBody>
@@ -4021,7 +3993,7 @@
     </p:spTree>
     <p:extLst>
       <p:ext uri="{BB962C8B-B14F-4D97-AF65-F5344CB8AC3E}">
-        <p14:creationId xmlns:p14="http://schemas.microsoft.com/office/powerpoint/2010/main" val="3503790673"/>
+        <p14:creationId xmlns:p14="http://schemas.microsoft.com/office/powerpoint/2010/main" val="2846560183"/>
       </p:ext>
     </p:extLst>
   </p:cSld>
@@ -4064,44 +4036,42 @@
           <a:lstStyle/>
           <a:p>
             <a:r>
-              <a:rPr lang="en-IE" dirty="0"/>
-              <a:t>Customers Form</a:t>
-            </a:r>
+              <a:rPr lang="en-GB" dirty="0"/>
+              <a:t>Orders by year 2016</a:t>
+            </a:r>
+            <a:endParaRPr lang="en-IE" dirty="0"/>
           </a:p>
         </p:txBody>
       </p:sp>
       <p:pic>
         <p:nvPicPr>
-          <p:cNvPr id="5" name="Content Placeholder 4"/>
-          <p:cNvPicPr>
-            <a:picLocks noGrp="1" noChangeAspect="1"/>
+          <p:cNvPr id="4" name="Content Placeholder 3"/>
+          <p:cNvPicPr preferRelativeResize="0">
+            <a:picLocks noGrp="1"/>
           </p:cNvPicPr>
           <p:nvPr>
             <p:ph idx="1"/>
           </p:nvPr>
         </p:nvPicPr>
         <p:blipFill>
-          <a:blip r:embed="rId2">
-            <a:extLst>
-              <a:ext uri="{28A0092B-C50C-407E-A947-70E740481C1C}">
-                <a14:useLocalDpi xmlns:a14="http://schemas.microsoft.com/office/drawing/2010/main" val="0"/>
-              </a:ext>
-            </a:extLst>
-          </a:blip>
+          <a:blip r:embed="rId2"/>
           <a:stretch>
             <a:fillRect/>
           </a:stretch>
         </p:blipFill>
         <p:spPr>
           <a:xfrm>
-            <a:off x="1615634" y="1825625"/>
-            <a:ext cx="8960731" cy="4351338"/>
-          </a:xfrm>
+            <a:off x="838199" y="2080028"/>
+            <a:ext cx="10515600" cy="3312000"/>
+          </a:xfrm>
+          <a:prstGeom prst="rect">
+            <a:avLst/>
+          </a:prstGeom>
         </p:spPr>
       </p:pic>
       <p:sp>
         <p:nvSpPr>
-          <p:cNvPr id="4" name="TextBox 3"/>
+          <p:cNvPr id="5" name="TextBox 4"/>
           <p:cNvSpPr txBox="1"/>
           <p:nvPr/>
         </p:nvSpPr>
@@ -4131,7 +4101,7 @@
     </p:spTree>
     <p:extLst>
       <p:ext uri="{BB962C8B-B14F-4D97-AF65-F5344CB8AC3E}">
-        <p14:creationId xmlns:p14="http://schemas.microsoft.com/office/powerpoint/2010/main" val="3599055471"/>
+        <p14:creationId xmlns:p14="http://schemas.microsoft.com/office/powerpoint/2010/main" val="2408494512"/>
       </p:ext>
     </p:extLst>
   </p:cSld>
@@ -4175,40 +4145,69 @@
           <a:p>
             <a:r>
               <a:rPr lang="en-IE" dirty="0"/>
+              <a:t>Forms</a:t>
+            </a:r>
+          </a:p>
+        </p:txBody>
+      </p:sp>
+      <p:sp>
+        <p:nvSpPr>
+          <p:cNvPr id="3" name="Content Placeholder 2"/>
+          <p:cNvSpPr>
+            <a:spLocks noGrp="1"/>
+          </p:cNvSpPr>
+          <p:nvPr>
+            <p:ph idx="1"/>
+          </p:nvPr>
+        </p:nvSpPr>
+        <p:spPr/>
+        <p:txBody>
+          <a:bodyPr/>
+          <a:lstStyle/>
+          <a:p>
+            <a:r>
+              <a:rPr lang="en-IE" dirty="0"/>
+              <a:t>Customers Form</a:t>
+            </a:r>
+          </a:p>
+          <a:p>
+            <a:r>
+              <a:rPr lang="en-IE" dirty="0"/>
               <a:t>Employees Form</a:t>
             </a:r>
           </a:p>
-        </p:txBody>
-      </p:sp>
-      <p:pic>
-        <p:nvPicPr>
-          <p:cNvPr id="5" name="Content Placeholder 4"/>
-          <p:cNvPicPr>
-            <a:picLocks noGrp="1" noChangeAspect="1"/>
-          </p:cNvPicPr>
-          <p:nvPr>
-            <p:ph idx="1"/>
-          </p:nvPr>
-        </p:nvPicPr>
-        <p:blipFill>
-          <a:blip r:embed="rId2">
-            <a:extLst>
-              <a:ext uri="{28A0092B-C50C-407E-A947-70E740481C1C}">
-                <a14:useLocalDpi xmlns:a14="http://schemas.microsoft.com/office/drawing/2010/main" val="0"/>
-              </a:ext>
-            </a:extLst>
-          </a:blip>
-          <a:stretch>
-            <a:fillRect/>
-          </a:stretch>
-        </p:blipFill>
-        <p:spPr>
-          <a:xfrm>
-            <a:off x="1611457" y="1825625"/>
-            <a:ext cx="8969085" cy="4351338"/>
-          </a:xfrm>
-        </p:spPr>
-      </p:pic>
+          <a:p>
+            <a:r>
+              <a:rPr lang="en-IE" dirty="0"/>
+              <a:t>Navigation Form</a:t>
+            </a:r>
+          </a:p>
+          <a:p>
+            <a:r>
+              <a:rPr lang="en-IE" dirty="0"/>
+              <a:t>Products Form</a:t>
+            </a:r>
+          </a:p>
+          <a:p>
+            <a:r>
+              <a:rPr lang="en-IE" dirty="0"/>
+              <a:t>Suggestions Form</a:t>
+            </a:r>
+          </a:p>
+          <a:p>
+            <a:r>
+              <a:rPr lang="en-IE" dirty="0"/>
+              <a:t>Suppliers Form</a:t>
+            </a:r>
+          </a:p>
+          <a:p>
+            <a:r>
+              <a:rPr lang="en-IE" dirty="0"/>
+              <a:t>Welcome Page</a:t>
+            </a:r>
+          </a:p>
+        </p:txBody>
+      </p:sp>
       <p:sp>
         <p:nvSpPr>
           <p:cNvPr id="4" name="TextBox 3"/>
@@ -4241,7 +4240,7 @@
     </p:spTree>
     <p:extLst>
       <p:ext uri="{BB962C8B-B14F-4D97-AF65-F5344CB8AC3E}">
-        <p14:creationId xmlns:p14="http://schemas.microsoft.com/office/powerpoint/2010/main" val="2771616802"/>
+        <p14:creationId xmlns:p14="http://schemas.microsoft.com/office/powerpoint/2010/main" val="3503790673"/>
       </p:ext>
     </p:extLst>
   </p:cSld>
@@ -4285,7 +4284,7 @@
           <a:p>
             <a:r>
               <a:rPr lang="en-IE" dirty="0"/>
-              <a:t>Navigation Form</a:t>
+              <a:t>Customers Form</a:t>
             </a:r>
           </a:p>
         </p:txBody>
@@ -4314,8 +4313,8 @@
         </p:blipFill>
         <p:spPr>
           <a:xfrm>
-            <a:off x="1531447" y="1825625"/>
-            <a:ext cx="9129106" cy="4351338"/>
+            <a:off x="1615634" y="1825625"/>
+            <a:ext cx="8960731" cy="4351338"/>
           </a:xfrm>
         </p:spPr>
       </p:pic>
@@ -4351,7 +4350,7 @@
     </p:spTree>
     <p:extLst>
       <p:ext uri="{BB962C8B-B14F-4D97-AF65-F5344CB8AC3E}">
-        <p14:creationId xmlns:p14="http://schemas.microsoft.com/office/powerpoint/2010/main" val="1874684647"/>
+        <p14:creationId xmlns:p14="http://schemas.microsoft.com/office/powerpoint/2010/main" val="3599055471"/>
       </p:ext>
     </p:extLst>
   </p:cSld>
@@ -4395,7 +4394,7 @@
           <a:p>
             <a:r>
               <a:rPr lang="en-IE" dirty="0"/>
-              <a:t>Product Form</a:t>
+              <a:t>Employees Form</a:t>
             </a:r>
           </a:p>
         </p:txBody>
@@ -4424,8 +4423,8 @@
         </p:blipFill>
         <p:spPr>
           <a:xfrm>
-            <a:off x="1573845" y="1825625"/>
-            <a:ext cx="9044310" cy="4351338"/>
+            <a:off x="1611457" y="1825625"/>
+            <a:ext cx="8969085" cy="4351338"/>
           </a:xfrm>
         </p:spPr>
       </p:pic>
@@ -4461,7 +4460,7 @@
     </p:spTree>
     <p:extLst>
       <p:ext uri="{BB962C8B-B14F-4D97-AF65-F5344CB8AC3E}">
-        <p14:creationId xmlns:p14="http://schemas.microsoft.com/office/powerpoint/2010/main" val="3960545655"/>
+        <p14:creationId xmlns:p14="http://schemas.microsoft.com/office/powerpoint/2010/main" val="2771616802"/>
       </p:ext>
     </p:extLst>
   </p:cSld>
@@ -4505,7 +4504,7 @@
           <a:p>
             <a:r>
               <a:rPr lang="en-IE" dirty="0"/>
-              <a:t>Suggestion Form</a:t>
+              <a:t>Navigation Form</a:t>
             </a:r>
           </a:p>
         </p:txBody>
@@ -4534,8 +4533,8 @@
         </p:blipFill>
         <p:spPr>
           <a:xfrm>
-            <a:off x="1687868" y="1825625"/>
-            <a:ext cx="8816264" cy="4351338"/>
+            <a:off x="1531447" y="1825625"/>
+            <a:ext cx="9129106" cy="4351338"/>
           </a:xfrm>
         </p:spPr>
       </p:pic>
@@ -4571,7 +4570,7 @@
     </p:spTree>
     <p:extLst>
       <p:ext uri="{BB962C8B-B14F-4D97-AF65-F5344CB8AC3E}">
-        <p14:creationId xmlns:p14="http://schemas.microsoft.com/office/powerpoint/2010/main" val="523602880"/>
+        <p14:creationId xmlns:p14="http://schemas.microsoft.com/office/powerpoint/2010/main" val="1874684647"/>
       </p:ext>
     </p:extLst>
   </p:cSld>
@@ -4735,7 +4734,7 @@
           <a:p>
             <a:r>
               <a:rPr lang="en-IE" dirty="0"/>
-              <a:t>Suppliers Form</a:t>
+              <a:t>Product Form</a:t>
             </a:r>
           </a:p>
         </p:txBody>
@@ -4764,8 +4763,8 @@
         </p:blipFill>
         <p:spPr>
           <a:xfrm>
-            <a:off x="1766161" y="1825625"/>
-            <a:ext cx="8659678" cy="4351338"/>
+            <a:off x="1573845" y="1825625"/>
+            <a:ext cx="9044310" cy="4351338"/>
           </a:xfrm>
         </p:spPr>
       </p:pic>
@@ -4801,7 +4800,7 @@
     </p:spTree>
     <p:extLst>
       <p:ext uri="{BB962C8B-B14F-4D97-AF65-F5344CB8AC3E}">
-        <p14:creationId xmlns:p14="http://schemas.microsoft.com/office/powerpoint/2010/main" val="3677103716"/>
+        <p14:creationId xmlns:p14="http://schemas.microsoft.com/office/powerpoint/2010/main" val="3960545655"/>
       </p:ext>
     </p:extLst>
   </p:cSld>
@@ -4845,7 +4844,7 @@
           <a:p>
             <a:r>
               <a:rPr lang="en-IE" dirty="0"/>
-              <a:t>Welcome Page</a:t>
+              <a:t>Suggestion Form</a:t>
             </a:r>
           </a:p>
         </p:txBody>
@@ -4874,8 +4873,8 @@
         </p:blipFill>
         <p:spPr>
           <a:xfrm>
-            <a:off x="1456677" y="1991238"/>
-            <a:ext cx="9278645" cy="4020111"/>
+            <a:off x="1687868" y="1825625"/>
+            <a:ext cx="8816264" cy="4351338"/>
           </a:xfrm>
         </p:spPr>
       </p:pic>
@@ -4911,7 +4910,7 @@
     </p:spTree>
     <p:extLst>
       <p:ext uri="{BB962C8B-B14F-4D97-AF65-F5344CB8AC3E}">
-        <p14:creationId xmlns:p14="http://schemas.microsoft.com/office/powerpoint/2010/main" val="2369628912"/>
+        <p14:creationId xmlns:p14="http://schemas.microsoft.com/office/powerpoint/2010/main" val="523602880"/>
       </p:ext>
     </p:extLst>
   </p:cSld>
@@ -4955,63 +4954,40 @@
           <a:p>
             <a:r>
               <a:rPr lang="en-IE" dirty="0"/>
-              <a:t>Reports</a:t>
-            </a:r>
-          </a:p>
-        </p:txBody>
-      </p:sp>
-      <p:sp>
-        <p:nvSpPr>
-          <p:cNvPr id="3" name="Content Placeholder 2"/>
-          <p:cNvSpPr>
-            <a:spLocks noGrp="1"/>
-          </p:cNvSpPr>
+              <a:t>Suppliers Form</a:t>
+            </a:r>
+          </a:p>
+        </p:txBody>
+      </p:sp>
+      <p:pic>
+        <p:nvPicPr>
+          <p:cNvPr id="5" name="Content Placeholder 4"/>
+          <p:cNvPicPr>
+            <a:picLocks noGrp="1" noChangeAspect="1"/>
+          </p:cNvPicPr>
           <p:nvPr>
             <p:ph idx="1"/>
           </p:nvPr>
-        </p:nvSpPr>
-        <p:spPr/>
-        <p:txBody>
-          <a:bodyPr/>
-          <a:lstStyle/>
-          <a:p>
-            <a:r>
-              <a:rPr lang="en-IE" dirty="0"/>
-              <a:t>Accounts Overdue Report</a:t>
-            </a:r>
-          </a:p>
-          <a:p>
-            <a:r>
-              <a:rPr lang="en-IE" dirty="0"/>
-              <a:t>Customers Report</a:t>
-            </a:r>
-          </a:p>
-          <a:p>
-            <a:r>
-              <a:rPr lang="en-IE" dirty="0"/>
-              <a:t>Employees Report</a:t>
-            </a:r>
-          </a:p>
-          <a:p>
-            <a:r>
-              <a:rPr lang="en-IE" dirty="0"/>
-              <a:t>Products Report</a:t>
-            </a:r>
-          </a:p>
-          <a:p>
-            <a:r>
-              <a:rPr lang="en-IE" dirty="0"/>
-              <a:t>Suggestion Report</a:t>
-            </a:r>
-          </a:p>
-          <a:p>
-            <a:r>
-              <a:rPr lang="en-IE" dirty="0"/>
-              <a:t>Suppliers Report</a:t>
-            </a:r>
-          </a:p>
-        </p:txBody>
-      </p:sp>
+        </p:nvPicPr>
+        <p:blipFill>
+          <a:blip r:embed="rId2">
+            <a:extLst>
+              <a:ext uri="{28A0092B-C50C-407E-A947-70E740481C1C}">
+                <a14:useLocalDpi xmlns:a14="http://schemas.microsoft.com/office/drawing/2010/main" val="0"/>
+              </a:ext>
+            </a:extLst>
+          </a:blip>
+          <a:stretch>
+            <a:fillRect/>
+          </a:stretch>
+        </p:blipFill>
+        <p:spPr>
+          <a:xfrm>
+            <a:off x="1766161" y="1825625"/>
+            <a:ext cx="8659678" cy="4351338"/>
+          </a:xfrm>
+        </p:spPr>
+      </p:pic>
       <p:sp>
         <p:nvSpPr>
           <p:cNvPr id="4" name="TextBox 3"/>
@@ -5044,7 +5020,7 @@
     </p:spTree>
     <p:extLst>
       <p:ext uri="{BB962C8B-B14F-4D97-AF65-F5344CB8AC3E}">
-        <p14:creationId xmlns:p14="http://schemas.microsoft.com/office/powerpoint/2010/main" val="1421304600"/>
+        <p14:creationId xmlns:p14="http://schemas.microsoft.com/office/powerpoint/2010/main" val="3677103716"/>
       </p:ext>
     </p:extLst>
   </p:cSld>
@@ -5087,74 +5063,41 @@
           <a:lstStyle/>
           <a:p>
             <a:r>
-              <a:rPr lang="en-GB" dirty="0"/>
-              <a:t>UML chart</a:t>
-            </a:r>
-            <a:endParaRPr lang="en-US" dirty="0"/>
-          </a:p>
-        </p:txBody>
-      </p:sp>
-      <p:sp>
-        <p:nvSpPr>
-          <p:cNvPr id="3" name="Content Placeholder 2"/>
-          <p:cNvSpPr>
-            <a:spLocks noGrp="1"/>
-          </p:cNvSpPr>
+              <a:rPr lang="en-IE" dirty="0"/>
+              <a:t>Welcome Page</a:t>
+            </a:r>
+          </a:p>
+        </p:txBody>
+      </p:sp>
+      <p:pic>
+        <p:nvPicPr>
+          <p:cNvPr id="5" name="Content Placeholder 4"/>
+          <p:cNvPicPr>
+            <a:picLocks noGrp="1" noChangeAspect="1"/>
+          </p:cNvPicPr>
           <p:nvPr>
             <p:ph idx="1"/>
           </p:nvPr>
-        </p:nvSpPr>
-        <p:spPr/>
-        <p:txBody>
-          <a:bodyPr/>
-          <a:lstStyle/>
-          <a:p>
-            <a:r>
-              <a:rPr lang="en-US" dirty="0"/>
-              <a:t>Customers Table</a:t>
-            </a:r>
-          </a:p>
-          <a:p>
-            <a:r>
-              <a:rPr lang="en-US" dirty="0"/>
-              <a:t>Employees Table</a:t>
-            </a:r>
-          </a:p>
-          <a:p>
-            <a:r>
-              <a:rPr lang="en-US" dirty="0"/>
-              <a:t>Navigation Form</a:t>
-            </a:r>
-          </a:p>
-          <a:p>
-            <a:r>
-              <a:rPr lang="en-US" dirty="0"/>
-              <a:t>Products Table</a:t>
-            </a:r>
-          </a:p>
-          <a:p>
-            <a:r>
-              <a:rPr lang="en-US" dirty="0"/>
-              <a:t>Suggestions Table</a:t>
-            </a:r>
-          </a:p>
-          <a:p>
-            <a:r>
-              <a:rPr lang="en-US" dirty="0"/>
-              <a:t>Suppliers Table</a:t>
-            </a:r>
-          </a:p>
-          <a:p>
-            <a:pPr marL="0" indent="0">
-              <a:buNone/>
-            </a:pPr>
-            <a:endParaRPr lang="en-US" dirty="0"/>
-          </a:p>
-          <a:p>
-            <a:endParaRPr lang="en-US" dirty="0"/>
-          </a:p>
-        </p:txBody>
-      </p:sp>
+        </p:nvPicPr>
+        <p:blipFill>
+          <a:blip r:embed="rId2">
+            <a:extLst>
+              <a:ext uri="{28A0092B-C50C-407E-A947-70E740481C1C}">
+                <a14:useLocalDpi xmlns:a14="http://schemas.microsoft.com/office/drawing/2010/main" val="0"/>
+              </a:ext>
+            </a:extLst>
+          </a:blip>
+          <a:stretch>
+            <a:fillRect/>
+          </a:stretch>
+        </p:blipFill>
+        <p:spPr>
+          <a:xfrm>
+            <a:off x="1456677" y="1991238"/>
+            <a:ext cx="9278645" cy="4020111"/>
+          </a:xfrm>
+        </p:spPr>
+      </p:pic>
       <p:sp>
         <p:nvSpPr>
           <p:cNvPr id="4" name="TextBox 3"/>
@@ -5163,8 +5106,8 @@
         </p:nvSpPr>
         <p:spPr>
           <a:xfrm>
-            <a:off x="10323443" y="658574"/>
-            <a:ext cx="861392" cy="369332"/>
+            <a:off x="10296939" y="658574"/>
+            <a:ext cx="874644" cy="369332"/>
           </a:xfrm>
           <a:prstGeom prst="rect">
             <a:avLst/>
@@ -5179,7 +5122,7 @@
           <a:p>
             <a:r>
               <a:rPr lang="en-GB" dirty="0"/>
-              <a:t>Grigor</a:t>
+              <a:t>Dylan</a:t>
             </a:r>
           </a:p>
         </p:txBody>
@@ -5187,7 +5130,7 @@
     </p:spTree>
     <p:extLst>
       <p:ext uri="{BB962C8B-B14F-4D97-AF65-F5344CB8AC3E}">
-        <p14:creationId xmlns:p14="http://schemas.microsoft.com/office/powerpoint/2010/main" val="1248061747"/>
+        <p14:creationId xmlns:p14="http://schemas.microsoft.com/office/powerpoint/2010/main" val="2369628912"/>
       </p:ext>
     </p:extLst>
   </p:cSld>
@@ -5231,40 +5174,63 @@
           <a:p>
             <a:r>
               <a:rPr lang="en-IE" dirty="0"/>
-              <a:t>Customers Table</a:t>
-            </a:r>
-          </a:p>
-        </p:txBody>
-      </p:sp>
-      <p:pic>
-        <p:nvPicPr>
-          <p:cNvPr id="5" name="Content Placeholder 4"/>
-          <p:cNvPicPr>
-            <a:picLocks noGrp="1" noChangeAspect="1"/>
-          </p:cNvPicPr>
+              <a:t>Reports</a:t>
+            </a:r>
+          </a:p>
+        </p:txBody>
+      </p:sp>
+      <p:sp>
+        <p:nvSpPr>
+          <p:cNvPr id="3" name="Content Placeholder 2"/>
+          <p:cNvSpPr>
+            <a:spLocks noGrp="1"/>
+          </p:cNvSpPr>
           <p:nvPr>
             <p:ph idx="1"/>
           </p:nvPr>
-        </p:nvPicPr>
-        <p:blipFill>
-          <a:blip r:embed="rId2">
-            <a:extLst>
-              <a:ext uri="{28A0092B-C50C-407E-A947-70E740481C1C}">
-                <a14:useLocalDpi xmlns:a14="http://schemas.microsoft.com/office/drawing/2010/main" val="0"/>
-              </a:ext>
-            </a:extLst>
-          </a:blip>
-          <a:stretch>
-            <a:fillRect/>
-          </a:stretch>
-        </p:blipFill>
-        <p:spPr>
-          <a:xfrm>
-            <a:off x="4126312" y="1825625"/>
-            <a:ext cx="3939376" cy="4351338"/>
-          </a:xfrm>
-        </p:spPr>
-      </p:pic>
+        </p:nvSpPr>
+        <p:spPr/>
+        <p:txBody>
+          <a:bodyPr/>
+          <a:lstStyle/>
+          <a:p>
+            <a:r>
+              <a:rPr lang="en-IE" dirty="0"/>
+              <a:t>Accounts Overdue Report</a:t>
+            </a:r>
+          </a:p>
+          <a:p>
+            <a:r>
+              <a:rPr lang="en-IE" dirty="0"/>
+              <a:t>Customers Report</a:t>
+            </a:r>
+          </a:p>
+          <a:p>
+            <a:r>
+              <a:rPr lang="en-IE" dirty="0"/>
+              <a:t>Employees Report</a:t>
+            </a:r>
+          </a:p>
+          <a:p>
+            <a:r>
+              <a:rPr lang="en-IE" dirty="0"/>
+              <a:t>Products Report</a:t>
+            </a:r>
+          </a:p>
+          <a:p>
+            <a:r>
+              <a:rPr lang="en-IE" dirty="0"/>
+              <a:t>Suggestion Report</a:t>
+            </a:r>
+          </a:p>
+          <a:p>
+            <a:r>
+              <a:rPr lang="en-IE" dirty="0"/>
+              <a:t>Suppliers Report</a:t>
+            </a:r>
+          </a:p>
+        </p:txBody>
+      </p:sp>
       <p:sp>
         <p:nvSpPr>
           <p:cNvPr id="4" name="TextBox 3"/>
@@ -5273,8 +5239,8 @@
         </p:nvSpPr>
         <p:spPr>
           <a:xfrm>
-            <a:off x="10323443" y="658574"/>
-            <a:ext cx="861392" cy="369332"/>
+            <a:off x="10296939" y="658574"/>
+            <a:ext cx="874644" cy="369332"/>
           </a:xfrm>
           <a:prstGeom prst="rect">
             <a:avLst/>
@@ -5289,7 +5255,7 @@
           <a:p>
             <a:r>
               <a:rPr lang="en-GB" dirty="0"/>
-              <a:t>Grigor</a:t>
+              <a:t>Dylan</a:t>
             </a:r>
           </a:p>
         </p:txBody>
@@ -5297,7 +5263,7 @@
     </p:spTree>
     <p:extLst>
       <p:ext uri="{BB962C8B-B14F-4D97-AF65-F5344CB8AC3E}">
-        <p14:creationId xmlns:p14="http://schemas.microsoft.com/office/powerpoint/2010/main" val="1212915720"/>
+        <p14:creationId xmlns:p14="http://schemas.microsoft.com/office/powerpoint/2010/main" val="1421304600"/>
       </p:ext>
     </p:extLst>
   </p:cSld>
@@ -5340,51 +5306,49 @@
           <a:lstStyle/>
           <a:p>
             <a:r>
-              <a:rPr lang="en-IE" dirty="0"/>
-              <a:t>Employees Table</a:t>
-            </a:r>
+              <a:rPr lang="en-GB" dirty="0"/>
+              <a:t>Customers from Dublin</a:t>
+            </a:r>
+            <a:endParaRPr lang="en-IE" dirty="0"/>
           </a:p>
         </p:txBody>
       </p:sp>
       <p:pic>
         <p:nvPicPr>
-          <p:cNvPr id="5" name="Content Placeholder 4"/>
-          <p:cNvPicPr>
-            <a:picLocks noGrp="1" noChangeAspect="1"/>
+          <p:cNvPr id="4" name="Content Placeholder 3"/>
+          <p:cNvPicPr preferRelativeResize="0">
+            <a:picLocks noGrp="1"/>
           </p:cNvPicPr>
           <p:nvPr>
             <p:ph idx="1"/>
           </p:nvPr>
         </p:nvPicPr>
         <p:blipFill>
-          <a:blip r:embed="rId2">
-            <a:extLst>
-              <a:ext uri="{28A0092B-C50C-407E-A947-70E740481C1C}">
-                <a14:useLocalDpi xmlns:a14="http://schemas.microsoft.com/office/drawing/2010/main" val="0"/>
-              </a:ext>
-            </a:extLst>
-          </a:blip>
+          <a:blip r:embed="rId2"/>
           <a:stretch>
             <a:fillRect/>
           </a:stretch>
         </p:blipFill>
         <p:spPr>
           <a:xfrm>
-            <a:off x="4082957" y="1825625"/>
-            <a:ext cx="4026086" cy="4351338"/>
-          </a:xfrm>
+            <a:off x="715799" y="2058395"/>
+            <a:ext cx="10638000" cy="3909600"/>
+          </a:xfrm>
+          <a:prstGeom prst="rect">
+            <a:avLst/>
+          </a:prstGeom>
         </p:spPr>
       </p:pic>
       <p:sp>
         <p:nvSpPr>
-          <p:cNvPr id="4" name="TextBox 3"/>
+          <p:cNvPr id="5" name="TextBox 4"/>
           <p:cNvSpPr txBox="1"/>
           <p:nvPr/>
         </p:nvSpPr>
         <p:spPr>
           <a:xfrm>
-            <a:off x="10323443" y="658574"/>
-            <a:ext cx="861392" cy="369332"/>
+            <a:off x="10296939" y="658574"/>
+            <a:ext cx="874644" cy="369332"/>
           </a:xfrm>
           <a:prstGeom prst="rect">
             <a:avLst/>
@@ -5399,7 +5363,7 @@
           <a:p>
             <a:r>
               <a:rPr lang="en-GB" dirty="0"/>
-              <a:t>Grigor</a:t>
+              <a:t>Dylan</a:t>
             </a:r>
           </a:p>
         </p:txBody>
@@ -5407,7 +5371,7 @@
     </p:spTree>
     <p:extLst>
       <p:ext uri="{BB962C8B-B14F-4D97-AF65-F5344CB8AC3E}">
-        <p14:creationId xmlns:p14="http://schemas.microsoft.com/office/powerpoint/2010/main" val="1055208011"/>
+        <p14:creationId xmlns:p14="http://schemas.microsoft.com/office/powerpoint/2010/main" val="2376208711"/>
       </p:ext>
     </p:extLst>
   </p:cSld>
@@ -5450,41 +5414,74 @@
           <a:lstStyle/>
           <a:p>
             <a:r>
-              <a:rPr lang="en-IE" dirty="0"/>
+              <a:rPr lang="en-GB" dirty="0"/>
+              <a:t>UML chart</a:t>
+            </a:r>
+            <a:endParaRPr lang="en-US" dirty="0"/>
+          </a:p>
+        </p:txBody>
+      </p:sp>
+      <p:sp>
+        <p:nvSpPr>
+          <p:cNvPr id="3" name="Content Placeholder 2"/>
+          <p:cNvSpPr>
+            <a:spLocks noGrp="1"/>
+          </p:cNvSpPr>
+          <p:nvPr>
+            <p:ph idx="1"/>
+          </p:nvPr>
+        </p:nvSpPr>
+        <p:spPr/>
+        <p:txBody>
+          <a:bodyPr/>
+          <a:lstStyle/>
+          <a:p>
+            <a:r>
+              <a:rPr lang="en-US" dirty="0"/>
+              <a:t>Customers Table</a:t>
+            </a:r>
+          </a:p>
+          <a:p>
+            <a:r>
+              <a:rPr lang="en-US" dirty="0"/>
+              <a:t>Employees Table</a:t>
+            </a:r>
+          </a:p>
+          <a:p>
+            <a:r>
+              <a:rPr lang="en-US" dirty="0"/>
               <a:t>Navigation Form</a:t>
             </a:r>
           </a:p>
-        </p:txBody>
-      </p:sp>
-      <p:pic>
-        <p:nvPicPr>
-          <p:cNvPr id="5" name="Content Placeholder 4"/>
-          <p:cNvPicPr>
-            <a:picLocks noGrp="1" noChangeAspect="1"/>
-          </p:cNvPicPr>
-          <p:nvPr>
-            <p:ph idx="1"/>
-          </p:nvPr>
-        </p:nvPicPr>
-        <p:blipFill>
-          <a:blip r:embed="rId2">
-            <a:extLst>
-              <a:ext uri="{28A0092B-C50C-407E-A947-70E740481C1C}">
-                <a14:useLocalDpi xmlns:a14="http://schemas.microsoft.com/office/drawing/2010/main" val="0"/>
-              </a:ext>
-            </a:extLst>
-          </a:blip>
-          <a:stretch>
-            <a:fillRect/>
-          </a:stretch>
-        </p:blipFill>
-        <p:spPr>
-          <a:xfrm>
-            <a:off x="3909707" y="2010291"/>
-            <a:ext cx="4372585" cy="3982006"/>
-          </a:xfrm>
-        </p:spPr>
-      </p:pic>
+          <a:p>
+            <a:r>
+              <a:rPr lang="en-US" dirty="0"/>
+              <a:t>Products Table</a:t>
+            </a:r>
+          </a:p>
+          <a:p>
+            <a:r>
+              <a:rPr lang="en-US" dirty="0"/>
+              <a:t>Suggestions Table</a:t>
+            </a:r>
+          </a:p>
+          <a:p>
+            <a:r>
+              <a:rPr lang="en-US" dirty="0"/>
+              <a:t>Suppliers Table</a:t>
+            </a:r>
+          </a:p>
+          <a:p>
+            <a:pPr marL="0" indent="0">
+              <a:buNone/>
+            </a:pPr>
+            <a:endParaRPr lang="en-US" dirty="0"/>
+          </a:p>
+          <a:p>
+            <a:endParaRPr lang="en-US" dirty="0"/>
+          </a:p>
+        </p:txBody>
+      </p:sp>
       <p:sp>
         <p:nvSpPr>
           <p:cNvPr id="4" name="TextBox 3"/>
@@ -5493,7 +5490,7 @@
         </p:nvSpPr>
         <p:spPr>
           <a:xfrm>
-            <a:off x="10323443" y="671826"/>
+            <a:off x="10323443" y="658574"/>
             <a:ext cx="861392" cy="369332"/>
           </a:xfrm>
           <a:prstGeom prst="rect">
@@ -5517,7 +5514,7 @@
     </p:spTree>
     <p:extLst>
       <p:ext uri="{BB962C8B-B14F-4D97-AF65-F5344CB8AC3E}">
-        <p14:creationId xmlns:p14="http://schemas.microsoft.com/office/powerpoint/2010/main" val="201746166"/>
+        <p14:creationId xmlns:p14="http://schemas.microsoft.com/office/powerpoint/2010/main" val="1248061747"/>
       </p:ext>
     </p:extLst>
   </p:cSld>
@@ -5561,7 +5558,7 @@
           <a:p>
             <a:r>
               <a:rPr lang="en-IE" dirty="0"/>
-              <a:t>Products Form</a:t>
+              <a:t>Customers Table</a:t>
             </a:r>
           </a:p>
         </p:txBody>
@@ -5590,8 +5587,8 @@
         </p:blipFill>
         <p:spPr>
           <a:xfrm>
-            <a:off x="4122819" y="1825625"/>
-            <a:ext cx="3946362" cy="4351338"/>
+            <a:off x="4126312" y="1825625"/>
+            <a:ext cx="3939376" cy="4351338"/>
           </a:xfrm>
         </p:spPr>
       </p:pic>
@@ -5627,7 +5624,7 @@
     </p:spTree>
     <p:extLst>
       <p:ext uri="{BB962C8B-B14F-4D97-AF65-F5344CB8AC3E}">
-        <p14:creationId xmlns:p14="http://schemas.microsoft.com/office/powerpoint/2010/main" val="1389347980"/>
+        <p14:creationId xmlns:p14="http://schemas.microsoft.com/office/powerpoint/2010/main" val="1212915720"/>
       </p:ext>
     </p:extLst>
   </p:cSld>
@@ -5671,7 +5668,7 @@
           <a:p>
             <a:r>
               <a:rPr lang="en-IE" dirty="0"/>
-              <a:t>Suggestion Table</a:t>
+              <a:t>Employees Table</a:t>
             </a:r>
           </a:p>
         </p:txBody>
@@ -5700,8 +5697,8 @@
         </p:blipFill>
         <p:spPr>
           <a:xfrm>
-            <a:off x="4095083" y="1825625"/>
-            <a:ext cx="4001833" cy="4351338"/>
+            <a:off x="4082957" y="1825625"/>
+            <a:ext cx="4026086" cy="4351338"/>
           </a:xfrm>
         </p:spPr>
       </p:pic>
@@ -5737,7 +5734,7 @@
     </p:spTree>
     <p:extLst>
       <p:ext uri="{BB962C8B-B14F-4D97-AF65-F5344CB8AC3E}">
-        <p14:creationId xmlns:p14="http://schemas.microsoft.com/office/powerpoint/2010/main" val="2343058775"/>
+        <p14:creationId xmlns:p14="http://schemas.microsoft.com/office/powerpoint/2010/main" val="1055208011"/>
       </p:ext>
     </p:extLst>
   </p:cSld>
@@ -5781,7 +5778,7 @@
           <a:p>
             <a:r>
               <a:rPr lang="en-IE" dirty="0"/>
-              <a:t>Suppliers Table</a:t>
+              <a:t>Navigation Form</a:t>
             </a:r>
           </a:p>
         </p:txBody>
@@ -5810,8 +5807,8 @@
         </p:blipFill>
         <p:spPr>
           <a:xfrm>
-            <a:off x="4082957" y="1825625"/>
-            <a:ext cx="4026086" cy="4351338"/>
+            <a:off x="3909707" y="2010291"/>
+            <a:ext cx="4372585" cy="3982006"/>
           </a:xfrm>
         </p:spPr>
       </p:pic>
@@ -5823,7 +5820,7 @@
         </p:nvSpPr>
         <p:spPr>
           <a:xfrm>
-            <a:off x="10323443" y="658574"/>
+            <a:off x="10323443" y="671826"/>
             <a:ext cx="861392" cy="369332"/>
           </a:xfrm>
           <a:prstGeom prst="rect">
@@ -5847,7 +5844,7 @@
     </p:spTree>
     <p:extLst>
       <p:ext uri="{BB962C8B-B14F-4D97-AF65-F5344CB8AC3E}">
-        <p14:creationId xmlns:p14="http://schemas.microsoft.com/office/powerpoint/2010/main" val="48437891"/>
+        <p14:creationId xmlns:p14="http://schemas.microsoft.com/office/powerpoint/2010/main" val="201746166"/>
       </p:ext>
     </p:extLst>
   </p:cSld>
@@ -6014,41 +6011,41 @@
           <a:lstStyle/>
           <a:p>
             <a:r>
-              <a:rPr lang="en-GB" dirty="0"/>
-              <a:t>Website</a:t>
-            </a:r>
-            <a:endParaRPr lang="en-US" dirty="0"/>
-          </a:p>
-        </p:txBody>
-      </p:sp>
-      <p:sp>
-        <p:nvSpPr>
-          <p:cNvPr id="3" name="Content Placeholder 2"/>
-          <p:cNvSpPr>
-            <a:spLocks noGrp="1"/>
-          </p:cNvSpPr>
+              <a:rPr lang="en-IE" dirty="0"/>
+              <a:t>Products Form</a:t>
+            </a:r>
+          </a:p>
+        </p:txBody>
+      </p:sp>
+      <p:pic>
+        <p:nvPicPr>
+          <p:cNvPr id="5" name="Content Placeholder 4"/>
+          <p:cNvPicPr>
+            <a:picLocks noGrp="1" noChangeAspect="1"/>
+          </p:cNvPicPr>
           <p:nvPr>
             <p:ph idx="1"/>
           </p:nvPr>
-        </p:nvSpPr>
-        <p:spPr/>
-        <p:txBody>
-          <a:bodyPr/>
-          <a:lstStyle/>
-          <a:p>
-            <a:r>
-              <a:rPr lang="en-US" dirty="0"/>
-              <a:t>Here we will present to you the MCTV Limited Website </a:t>
-            </a:r>
-          </a:p>
-          <a:p>
-            <a:r>
-              <a:rPr lang="en-US" dirty="0"/>
-              <a:t>Which will feature a Home page and 4 individual pages about the workers in the shop </a:t>
-            </a:r>
-          </a:p>
-        </p:txBody>
-      </p:sp>
+        </p:nvPicPr>
+        <p:blipFill>
+          <a:blip r:embed="rId2">
+            <a:extLst>
+              <a:ext uri="{28A0092B-C50C-407E-A947-70E740481C1C}">
+                <a14:useLocalDpi xmlns:a14="http://schemas.microsoft.com/office/drawing/2010/main" val="0"/>
+              </a:ext>
+            </a:extLst>
+          </a:blip>
+          <a:stretch>
+            <a:fillRect/>
+          </a:stretch>
+        </p:blipFill>
+        <p:spPr>
+          <a:xfrm>
+            <a:off x="4122819" y="1825625"/>
+            <a:ext cx="3946362" cy="4351338"/>
+          </a:xfrm>
+        </p:spPr>
+      </p:pic>
       <p:sp>
         <p:nvSpPr>
           <p:cNvPr id="4" name="TextBox 3"/>
@@ -6057,8 +6054,8 @@
         </p:nvSpPr>
         <p:spPr>
           <a:xfrm>
-            <a:off x="10230678" y="658574"/>
-            <a:ext cx="954156" cy="369332"/>
+            <a:off x="10323443" y="658574"/>
+            <a:ext cx="861392" cy="369332"/>
           </a:xfrm>
           <a:prstGeom prst="rect">
             <a:avLst/>
@@ -6073,7 +6070,7 @@
           <a:p>
             <a:r>
               <a:rPr lang="en-GB" dirty="0"/>
-              <a:t>Antonio</a:t>
+              <a:t>Grigor</a:t>
             </a:r>
           </a:p>
         </p:txBody>
@@ -6081,7 +6078,7 @@
     </p:spTree>
     <p:extLst>
       <p:ext uri="{BB962C8B-B14F-4D97-AF65-F5344CB8AC3E}">
-        <p14:creationId xmlns:p14="http://schemas.microsoft.com/office/powerpoint/2010/main" val="3123563747"/>
+        <p14:creationId xmlns:p14="http://schemas.microsoft.com/office/powerpoint/2010/main" val="1389347980"/>
       </p:ext>
     </p:extLst>
   </p:cSld>
@@ -6124,6 +6121,336 @@
           <a:lstStyle/>
           <a:p>
             <a:r>
+              <a:rPr lang="en-IE" dirty="0"/>
+              <a:t>Suggestion Table</a:t>
+            </a:r>
+          </a:p>
+        </p:txBody>
+      </p:sp>
+      <p:pic>
+        <p:nvPicPr>
+          <p:cNvPr id="5" name="Content Placeholder 4"/>
+          <p:cNvPicPr>
+            <a:picLocks noGrp="1" noChangeAspect="1"/>
+          </p:cNvPicPr>
+          <p:nvPr>
+            <p:ph idx="1"/>
+          </p:nvPr>
+        </p:nvPicPr>
+        <p:blipFill>
+          <a:blip r:embed="rId2">
+            <a:extLst>
+              <a:ext uri="{28A0092B-C50C-407E-A947-70E740481C1C}">
+                <a14:useLocalDpi xmlns:a14="http://schemas.microsoft.com/office/drawing/2010/main" val="0"/>
+              </a:ext>
+            </a:extLst>
+          </a:blip>
+          <a:stretch>
+            <a:fillRect/>
+          </a:stretch>
+        </p:blipFill>
+        <p:spPr>
+          <a:xfrm>
+            <a:off x="4095083" y="1825625"/>
+            <a:ext cx="4001833" cy="4351338"/>
+          </a:xfrm>
+        </p:spPr>
+      </p:pic>
+      <p:sp>
+        <p:nvSpPr>
+          <p:cNvPr id="4" name="TextBox 3"/>
+          <p:cNvSpPr txBox="1"/>
+          <p:nvPr/>
+        </p:nvSpPr>
+        <p:spPr>
+          <a:xfrm>
+            <a:off x="10323443" y="658574"/>
+            <a:ext cx="861392" cy="369332"/>
+          </a:xfrm>
+          <a:prstGeom prst="rect">
+            <a:avLst/>
+          </a:prstGeom>
+          <a:noFill/>
+        </p:spPr>
+        <p:txBody>
+          <a:bodyPr wrap="square" rtlCol="0">
+            <a:spAutoFit/>
+          </a:bodyPr>
+          <a:lstStyle/>
+          <a:p>
+            <a:r>
+              <a:rPr lang="en-GB" dirty="0"/>
+              <a:t>Grigor</a:t>
+            </a:r>
+          </a:p>
+        </p:txBody>
+      </p:sp>
+    </p:spTree>
+    <p:extLst>
+      <p:ext uri="{BB962C8B-B14F-4D97-AF65-F5344CB8AC3E}">
+        <p14:creationId xmlns:p14="http://schemas.microsoft.com/office/powerpoint/2010/main" val="2343058775"/>
+      </p:ext>
+    </p:extLst>
+  </p:cSld>
+  <p:clrMapOvr>
+    <a:masterClrMapping/>
+  </p:clrMapOvr>
+</p:sld>
+</file>
+
+<file path=ppt/slides/slide32.xml><?xml version="1.0" encoding="utf-8"?>
+<p:sld xmlns:a="http://schemas.openxmlformats.org/drawingml/2006/main" xmlns:r="http://schemas.openxmlformats.org/officeDocument/2006/relationships" xmlns:p="http://schemas.openxmlformats.org/presentationml/2006/main">
+  <p:cSld>
+    <p:spTree>
+      <p:nvGrpSpPr>
+        <p:cNvPr id="1" name=""/>
+        <p:cNvGrpSpPr/>
+        <p:nvPr/>
+      </p:nvGrpSpPr>
+      <p:grpSpPr>
+        <a:xfrm>
+          <a:off x="0" y="0"/>
+          <a:ext cx="0" cy="0"/>
+          <a:chOff x="0" y="0"/>
+          <a:chExt cx="0" cy="0"/>
+        </a:xfrm>
+      </p:grpSpPr>
+      <p:sp>
+        <p:nvSpPr>
+          <p:cNvPr id="2" name="Title 1"/>
+          <p:cNvSpPr>
+            <a:spLocks noGrp="1"/>
+          </p:cNvSpPr>
+          <p:nvPr>
+            <p:ph type="title"/>
+          </p:nvPr>
+        </p:nvSpPr>
+        <p:spPr/>
+        <p:txBody>
+          <a:bodyPr/>
+          <a:lstStyle/>
+          <a:p>
+            <a:r>
+              <a:rPr lang="en-IE" dirty="0"/>
+              <a:t>Suppliers Table</a:t>
+            </a:r>
+          </a:p>
+        </p:txBody>
+      </p:sp>
+      <p:pic>
+        <p:nvPicPr>
+          <p:cNvPr id="5" name="Content Placeholder 4"/>
+          <p:cNvPicPr>
+            <a:picLocks noGrp="1" noChangeAspect="1"/>
+          </p:cNvPicPr>
+          <p:nvPr>
+            <p:ph idx="1"/>
+          </p:nvPr>
+        </p:nvPicPr>
+        <p:blipFill>
+          <a:blip r:embed="rId2">
+            <a:extLst>
+              <a:ext uri="{28A0092B-C50C-407E-A947-70E740481C1C}">
+                <a14:useLocalDpi xmlns:a14="http://schemas.microsoft.com/office/drawing/2010/main" val="0"/>
+              </a:ext>
+            </a:extLst>
+          </a:blip>
+          <a:stretch>
+            <a:fillRect/>
+          </a:stretch>
+        </p:blipFill>
+        <p:spPr>
+          <a:xfrm>
+            <a:off x="4082957" y="1825625"/>
+            <a:ext cx="4026086" cy="4351338"/>
+          </a:xfrm>
+        </p:spPr>
+      </p:pic>
+      <p:sp>
+        <p:nvSpPr>
+          <p:cNvPr id="4" name="TextBox 3"/>
+          <p:cNvSpPr txBox="1"/>
+          <p:nvPr/>
+        </p:nvSpPr>
+        <p:spPr>
+          <a:xfrm>
+            <a:off x="10323443" y="658574"/>
+            <a:ext cx="861392" cy="369332"/>
+          </a:xfrm>
+          <a:prstGeom prst="rect">
+            <a:avLst/>
+          </a:prstGeom>
+          <a:noFill/>
+        </p:spPr>
+        <p:txBody>
+          <a:bodyPr wrap="square" rtlCol="0">
+            <a:spAutoFit/>
+          </a:bodyPr>
+          <a:lstStyle/>
+          <a:p>
+            <a:r>
+              <a:rPr lang="en-GB" dirty="0"/>
+              <a:t>Grigor</a:t>
+            </a:r>
+          </a:p>
+        </p:txBody>
+      </p:sp>
+    </p:spTree>
+    <p:extLst>
+      <p:ext uri="{BB962C8B-B14F-4D97-AF65-F5344CB8AC3E}">
+        <p14:creationId xmlns:p14="http://schemas.microsoft.com/office/powerpoint/2010/main" val="48437891"/>
+      </p:ext>
+    </p:extLst>
+  </p:cSld>
+  <p:clrMapOvr>
+    <a:masterClrMapping/>
+  </p:clrMapOvr>
+</p:sld>
+</file>
+
+<file path=ppt/slides/slide33.xml><?xml version="1.0" encoding="utf-8"?>
+<p:sld xmlns:a="http://schemas.openxmlformats.org/drawingml/2006/main" xmlns:r="http://schemas.openxmlformats.org/officeDocument/2006/relationships" xmlns:p="http://schemas.openxmlformats.org/presentationml/2006/main">
+  <p:cSld>
+    <p:spTree>
+      <p:nvGrpSpPr>
+        <p:cNvPr id="1" name=""/>
+        <p:cNvGrpSpPr/>
+        <p:nvPr/>
+      </p:nvGrpSpPr>
+      <p:grpSpPr>
+        <a:xfrm>
+          <a:off x="0" y="0"/>
+          <a:ext cx="0" cy="0"/>
+          <a:chOff x="0" y="0"/>
+          <a:chExt cx="0" cy="0"/>
+        </a:xfrm>
+      </p:grpSpPr>
+      <p:sp>
+        <p:nvSpPr>
+          <p:cNvPr id="2" name="Title 1"/>
+          <p:cNvSpPr>
+            <a:spLocks noGrp="1"/>
+          </p:cNvSpPr>
+          <p:nvPr>
+            <p:ph type="title"/>
+          </p:nvPr>
+        </p:nvSpPr>
+        <p:spPr/>
+        <p:txBody>
+          <a:bodyPr/>
+          <a:lstStyle/>
+          <a:p>
+            <a:r>
+              <a:rPr lang="en-GB" dirty="0"/>
+              <a:t>Website</a:t>
+            </a:r>
+            <a:endParaRPr lang="en-US" dirty="0"/>
+          </a:p>
+        </p:txBody>
+      </p:sp>
+      <p:sp>
+        <p:nvSpPr>
+          <p:cNvPr id="3" name="Content Placeholder 2"/>
+          <p:cNvSpPr>
+            <a:spLocks noGrp="1"/>
+          </p:cNvSpPr>
+          <p:nvPr>
+            <p:ph idx="1"/>
+          </p:nvPr>
+        </p:nvSpPr>
+        <p:spPr/>
+        <p:txBody>
+          <a:bodyPr/>
+          <a:lstStyle/>
+          <a:p>
+            <a:r>
+              <a:rPr lang="en-US" dirty="0"/>
+              <a:t>Here we will present to you the MCTV Limited Website </a:t>
+            </a:r>
+          </a:p>
+          <a:p>
+            <a:r>
+              <a:rPr lang="en-US" dirty="0"/>
+              <a:t>Which will feature a Home page and 4 individual pages about the workers in the shop </a:t>
+            </a:r>
+          </a:p>
+        </p:txBody>
+      </p:sp>
+      <p:sp>
+        <p:nvSpPr>
+          <p:cNvPr id="4" name="TextBox 3"/>
+          <p:cNvSpPr txBox="1"/>
+          <p:nvPr/>
+        </p:nvSpPr>
+        <p:spPr>
+          <a:xfrm>
+            <a:off x="10230678" y="658574"/>
+            <a:ext cx="954156" cy="369332"/>
+          </a:xfrm>
+          <a:prstGeom prst="rect">
+            <a:avLst/>
+          </a:prstGeom>
+          <a:noFill/>
+        </p:spPr>
+        <p:txBody>
+          <a:bodyPr wrap="square" rtlCol="0">
+            <a:spAutoFit/>
+          </a:bodyPr>
+          <a:lstStyle/>
+          <a:p>
+            <a:r>
+              <a:rPr lang="en-GB" dirty="0"/>
+              <a:t>Antonio</a:t>
+            </a:r>
+          </a:p>
+        </p:txBody>
+      </p:sp>
+    </p:spTree>
+    <p:extLst>
+      <p:ext uri="{BB962C8B-B14F-4D97-AF65-F5344CB8AC3E}">
+        <p14:creationId xmlns:p14="http://schemas.microsoft.com/office/powerpoint/2010/main" val="3123563747"/>
+      </p:ext>
+    </p:extLst>
+  </p:cSld>
+  <p:clrMapOvr>
+    <a:masterClrMapping/>
+  </p:clrMapOvr>
+</p:sld>
+</file>
+
+<file path=ppt/slides/slide34.xml><?xml version="1.0" encoding="utf-8"?>
+<p:sld xmlns:a="http://schemas.openxmlformats.org/drawingml/2006/main" xmlns:r="http://schemas.openxmlformats.org/officeDocument/2006/relationships" xmlns:p="http://schemas.openxmlformats.org/presentationml/2006/main">
+  <p:cSld>
+    <p:spTree>
+      <p:nvGrpSpPr>
+        <p:cNvPr id="1" name=""/>
+        <p:cNvGrpSpPr/>
+        <p:nvPr/>
+      </p:nvGrpSpPr>
+      <p:grpSpPr>
+        <a:xfrm>
+          <a:off x="0" y="0"/>
+          <a:ext cx="0" cy="0"/>
+          <a:chOff x="0" y="0"/>
+          <a:chExt cx="0" cy="0"/>
+        </a:xfrm>
+      </p:grpSpPr>
+      <p:sp>
+        <p:nvSpPr>
+          <p:cNvPr id="2" name="Title 1"/>
+          <p:cNvSpPr>
+            <a:spLocks noGrp="1"/>
+          </p:cNvSpPr>
+          <p:nvPr>
+            <p:ph type="title"/>
+          </p:nvPr>
+        </p:nvSpPr>
+        <p:spPr/>
+        <p:txBody>
+          <a:bodyPr/>
+          <a:lstStyle/>
+          <a:p>
+            <a:r>
               <a:rPr lang="en-GB" dirty="0"/>
               <a:t>Conclusion</a:t>
             </a:r>
@@ -6213,7 +6540,7 @@
 </p:sld>
 </file>
 
-<file path=ppt/slides/slide32.xml><?xml version="1.0" encoding="utf-8"?>
+<file path=ppt/slides/slide35.xml><?xml version="1.0" encoding="utf-8"?>
 <p:sld xmlns:a="http://schemas.openxmlformats.org/drawingml/2006/main" xmlns:r="http://schemas.openxmlformats.org/officeDocument/2006/relationships" xmlns:p="http://schemas.openxmlformats.org/presentationml/2006/main">
   <p:cSld>
     <p:spTree>

--- a/MCTV Limited.pptx
+++ b/MCTV Limited.pptx
@@ -4341,9 +4341,10 @@
           <a:lstStyle/>
           <a:p>
             <a:r>
-              <a:rPr lang="en-GB" dirty="0"/>
-              <a:t>Dylan</a:t>
-            </a:r>
+              <a:rPr lang="en-GB" dirty="0" err="1"/>
+              <a:t>Grigor</a:t>
+            </a:r>
+            <a:endParaRPr lang="en-GB" dirty="0"/>
           </a:p>
         </p:txBody>
       </p:sp>
@@ -4451,9 +4452,10 @@
           <a:lstStyle/>
           <a:p>
             <a:r>
-              <a:rPr lang="en-GB" dirty="0"/>
-              <a:t>Dylan</a:t>
-            </a:r>
+              <a:rPr lang="en-GB" dirty="0" err="1"/>
+              <a:t>Grigor</a:t>
+            </a:r>
+            <a:endParaRPr lang="en-GB" dirty="0"/>
           </a:p>
         </p:txBody>
       </p:sp>
@@ -4561,9 +4563,10 @@
           <a:lstStyle/>
           <a:p>
             <a:r>
-              <a:rPr lang="en-GB" dirty="0"/>
-              <a:t>Dylan</a:t>
-            </a:r>
+              <a:rPr lang="en-GB" dirty="0" err="1"/>
+              <a:t>Grigor</a:t>
+            </a:r>
+            <a:endParaRPr lang="en-GB" dirty="0"/>
           </a:p>
         </p:txBody>
       </p:sp>
@@ -4791,9 +4794,10 @@
           <a:lstStyle/>
           <a:p>
             <a:r>
-              <a:rPr lang="en-GB" dirty="0"/>
-              <a:t>Dylan</a:t>
-            </a:r>
+              <a:rPr lang="en-GB" dirty="0" err="1"/>
+              <a:t>Grigor</a:t>
+            </a:r>
+            <a:endParaRPr lang="en-GB" dirty="0"/>
           </a:p>
         </p:txBody>
       </p:sp>
@@ -4901,9 +4905,10 @@
           <a:lstStyle/>
           <a:p>
             <a:r>
-              <a:rPr lang="en-GB" dirty="0"/>
-              <a:t>Dylan</a:t>
-            </a:r>
+              <a:rPr lang="en-GB" dirty="0" err="1"/>
+              <a:t>Grigor</a:t>
+            </a:r>
+            <a:endParaRPr lang="en-GB" dirty="0"/>
           </a:p>
         </p:txBody>
       </p:sp>
@@ -5011,9 +5016,10 @@
           <a:lstStyle/>
           <a:p>
             <a:r>
-              <a:rPr lang="en-GB" dirty="0"/>
-              <a:t>Dylan</a:t>
-            </a:r>
+              <a:rPr lang="en-GB" dirty="0" err="1"/>
+              <a:t>Grigor</a:t>
+            </a:r>
+            <a:endParaRPr lang="en-GB" dirty="0"/>
           </a:p>
         </p:txBody>
       </p:sp>

--- a/MCTV Limited.pptx
+++ b/MCTV Limited.pptx
@@ -38,8 +38,19 @@
     <p:sldId id="286" r:id="rId32"/>
     <p:sldId id="287" r:id="rId33"/>
     <p:sldId id="263" r:id="rId34"/>
-    <p:sldId id="264" r:id="rId35"/>
-    <p:sldId id="265" r:id="rId36"/>
+    <p:sldId id="292" r:id="rId35"/>
+    <p:sldId id="302" r:id="rId36"/>
+    <p:sldId id="293" r:id="rId37"/>
+    <p:sldId id="294" r:id="rId38"/>
+    <p:sldId id="295" r:id="rId39"/>
+    <p:sldId id="296" r:id="rId40"/>
+    <p:sldId id="297" r:id="rId41"/>
+    <p:sldId id="298" r:id="rId42"/>
+    <p:sldId id="299" r:id="rId43"/>
+    <p:sldId id="300" r:id="rId44"/>
+    <p:sldId id="301" r:id="rId45"/>
+    <p:sldId id="264" r:id="rId46"/>
+    <p:sldId id="265" r:id="rId47"/>
   </p:sldIdLst>
   <p:sldSz cx="12192000" cy="6858000"/>
   <p:notesSz cx="6858000" cy="9144000"/>
@@ -3677,7 +3688,7 @@
           <a:p>
             <a:r>
               <a:rPr lang="en-IE" dirty="0"/>
-              <a:t>Suggestion Table</a:t>
+              <a:t>Suggestions Table</a:t>
             </a:r>
           </a:p>
           <a:p>
@@ -3949,8 +3960,12 @@
           </a:p>
           <a:p>
             <a:r>
+              <a:rPr lang="en-IE"/>
+              <a:t>Suggestions </a:t>
+            </a:r>
+            <a:r>
               <a:rPr lang="en-IE" dirty="0"/>
-              <a:t>Suggestion Query</a:t>
+              <a:t>Query</a:t>
             </a:r>
           </a:p>
           <a:p>
@@ -4737,7 +4752,7 @@
           <a:p>
             <a:r>
               <a:rPr lang="en-IE" dirty="0"/>
-              <a:t>Product Form</a:t>
+              <a:t>Products Form</a:t>
             </a:r>
           </a:p>
         </p:txBody>
@@ -4848,7 +4863,7 @@
           <a:p>
             <a:r>
               <a:rPr lang="en-IE" dirty="0"/>
-              <a:t>Suggestion Form</a:t>
+              <a:t>Suggestions Form</a:t>
             </a:r>
           </a:p>
         </p:txBody>
@@ -5226,7 +5241,7 @@
           <a:p>
             <a:r>
               <a:rPr lang="en-IE" dirty="0"/>
-              <a:t>Suggestion Report</a:t>
+              <a:t>Suggestions Report</a:t>
             </a:r>
           </a:p>
           <a:p>
@@ -6018,7 +6033,7 @@
           <a:p>
             <a:r>
               <a:rPr lang="en-IE" dirty="0"/>
-              <a:t>Products Form</a:t>
+              <a:t>Products Table</a:t>
             </a:r>
           </a:p>
         </p:txBody>
@@ -6128,7 +6143,7 @@
           <a:p>
             <a:r>
               <a:rPr lang="en-IE" dirty="0"/>
-              <a:t>Suggestion Table</a:t>
+              <a:t>Suggestions Table</a:t>
             </a:r>
           </a:p>
         </p:txBody>
@@ -6457,49 +6472,9 @@
           <a:lstStyle/>
           <a:p>
             <a:r>
-              <a:rPr lang="en-GB" dirty="0"/>
-              <a:t>Conclusion</a:t>
-            </a:r>
-            <a:endParaRPr lang="en-US" dirty="0"/>
-          </a:p>
-        </p:txBody>
-      </p:sp>
-      <p:sp>
-        <p:nvSpPr>
-          <p:cNvPr id="3" name="Content Placeholder 2"/>
-          <p:cNvSpPr>
-            <a:spLocks noGrp="1"/>
-          </p:cNvSpPr>
-          <p:nvPr>
-            <p:ph idx="1"/>
-          </p:nvPr>
-        </p:nvSpPr>
-        <p:spPr/>
-        <p:txBody>
-          <a:bodyPr/>
-          <a:lstStyle/>
-          <a:p>
-            <a:r>
-              <a:rPr lang="en-US" dirty="0"/>
-              <a:t>MCTV Limited will continue to grow as a company in future </a:t>
-            </a:r>
-          </a:p>
-          <a:p>
-            <a:r>
-              <a:rPr lang="en-US" dirty="0"/>
-              <a:t>We hope that as the company moves to the cloud it will become more efficient. </a:t>
-            </a:r>
-          </a:p>
-          <a:p>
-            <a:r>
-              <a:rPr lang="en-US" dirty="0"/>
-              <a:t>As cloud technology improves further into the future we hope that MCTV limited will follow and become a larger and better company. </a:t>
-            </a:r>
-          </a:p>
-          <a:p>
-            <a:endParaRPr lang="en-US" dirty="0"/>
-          </a:p>
-          <a:p>
+              <a:rPr lang="en-GB" dirty="0" err="1"/>
+              <a:t>Userguide</a:t>
+            </a:r>
             <a:endParaRPr lang="en-US" dirty="0"/>
           </a:p>
         </p:txBody>
@@ -6512,8 +6487,8 @@
         </p:nvSpPr>
         <p:spPr>
           <a:xfrm>
-            <a:off x="10217426" y="658574"/>
-            <a:ext cx="940904" cy="369332"/>
+            <a:off x="10230678" y="658574"/>
+            <a:ext cx="954156" cy="369332"/>
           </a:xfrm>
           <a:prstGeom prst="rect">
             <a:avLst/>
@@ -6533,10 +6508,39 @@
           </a:p>
         </p:txBody>
       </p:sp>
+      <p:pic>
+        <p:nvPicPr>
+          <p:cNvPr id="9" name="Content Placeholder 8"/>
+          <p:cNvPicPr>
+            <a:picLocks noGrp="1" noChangeAspect="1"/>
+          </p:cNvPicPr>
+          <p:nvPr>
+            <p:ph idx="1"/>
+          </p:nvPr>
+        </p:nvPicPr>
+        <p:blipFill>
+          <a:blip r:embed="rId2">
+            <a:extLst>
+              <a:ext uri="{28A0092B-C50C-407E-A947-70E740481C1C}">
+                <a14:useLocalDpi xmlns:a14="http://schemas.microsoft.com/office/drawing/2010/main" val="0"/>
+              </a:ext>
+            </a:extLst>
+          </a:blip>
+          <a:stretch>
+            <a:fillRect/>
+          </a:stretch>
+        </p:blipFill>
+        <p:spPr>
+          <a:xfrm>
+            <a:off x="3171475" y="1825625"/>
+            <a:ext cx="5849049" cy="4351338"/>
+          </a:xfrm>
+        </p:spPr>
+      </p:pic>
     </p:spTree>
     <p:extLst>
       <p:ext uri="{BB962C8B-B14F-4D97-AF65-F5344CB8AC3E}">
-        <p14:creationId xmlns:p14="http://schemas.microsoft.com/office/powerpoint/2010/main" val="2325120104"/>
+        <p14:creationId xmlns:p14="http://schemas.microsoft.com/office/powerpoint/2010/main" val="3506511626"/>
       </p:ext>
     </p:extLst>
   </p:cSld>
@@ -6579,75 +6583,22 @@
           <a:lstStyle/>
           <a:p>
             <a:r>
-              <a:rPr lang="en-GB"/>
-              <a:t>Questions?</a:t>
-            </a:r>
-            <a:endParaRPr lang="en-US" dirty="0"/>
-          </a:p>
-        </p:txBody>
-      </p:sp>
-      <p:sp>
-        <p:nvSpPr>
-          <p:cNvPr id="3" name="Content Placeholder 2"/>
-          <p:cNvSpPr>
-            <a:spLocks noGrp="1"/>
-          </p:cNvSpPr>
-          <p:nvPr>
-            <p:ph idx="1"/>
-          </p:nvPr>
-        </p:nvSpPr>
-        <p:spPr>
-          <a:xfrm>
-            <a:off x="838200" y="1825625"/>
-            <a:ext cx="10515600" cy="4351338"/>
-          </a:xfrm>
-        </p:spPr>
-        <p:txBody>
-          <a:bodyPr/>
-          <a:lstStyle/>
-          <a:p>
-            <a:pPr algn="ctr"/>
-            <a:endParaRPr lang="en-US" dirty="0"/>
-          </a:p>
-          <a:p>
-            <a:pPr marL="0" indent="0" algn="ctr">
-              <a:buNone/>
-            </a:pPr>
-            <a:r>
-              <a:rPr lang="en-US" dirty="0"/>
-              <a:t>Thank you for listening </a:t>
-            </a:r>
-          </a:p>
-          <a:p>
-            <a:pPr marL="0" indent="0" algn="ctr">
-              <a:buNone/>
-            </a:pPr>
-            <a:r>
-              <a:rPr lang="en-US" dirty="0"/>
-              <a:t>Any Questions?</a:t>
-            </a:r>
-          </a:p>
-          <a:p>
-            <a:pPr marL="0" indent="0" algn="ctr">
-              <a:buNone/>
-            </a:pPr>
-            <a:endParaRPr lang="en-US" dirty="0"/>
-          </a:p>
-          <a:p>
-            <a:pPr marL="0" indent="0" algn="ctr">
-              <a:buNone/>
-            </a:pPr>
+              <a:rPr lang="en-GB" dirty="0" err="1"/>
+              <a:t>Userguide</a:t>
+            </a:r>
             <a:endParaRPr lang="en-US" dirty="0"/>
           </a:p>
         </p:txBody>
       </p:sp>
       <p:pic>
         <p:nvPicPr>
-          <p:cNvPr id="1026" name="Picture 2" descr="Image result for questions mark images"/>
+          <p:cNvPr id="5" name="Content Placeholder 4"/>
           <p:cNvPicPr>
-            <a:picLocks noChangeAspect="1" noChangeArrowheads="1"/>
+            <a:picLocks noGrp="1" noChangeAspect="1"/>
           </p:cNvPicPr>
-          <p:nvPr/>
+          <p:nvPr>
+            <p:ph idx="1"/>
+          </p:nvPr>
         </p:nvPicPr>
         <p:blipFill>
           <a:blip r:embed="rId2">
@@ -6657,41 +6608,109 @@
               </a:ext>
             </a:extLst>
           </a:blip>
-          <a:srcRect/>
           <a:stretch>
             <a:fillRect/>
           </a:stretch>
         </p:blipFill>
-        <p:spPr bwMode="auto">
-          <a:xfrm>
-            <a:off x="5028993" y="3642071"/>
-            <a:ext cx="1895475" cy="2409825"/>
+        <p:spPr>
+          <a:xfrm>
+            <a:off x="3048000" y="1924844"/>
+            <a:ext cx="6096000" cy="4152900"/>
+          </a:xfrm>
+        </p:spPr>
+      </p:pic>
+      <p:sp>
+        <p:nvSpPr>
+          <p:cNvPr id="4" name="TextBox 3"/>
+          <p:cNvSpPr txBox="1"/>
+          <p:nvPr/>
+        </p:nvSpPr>
+        <p:spPr>
+          <a:xfrm>
+            <a:off x="10230678" y="658574"/>
+            <a:ext cx="954156" cy="369332"/>
           </a:xfrm>
           <a:prstGeom prst="rect">
             <a:avLst/>
           </a:prstGeom>
           <a:noFill/>
-          <a:extLst>
-            <a:ext uri="{909E8E84-426E-40DD-AFC4-6F175D3DCCD1}">
-              <a14:hiddenFill xmlns:a14="http://schemas.microsoft.com/office/drawing/2010/main">
-                <a:solidFill>
-                  <a:srgbClr val="FFFFFF"/>
-                </a:solidFill>
-              </a14:hiddenFill>
-            </a:ext>
-          </a:extLst>
-        </p:spPr>
-      </p:pic>
-      <p:sp>
-        <p:nvSpPr>
-          <p:cNvPr id="5" name="TextBox 4"/>
+        </p:spPr>
+        <p:txBody>
+          <a:bodyPr wrap="square" rtlCol="0">
+            <a:spAutoFit/>
+          </a:bodyPr>
+          <a:lstStyle/>
+          <a:p>
+            <a:r>
+              <a:rPr lang="en-GB" dirty="0"/>
+              <a:t>Antonio</a:t>
+            </a:r>
+          </a:p>
+        </p:txBody>
+      </p:sp>
+    </p:spTree>
+    <p:extLst>
+      <p:ext uri="{BB962C8B-B14F-4D97-AF65-F5344CB8AC3E}">
+        <p14:creationId xmlns:p14="http://schemas.microsoft.com/office/powerpoint/2010/main" val="2742509863"/>
+      </p:ext>
+    </p:extLst>
+  </p:cSld>
+  <p:clrMapOvr>
+    <a:masterClrMapping/>
+  </p:clrMapOvr>
+</p:sld>
+</file>
+
+<file path=ppt/slides/slide36.xml><?xml version="1.0" encoding="utf-8"?>
+<p:sld xmlns:a="http://schemas.openxmlformats.org/drawingml/2006/main" xmlns:r="http://schemas.openxmlformats.org/officeDocument/2006/relationships" xmlns:p="http://schemas.openxmlformats.org/presentationml/2006/main">
+  <p:cSld>
+    <p:spTree>
+      <p:nvGrpSpPr>
+        <p:cNvPr id="1" name=""/>
+        <p:cNvGrpSpPr/>
+        <p:nvPr/>
+      </p:nvGrpSpPr>
+      <p:grpSpPr>
+        <a:xfrm>
+          <a:off x="0" y="0"/>
+          <a:ext cx="0" cy="0"/>
+          <a:chOff x="0" y="0"/>
+          <a:chExt cx="0" cy="0"/>
+        </a:xfrm>
+      </p:grpSpPr>
+      <p:sp>
+        <p:nvSpPr>
+          <p:cNvPr id="2" name="Title 1"/>
+          <p:cNvSpPr>
+            <a:spLocks noGrp="1"/>
+          </p:cNvSpPr>
+          <p:nvPr>
+            <p:ph type="title"/>
+          </p:nvPr>
+        </p:nvSpPr>
+        <p:spPr/>
+        <p:txBody>
+          <a:bodyPr/>
+          <a:lstStyle/>
+          <a:p>
+            <a:r>
+              <a:rPr lang="en-GB" dirty="0" err="1"/>
+              <a:t>Userguide</a:t>
+            </a:r>
+            <a:endParaRPr lang="en-US" dirty="0"/>
+          </a:p>
+        </p:txBody>
+      </p:sp>
+      <p:sp>
+        <p:nvSpPr>
+          <p:cNvPr id="4" name="TextBox 3"/>
           <p:cNvSpPr txBox="1"/>
           <p:nvPr/>
         </p:nvSpPr>
         <p:spPr>
           <a:xfrm>
-            <a:off x="10204173" y="658574"/>
-            <a:ext cx="1149626" cy="369332"/>
+            <a:off x="10230678" y="658574"/>
+            <a:ext cx="954156" cy="369332"/>
           </a:xfrm>
           <a:prstGeom prst="rect">
             <a:avLst/>
@@ -6706,15 +6725,377 @@
           <a:p>
             <a:r>
               <a:rPr lang="en-GB" dirty="0"/>
-              <a:t>Everyone</a:t>
-            </a:r>
-          </a:p>
-        </p:txBody>
-      </p:sp>
+              <a:t>Antonio</a:t>
+            </a:r>
+          </a:p>
+        </p:txBody>
+      </p:sp>
+      <p:pic>
+        <p:nvPicPr>
+          <p:cNvPr id="6" name="Content Placeholder 5"/>
+          <p:cNvPicPr>
+            <a:picLocks noGrp="1" noChangeAspect="1"/>
+          </p:cNvPicPr>
+          <p:nvPr>
+            <p:ph idx="1"/>
+          </p:nvPr>
+        </p:nvPicPr>
+        <p:blipFill>
+          <a:blip r:embed="rId2">
+            <a:extLst>
+              <a:ext uri="{28A0092B-C50C-407E-A947-70E740481C1C}">
+                <a14:useLocalDpi xmlns:a14="http://schemas.microsoft.com/office/drawing/2010/main" val="0"/>
+              </a:ext>
+            </a:extLst>
+          </a:blip>
+          <a:stretch>
+            <a:fillRect/>
+          </a:stretch>
+        </p:blipFill>
+        <p:spPr>
+          <a:xfrm>
+            <a:off x="4767262" y="2415381"/>
+            <a:ext cx="2657475" cy="3171825"/>
+          </a:xfrm>
+        </p:spPr>
+      </p:pic>
     </p:spTree>
     <p:extLst>
       <p:ext uri="{BB962C8B-B14F-4D97-AF65-F5344CB8AC3E}">
-        <p14:creationId xmlns:p14="http://schemas.microsoft.com/office/powerpoint/2010/main" val="3349935074"/>
+        <p14:creationId xmlns:p14="http://schemas.microsoft.com/office/powerpoint/2010/main" val="2878004487"/>
+      </p:ext>
+    </p:extLst>
+  </p:cSld>
+  <p:clrMapOvr>
+    <a:masterClrMapping/>
+  </p:clrMapOvr>
+</p:sld>
+</file>
+
+<file path=ppt/slides/slide37.xml><?xml version="1.0" encoding="utf-8"?>
+<p:sld xmlns:a="http://schemas.openxmlformats.org/drawingml/2006/main" xmlns:r="http://schemas.openxmlformats.org/officeDocument/2006/relationships" xmlns:p="http://schemas.openxmlformats.org/presentationml/2006/main">
+  <p:cSld>
+    <p:spTree>
+      <p:nvGrpSpPr>
+        <p:cNvPr id="1" name=""/>
+        <p:cNvGrpSpPr/>
+        <p:nvPr/>
+      </p:nvGrpSpPr>
+      <p:grpSpPr>
+        <a:xfrm>
+          <a:off x="0" y="0"/>
+          <a:ext cx="0" cy="0"/>
+          <a:chOff x="0" y="0"/>
+          <a:chExt cx="0" cy="0"/>
+        </a:xfrm>
+      </p:grpSpPr>
+      <p:sp>
+        <p:nvSpPr>
+          <p:cNvPr id="2" name="Title 1"/>
+          <p:cNvSpPr>
+            <a:spLocks noGrp="1"/>
+          </p:cNvSpPr>
+          <p:nvPr>
+            <p:ph type="title"/>
+          </p:nvPr>
+        </p:nvSpPr>
+        <p:spPr/>
+        <p:txBody>
+          <a:bodyPr/>
+          <a:lstStyle/>
+          <a:p>
+            <a:r>
+              <a:rPr lang="en-GB" dirty="0" err="1"/>
+              <a:t>Userguide</a:t>
+            </a:r>
+            <a:endParaRPr lang="en-US" dirty="0"/>
+          </a:p>
+        </p:txBody>
+      </p:sp>
+      <p:sp>
+        <p:nvSpPr>
+          <p:cNvPr id="4" name="TextBox 3"/>
+          <p:cNvSpPr txBox="1"/>
+          <p:nvPr/>
+        </p:nvSpPr>
+        <p:spPr>
+          <a:xfrm>
+            <a:off x="10230678" y="658574"/>
+            <a:ext cx="954156" cy="369332"/>
+          </a:xfrm>
+          <a:prstGeom prst="rect">
+            <a:avLst/>
+          </a:prstGeom>
+          <a:noFill/>
+        </p:spPr>
+        <p:txBody>
+          <a:bodyPr wrap="square" rtlCol="0">
+            <a:spAutoFit/>
+          </a:bodyPr>
+          <a:lstStyle/>
+          <a:p>
+            <a:r>
+              <a:rPr lang="en-GB" dirty="0"/>
+              <a:t>Antonio</a:t>
+            </a:r>
+          </a:p>
+        </p:txBody>
+      </p:sp>
+      <p:pic>
+        <p:nvPicPr>
+          <p:cNvPr id="5" name="Content Placeholder 4"/>
+          <p:cNvPicPr>
+            <a:picLocks noGrp="1" noChangeAspect="1"/>
+          </p:cNvPicPr>
+          <p:nvPr>
+            <p:ph idx="1"/>
+          </p:nvPr>
+        </p:nvPicPr>
+        <p:blipFill>
+          <a:blip r:embed="rId2">
+            <a:extLst>
+              <a:ext uri="{28A0092B-C50C-407E-A947-70E740481C1C}">
+                <a14:useLocalDpi xmlns:a14="http://schemas.microsoft.com/office/drawing/2010/main" val="0"/>
+              </a:ext>
+            </a:extLst>
+          </a:blip>
+          <a:stretch>
+            <a:fillRect/>
+          </a:stretch>
+        </p:blipFill>
+        <p:spPr>
+          <a:xfrm>
+            <a:off x="3005137" y="2148681"/>
+            <a:ext cx="6181725" cy="3705225"/>
+          </a:xfrm>
+        </p:spPr>
+      </p:pic>
+    </p:spTree>
+    <p:extLst>
+      <p:ext uri="{BB962C8B-B14F-4D97-AF65-F5344CB8AC3E}">
+        <p14:creationId xmlns:p14="http://schemas.microsoft.com/office/powerpoint/2010/main" val="54301215"/>
+      </p:ext>
+    </p:extLst>
+  </p:cSld>
+  <p:clrMapOvr>
+    <a:masterClrMapping/>
+  </p:clrMapOvr>
+</p:sld>
+</file>
+
+<file path=ppt/slides/slide38.xml><?xml version="1.0" encoding="utf-8"?>
+<p:sld xmlns:a="http://schemas.openxmlformats.org/drawingml/2006/main" xmlns:r="http://schemas.openxmlformats.org/officeDocument/2006/relationships" xmlns:p="http://schemas.openxmlformats.org/presentationml/2006/main">
+  <p:cSld>
+    <p:spTree>
+      <p:nvGrpSpPr>
+        <p:cNvPr id="1" name=""/>
+        <p:cNvGrpSpPr/>
+        <p:nvPr/>
+      </p:nvGrpSpPr>
+      <p:grpSpPr>
+        <a:xfrm>
+          <a:off x="0" y="0"/>
+          <a:ext cx="0" cy="0"/>
+          <a:chOff x="0" y="0"/>
+          <a:chExt cx="0" cy="0"/>
+        </a:xfrm>
+      </p:grpSpPr>
+      <p:sp>
+        <p:nvSpPr>
+          <p:cNvPr id="2" name="Title 1"/>
+          <p:cNvSpPr>
+            <a:spLocks noGrp="1"/>
+          </p:cNvSpPr>
+          <p:nvPr>
+            <p:ph type="title"/>
+          </p:nvPr>
+        </p:nvSpPr>
+        <p:spPr/>
+        <p:txBody>
+          <a:bodyPr/>
+          <a:lstStyle/>
+          <a:p>
+            <a:r>
+              <a:rPr lang="en-GB" dirty="0" err="1"/>
+              <a:t>Userguide</a:t>
+            </a:r>
+            <a:endParaRPr lang="en-US" dirty="0"/>
+          </a:p>
+        </p:txBody>
+      </p:sp>
+      <p:sp>
+        <p:nvSpPr>
+          <p:cNvPr id="4" name="TextBox 3"/>
+          <p:cNvSpPr txBox="1"/>
+          <p:nvPr/>
+        </p:nvSpPr>
+        <p:spPr>
+          <a:xfrm>
+            <a:off x="10230678" y="658574"/>
+            <a:ext cx="954156" cy="369332"/>
+          </a:xfrm>
+          <a:prstGeom prst="rect">
+            <a:avLst/>
+          </a:prstGeom>
+          <a:noFill/>
+        </p:spPr>
+        <p:txBody>
+          <a:bodyPr wrap="square" rtlCol="0">
+            <a:spAutoFit/>
+          </a:bodyPr>
+          <a:lstStyle/>
+          <a:p>
+            <a:r>
+              <a:rPr lang="en-GB" dirty="0"/>
+              <a:t>Antonio</a:t>
+            </a:r>
+          </a:p>
+        </p:txBody>
+      </p:sp>
+      <p:pic>
+        <p:nvPicPr>
+          <p:cNvPr id="6" name="Content Placeholder 5"/>
+          <p:cNvPicPr>
+            <a:picLocks noGrp="1" noChangeAspect="1"/>
+          </p:cNvPicPr>
+          <p:nvPr>
+            <p:ph idx="1"/>
+          </p:nvPr>
+        </p:nvPicPr>
+        <p:blipFill>
+          <a:blip r:embed="rId2">
+            <a:extLst>
+              <a:ext uri="{28A0092B-C50C-407E-A947-70E740481C1C}">
+                <a14:useLocalDpi xmlns:a14="http://schemas.microsoft.com/office/drawing/2010/main" val="0"/>
+              </a:ext>
+            </a:extLst>
+          </a:blip>
+          <a:stretch>
+            <a:fillRect/>
+          </a:stretch>
+        </p:blipFill>
+        <p:spPr>
+          <a:xfrm>
+            <a:off x="3089621" y="1825625"/>
+            <a:ext cx="6012757" cy="4351338"/>
+          </a:xfrm>
+        </p:spPr>
+      </p:pic>
+    </p:spTree>
+    <p:extLst>
+      <p:ext uri="{BB962C8B-B14F-4D97-AF65-F5344CB8AC3E}">
+        <p14:creationId xmlns:p14="http://schemas.microsoft.com/office/powerpoint/2010/main" val="2695689078"/>
+      </p:ext>
+    </p:extLst>
+  </p:cSld>
+  <p:clrMapOvr>
+    <a:masterClrMapping/>
+  </p:clrMapOvr>
+</p:sld>
+</file>
+
+<file path=ppt/slides/slide39.xml><?xml version="1.0" encoding="utf-8"?>
+<p:sld xmlns:a="http://schemas.openxmlformats.org/drawingml/2006/main" xmlns:r="http://schemas.openxmlformats.org/officeDocument/2006/relationships" xmlns:p="http://schemas.openxmlformats.org/presentationml/2006/main">
+  <p:cSld>
+    <p:spTree>
+      <p:nvGrpSpPr>
+        <p:cNvPr id="1" name=""/>
+        <p:cNvGrpSpPr/>
+        <p:nvPr/>
+      </p:nvGrpSpPr>
+      <p:grpSpPr>
+        <a:xfrm>
+          <a:off x="0" y="0"/>
+          <a:ext cx="0" cy="0"/>
+          <a:chOff x="0" y="0"/>
+          <a:chExt cx="0" cy="0"/>
+        </a:xfrm>
+      </p:grpSpPr>
+      <p:sp>
+        <p:nvSpPr>
+          <p:cNvPr id="2" name="Title 1"/>
+          <p:cNvSpPr>
+            <a:spLocks noGrp="1"/>
+          </p:cNvSpPr>
+          <p:nvPr>
+            <p:ph type="title"/>
+          </p:nvPr>
+        </p:nvSpPr>
+        <p:spPr/>
+        <p:txBody>
+          <a:bodyPr/>
+          <a:lstStyle/>
+          <a:p>
+            <a:r>
+              <a:rPr lang="en-GB" dirty="0" err="1"/>
+              <a:t>Userguide</a:t>
+            </a:r>
+            <a:endParaRPr lang="en-US" dirty="0"/>
+          </a:p>
+        </p:txBody>
+      </p:sp>
+      <p:sp>
+        <p:nvSpPr>
+          <p:cNvPr id="4" name="TextBox 3"/>
+          <p:cNvSpPr txBox="1"/>
+          <p:nvPr/>
+        </p:nvSpPr>
+        <p:spPr>
+          <a:xfrm>
+            <a:off x="10230678" y="658574"/>
+            <a:ext cx="954156" cy="369332"/>
+          </a:xfrm>
+          <a:prstGeom prst="rect">
+            <a:avLst/>
+          </a:prstGeom>
+          <a:noFill/>
+        </p:spPr>
+        <p:txBody>
+          <a:bodyPr wrap="square" rtlCol="0">
+            <a:spAutoFit/>
+          </a:bodyPr>
+          <a:lstStyle/>
+          <a:p>
+            <a:r>
+              <a:rPr lang="en-GB" dirty="0"/>
+              <a:t>Antonio</a:t>
+            </a:r>
+          </a:p>
+        </p:txBody>
+      </p:sp>
+      <p:pic>
+        <p:nvPicPr>
+          <p:cNvPr id="5" name="Content Placeholder 4"/>
+          <p:cNvPicPr>
+            <a:picLocks noGrp="1" noChangeAspect="1"/>
+          </p:cNvPicPr>
+          <p:nvPr>
+            <p:ph idx="1"/>
+          </p:nvPr>
+        </p:nvPicPr>
+        <p:blipFill>
+          <a:blip r:embed="rId2">
+            <a:extLst>
+              <a:ext uri="{28A0092B-C50C-407E-A947-70E740481C1C}">
+                <a14:useLocalDpi xmlns:a14="http://schemas.microsoft.com/office/drawing/2010/main" val="0"/>
+              </a:ext>
+            </a:extLst>
+          </a:blip>
+          <a:stretch>
+            <a:fillRect/>
+          </a:stretch>
+        </p:blipFill>
+        <p:spPr>
+          <a:xfrm>
+            <a:off x="2943225" y="2610644"/>
+            <a:ext cx="6305550" cy="2781300"/>
+          </a:xfrm>
+        </p:spPr>
+      </p:pic>
+    </p:spTree>
+    <p:extLst>
+      <p:ext uri="{BB962C8B-B14F-4D97-AF65-F5344CB8AC3E}">
+        <p14:creationId xmlns:p14="http://schemas.microsoft.com/office/powerpoint/2010/main" val="2173130571"/>
       </p:ext>
     </p:extLst>
   </p:cSld>
@@ -6855,6 +7236,877 @@
     <p:extLst>
       <p:ext uri="{BB962C8B-B14F-4D97-AF65-F5344CB8AC3E}">
         <p14:creationId xmlns:p14="http://schemas.microsoft.com/office/powerpoint/2010/main" val="44115641"/>
+      </p:ext>
+    </p:extLst>
+  </p:cSld>
+  <p:clrMapOvr>
+    <a:masterClrMapping/>
+  </p:clrMapOvr>
+</p:sld>
+</file>
+
+<file path=ppt/slides/slide40.xml><?xml version="1.0" encoding="utf-8"?>
+<p:sld xmlns:a="http://schemas.openxmlformats.org/drawingml/2006/main" xmlns:r="http://schemas.openxmlformats.org/officeDocument/2006/relationships" xmlns:p="http://schemas.openxmlformats.org/presentationml/2006/main">
+  <p:cSld>
+    <p:spTree>
+      <p:nvGrpSpPr>
+        <p:cNvPr id="1" name=""/>
+        <p:cNvGrpSpPr/>
+        <p:nvPr/>
+      </p:nvGrpSpPr>
+      <p:grpSpPr>
+        <a:xfrm>
+          <a:off x="0" y="0"/>
+          <a:ext cx="0" cy="0"/>
+          <a:chOff x="0" y="0"/>
+          <a:chExt cx="0" cy="0"/>
+        </a:xfrm>
+      </p:grpSpPr>
+      <p:sp>
+        <p:nvSpPr>
+          <p:cNvPr id="2" name="Title 1"/>
+          <p:cNvSpPr>
+            <a:spLocks noGrp="1"/>
+          </p:cNvSpPr>
+          <p:nvPr>
+            <p:ph type="title"/>
+          </p:nvPr>
+        </p:nvSpPr>
+        <p:spPr/>
+        <p:txBody>
+          <a:bodyPr/>
+          <a:lstStyle/>
+          <a:p>
+            <a:r>
+              <a:rPr lang="en-GB" dirty="0" err="1"/>
+              <a:t>Userguide</a:t>
+            </a:r>
+            <a:endParaRPr lang="en-US" dirty="0"/>
+          </a:p>
+        </p:txBody>
+      </p:sp>
+      <p:sp>
+        <p:nvSpPr>
+          <p:cNvPr id="4" name="TextBox 3"/>
+          <p:cNvSpPr txBox="1"/>
+          <p:nvPr/>
+        </p:nvSpPr>
+        <p:spPr>
+          <a:xfrm>
+            <a:off x="10230678" y="658574"/>
+            <a:ext cx="954156" cy="369332"/>
+          </a:xfrm>
+          <a:prstGeom prst="rect">
+            <a:avLst/>
+          </a:prstGeom>
+          <a:noFill/>
+        </p:spPr>
+        <p:txBody>
+          <a:bodyPr wrap="square" rtlCol="0">
+            <a:spAutoFit/>
+          </a:bodyPr>
+          <a:lstStyle/>
+          <a:p>
+            <a:r>
+              <a:rPr lang="en-GB" dirty="0"/>
+              <a:t>Antonio</a:t>
+            </a:r>
+          </a:p>
+        </p:txBody>
+      </p:sp>
+      <p:pic>
+        <p:nvPicPr>
+          <p:cNvPr id="6" name="Content Placeholder 5"/>
+          <p:cNvPicPr>
+            <a:picLocks noGrp="1" noChangeAspect="1"/>
+          </p:cNvPicPr>
+          <p:nvPr>
+            <p:ph idx="1"/>
+          </p:nvPr>
+        </p:nvPicPr>
+        <p:blipFill>
+          <a:blip r:embed="rId2">
+            <a:extLst>
+              <a:ext uri="{28A0092B-C50C-407E-A947-70E740481C1C}">
+                <a14:useLocalDpi xmlns:a14="http://schemas.microsoft.com/office/drawing/2010/main" val="0"/>
+              </a:ext>
+            </a:extLst>
+          </a:blip>
+          <a:stretch>
+            <a:fillRect/>
+          </a:stretch>
+        </p:blipFill>
+        <p:spPr>
+          <a:xfrm>
+            <a:off x="2952750" y="2115344"/>
+            <a:ext cx="6286500" cy="3771900"/>
+          </a:xfrm>
+        </p:spPr>
+      </p:pic>
+    </p:spTree>
+    <p:extLst>
+      <p:ext uri="{BB962C8B-B14F-4D97-AF65-F5344CB8AC3E}">
+        <p14:creationId xmlns:p14="http://schemas.microsoft.com/office/powerpoint/2010/main" val="1488884663"/>
+      </p:ext>
+    </p:extLst>
+  </p:cSld>
+  <p:clrMapOvr>
+    <a:masterClrMapping/>
+  </p:clrMapOvr>
+</p:sld>
+</file>
+
+<file path=ppt/slides/slide41.xml><?xml version="1.0" encoding="utf-8"?>
+<p:sld xmlns:a="http://schemas.openxmlformats.org/drawingml/2006/main" xmlns:r="http://schemas.openxmlformats.org/officeDocument/2006/relationships" xmlns:p="http://schemas.openxmlformats.org/presentationml/2006/main">
+  <p:cSld>
+    <p:spTree>
+      <p:nvGrpSpPr>
+        <p:cNvPr id="1" name=""/>
+        <p:cNvGrpSpPr/>
+        <p:nvPr/>
+      </p:nvGrpSpPr>
+      <p:grpSpPr>
+        <a:xfrm>
+          <a:off x="0" y="0"/>
+          <a:ext cx="0" cy="0"/>
+          <a:chOff x="0" y="0"/>
+          <a:chExt cx="0" cy="0"/>
+        </a:xfrm>
+      </p:grpSpPr>
+      <p:sp>
+        <p:nvSpPr>
+          <p:cNvPr id="2" name="Title 1"/>
+          <p:cNvSpPr>
+            <a:spLocks noGrp="1"/>
+          </p:cNvSpPr>
+          <p:nvPr>
+            <p:ph type="title"/>
+          </p:nvPr>
+        </p:nvSpPr>
+        <p:spPr/>
+        <p:txBody>
+          <a:bodyPr/>
+          <a:lstStyle/>
+          <a:p>
+            <a:r>
+              <a:rPr lang="en-GB" dirty="0" err="1"/>
+              <a:t>Userguide</a:t>
+            </a:r>
+            <a:endParaRPr lang="en-US" dirty="0"/>
+          </a:p>
+        </p:txBody>
+      </p:sp>
+      <p:sp>
+        <p:nvSpPr>
+          <p:cNvPr id="4" name="TextBox 3"/>
+          <p:cNvSpPr txBox="1"/>
+          <p:nvPr/>
+        </p:nvSpPr>
+        <p:spPr>
+          <a:xfrm>
+            <a:off x="10230678" y="658574"/>
+            <a:ext cx="954156" cy="369332"/>
+          </a:xfrm>
+          <a:prstGeom prst="rect">
+            <a:avLst/>
+          </a:prstGeom>
+          <a:noFill/>
+        </p:spPr>
+        <p:txBody>
+          <a:bodyPr wrap="square" rtlCol="0">
+            <a:spAutoFit/>
+          </a:bodyPr>
+          <a:lstStyle/>
+          <a:p>
+            <a:r>
+              <a:rPr lang="en-GB" dirty="0"/>
+              <a:t>Antonio</a:t>
+            </a:r>
+          </a:p>
+        </p:txBody>
+      </p:sp>
+      <p:pic>
+        <p:nvPicPr>
+          <p:cNvPr id="5" name="Content Placeholder 4"/>
+          <p:cNvPicPr>
+            <a:picLocks noGrp="1" noChangeAspect="1"/>
+          </p:cNvPicPr>
+          <p:nvPr>
+            <p:ph idx="1"/>
+          </p:nvPr>
+        </p:nvPicPr>
+        <p:blipFill>
+          <a:blip r:embed="rId2">
+            <a:extLst>
+              <a:ext uri="{28A0092B-C50C-407E-A947-70E740481C1C}">
+                <a14:useLocalDpi xmlns:a14="http://schemas.microsoft.com/office/drawing/2010/main" val="0"/>
+              </a:ext>
+            </a:extLst>
+          </a:blip>
+          <a:stretch>
+            <a:fillRect/>
+          </a:stretch>
+        </p:blipFill>
+        <p:spPr>
+          <a:xfrm>
+            <a:off x="3076575" y="1977231"/>
+            <a:ext cx="6038850" cy="4048125"/>
+          </a:xfrm>
+          <a:prstGeom prst="rect">
+            <a:avLst/>
+          </a:prstGeom>
+          <a:ln>
+            <a:noFill/>
+          </a:ln>
+          <a:effectLst>
+            <a:outerShdw blurRad="292100" dist="139700" dir="2700000" algn="tl" rotWithShape="0">
+              <a:srgbClr val="333333">
+                <a:alpha val="65000"/>
+              </a:srgbClr>
+            </a:outerShdw>
+          </a:effectLst>
+        </p:spPr>
+      </p:pic>
+    </p:spTree>
+    <p:extLst>
+      <p:ext uri="{BB962C8B-B14F-4D97-AF65-F5344CB8AC3E}">
+        <p14:creationId xmlns:p14="http://schemas.microsoft.com/office/powerpoint/2010/main" val="1095538928"/>
+      </p:ext>
+    </p:extLst>
+  </p:cSld>
+  <p:clrMapOvr>
+    <a:masterClrMapping/>
+  </p:clrMapOvr>
+</p:sld>
+</file>
+
+<file path=ppt/slides/slide42.xml><?xml version="1.0" encoding="utf-8"?>
+<p:sld xmlns:a="http://schemas.openxmlformats.org/drawingml/2006/main" xmlns:r="http://schemas.openxmlformats.org/officeDocument/2006/relationships" xmlns:p="http://schemas.openxmlformats.org/presentationml/2006/main">
+  <p:cSld>
+    <p:spTree>
+      <p:nvGrpSpPr>
+        <p:cNvPr id="1" name=""/>
+        <p:cNvGrpSpPr/>
+        <p:nvPr/>
+      </p:nvGrpSpPr>
+      <p:grpSpPr>
+        <a:xfrm>
+          <a:off x="0" y="0"/>
+          <a:ext cx="0" cy="0"/>
+          <a:chOff x="0" y="0"/>
+          <a:chExt cx="0" cy="0"/>
+        </a:xfrm>
+      </p:grpSpPr>
+      <p:sp>
+        <p:nvSpPr>
+          <p:cNvPr id="2" name="Title 1"/>
+          <p:cNvSpPr>
+            <a:spLocks noGrp="1"/>
+          </p:cNvSpPr>
+          <p:nvPr>
+            <p:ph type="title"/>
+          </p:nvPr>
+        </p:nvSpPr>
+        <p:spPr/>
+        <p:txBody>
+          <a:bodyPr/>
+          <a:lstStyle/>
+          <a:p>
+            <a:r>
+              <a:rPr lang="en-GB" dirty="0" err="1"/>
+              <a:t>Userguide</a:t>
+            </a:r>
+            <a:endParaRPr lang="en-US" dirty="0"/>
+          </a:p>
+        </p:txBody>
+      </p:sp>
+      <p:sp>
+        <p:nvSpPr>
+          <p:cNvPr id="4" name="TextBox 3"/>
+          <p:cNvSpPr txBox="1"/>
+          <p:nvPr/>
+        </p:nvSpPr>
+        <p:spPr>
+          <a:xfrm>
+            <a:off x="10230678" y="658574"/>
+            <a:ext cx="954156" cy="369332"/>
+          </a:xfrm>
+          <a:prstGeom prst="rect">
+            <a:avLst/>
+          </a:prstGeom>
+          <a:noFill/>
+        </p:spPr>
+        <p:txBody>
+          <a:bodyPr wrap="square" rtlCol="0">
+            <a:spAutoFit/>
+          </a:bodyPr>
+          <a:lstStyle/>
+          <a:p>
+            <a:r>
+              <a:rPr lang="en-GB" dirty="0"/>
+              <a:t>Antonio</a:t>
+            </a:r>
+          </a:p>
+        </p:txBody>
+      </p:sp>
+      <p:pic>
+        <p:nvPicPr>
+          <p:cNvPr id="6" name="Content Placeholder 5"/>
+          <p:cNvPicPr>
+            <a:picLocks noGrp="1" noChangeAspect="1"/>
+          </p:cNvPicPr>
+          <p:nvPr>
+            <p:ph idx="1"/>
+          </p:nvPr>
+        </p:nvPicPr>
+        <p:blipFill>
+          <a:blip r:embed="rId2">
+            <a:extLst>
+              <a:ext uri="{28A0092B-C50C-407E-A947-70E740481C1C}">
+                <a14:useLocalDpi xmlns:a14="http://schemas.microsoft.com/office/drawing/2010/main" val="0"/>
+              </a:ext>
+            </a:extLst>
+          </a:blip>
+          <a:stretch>
+            <a:fillRect/>
+          </a:stretch>
+        </p:blipFill>
+        <p:spPr>
+          <a:xfrm>
+            <a:off x="4077808" y="1825625"/>
+            <a:ext cx="4036384" cy="4351338"/>
+          </a:xfrm>
+        </p:spPr>
+      </p:pic>
+    </p:spTree>
+    <p:extLst>
+      <p:ext uri="{BB962C8B-B14F-4D97-AF65-F5344CB8AC3E}">
+        <p14:creationId xmlns:p14="http://schemas.microsoft.com/office/powerpoint/2010/main" val="2043385618"/>
+      </p:ext>
+    </p:extLst>
+  </p:cSld>
+  <p:clrMapOvr>
+    <a:masterClrMapping/>
+  </p:clrMapOvr>
+</p:sld>
+</file>
+
+<file path=ppt/slides/slide43.xml><?xml version="1.0" encoding="utf-8"?>
+<p:sld xmlns:a="http://schemas.openxmlformats.org/drawingml/2006/main" xmlns:r="http://schemas.openxmlformats.org/officeDocument/2006/relationships" xmlns:p="http://schemas.openxmlformats.org/presentationml/2006/main">
+  <p:cSld>
+    <p:spTree>
+      <p:nvGrpSpPr>
+        <p:cNvPr id="1" name=""/>
+        <p:cNvGrpSpPr/>
+        <p:nvPr/>
+      </p:nvGrpSpPr>
+      <p:grpSpPr>
+        <a:xfrm>
+          <a:off x="0" y="0"/>
+          <a:ext cx="0" cy="0"/>
+          <a:chOff x="0" y="0"/>
+          <a:chExt cx="0" cy="0"/>
+        </a:xfrm>
+      </p:grpSpPr>
+      <p:sp>
+        <p:nvSpPr>
+          <p:cNvPr id="2" name="Title 1"/>
+          <p:cNvSpPr>
+            <a:spLocks noGrp="1"/>
+          </p:cNvSpPr>
+          <p:nvPr>
+            <p:ph type="title"/>
+          </p:nvPr>
+        </p:nvSpPr>
+        <p:spPr/>
+        <p:txBody>
+          <a:bodyPr/>
+          <a:lstStyle/>
+          <a:p>
+            <a:r>
+              <a:rPr lang="en-GB" dirty="0" err="1"/>
+              <a:t>Userguide</a:t>
+            </a:r>
+            <a:endParaRPr lang="en-US" dirty="0"/>
+          </a:p>
+        </p:txBody>
+      </p:sp>
+      <p:sp>
+        <p:nvSpPr>
+          <p:cNvPr id="4" name="TextBox 3"/>
+          <p:cNvSpPr txBox="1"/>
+          <p:nvPr/>
+        </p:nvSpPr>
+        <p:spPr>
+          <a:xfrm>
+            <a:off x="10230678" y="658574"/>
+            <a:ext cx="954156" cy="369332"/>
+          </a:xfrm>
+          <a:prstGeom prst="rect">
+            <a:avLst/>
+          </a:prstGeom>
+          <a:noFill/>
+        </p:spPr>
+        <p:txBody>
+          <a:bodyPr wrap="square" rtlCol="0">
+            <a:spAutoFit/>
+          </a:bodyPr>
+          <a:lstStyle/>
+          <a:p>
+            <a:r>
+              <a:rPr lang="en-GB" dirty="0"/>
+              <a:t>Antonio</a:t>
+            </a:r>
+          </a:p>
+        </p:txBody>
+      </p:sp>
+      <p:pic>
+        <p:nvPicPr>
+          <p:cNvPr id="5" name="Content Placeholder 4"/>
+          <p:cNvPicPr>
+            <a:picLocks noGrp="1" noChangeAspect="1"/>
+          </p:cNvPicPr>
+          <p:nvPr>
+            <p:ph idx="1"/>
+          </p:nvPr>
+        </p:nvPicPr>
+        <p:blipFill>
+          <a:blip r:embed="rId2">
+            <a:extLst>
+              <a:ext uri="{28A0092B-C50C-407E-A947-70E740481C1C}">
+                <a14:useLocalDpi xmlns:a14="http://schemas.microsoft.com/office/drawing/2010/main" val="0"/>
+              </a:ext>
+            </a:extLst>
+          </a:blip>
+          <a:stretch>
+            <a:fillRect/>
+          </a:stretch>
+        </p:blipFill>
+        <p:spPr>
+          <a:xfrm>
+            <a:off x="3829050" y="2443956"/>
+            <a:ext cx="4533900" cy="3114675"/>
+          </a:xfrm>
+        </p:spPr>
+      </p:pic>
+    </p:spTree>
+    <p:extLst>
+      <p:ext uri="{BB962C8B-B14F-4D97-AF65-F5344CB8AC3E}">
+        <p14:creationId xmlns:p14="http://schemas.microsoft.com/office/powerpoint/2010/main" val="3068213998"/>
+      </p:ext>
+    </p:extLst>
+  </p:cSld>
+  <p:clrMapOvr>
+    <a:masterClrMapping/>
+  </p:clrMapOvr>
+</p:sld>
+</file>
+
+<file path=ppt/slides/slide44.xml><?xml version="1.0" encoding="utf-8"?>
+<p:sld xmlns:a="http://schemas.openxmlformats.org/drawingml/2006/main" xmlns:r="http://schemas.openxmlformats.org/officeDocument/2006/relationships" xmlns:p="http://schemas.openxmlformats.org/presentationml/2006/main">
+  <p:cSld>
+    <p:spTree>
+      <p:nvGrpSpPr>
+        <p:cNvPr id="1" name=""/>
+        <p:cNvGrpSpPr/>
+        <p:nvPr/>
+      </p:nvGrpSpPr>
+      <p:grpSpPr>
+        <a:xfrm>
+          <a:off x="0" y="0"/>
+          <a:ext cx="0" cy="0"/>
+          <a:chOff x="0" y="0"/>
+          <a:chExt cx="0" cy="0"/>
+        </a:xfrm>
+      </p:grpSpPr>
+      <p:sp>
+        <p:nvSpPr>
+          <p:cNvPr id="2" name="Title 1"/>
+          <p:cNvSpPr>
+            <a:spLocks noGrp="1"/>
+          </p:cNvSpPr>
+          <p:nvPr>
+            <p:ph type="title"/>
+          </p:nvPr>
+        </p:nvSpPr>
+        <p:spPr/>
+        <p:txBody>
+          <a:bodyPr/>
+          <a:lstStyle/>
+          <a:p>
+            <a:r>
+              <a:rPr lang="en-GB" dirty="0" err="1"/>
+              <a:t>Userguide</a:t>
+            </a:r>
+            <a:endParaRPr lang="en-US" dirty="0"/>
+          </a:p>
+        </p:txBody>
+      </p:sp>
+      <p:sp>
+        <p:nvSpPr>
+          <p:cNvPr id="4" name="TextBox 3"/>
+          <p:cNvSpPr txBox="1"/>
+          <p:nvPr/>
+        </p:nvSpPr>
+        <p:spPr>
+          <a:xfrm>
+            <a:off x="10230678" y="658574"/>
+            <a:ext cx="954156" cy="369332"/>
+          </a:xfrm>
+          <a:prstGeom prst="rect">
+            <a:avLst/>
+          </a:prstGeom>
+          <a:noFill/>
+        </p:spPr>
+        <p:txBody>
+          <a:bodyPr wrap="square" rtlCol="0">
+            <a:spAutoFit/>
+          </a:bodyPr>
+          <a:lstStyle/>
+          <a:p>
+            <a:r>
+              <a:rPr lang="en-GB" dirty="0"/>
+              <a:t>Antonio</a:t>
+            </a:r>
+          </a:p>
+        </p:txBody>
+      </p:sp>
+      <p:pic>
+        <p:nvPicPr>
+          <p:cNvPr id="8" name="Content Placeholder 7"/>
+          <p:cNvPicPr>
+            <a:picLocks noGrp="1" noChangeAspect="1"/>
+          </p:cNvPicPr>
+          <p:nvPr>
+            <p:ph idx="1"/>
+          </p:nvPr>
+        </p:nvPicPr>
+        <p:blipFill>
+          <a:blip r:embed="rId2">
+            <a:extLst>
+              <a:ext uri="{28A0092B-C50C-407E-A947-70E740481C1C}">
+                <a14:useLocalDpi xmlns:a14="http://schemas.microsoft.com/office/drawing/2010/main" val="0"/>
+              </a:ext>
+            </a:extLst>
+          </a:blip>
+          <a:stretch>
+            <a:fillRect/>
+          </a:stretch>
+        </p:blipFill>
+        <p:spPr>
+          <a:xfrm>
+            <a:off x="3375382" y="1825625"/>
+            <a:ext cx="5441236" cy="4351338"/>
+          </a:xfrm>
+        </p:spPr>
+      </p:pic>
+    </p:spTree>
+    <p:extLst>
+      <p:ext uri="{BB962C8B-B14F-4D97-AF65-F5344CB8AC3E}">
+        <p14:creationId xmlns:p14="http://schemas.microsoft.com/office/powerpoint/2010/main" val="3824070766"/>
+      </p:ext>
+    </p:extLst>
+  </p:cSld>
+  <p:clrMapOvr>
+    <a:masterClrMapping/>
+  </p:clrMapOvr>
+</p:sld>
+</file>
+
+<file path=ppt/slides/slide45.xml><?xml version="1.0" encoding="utf-8"?>
+<p:sld xmlns:a="http://schemas.openxmlformats.org/drawingml/2006/main" xmlns:r="http://schemas.openxmlformats.org/officeDocument/2006/relationships" xmlns:p="http://schemas.openxmlformats.org/presentationml/2006/main">
+  <p:cSld>
+    <p:spTree>
+      <p:nvGrpSpPr>
+        <p:cNvPr id="1" name=""/>
+        <p:cNvGrpSpPr/>
+        <p:nvPr/>
+      </p:nvGrpSpPr>
+      <p:grpSpPr>
+        <a:xfrm>
+          <a:off x="0" y="0"/>
+          <a:ext cx="0" cy="0"/>
+          <a:chOff x="0" y="0"/>
+          <a:chExt cx="0" cy="0"/>
+        </a:xfrm>
+      </p:grpSpPr>
+      <p:sp>
+        <p:nvSpPr>
+          <p:cNvPr id="2" name="Title 1"/>
+          <p:cNvSpPr>
+            <a:spLocks noGrp="1"/>
+          </p:cNvSpPr>
+          <p:nvPr>
+            <p:ph type="title"/>
+          </p:nvPr>
+        </p:nvSpPr>
+        <p:spPr/>
+        <p:txBody>
+          <a:bodyPr/>
+          <a:lstStyle/>
+          <a:p>
+            <a:r>
+              <a:rPr lang="en-GB" dirty="0"/>
+              <a:t>Conclusion</a:t>
+            </a:r>
+            <a:endParaRPr lang="en-US" dirty="0"/>
+          </a:p>
+        </p:txBody>
+      </p:sp>
+      <p:sp>
+        <p:nvSpPr>
+          <p:cNvPr id="3" name="Content Placeholder 2"/>
+          <p:cNvSpPr>
+            <a:spLocks noGrp="1"/>
+          </p:cNvSpPr>
+          <p:nvPr>
+            <p:ph idx="1"/>
+          </p:nvPr>
+        </p:nvSpPr>
+        <p:spPr/>
+        <p:txBody>
+          <a:bodyPr/>
+          <a:lstStyle/>
+          <a:p>
+            <a:r>
+              <a:rPr lang="en-US" dirty="0"/>
+              <a:t>MCTV Limited will continue to grow as a company in future </a:t>
+            </a:r>
+          </a:p>
+          <a:p>
+            <a:r>
+              <a:rPr lang="en-US" dirty="0"/>
+              <a:t>It is aimed for the company to become more efficient as it moves to the cloud. </a:t>
+            </a:r>
+          </a:p>
+          <a:p>
+            <a:r>
+              <a:rPr lang="en-US" dirty="0"/>
+              <a:t>As cloud technology improves further into the future MCTV limited will follow and become a larger and better company. </a:t>
+            </a:r>
+          </a:p>
+          <a:p>
+            <a:pPr marL="0" indent="0">
+              <a:buNone/>
+            </a:pPr>
+            <a:endParaRPr lang="en-US" dirty="0"/>
+          </a:p>
+          <a:p>
+            <a:endParaRPr lang="en-US" dirty="0"/>
+          </a:p>
+        </p:txBody>
+      </p:sp>
+      <p:sp>
+        <p:nvSpPr>
+          <p:cNvPr id="4" name="TextBox 3"/>
+          <p:cNvSpPr txBox="1"/>
+          <p:nvPr/>
+        </p:nvSpPr>
+        <p:spPr>
+          <a:xfrm>
+            <a:off x="10217426" y="658574"/>
+            <a:ext cx="940904" cy="369332"/>
+          </a:xfrm>
+          <a:prstGeom prst="rect">
+            <a:avLst/>
+          </a:prstGeom>
+          <a:noFill/>
+        </p:spPr>
+        <p:txBody>
+          <a:bodyPr wrap="square" rtlCol="0">
+            <a:spAutoFit/>
+          </a:bodyPr>
+          <a:lstStyle/>
+          <a:p>
+            <a:r>
+              <a:rPr lang="en-GB" dirty="0"/>
+              <a:t>Antonio</a:t>
+            </a:r>
+          </a:p>
+        </p:txBody>
+      </p:sp>
+    </p:spTree>
+    <p:extLst>
+      <p:ext uri="{BB962C8B-B14F-4D97-AF65-F5344CB8AC3E}">
+        <p14:creationId xmlns:p14="http://schemas.microsoft.com/office/powerpoint/2010/main" val="2325120104"/>
+      </p:ext>
+    </p:extLst>
+  </p:cSld>
+  <p:clrMapOvr>
+    <a:masterClrMapping/>
+  </p:clrMapOvr>
+</p:sld>
+</file>
+
+<file path=ppt/slides/slide46.xml><?xml version="1.0" encoding="utf-8"?>
+<p:sld xmlns:a="http://schemas.openxmlformats.org/drawingml/2006/main" xmlns:r="http://schemas.openxmlformats.org/officeDocument/2006/relationships" xmlns:p="http://schemas.openxmlformats.org/presentationml/2006/main">
+  <p:cSld>
+    <p:spTree>
+      <p:nvGrpSpPr>
+        <p:cNvPr id="1" name=""/>
+        <p:cNvGrpSpPr/>
+        <p:nvPr/>
+      </p:nvGrpSpPr>
+      <p:grpSpPr>
+        <a:xfrm>
+          <a:off x="0" y="0"/>
+          <a:ext cx="0" cy="0"/>
+          <a:chOff x="0" y="0"/>
+          <a:chExt cx="0" cy="0"/>
+        </a:xfrm>
+      </p:grpSpPr>
+      <p:sp>
+        <p:nvSpPr>
+          <p:cNvPr id="2" name="Title 1"/>
+          <p:cNvSpPr>
+            <a:spLocks noGrp="1"/>
+          </p:cNvSpPr>
+          <p:nvPr>
+            <p:ph type="title"/>
+          </p:nvPr>
+        </p:nvSpPr>
+        <p:spPr/>
+        <p:txBody>
+          <a:bodyPr/>
+          <a:lstStyle/>
+          <a:p>
+            <a:r>
+              <a:rPr lang="en-GB"/>
+              <a:t>Questions?</a:t>
+            </a:r>
+            <a:endParaRPr lang="en-US" dirty="0"/>
+          </a:p>
+        </p:txBody>
+      </p:sp>
+      <p:sp>
+        <p:nvSpPr>
+          <p:cNvPr id="3" name="Content Placeholder 2"/>
+          <p:cNvSpPr>
+            <a:spLocks noGrp="1"/>
+          </p:cNvSpPr>
+          <p:nvPr>
+            <p:ph idx="1"/>
+          </p:nvPr>
+        </p:nvSpPr>
+        <p:spPr>
+          <a:xfrm>
+            <a:off x="838200" y="1825625"/>
+            <a:ext cx="10515600" cy="4351338"/>
+          </a:xfrm>
+        </p:spPr>
+        <p:txBody>
+          <a:bodyPr/>
+          <a:lstStyle/>
+          <a:p>
+            <a:pPr algn="ctr"/>
+            <a:endParaRPr lang="en-US" dirty="0"/>
+          </a:p>
+          <a:p>
+            <a:pPr marL="0" indent="0" algn="ctr">
+              <a:buNone/>
+            </a:pPr>
+            <a:r>
+              <a:rPr lang="en-US" dirty="0"/>
+              <a:t>Thank you for listening </a:t>
+            </a:r>
+          </a:p>
+          <a:p>
+            <a:pPr marL="0" indent="0" algn="ctr">
+              <a:buNone/>
+            </a:pPr>
+            <a:r>
+              <a:rPr lang="en-US" dirty="0"/>
+              <a:t>Any Questions?</a:t>
+            </a:r>
+          </a:p>
+          <a:p>
+            <a:pPr marL="0" indent="0" algn="ctr">
+              <a:buNone/>
+            </a:pPr>
+            <a:endParaRPr lang="en-US" dirty="0"/>
+          </a:p>
+          <a:p>
+            <a:pPr marL="0" indent="0" algn="ctr">
+              <a:buNone/>
+            </a:pPr>
+            <a:endParaRPr lang="en-US" dirty="0"/>
+          </a:p>
+        </p:txBody>
+      </p:sp>
+      <p:pic>
+        <p:nvPicPr>
+          <p:cNvPr id="1026" name="Picture 2" descr="Image result for questions mark images"/>
+          <p:cNvPicPr>
+            <a:picLocks noChangeAspect="1" noChangeArrowheads="1"/>
+          </p:cNvPicPr>
+          <p:nvPr/>
+        </p:nvPicPr>
+        <p:blipFill>
+          <a:blip r:embed="rId2">
+            <a:extLst>
+              <a:ext uri="{28A0092B-C50C-407E-A947-70E740481C1C}">
+                <a14:useLocalDpi xmlns:a14="http://schemas.microsoft.com/office/drawing/2010/main" val="0"/>
+              </a:ext>
+            </a:extLst>
+          </a:blip>
+          <a:srcRect/>
+          <a:stretch>
+            <a:fillRect/>
+          </a:stretch>
+        </p:blipFill>
+        <p:spPr bwMode="auto">
+          <a:xfrm>
+            <a:off x="5028993" y="3642071"/>
+            <a:ext cx="1895475" cy="2409825"/>
+          </a:xfrm>
+          <a:prstGeom prst="rect">
+            <a:avLst/>
+          </a:prstGeom>
+          <a:noFill/>
+          <a:extLst>
+            <a:ext uri="{909E8E84-426E-40DD-AFC4-6F175D3DCCD1}">
+              <a14:hiddenFill xmlns:a14="http://schemas.microsoft.com/office/drawing/2010/main">
+                <a:solidFill>
+                  <a:srgbClr val="FFFFFF"/>
+                </a:solidFill>
+              </a14:hiddenFill>
+            </a:ext>
+          </a:extLst>
+        </p:spPr>
+      </p:pic>
+      <p:sp>
+        <p:nvSpPr>
+          <p:cNvPr id="5" name="TextBox 4"/>
+          <p:cNvSpPr txBox="1"/>
+          <p:nvPr/>
+        </p:nvSpPr>
+        <p:spPr>
+          <a:xfrm>
+            <a:off x="10204173" y="658574"/>
+            <a:ext cx="1149626" cy="369332"/>
+          </a:xfrm>
+          <a:prstGeom prst="rect">
+            <a:avLst/>
+          </a:prstGeom>
+          <a:noFill/>
+        </p:spPr>
+        <p:txBody>
+          <a:bodyPr wrap="square" rtlCol="0">
+            <a:spAutoFit/>
+          </a:bodyPr>
+          <a:lstStyle/>
+          <a:p>
+            <a:r>
+              <a:rPr lang="en-GB" dirty="0"/>
+              <a:t>Everyone</a:t>
+            </a:r>
+          </a:p>
+        </p:txBody>
+      </p:sp>
+    </p:spTree>
+    <p:extLst>
+      <p:ext uri="{BB962C8B-B14F-4D97-AF65-F5344CB8AC3E}">
+        <p14:creationId xmlns:p14="http://schemas.microsoft.com/office/powerpoint/2010/main" val="3349935074"/>
       </p:ext>
     </p:extLst>
   </p:cSld>
